--- a/Training/LG_Training_C++11.pptx
+++ b/Training/LG_Training_C++11.pptx
@@ -125,6 +125,9 @@
     <p:ext uri="{EFAFB233-063F-42B5-8137-9DF3F51BA10A}">
       <p15:sldGuideLst xmlns:p15="http://schemas.microsoft.com/office/powerpoint/2012/main"/>
     </p:ext>
+    <p:ext uri="{2D200454-40CA-4A62-9FC3-DE9A4176ACB9}">
+      <p15:notesGuideLst xmlns:p15="http://schemas.microsoft.com/office/powerpoint/2012/main"/>
+    </p:ext>
   </p:extLst>
 </p:presentation>
 </file>
@@ -211,7 +214,7 @@
           <a:p>
             <a:fld id="{8CED4065-FBD2-40E7-8D05-BB12B661EDC2}" type="datetimeFigureOut">
               <a:rPr lang="en-US" smtClean="0"/>
-              <a:t>10/25/2018</a:t>
+              <a:t>11/1/2018</a:t>
             </a:fld>
             <a:endParaRPr lang="en-US"/>
           </a:p>
@@ -850,11 +853,1265 @@
             </a:r>
             <a:r>
               <a:rPr lang="en-US" dirty="0" err="1" smtClean="0"/>
+              <a:t>cstdbool</a:t>
+            </a:r>
+            <a:r>
+              <a:rPr lang="en-US" dirty="0" smtClean="0"/>
+              <a:t>&gt; : </a:t>
+            </a:r>
+            <a:r>
+              <a:rPr lang="en-US" sz="1200" b="0" i="0" kern="1200" dirty="0" smtClean="0">
+                <a:solidFill>
+                  <a:schemeClr val="tx1"/>
+                </a:solidFill>
+                <a:effectLst/>
+                <a:latin typeface="+mn-lt"/>
+                <a:ea typeface="+mn-ea"/>
+                <a:cs typeface="+mn-cs"/>
+              </a:rPr>
+              <a:t>The purpose in C of this header is to add a </a:t>
+            </a:r>
+            <a:r>
+              <a:rPr lang="en-US" dirty="0" err="1" smtClean="0"/>
+              <a:t>bool</a:t>
+            </a:r>
+            <a:r>
+              <a:rPr lang="en-US" sz="1200" b="0" i="0" kern="1200" dirty="0" smtClean="0">
+                <a:solidFill>
+                  <a:schemeClr val="tx1"/>
+                </a:solidFill>
+                <a:effectLst/>
+                <a:latin typeface="+mn-lt"/>
+                <a:ea typeface="+mn-ea"/>
+                <a:cs typeface="+mn-cs"/>
+              </a:rPr>
+              <a:t> type and the </a:t>
+            </a:r>
+            <a:r>
+              <a:rPr lang="en-US" dirty="0" smtClean="0"/>
+              <a:t>true</a:t>
+            </a:r>
+            <a:r>
+              <a:rPr lang="en-US" sz="1200" b="0" i="0" kern="1200" dirty="0" smtClean="0">
+                <a:solidFill>
+                  <a:schemeClr val="tx1"/>
+                </a:solidFill>
+                <a:effectLst/>
+                <a:latin typeface="+mn-lt"/>
+                <a:ea typeface="+mn-ea"/>
+                <a:cs typeface="+mn-cs"/>
+              </a:rPr>
+              <a:t> and </a:t>
+            </a:r>
+            <a:r>
+              <a:rPr lang="en-US" dirty="0" smtClean="0"/>
+              <a:t>false</a:t>
+            </a:r>
+            <a:r>
+              <a:rPr lang="en-US" sz="1200" b="0" i="0" kern="1200" dirty="0" smtClean="0">
+                <a:solidFill>
+                  <a:schemeClr val="tx1"/>
+                </a:solidFill>
+                <a:effectLst/>
+                <a:latin typeface="+mn-lt"/>
+                <a:ea typeface="+mn-ea"/>
+                <a:cs typeface="+mn-cs"/>
+              </a:rPr>
+              <a:t> values as macro definitions.</a:t>
+            </a:r>
+          </a:p>
+          <a:p>
+            <a:r>
+              <a:rPr lang="en-US" sz="1200" b="0" i="0" kern="1200" dirty="0" smtClean="0">
+                <a:solidFill>
+                  <a:schemeClr val="tx1"/>
+                </a:solidFill>
+                <a:effectLst/>
+                <a:latin typeface="+mn-lt"/>
+                <a:ea typeface="+mn-ea"/>
+                <a:cs typeface="+mn-cs"/>
+              </a:rPr>
+              <a:t>&lt;</a:t>
+            </a:r>
+            <a:r>
+              <a:rPr lang="en-US" sz="1200" b="0" i="0" kern="1200" dirty="0" err="1" smtClean="0">
+                <a:solidFill>
+                  <a:schemeClr val="tx1"/>
+                </a:solidFill>
+                <a:effectLst/>
+                <a:latin typeface="+mn-lt"/>
+                <a:ea typeface="+mn-ea"/>
+                <a:cs typeface="+mn-cs"/>
+              </a:rPr>
+              <a:t>cuchar</a:t>
+            </a:r>
+            <a:r>
+              <a:rPr lang="en-US" sz="1200" b="0" i="0" kern="1200" dirty="0" smtClean="0">
+                <a:solidFill>
+                  <a:schemeClr val="tx1"/>
+                </a:solidFill>
+                <a:effectLst/>
+                <a:latin typeface="+mn-lt"/>
+                <a:ea typeface="+mn-ea"/>
+                <a:cs typeface="+mn-cs"/>
+              </a:rPr>
+              <a:t>&gt;    :  This header provides support for 16-bit and 32-bit characters, suitable to be encoded using UTF-16 and UTF-32.</a:t>
+            </a:r>
+          </a:p>
+          <a:p>
+            <a:pPr marL="0" marR="0" indent="0" algn="l" defTabSz="914400" rtl="0" eaLnBrk="1" fontAlgn="auto" latinLnBrk="0" hangingPunct="1">
+              <a:lnSpc>
+                <a:spcPct val="100000"/>
+              </a:lnSpc>
+              <a:spcBef>
+                <a:spcPts val="0"/>
+              </a:spcBef>
+              <a:spcAft>
+                <a:spcPts val="0"/>
+              </a:spcAft>
+              <a:buClrTx/>
+              <a:buSzTx/>
+              <a:buFontTx/>
+              <a:buNone/>
+              <a:tabLst/>
+              <a:defRPr/>
+            </a:pPr>
+            <a:r>
+              <a:rPr lang="en-US" dirty="0" smtClean="0"/>
+              <a:t>&lt;</a:t>
+            </a:r>
+            <a:r>
+              <a:rPr lang="en-US" dirty="0" err="1" smtClean="0"/>
+              <a:t>cstdint</a:t>
+            </a:r>
+            <a:r>
+              <a:rPr lang="en-US" dirty="0" smtClean="0"/>
+              <a:t>&gt;: </a:t>
+            </a:r>
+            <a:r>
+              <a:rPr lang="en-US" sz="1200" b="0" i="0" kern="1200" dirty="0" smtClean="0">
+                <a:solidFill>
+                  <a:schemeClr val="tx1"/>
+                </a:solidFill>
+                <a:effectLst/>
+                <a:latin typeface="+mn-lt"/>
+                <a:ea typeface="+mn-ea"/>
+                <a:cs typeface="+mn-cs"/>
+              </a:rPr>
+              <a:t>This header defines a set of integral type aliases with specific width requirements, along with macros specifying their limits and macro functions to create values of these types.</a:t>
+            </a:r>
+          </a:p>
+          <a:p>
+            <a:pPr marL="0" marR="0" indent="0" algn="l" defTabSz="914400" rtl="0" eaLnBrk="1" fontAlgn="auto" latinLnBrk="0" hangingPunct="1">
+              <a:lnSpc>
+                <a:spcPct val="100000"/>
+              </a:lnSpc>
+              <a:spcBef>
+                <a:spcPts val="0"/>
+              </a:spcBef>
+              <a:spcAft>
+                <a:spcPts val="0"/>
+              </a:spcAft>
+              <a:buClrTx/>
+              <a:buSzTx/>
+              <a:buFontTx/>
+              <a:buNone/>
+              <a:tabLst/>
+              <a:defRPr/>
+            </a:pPr>
+            <a:r>
+              <a:rPr lang="en-US" dirty="0" smtClean="0"/>
+              <a:t>&lt;</a:t>
+            </a:r>
+            <a:r>
+              <a:rPr lang="en-US" dirty="0" err="1" smtClean="0"/>
+              <a:t>cinttypes</a:t>
+            </a:r>
+            <a:r>
+              <a:rPr lang="en-US" dirty="0" smtClean="0"/>
+              <a:t>&gt; : </a:t>
+            </a:r>
+            <a:r>
+              <a:rPr lang="en-US" sz="1200" b="0" i="0" kern="1200" dirty="0" smtClean="0">
+                <a:solidFill>
+                  <a:schemeClr val="tx1"/>
+                </a:solidFill>
+                <a:effectLst/>
+                <a:latin typeface="+mn-lt"/>
+                <a:ea typeface="+mn-ea"/>
+                <a:cs typeface="+mn-cs"/>
+              </a:rPr>
+              <a:t>Header with library support for </a:t>
+            </a:r>
+            <a:r>
+              <a:rPr lang="en-US" sz="1200" b="0" i="1" u="none" strike="noStrike" kern="1200" dirty="0" smtClean="0">
+                <a:solidFill>
+                  <a:schemeClr val="tx1"/>
+                </a:solidFill>
+                <a:effectLst/>
+                <a:latin typeface="+mn-lt"/>
+                <a:ea typeface="+mn-ea"/>
+                <a:cs typeface="+mn-cs"/>
+                <a:hlinkClick r:id="rId3"/>
+              </a:rPr>
+              <a:t>width-based integral types</a:t>
+            </a:r>
+            <a:r>
+              <a:rPr lang="en-US" sz="1200" b="0" i="0" kern="1200" dirty="0" smtClean="0">
+                <a:solidFill>
+                  <a:schemeClr val="tx1"/>
+                </a:solidFill>
+                <a:effectLst/>
+                <a:latin typeface="+mn-lt"/>
+                <a:ea typeface="+mn-ea"/>
+                <a:cs typeface="+mn-cs"/>
+              </a:rPr>
+              <a:t>.</a:t>
+            </a:r>
+          </a:p>
+          <a:p>
+            <a:pPr marL="0" marR="0" indent="0" algn="l" defTabSz="914400" rtl="0" eaLnBrk="1" fontAlgn="auto" latinLnBrk="0" hangingPunct="1">
+              <a:lnSpc>
+                <a:spcPct val="100000"/>
+              </a:lnSpc>
+              <a:spcBef>
+                <a:spcPts val="0"/>
+              </a:spcBef>
+              <a:spcAft>
+                <a:spcPts val="0"/>
+              </a:spcAft>
+              <a:buClrTx/>
+              <a:buSzTx/>
+              <a:buFontTx/>
+              <a:buNone/>
+              <a:tabLst/>
+              <a:defRPr/>
+            </a:pPr>
+            <a:r>
+              <a:rPr lang="en-US" sz="1200" b="0" i="0" kern="1200" dirty="0" smtClean="0">
+                <a:solidFill>
+                  <a:schemeClr val="tx1"/>
+                </a:solidFill>
+                <a:effectLst/>
+                <a:latin typeface="+mn-lt"/>
+                <a:ea typeface="+mn-ea"/>
+                <a:cs typeface="+mn-cs"/>
+              </a:rPr>
+              <a:t>&lt;</a:t>
+            </a:r>
+            <a:r>
+              <a:rPr lang="en-US" sz="1200" b="0" i="0" kern="1200" dirty="0" err="1" smtClean="0">
+                <a:solidFill>
+                  <a:schemeClr val="tx1"/>
+                </a:solidFill>
+                <a:effectLst/>
+                <a:latin typeface="+mn-lt"/>
+                <a:ea typeface="+mn-ea"/>
+                <a:cs typeface="+mn-cs"/>
+              </a:rPr>
+              <a:t>ctgmath</a:t>
+            </a:r>
+            <a:r>
+              <a:rPr lang="en-US" sz="1200" b="0" i="0" kern="1200" dirty="0" smtClean="0">
+                <a:solidFill>
+                  <a:schemeClr val="tx1"/>
+                </a:solidFill>
+                <a:effectLst/>
+                <a:latin typeface="+mn-lt"/>
+                <a:ea typeface="+mn-ea"/>
+                <a:cs typeface="+mn-cs"/>
+              </a:rPr>
+              <a:t>&gt; : This header simply includes </a:t>
+            </a:r>
+            <a:r>
+              <a:rPr lang="en-US" sz="1200" u="none" strike="noStrike" kern="1200" dirty="0" smtClean="0">
+                <a:solidFill>
+                  <a:schemeClr val="tx1"/>
+                </a:solidFill>
+                <a:effectLst/>
+                <a:latin typeface="+mn-lt"/>
+                <a:ea typeface="+mn-ea"/>
+                <a:cs typeface="+mn-cs"/>
+                <a:hlinkClick r:id="rId4"/>
+              </a:rPr>
+              <a:t>&lt;</a:t>
+            </a:r>
+            <a:r>
+              <a:rPr lang="en-US" sz="1200" u="none" strike="noStrike" kern="1200" dirty="0" err="1" smtClean="0">
+                <a:solidFill>
+                  <a:schemeClr val="tx1"/>
+                </a:solidFill>
+                <a:effectLst/>
+                <a:latin typeface="+mn-lt"/>
+                <a:ea typeface="+mn-ea"/>
+                <a:cs typeface="+mn-cs"/>
+                <a:hlinkClick r:id="rId4"/>
+              </a:rPr>
+              <a:t>cmath</a:t>
+            </a:r>
+            <a:r>
+              <a:rPr lang="en-US" sz="1200" u="none" strike="noStrike" kern="1200" dirty="0" smtClean="0">
+                <a:solidFill>
+                  <a:schemeClr val="tx1"/>
+                </a:solidFill>
+                <a:effectLst/>
+                <a:latin typeface="+mn-lt"/>
+                <a:ea typeface="+mn-ea"/>
+                <a:cs typeface="+mn-cs"/>
+                <a:hlinkClick r:id="rId4"/>
+              </a:rPr>
+              <a:t>&gt;</a:t>
+            </a:r>
+            <a:r>
+              <a:rPr lang="en-US" sz="1200" b="0" i="0" kern="1200" dirty="0" smtClean="0">
+                <a:solidFill>
+                  <a:schemeClr val="tx1"/>
+                </a:solidFill>
+                <a:effectLst/>
+                <a:latin typeface="+mn-lt"/>
+                <a:ea typeface="+mn-ea"/>
+                <a:cs typeface="+mn-cs"/>
+              </a:rPr>
+              <a:t> and </a:t>
+            </a:r>
+            <a:r>
+              <a:rPr lang="en-US" sz="1200" u="none" strike="noStrike" kern="1200" dirty="0" smtClean="0">
+                <a:solidFill>
+                  <a:schemeClr val="tx1"/>
+                </a:solidFill>
+                <a:effectLst/>
+                <a:latin typeface="+mn-lt"/>
+                <a:ea typeface="+mn-ea"/>
+                <a:cs typeface="+mn-cs"/>
+                <a:hlinkClick r:id="rId5"/>
+              </a:rPr>
+              <a:t>&lt;</a:t>
+            </a:r>
+            <a:r>
+              <a:rPr lang="en-US" sz="1200" u="none" strike="noStrike" kern="1200" dirty="0" err="1" smtClean="0">
+                <a:solidFill>
+                  <a:schemeClr val="tx1"/>
+                </a:solidFill>
+                <a:effectLst/>
+                <a:latin typeface="+mn-lt"/>
+                <a:ea typeface="+mn-ea"/>
+                <a:cs typeface="+mn-cs"/>
+                <a:hlinkClick r:id="rId5"/>
+              </a:rPr>
+              <a:t>ccomplex</a:t>
+            </a:r>
+            <a:r>
+              <a:rPr lang="en-US" sz="1200" u="none" strike="noStrike" kern="1200" dirty="0" smtClean="0">
+                <a:solidFill>
+                  <a:schemeClr val="tx1"/>
+                </a:solidFill>
+                <a:effectLst/>
+                <a:latin typeface="+mn-lt"/>
+                <a:ea typeface="+mn-ea"/>
+                <a:cs typeface="+mn-cs"/>
+                <a:hlinkClick r:id="rId5"/>
+              </a:rPr>
+              <a:t>&gt;</a:t>
+            </a:r>
+            <a:r>
+              <a:rPr lang="en-US" sz="1200" b="0" i="0" kern="1200" dirty="0" smtClean="0">
+                <a:solidFill>
+                  <a:schemeClr val="tx1"/>
+                </a:solidFill>
+                <a:effectLst/>
+                <a:latin typeface="+mn-lt"/>
+                <a:ea typeface="+mn-ea"/>
+                <a:cs typeface="+mn-cs"/>
+              </a:rPr>
+              <a:t>.</a:t>
+            </a:r>
+          </a:p>
+          <a:p>
+            <a:pPr marL="0" marR="0" indent="0" algn="l" defTabSz="914400" rtl="0" eaLnBrk="1" fontAlgn="auto" latinLnBrk="0" hangingPunct="1">
+              <a:lnSpc>
+                <a:spcPct val="100000"/>
+              </a:lnSpc>
+              <a:spcBef>
+                <a:spcPts val="0"/>
+              </a:spcBef>
+              <a:spcAft>
+                <a:spcPts val="0"/>
+              </a:spcAft>
+              <a:buClrTx/>
+              <a:buSzTx/>
+              <a:buFontTx/>
+              <a:buNone/>
+              <a:tabLst/>
+              <a:defRPr/>
+            </a:pPr>
+            <a:r>
+              <a:rPr lang="en-US" dirty="0" smtClean="0"/>
+              <a:t>&lt;</a:t>
+            </a:r>
+            <a:r>
+              <a:rPr lang="en-US" dirty="0" err="1" smtClean="0"/>
               <a:t>cfenv</a:t>
             </a:r>
             <a:r>
-              <a:rPr lang="en-US" smtClean="0"/>
+              <a:rPr lang="en-US" dirty="0" smtClean="0"/>
               <a:t>&gt; : </a:t>
+            </a:r>
+            <a:r>
+              <a:rPr lang="en-US" sz="1200" b="0" i="0" kern="1200" dirty="0" smtClean="0">
+                <a:solidFill>
+                  <a:schemeClr val="tx1"/>
+                </a:solidFill>
+                <a:effectLst/>
+                <a:latin typeface="+mn-lt"/>
+                <a:ea typeface="+mn-ea"/>
+                <a:cs typeface="+mn-cs"/>
+              </a:rPr>
+              <a:t>This header declares a set of functions and macros to access the </a:t>
+            </a:r>
+            <a:r>
+              <a:rPr lang="en-US" sz="1200" b="0" i="1" kern="1200" dirty="0" smtClean="0">
+                <a:solidFill>
+                  <a:schemeClr val="tx1"/>
+                </a:solidFill>
+                <a:effectLst/>
+                <a:latin typeface="+mn-lt"/>
+                <a:ea typeface="+mn-ea"/>
+                <a:cs typeface="+mn-cs"/>
+              </a:rPr>
+              <a:t>floating-point environment</a:t>
+            </a:r>
+            <a:r>
+              <a:rPr lang="en-US" sz="1200" b="0" i="0" kern="1200" dirty="0" smtClean="0">
+                <a:solidFill>
+                  <a:schemeClr val="tx1"/>
+                </a:solidFill>
+                <a:effectLst/>
+                <a:latin typeface="+mn-lt"/>
+                <a:ea typeface="+mn-ea"/>
+                <a:cs typeface="+mn-cs"/>
+              </a:rPr>
+              <a:t>, along with specific types</a:t>
+            </a:r>
+          </a:p>
+          <a:p>
+            <a:pPr marL="0" marR="0" indent="0" algn="l" defTabSz="914400" rtl="0" eaLnBrk="1" fontAlgn="auto" latinLnBrk="0" hangingPunct="1">
+              <a:lnSpc>
+                <a:spcPct val="100000"/>
+              </a:lnSpc>
+              <a:spcBef>
+                <a:spcPts val="0"/>
+              </a:spcBef>
+              <a:spcAft>
+                <a:spcPts val="0"/>
+              </a:spcAft>
+              <a:buClrTx/>
+              <a:buSzTx/>
+              <a:buFontTx/>
+              <a:buNone/>
+              <a:tabLst/>
+              <a:defRPr/>
+            </a:pPr>
+            <a:endParaRPr lang="en-US" sz="1200" b="0" i="0" kern="1200" dirty="0" smtClean="0">
+              <a:solidFill>
+                <a:schemeClr val="tx1"/>
+              </a:solidFill>
+              <a:effectLst/>
+              <a:latin typeface="+mn-lt"/>
+              <a:ea typeface="+mn-ea"/>
+              <a:cs typeface="+mn-cs"/>
+            </a:endParaRPr>
+          </a:p>
+          <a:p>
+            <a:pPr marL="0" marR="0" indent="0" algn="l" defTabSz="914400" rtl="0" eaLnBrk="1" fontAlgn="auto" latinLnBrk="0" hangingPunct="1">
+              <a:lnSpc>
+                <a:spcPct val="100000"/>
+              </a:lnSpc>
+              <a:spcBef>
+                <a:spcPts val="0"/>
+              </a:spcBef>
+              <a:spcAft>
+                <a:spcPts val="0"/>
+              </a:spcAft>
+              <a:buClrTx/>
+              <a:buSzTx/>
+              <a:buFontTx/>
+              <a:buNone/>
+              <a:tabLst/>
+              <a:defRPr/>
+            </a:pPr>
+            <a:r>
+              <a:rPr lang="en-US" sz="1200" b="0" i="0" kern="1200" dirty="0" smtClean="0">
+                <a:solidFill>
+                  <a:schemeClr val="tx1"/>
+                </a:solidFill>
+                <a:effectLst/>
+                <a:latin typeface="+mn-lt"/>
+                <a:ea typeface="+mn-ea"/>
+                <a:cs typeface="+mn-cs"/>
+              </a:rPr>
+              <a:t>&lt;array&gt; : Header that defines the fixed-size </a:t>
+            </a:r>
+            <a:r>
+              <a:rPr lang="en-US" sz="1200" b="0" i="0" u="none" strike="noStrike" kern="1200" dirty="0" smtClean="0">
+                <a:solidFill>
+                  <a:schemeClr val="tx1"/>
+                </a:solidFill>
+                <a:effectLst/>
+                <a:latin typeface="+mn-lt"/>
+                <a:ea typeface="+mn-ea"/>
+                <a:cs typeface="+mn-cs"/>
+                <a:hlinkClick r:id="rId6"/>
+              </a:rPr>
+              <a:t>array</a:t>
+            </a:r>
+            <a:r>
+              <a:rPr lang="en-US" sz="1200" b="0" i="0" kern="1200" dirty="0" smtClean="0">
+                <a:solidFill>
+                  <a:schemeClr val="tx1"/>
+                </a:solidFill>
+                <a:effectLst/>
+                <a:latin typeface="+mn-lt"/>
+                <a:ea typeface="+mn-ea"/>
+                <a:cs typeface="+mn-cs"/>
+              </a:rPr>
+              <a:t> container class</a:t>
+            </a:r>
+          </a:p>
+          <a:p>
+            <a:pPr marL="0" marR="0" indent="0" algn="l" defTabSz="914400" rtl="0" eaLnBrk="1" fontAlgn="auto" latinLnBrk="0" hangingPunct="1">
+              <a:lnSpc>
+                <a:spcPct val="100000"/>
+              </a:lnSpc>
+              <a:spcBef>
+                <a:spcPts val="0"/>
+              </a:spcBef>
+              <a:spcAft>
+                <a:spcPts val="0"/>
+              </a:spcAft>
+              <a:buClrTx/>
+              <a:buSzTx/>
+              <a:buFontTx/>
+              <a:buNone/>
+              <a:tabLst/>
+              <a:defRPr/>
+            </a:pPr>
+            <a:r>
+              <a:rPr lang="en-US" sz="1200" b="0" i="0" kern="1200" dirty="0" smtClean="0">
+                <a:solidFill>
+                  <a:schemeClr val="tx1"/>
+                </a:solidFill>
+                <a:effectLst/>
+                <a:latin typeface="+mn-lt"/>
+                <a:ea typeface="+mn-ea"/>
+                <a:cs typeface="+mn-cs"/>
+              </a:rPr>
+              <a:t>&lt;</a:t>
+            </a:r>
+            <a:r>
+              <a:rPr lang="en-US" sz="1200" b="0" i="0" kern="1200" dirty="0" err="1" smtClean="0">
+                <a:solidFill>
+                  <a:schemeClr val="tx1"/>
+                </a:solidFill>
+                <a:effectLst/>
+                <a:latin typeface="+mn-lt"/>
+                <a:ea typeface="+mn-ea"/>
+                <a:cs typeface="+mn-cs"/>
+              </a:rPr>
+              <a:t>forward_list</a:t>
+            </a:r>
+            <a:r>
+              <a:rPr lang="en-US" sz="1200" b="0" i="0" kern="1200" dirty="0" smtClean="0">
+                <a:solidFill>
+                  <a:schemeClr val="tx1"/>
+                </a:solidFill>
+                <a:effectLst/>
+                <a:latin typeface="+mn-lt"/>
+                <a:ea typeface="+mn-ea"/>
+                <a:cs typeface="+mn-cs"/>
+              </a:rPr>
+              <a:t>&gt; : Header that defines the </a:t>
+            </a:r>
+            <a:r>
+              <a:rPr lang="en-US" sz="1200" b="0" i="0" u="none" strike="noStrike" kern="1200" dirty="0" err="1" smtClean="0">
+                <a:solidFill>
+                  <a:schemeClr val="tx1"/>
+                </a:solidFill>
+                <a:effectLst/>
+                <a:latin typeface="+mn-lt"/>
+                <a:ea typeface="+mn-ea"/>
+                <a:cs typeface="+mn-cs"/>
+                <a:hlinkClick r:id="rId7"/>
+              </a:rPr>
+              <a:t>forward_list</a:t>
+            </a:r>
+            <a:r>
+              <a:rPr lang="en-US" sz="1200" b="0" i="0" kern="1200" dirty="0" smtClean="0">
+                <a:solidFill>
+                  <a:schemeClr val="tx1"/>
+                </a:solidFill>
+                <a:effectLst/>
+                <a:latin typeface="+mn-lt"/>
+                <a:ea typeface="+mn-ea"/>
+                <a:cs typeface="+mn-cs"/>
+              </a:rPr>
+              <a:t> container class</a:t>
+            </a:r>
+          </a:p>
+          <a:p>
+            <a:pPr marL="0" marR="0" indent="0" algn="l" defTabSz="914400" rtl="0" eaLnBrk="1" fontAlgn="auto" latinLnBrk="0" hangingPunct="1">
+              <a:lnSpc>
+                <a:spcPct val="100000"/>
+              </a:lnSpc>
+              <a:spcBef>
+                <a:spcPts val="0"/>
+              </a:spcBef>
+              <a:spcAft>
+                <a:spcPts val="0"/>
+              </a:spcAft>
+              <a:buClrTx/>
+              <a:buSzTx/>
+              <a:buFontTx/>
+              <a:buNone/>
+              <a:tabLst/>
+              <a:defRPr/>
+            </a:pPr>
+            <a:r>
+              <a:rPr lang="en-US" sz="1200" b="0" i="0" kern="1200" dirty="0" smtClean="0">
+                <a:solidFill>
+                  <a:schemeClr val="tx1"/>
+                </a:solidFill>
+                <a:effectLst/>
+                <a:latin typeface="+mn-lt"/>
+                <a:ea typeface="+mn-ea"/>
+                <a:cs typeface="+mn-cs"/>
+              </a:rPr>
+              <a:t>&lt;</a:t>
+            </a:r>
+            <a:r>
+              <a:rPr lang="en-US" sz="1200" b="0" i="0" kern="1200" dirty="0" err="1" smtClean="0">
+                <a:solidFill>
+                  <a:schemeClr val="tx1"/>
+                </a:solidFill>
+                <a:effectLst/>
+                <a:latin typeface="+mn-lt"/>
+                <a:ea typeface="+mn-ea"/>
+                <a:cs typeface="+mn-cs"/>
+              </a:rPr>
+              <a:t>unordered_map</a:t>
+            </a:r>
+            <a:r>
+              <a:rPr lang="en-US" sz="1200" b="0" i="0" kern="1200" dirty="0" smtClean="0">
+                <a:solidFill>
+                  <a:schemeClr val="tx1"/>
+                </a:solidFill>
+                <a:effectLst/>
+                <a:latin typeface="+mn-lt"/>
+                <a:ea typeface="+mn-ea"/>
+                <a:cs typeface="+mn-cs"/>
+              </a:rPr>
+              <a:t>&gt; : Header that defines the </a:t>
+            </a:r>
+            <a:r>
+              <a:rPr lang="en-US" sz="1200" b="0" i="0" u="none" strike="noStrike" kern="1200" dirty="0" err="1" smtClean="0">
+                <a:solidFill>
+                  <a:schemeClr val="tx1"/>
+                </a:solidFill>
+                <a:effectLst/>
+                <a:latin typeface="+mn-lt"/>
+                <a:ea typeface="+mn-ea"/>
+                <a:cs typeface="+mn-cs"/>
+                <a:hlinkClick r:id="rId8"/>
+              </a:rPr>
+              <a:t>unordered_map</a:t>
+            </a:r>
+            <a:r>
+              <a:rPr lang="en-US" sz="1200" b="0" i="0" kern="1200" dirty="0" smtClean="0">
+                <a:solidFill>
+                  <a:schemeClr val="tx1"/>
+                </a:solidFill>
+                <a:effectLst/>
+                <a:latin typeface="+mn-lt"/>
+                <a:ea typeface="+mn-ea"/>
+                <a:cs typeface="+mn-cs"/>
+              </a:rPr>
+              <a:t> and </a:t>
+            </a:r>
+            <a:r>
+              <a:rPr lang="en-US" sz="1200" b="0" i="0" u="none" strike="noStrike" kern="1200" dirty="0" err="1" smtClean="0">
+                <a:solidFill>
+                  <a:schemeClr val="tx1"/>
+                </a:solidFill>
+                <a:effectLst/>
+                <a:latin typeface="+mn-lt"/>
+                <a:ea typeface="+mn-ea"/>
+                <a:cs typeface="+mn-cs"/>
+                <a:hlinkClick r:id="rId9"/>
+              </a:rPr>
+              <a:t>unordered_multimap</a:t>
+            </a:r>
+            <a:r>
+              <a:rPr lang="en-US" sz="1200" b="0" i="0" kern="1200" dirty="0" smtClean="0">
+                <a:solidFill>
+                  <a:schemeClr val="tx1"/>
+                </a:solidFill>
+                <a:effectLst/>
+                <a:latin typeface="+mn-lt"/>
+                <a:ea typeface="+mn-ea"/>
+                <a:cs typeface="+mn-cs"/>
+              </a:rPr>
+              <a:t> container classes</a:t>
+            </a:r>
+          </a:p>
+          <a:p>
+            <a:pPr marL="0" marR="0" indent="0" algn="l" defTabSz="914400" rtl="0" eaLnBrk="1" fontAlgn="auto" latinLnBrk="0" hangingPunct="1">
+              <a:lnSpc>
+                <a:spcPct val="100000"/>
+              </a:lnSpc>
+              <a:spcBef>
+                <a:spcPts val="0"/>
+              </a:spcBef>
+              <a:spcAft>
+                <a:spcPts val="0"/>
+              </a:spcAft>
+              <a:buClrTx/>
+              <a:buSzTx/>
+              <a:buFontTx/>
+              <a:buNone/>
+              <a:tabLst/>
+              <a:defRPr/>
+            </a:pPr>
+            <a:r>
+              <a:rPr lang="en-US" sz="1200" b="0" i="0" kern="1200" dirty="0" smtClean="0">
+                <a:solidFill>
+                  <a:schemeClr val="tx1"/>
+                </a:solidFill>
+                <a:effectLst/>
+                <a:latin typeface="+mn-lt"/>
+                <a:ea typeface="+mn-ea"/>
+                <a:cs typeface="+mn-cs"/>
+              </a:rPr>
+              <a:t>&lt;</a:t>
+            </a:r>
+            <a:r>
+              <a:rPr lang="en-US" sz="1200" b="0" i="0" kern="1200" dirty="0" err="1" smtClean="0">
+                <a:solidFill>
+                  <a:schemeClr val="tx1"/>
+                </a:solidFill>
+                <a:effectLst/>
+                <a:latin typeface="+mn-lt"/>
+                <a:ea typeface="+mn-ea"/>
+                <a:cs typeface="+mn-cs"/>
+              </a:rPr>
+              <a:t>unordered_set</a:t>
+            </a:r>
+            <a:r>
+              <a:rPr lang="en-US" sz="1200" b="0" i="0" kern="1200" dirty="0" smtClean="0">
+                <a:solidFill>
+                  <a:schemeClr val="tx1"/>
+                </a:solidFill>
+                <a:effectLst/>
+                <a:latin typeface="+mn-lt"/>
+                <a:ea typeface="+mn-ea"/>
+                <a:cs typeface="+mn-cs"/>
+              </a:rPr>
+              <a:t>&gt;   : Header that defines the </a:t>
+            </a:r>
+            <a:r>
+              <a:rPr lang="en-US" sz="1200" b="0" i="0" u="none" strike="noStrike" kern="1200" dirty="0" err="1" smtClean="0">
+                <a:solidFill>
+                  <a:schemeClr val="tx1"/>
+                </a:solidFill>
+                <a:effectLst/>
+                <a:latin typeface="+mn-lt"/>
+                <a:ea typeface="+mn-ea"/>
+                <a:cs typeface="+mn-cs"/>
+                <a:hlinkClick r:id="rId10"/>
+              </a:rPr>
+              <a:t>unordered_set</a:t>
+            </a:r>
+            <a:r>
+              <a:rPr lang="en-US" sz="1200" b="0" i="0" kern="1200" dirty="0" smtClean="0">
+                <a:solidFill>
+                  <a:schemeClr val="tx1"/>
+                </a:solidFill>
+                <a:effectLst/>
+                <a:latin typeface="+mn-lt"/>
+                <a:ea typeface="+mn-ea"/>
+                <a:cs typeface="+mn-cs"/>
+              </a:rPr>
+              <a:t> and </a:t>
+            </a:r>
+            <a:r>
+              <a:rPr lang="en-US" sz="1200" b="0" i="0" u="none" strike="noStrike" kern="1200" dirty="0" err="1" smtClean="0">
+                <a:solidFill>
+                  <a:schemeClr val="tx1"/>
+                </a:solidFill>
+                <a:effectLst/>
+                <a:latin typeface="+mn-lt"/>
+                <a:ea typeface="+mn-ea"/>
+                <a:cs typeface="+mn-cs"/>
+                <a:hlinkClick r:id="rId11"/>
+              </a:rPr>
+              <a:t>unordered_multiset</a:t>
+            </a:r>
+            <a:r>
+              <a:rPr lang="en-US" sz="1200" b="0" i="0" kern="1200" dirty="0" smtClean="0">
+                <a:solidFill>
+                  <a:schemeClr val="tx1"/>
+                </a:solidFill>
+                <a:effectLst/>
+                <a:latin typeface="+mn-lt"/>
+                <a:ea typeface="+mn-ea"/>
+                <a:cs typeface="+mn-cs"/>
+              </a:rPr>
+              <a:t> container classes</a:t>
+            </a:r>
+          </a:p>
+          <a:p>
+            <a:pPr marL="0" marR="0" indent="0" algn="l" defTabSz="914400" rtl="0" eaLnBrk="1" fontAlgn="auto" latinLnBrk="0" hangingPunct="1">
+              <a:lnSpc>
+                <a:spcPct val="100000"/>
+              </a:lnSpc>
+              <a:spcBef>
+                <a:spcPts val="0"/>
+              </a:spcBef>
+              <a:spcAft>
+                <a:spcPts val="0"/>
+              </a:spcAft>
+              <a:buClrTx/>
+              <a:buSzTx/>
+              <a:buFontTx/>
+              <a:buNone/>
+              <a:tabLst/>
+              <a:defRPr/>
+            </a:pPr>
+            <a:endParaRPr lang="en-US" sz="1200" b="0" i="0" kern="1200" dirty="0" smtClean="0">
+              <a:solidFill>
+                <a:schemeClr val="tx1"/>
+              </a:solidFill>
+              <a:effectLst/>
+              <a:latin typeface="+mn-lt"/>
+              <a:ea typeface="+mn-ea"/>
+              <a:cs typeface="+mn-cs"/>
+            </a:endParaRPr>
+          </a:p>
+          <a:p>
+            <a:endParaRPr lang="en-US" sz="1200" b="0" i="0" kern="1200" dirty="0" smtClean="0">
+              <a:solidFill>
+                <a:schemeClr val="tx1"/>
+              </a:solidFill>
+              <a:effectLst/>
+              <a:latin typeface="+mn-lt"/>
+              <a:ea typeface="+mn-ea"/>
+              <a:cs typeface="+mn-cs"/>
+            </a:endParaRPr>
+          </a:p>
+          <a:p>
+            <a:r>
+              <a:rPr lang="en-US" b="1" dirty="0" smtClean="0"/>
+              <a:t>&lt;</a:t>
+            </a:r>
+            <a:r>
+              <a:rPr lang="en-US" b="1" dirty="0" err="1" smtClean="0"/>
+              <a:t>chrono</a:t>
+            </a:r>
+            <a:r>
+              <a:rPr lang="en-US" b="1" dirty="0" smtClean="0"/>
+              <a:t>&gt; </a:t>
+            </a:r>
+            <a:r>
+              <a:rPr lang="en-US" dirty="0" smtClean="0"/>
+              <a:t>: </a:t>
+            </a:r>
+            <a:r>
+              <a:rPr lang="en-US" sz="1200" b="0" i="0" kern="1200" dirty="0" smtClean="0">
+                <a:solidFill>
+                  <a:schemeClr val="tx1"/>
+                </a:solidFill>
+                <a:effectLst/>
+                <a:latin typeface="+mn-lt"/>
+                <a:ea typeface="+mn-ea"/>
+                <a:cs typeface="+mn-cs"/>
+              </a:rPr>
+              <a:t>The elements in this header deal with time. This is done mainly by means of three concepts: (</a:t>
+            </a:r>
+            <a:r>
+              <a:rPr lang="en-US" sz="1200" b="1" i="1" kern="1200" dirty="0" smtClean="0">
+                <a:solidFill>
+                  <a:schemeClr val="tx1"/>
+                </a:solidFill>
+                <a:effectLst/>
+                <a:latin typeface="+mn-lt"/>
+                <a:ea typeface="+mn-ea"/>
+                <a:cs typeface="+mn-cs"/>
+              </a:rPr>
+              <a:t>Durations, Time points, Clocks</a:t>
+            </a:r>
+            <a:r>
+              <a:rPr lang="en-US" sz="1200" b="0" i="0" kern="1200" dirty="0" smtClean="0">
+                <a:solidFill>
+                  <a:schemeClr val="tx1"/>
+                </a:solidFill>
+                <a:effectLst/>
+                <a:latin typeface="+mn-lt"/>
+                <a:ea typeface="+mn-ea"/>
+                <a:cs typeface="+mn-cs"/>
+              </a:rPr>
+              <a:t>)</a:t>
+            </a:r>
+          </a:p>
+          <a:p>
+            <a:r>
+              <a:rPr lang="en-US" dirty="0" smtClean="0"/>
+              <a:t>&lt;</a:t>
+            </a:r>
+            <a:r>
+              <a:rPr lang="en-US" dirty="0" err="1" smtClean="0"/>
+              <a:t>codecvt</a:t>
+            </a:r>
+            <a:r>
+              <a:rPr lang="en-US" dirty="0" smtClean="0"/>
+              <a:t>&gt; : </a:t>
+            </a:r>
+            <a:r>
+              <a:rPr lang="en-US" sz="1200" b="0" i="0" kern="1200" dirty="0" smtClean="0">
+                <a:solidFill>
+                  <a:schemeClr val="tx1"/>
+                </a:solidFill>
+                <a:effectLst/>
+                <a:latin typeface="+mn-lt"/>
+                <a:ea typeface="+mn-ea"/>
+                <a:cs typeface="+mn-cs"/>
+              </a:rPr>
+              <a:t>Standard facets to convert between UTF character encodings.</a:t>
+            </a:r>
+          </a:p>
+          <a:p>
+            <a:r>
+              <a:rPr lang="en-US" sz="1200" b="1" i="0" kern="1200" dirty="0" smtClean="0">
+                <a:solidFill>
+                  <a:schemeClr val="tx1"/>
+                </a:solidFill>
+                <a:effectLst/>
+                <a:latin typeface="+mn-lt"/>
+                <a:ea typeface="+mn-ea"/>
+                <a:cs typeface="+mn-cs"/>
+              </a:rPr>
+              <a:t>&lt;</a:t>
+            </a:r>
+            <a:r>
+              <a:rPr lang="en-US" sz="1200" b="1" i="0" kern="1200" dirty="0" err="1" smtClean="0">
+                <a:solidFill>
+                  <a:schemeClr val="tx1"/>
+                </a:solidFill>
+                <a:effectLst/>
+                <a:latin typeface="+mn-lt"/>
+                <a:ea typeface="+mn-ea"/>
+                <a:cs typeface="+mn-cs"/>
+              </a:rPr>
+              <a:t>initializer_list</a:t>
+            </a:r>
+            <a:r>
+              <a:rPr lang="en-US" sz="1200" b="1" i="0" kern="1200" dirty="0" smtClean="0">
+                <a:solidFill>
+                  <a:schemeClr val="tx1"/>
+                </a:solidFill>
+                <a:effectLst/>
+                <a:latin typeface="+mn-lt"/>
+                <a:ea typeface="+mn-ea"/>
+                <a:cs typeface="+mn-cs"/>
+              </a:rPr>
+              <a:t>&gt;</a:t>
+            </a:r>
+            <a:r>
+              <a:rPr lang="en-US" sz="1200" b="1" i="0" kern="1200" baseline="0" dirty="0" smtClean="0">
+                <a:solidFill>
+                  <a:schemeClr val="tx1"/>
+                </a:solidFill>
+                <a:effectLst/>
+                <a:latin typeface="+mn-lt"/>
+                <a:ea typeface="+mn-ea"/>
+                <a:cs typeface="+mn-cs"/>
+              </a:rPr>
+              <a:t> </a:t>
+            </a:r>
+            <a:r>
+              <a:rPr lang="en-US" sz="1200" b="0" i="0" kern="1200" baseline="0" dirty="0" smtClean="0">
+                <a:solidFill>
+                  <a:schemeClr val="tx1"/>
+                </a:solidFill>
+                <a:effectLst/>
+                <a:latin typeface="+mn-lt"/>
+                <a:ea typeface="+mn-ea"/>
+                <a:cs typeface="+mn-cs"/>
+              </a:rPr>
+              <a:t>: </a:t>
+            </a:r>
+            <a:r>
+              <a:rPr lang="en-US" sz="1200" b="0" i="0" kern="1200" dirty="0" smtClean="0">
+                <a:solidFill>
+                  <a:schemeClr val="tx1"/>
+                </a:solidFill>
+                <a:effectLst/>
+                <a:latin typeface="+mn-lt"/>
+                <a:ea typeface="+mn-ea"/>
+                <a:cs typeface="+mn-cs"/>
+              </a:rPr>
+              <a:t>Header that defines the </a:t>
+            </a:r>
+            <a:r>
+              <a:rPr lang="en-US" sz="1200" u="none" strike="noStrike" kern="1200" dirty="0" err="1" smtClean="0">
+                <a:solidFill>
+                  <a:schemeClr val="tx1"/>
+                </a:solidFill>
+                <a:effectLst/>
+                <a:latin typeface="+mn-lt"/>
+                <a:ea typeface="+mn-ea"/>
+                <a:cs typeface="+mn-cs"/>
+                <a:hlinkClick r:id="rId12"/>
+              </a:rPr>
+              <a:t>initializer_list</a:t>
+            </a:r>
+            <a:r>
+              <a:rPr lang="en-US" sz="1200" b="0" i="0" kern="1200" dirty="0" smtClean="0">
+                <a:solidFill>
+                  <a:schemeClr val="tx1"/>
+                </a:solidFill>
+                <a:effectLst/>
+                <a:latin typeface="+mn-lt"/>
+                <a:ea typeface="+mn-ea"/>
+                <a:cs typeface="+mn-cs"/>
+              </a:rPr>
+              <a:t> class template.</a:t>
+            </a:r>
+          </a:p>
+          <a:p>
+            <a:r>
+              <a:rPr lang="en-US" sz="1200" b="0" i="0" kern="1200" dirty="0" smtClean="0">
+                <a:solidFill>
+                  <a:schemeClr val="tx1"/>
+                </a:solidFill>
+                <a:effectLst/>
+                <a:latin typeface="+mn-lt"/>
+                <a:ea typeface="+mn-ea"/>
+                <a:cs typeface="+mn-cs"/>
+              </a:rPr>
+              <a:t>&lt;random&gt; : This header introduces random number generation facilities.</a:t>
+            </a:r>
+          </a:p>
+          <a:p>
+            <a:r>
+              <a:rPr lang="en-US" sz="1200" b="0" i="0" kern="1200" dirty="0" smtClean="0">
+                <a:solidFill>
+                  <a:schemeClr val="tx1"/>
+                </a:solidFill>
+                <a:effectLst/>
+                <a:latin typeface="+mn-lt"/>
+                <a:ea typeface="+mn-ea"/>
+                <a:cs typeface="+mn-cs"/>
+              </a:rPr>
+              <a:t>&lt;ratio&gt; : This header declares the </a:t>
+            </a:r>
+            <a:r>
+              <a:rPr lang="en-US" sz="1200" b="0" i="0" u="none" strike="noStrike" kern="1200" dirty="0" smtClean="0">
+                <a:solidFill>
+                  <a:schemeClr val="tx1"/>
+                </a:solidFill>
+                <a:effectLst/>
+                <a:latin typeface="+mn-lt"/>
+                <a:ea typeface="+mn-ea"/>
+                <a:cs typeface="+mn-cs"/>
+                <a:hlinkClick r:id="rId13"/>
+              </a:rPr>
+              <a:t>ratio</a:t>
+            </a:r>
+            <a:r>
+              <a:rPr lang="en-US" sz="1200" b="0" i="0" kern="1200" dirty="0" smtClean="0">
+                <a:solidFill>
+                  <a:schemeClr val="tx1"/>
+                </a:solidFill>
+                <a:effectLst/>
+                <a:latin typeface="+mn-lt"/>
+                <a:ea typeface="+mn-ea"/>
+                <a:cs typeface="+mn-cs"/>
+              </a:rPr>
+              <a:t> class template and several auxiliary types to operate with them.</a:t>
+            </a:r>
+          </a:p>
+          <a:p>
+            <a:r>
+              <a:rPr lang="en-US" sz="1200" b="1" i="0" kern="1200" dirty="0" smtClean="0">
+                <a:solidFill>
+                  <a:srgbClr val="FF0000"/>
+                </a:solidFill>
+                <a:effectLst/>
+                <a:latin typeface="+mn-lt"/>
+                <a:ea typeface="+mn-ea"/>
+                <a:cs typeface="+mn-cs"/>
+              </a:rPr>
+              <a:t>&lt;regex&gt; </a:t>
+            </a:r>
+            <a:r>
+              <a:rPr lang="en-US" sz="1200" b="0" i="0" kern="1200" dirty="0" smtClean="0">
+                <a:solidFill>
+                  <a:schemeClr val="tx1"/>
+                </a:solidFill>
+                <a:effectLst/>
+                <a:latin typeface="+mn-lt"/>
+                <a:ea typeface="+mn-ea"/>
+                <a:cs typeface="+mn-cs"/>
+              </a:rPr>
+              <a:t>: Regular expressions are a standardized way to express patterns to be matched against sequences of characters.</a:t>
+            </a:r>
+          </a:p>
+          <a:p>
+            <a:r>
+              <a:rPr lang="en-US" sz="1200" b="0" i="0" kern="1200" dirty="0" smtClean="0">
+                <a:solidFill>
+                  <a:schemeClr val="tx1"/>
+                </a:solidFill>
+                <a:effectLst/>
+                <a:latin typeface="+mn-lt"/>
+                <a:ea typeface="+mn-ea"/>
+                <a:cs typeface="+mn-cs"/>
+              </a:rPr>
+              <a:t>&lt;</a:t>
+            </a:r>
+            <a:r>
+              <a:rPr lang="en-US" sz="1200" b="0" i="0" kern="1200" dirty="0" err="1" smtClean="0">
+                <a:solidFill>
+                  <a:schemeClr val="tx1"/>
+                </a:solidFill>
+                <a:effectLst/>
+                <a:latin typeface="+mn-lt"/>
+                <a:ea typeface="+mn-ea"/>
+                <a:cs typeface="+mn-cs"/>
+              </a:rPr>
+              <a:t>typeindex</a:t>
+            </a:r>
+            <a:r>
+              <a:rPr lang="en-US" sz="1200" b="0" i="0" kern="1200" dirty="0" smtClean="0">
+                <a:solidFill>
+                  <a:schemeClr val="tx1"/>
+                </a:solidFill>
+                <a:effectLst/>
+                <a:latin typeface="+mn-lt"/>
+                <a:ea typeface="+mn-ea"/>
+                <a:cs typeface="+mn-cs"/>
+              </a:rPr>
+              <a:t>&gt; : This header defines the </a:t>
+            </a:r>
+            <a:r>
+              <a:rPr lang="en-US" sz="1200" u="none" strike="noStrike" kern="1200" dirty="0" err="1" smtClean="0">
+                <a:solidFill>
+                  <a:schemeClr val="tx1"/>
+                </a:solidFill>
+                <a:effectLst/>
+                <a:latin typeface="+mn-lt"/>
+                <a:ea typeface="+mn-ea"/>
+                <a:cs typeface="+mn-cs"/>
+                <a:hlinkClick r:id="rId14"/>
+              </a:rPr>
+              <a:t>type_index</a:t>
+            </a:r>
+            <a:r>
+              <a:rPr lang="en-US" sz="1200" b="0" i="0" kern="1200" dirty="0" smtClean="0">
+                <a:solidFill>
+                  <a:schemeClr val="tx1"/>
+                </a:solidFill>
+                <a:effectLst/>
+                <a:latin typeface="+mn-lt"/>
+                <a:ea typeface="+mn-ea"/>
+                <a:cs typeface="+mn-cs"/>
+              </a:rPr>
+              <a:t> class and a </a:t>
+            </a:r>
+            <a:r>
+              <a:rPr lang="en-US" sz="1200" b="0" i="0" u="none" strike="noStrike" kern="1200" dirty="0" smtClean="0">
+                <a:solidFill>
+                  <a:schemeClr val="tx1"/>
+                </a:solidFill>
+                <a:effectLst/>
+                <a:latin typeface="+mn-lt"/>
+                <a:ea typeface="+mn-ea"/>
+                <a:cs typeface="+mn-cs"/>
+                <a:hlinkClick r:id="rId15"/>
+              </a:rPr>
+              <a:t>specialization of hash</a:t>
+            </a:r>
+            <a:r>
+              <a:rPr lang="en-US" sz="1200" b="0" i="0" kern="1200" dirty="0" smtClean="0">
+                <a:solidFill>
+                  <a:schemeClr val="tx1"/>
+                </a:solidFill>
+                <a:effectLst/>
+                <a:latin typeface="+mn-lt"/>
+                <a:ea typeface="+mn-ea"/>
+                <a:cs typeface="+mn-cs"/>
+              </a:rPr>
+              <a:t> for this type.</a:t>
+            </a:r>
+          </a:p>
+          <a:p>
+            <a:r>
+              <a:rPr lang="en-US" sz="1200" b="0" i="0" kern="1200" dirty="0" smtClean="0">
+                <a:solidFill>
+                  <a:schemeClr val="tx1"/>
+                </a:solidFill>
+                <a:effectLst/>
+                <a:latin typeface="+mn-lt"/>
+                <a:ea typeface="+mn-ea"/>
+                <a:cs typeface="+mn-cs"/>
+              </a:rPr>
+              <a:t>&lt;</a:t>
+            </a:r>
+            <a:r>
+              <a:rPr lang="en-US" sz="1200" b="0" i="0" kern="1200" dirty="0" err="1" smtClean="0">
+                <a:solidFill>
+                  <a:schemeClr val="tx1"/>
+                </a:solidFill>
+                <a:effectLst/>
+                <a:latin typeface="+mn-lt"/>
+                <a:ea typeface="+mn-ea"/>
+                <a:cs typeface="+mn-cs"/>
+              </a:rPr>
+              <a:t>type_traits</a:t>
+            </a:r>
+            <a:r>
+              <a:rPr lang="en-US" sz="1200" b="0" i="0" kern="1200" dirty="0" smtClean="0">
+                <a:solidFill>
+                  <a:schemeClr val="tx1"/>
+                </a:solidFill>
+                <a:effectLst/>
+                <a:latin typeface="+mn-lt"/>
+                <a:ea typeface="+mn-ea"/>
+                <a:cs typeface="+mn-cs"/>
+              </a:rPr>
+              <a:t>&gt;</a:t>
+            </a:r>
+            <a:r>
+              <a:rPr lang="en-US" sz="1200" b="0" i="0" kern="1200" baseline="0" dirty="0" smtClean="0">
+                <a:solidFill>
+                  <a:schemeClr val="tx1"/>
+                </a:solidFill>
+                <a:effectLst/>
+                <a:latin typeface="+mn-lt"/>
+                <a:ea typeface="+mn-ea"/>
+                <a:cs typeface="+mn-cs"/>
+              </a:rPr>
+              <a:t> : </a:t>
+            </a:r>
+            <a:r>
+              <a:rPr lang="en-US" sz="1200" b="0" i="0" kern="1200" dirty="0" smtClean="0">
+                <a:solidFill>
+                  <a:schemeClr val="tx1"/>
+                </a:solidFill>
+                <a:effectLst/>
+                <a:latin typeface="+mn-lt"/>
+                <a:ea typeface="+mn-ea"/>
+                <a:cs typeface="+mn-cs"/>
+              </a:rPr>
+              <a:t>This header defines a series of classes to obtain type information on compile-time.</a:t>
             </a:r>
             <a:endParaRPr lang="en-US" dirty="0"/>
           </a:p>
@@ -1245,7 +2502,7 @@
           <a:p>
             <a:fld id="{A35A536D-C9E9-4036-ACC9-B934A19DE91F}" type="datetimeFigureOut">
               <a:rPr lang="en-US" smtClean="0"/>
-              <a:t>10/25/2018</a:t>
+              <a:t>11/1/2018</a:t>
             </a:fld>
             <a:endParaRPr lang="en-US"/>
           </a:p>
@@ -1415,7 +2672,7 @@
           <a:p>
             <a:fld id="{A35A536D-C9E9-4036-ACC9-B934A19DE91F}" type="datetimeFigureOut">
               <a:rPr lang="en-US" smtClean="0"/>
-              <a:t>10/25/2018</a:t>
+              <a:t>11/1/2018</a:t>
             </a:fld>
             <a:endParaRPr lang="en-US"/>
           </a:p>
@@ -1595,7 +2852,7 @@
           <a:p>
             <a:fld id="{A35A536D-C9E9-4036-ACC9-B934A19DE91F}" type="datetimeFigureOut">
               <a:rPr lang="en-US" smtClean="0"/>
-              <a:t>10/25/2018</a:t>
+              <a:t>11/1/2018</a:t>
             </a:fld>
             <a:endParaRPr lang="en-US"/>
           </a:p>
@@ -1765,7 +3022,7 @@
           <a:p>
             <a:fld id="{A35A536D-C9E9-4036-ACC9-B934A19DE91F}" type="datetimeFigureOut">
               <a:rPr lang="en-US" smtClean="0"/>
-              <a:t>10/25/2018</a:t>
+              <a:t>11/1/2018</a:t>
             </a:fld>
             <a:endParaRPr lang="en-US"/>
           </a:p>
@@ -2011,7 +3268,7 @@
           <a:p>
             <a:fld id="{A35A536D-C9E9-4036-ACC9-B934A19DE91F}" type="datetimeFigureOut">
               <a:rPr lang="en-US" smtClean="0"/>
-              <a:t>10/25/2018</a:t>
+              <a:t>11/1/2018</a:t>
             </a:fld>
             <a:endParaRPr lang="en-US"/>
           </a:p>
@@ -2243,7 +3500,7 @@
           <a:p>
             <a:fld id="{A35A536D-C9E9-4036-ACC9-B934A19DE91F}" type="datetimeFigureOut">
               <a:rPr lang="en-US" smtClean="0"/>
-              <a:t>10/25/2018</a:t>
+              <a:t>11/1/2018</a:t>
             </a:fld>
             <a:endParaRPr lang="en-US"/>
           </a:p>
@@ -2610,7 +3867,7 @@
           <a:p>
             <a:fld id="{A35A536D-C9E9-4036-ACC9-B934A19DE91F}" type="datetimeFigureOut">
               <a:rPr lang="en-US" smtClean="0"/>
-              <a:t>10/25/2018</a:t>
+              <a:t>11/1/2018</a:t>
             </a:fld>
             <a:endParaRPr lang="en-US"/>
           </a:p>
@@ -2728,7 +3985,7 @@
           <a:p>
             <a:fld id="{A35A536D-C9E9-4036-ACC9-B934A19DE91F}" type="datetimeFigureOut">
               <a:rPr lang="en-US" smtClean="0"/>
-              <a:t>10/25/2018</a:t>
+              <a:t>11/1/2018</a:t>
             </a:fld>
             <a:endParaRPr lang="en-US"/>
           </a:p>
@@ -2823,7 +4080,7 @@
           <a:p>
             <a:fld id="{A35A536D-C9E9-4036-ACC9-B934A19DE91F}" type="datetimeFigureOut">
               <a:rPr lang="en-US" smtClean="0"/>
-              <a:t>10/25/2018</a:t>
+              <a:t>11/1/2018</a:t>
             </a:fld>
             <a:endParaRPr lang="en-US"/>
           </a:p>
@@ -3100,7 +4357,7 @@
           <a:p>
             <a:fld id="{A35A536D-C9E9-4036-ACC9-B934A19DE91F}" type="datetimeFigureOut">
               <a:rPr lang="en-US" smtClean="0"/>
-              <a:t>10/25/2018</a:t>
+              <a:t>11/1/2018</a:t>
             </a:fld>
             <a:endParaRPr lang="en-US"/>
           </a:p>
@@ -3353,7 +4610,7 @@
           <a:p>
             <a:fld id="{A35A536D-C9E9-4036-ACC9-B934A19DE91F}" type="datetimeFigureOut">
               <a:rPr lang="en-US" smtClean="0"/>
-              <a:t>10/25/2018</a:t>
+              <a:t>11/1/2018</a:t>
             </a:fld>
             <a:endParaRPr lang="en-US"/>
           </a:p>
@@ -3577,7 +4834,7 @@
           <a:p>
             <a:fld id="{A35A536D-C9E9-4036-ACC9-B934A19DE91F}" type="datetimeFigureOut">
               <a:rPr lang="en-US" smtClean="0"/>
-              <a:t>10/25/2018</a:t>
+              <a:t>11/1/2018</a:t>
             </a:fld>
             <a:endParaRPr lang="en-US"/>
           </a:p>
@@ -4140,17 +5397,7 @@
                 <a:latin typeface="Times New Roman" panose="02020603050405020304" pitchFamily="18" charset="0"/>
                 <a:cs typeface="Times New Roman" panose="02020603050405020304" pitchFamily="18" charset="0"/>
               </a:rPr>
-              <a:t>Session 1: C++</a:t>
-            </a:r>
-            <a:r>
-              <a:rPr lang="en-US" sz="3200" b="1" dirty="0" smtClean="0">
-                <a:solidFill>
-                  <a:schemeClr val="accent2"/>
-                </a:solidFill>
-                <a:latin typeface="Times New Roman" panose="02020603050405020304" pitchFamily="18" charset="0"/>
-                <a:cs typeface="Times New Roman" panose="02020603050405020304" pitchFamily="18" charset="0"/>
-              </a:rPr>
-              <a:t>11</a:t>
+              <a:t>Session 1: C++11</a:t>
             </a:r>
             <a:br>
               <a:rPr lang="en-US" sz="3200" b="1" dirty="0" smtClean="0">
@@ -5056,11 +6303,7 @@
           <a:p>
             <a:r>
               <a:rPr lang="en-US" sz="3600" b="1" dirty="0" smtClean="0"/>
-              <a:t>New </a:t>
-            </a:r>
-            <a:r>
-              <a:rPr lang="en-US" sz="3600" b="1" dirty="0" smtClean="0"/>
-              <a:t>header *.h</a:t>
+              <a:t>New header *.h</a:t>
             </a:r>
             <a:endParaRPr lang="en-US" sz="3600" b="1" dirty="0"/>
           </a:p>
@@ -5102,7 +6345,7 @@
               <a:rPr lang="en-US" sz="1800" dirty="0" err="1" smtClean="0">
                 <a:hlinkClick r:id="rId3"/>
               </a:rPr>
-              <a:t>cfenv</a:t>
+              <a:t>cstdbool</a:t>
             </a:r>
             <a:r>
               <a:rPr lang="en-US" sz="1800" dirty="0" smtClean="0">
@@ -5123,7 +6366,7 @@
               <a:rPr lang="en-US" sz="1800" dirty="0" err="1" smtClean="0">
                 <a:hlinkClick r:id="rId4"/>
               </a:rPr>
-              <a:t>cinttypes</a:t>
+              <a:t>cuchar</a:t>
             </a:r>
             <a:r>
               <a:rPr lang="en-US" sz="1800" dirty="0" smtClean="0">
@@ -5135,45 +6378,45 @@
           </a:p>
           <a:p>
             <a:r>
-              <a:rPr lang="en-US" sz="1800" dirty="0" smtClean="0">
+              <a:rPr lang="en-US" sz="1800" dirty="0">
                 <a:hlinkClick r:id="rId5"/>
               </a:rPr>
               <a:t>&lt;</a:t>
             </a:r>
             <a:r>
-              <a:rPr lang="en-US" sz="1800" dirty="0" err="1" smtClean="0">
+              <a:rPr lang="en-US" sz="1800" dirty="0" err="1">
                 <a:hlinkClick r:id="rId5"/>
               </a:rPr>
-              <a:t>cstdbool</a:t>
-            </a:r>
-            <a:r>
-              <a:rPr lang="en-US" sz="1800" dirty="0" smtClean="0">
+              <a:t>cstdint</a:t>
+            </a:r>
+            <a:r>
+              <a:rPr lang="en-US" sz="1800" dirty="0">
                 <a:hlinkClick r:id="rId5"/>
               </a:rPr>
               <a:t>&gt;</a:t>
             </a:r>
-            <a:endParaRPr lang="en-US" sz="1800" dirty="0" smtClean="0"/>
-          </a:p>
-          <a:p>
-            <a:r>
-              <a:rPr lang="en-US" sz="1800" dirty="0" smtClean="0">
+            <a:endParaRPr lang="en-US" sz="1800" dirty="0"/>
+          </a:p>
+          <a:p>
+            <a:r>
+              <a:rPr lang="en-US" sz="1800" dirty="0">
                 <a:hlinkClick r:id="rId6"/>
               </a:rPr>
               <a:t>&lt;</a:t>
             </a:r>
             <a:r>
-              <a:rPr lang="en-US" sz="1800" dirty="0" err="1" smtClean="0">
+              <a:rPr lang="en-US" sz="1800" dirty="0" err="1">
                 <a:hlinkClick r:id="rId6"/>
               </a:rPr>
-              <a:t>cstdint</a:t>
-            </a:r>
-            <a:r>
-              <a:rPr lang="en-US" sz="1800" dirty="0" smtClean="0">
+              <a:t>cinttypes</a:t>
+            </a:r>
+            <a:r>
+              <a:rPr lang="en-US" sz="1800" dirty="0">
                 <a:hlinkClick r:id="rId6"/>
               </a:rPr>
               <a:t>&gt;</a:t>
             </a:r>
-            <a:endParaRPr lang="en-US" sz="1800" dirty="0" smtClean="0"/>
+            <a:endParaRPr lang="en-US" sz="1800" dirty="0"/>
           </a:p>
           <a:p>
             <a:r>
@@ -5183,7 +6426,7 @@
               <a:t>&lt;</a:t>
             </a:r>
             <a:r>
-              <a:rPr lang="en-US" sz="1800" dirty="0" err="1" smtClean="0">
+              <a:rPr lang="en-US" sz="1800" dirty="0" err="1">
                 <a:hlinkClick r:id="rId7"/>
               </a:rPr>
               <a:t>ctgmath</a:t>
@@ -5204,17 +6447,29 @@
               <a:t>&lt;</a:t>
             </a:r>
             <a:r>
-              <a:rPr lang="en-US" sz="1800" dirty="0" err="1" smtClean="0">
+              <a:rPr lang="en-US" sz="1800" dirty="0" err="1">
                 <a:hlinkClick r:id="rId8"/>
               </a:rPr>
-              <a:t>cuchar</a:t>
-            </a:r>
-            <a:r>
-              <a:rPr lang="en-US" sz="1800" dirty="0" smtClean="0">
+              <a:t>cfenv</a:t>
+            </a:r>
+            <a:r>
+              <a:rPr lang="en-US" sz="1800" dirty="0">
                 <a:hlinkClick r:id="rId8"/>
               </a:rPr>
               <a:t>&gt;</a:t>
             </a:r>
+            <a:endParaRPr lang="en-US" sz="1800" dirty="0"/>
+          </a:p>
+          <a:p>
+            <a:endParaRPr lang="en-US" sz="1800" dirty="0"/>
+          </a:p>
+          <a:p>
+            <a:endParaRPr lang="en-US" sz="1800" dirty="0"/>
+          </a:p>
+          <a:p>
+            <a:endParaRPr lang="en-US" sz="1800" dirty="0" smtClean="0"/>
+          </a:p>
+          <a:p>
             <a:endParaRPr lang="en-US" sz="1800" dirty="0"/>
           </a:p>
         </p:txBody>
@@ -5510,9 +6765,7 @@
             <a:avLst/>
           </a:prstGeom>
           <a:ln>
-            <a:solidFill>
-              <a:schemeClr val="accent1"/>
-            </a:solidFill>
+            <a:noFill/>
           </a:ln>
         </p:spPr>
         <p:txBody>
@@ -5696,84 +6949,84 @@
           </a:p>
           <a:p>
             <a:r>
-              <a:rPr lang="en-US" sz="1800" dirty="0" smtClean="0">
+              <a:rPr lang="en-US" sz="1800" b="1" dirty="0" smtClean="0">
                 <a:hlinkClick r:id="rId13"/>
               </a:rPr>
               <a:t>&lt;</a:t>
             </a:r>
             <a:r>
-              <a:rPr lang="en-US" sz="1800" dirty="0" err="1" smtClean="0">
+              <a:rPr lang="en-US" sz="1800" b="1" dirty="0" err="1" smtClean="0">
                 <a:hlinkClick r:id="rId13"/>
               </a:rPr>
               <a:t>automic</a:t>
             </a:r>
             <a:r>
-              <a:rPr lang="en-US" sz="1800" dirty="0" smtClean="0">
+              <a:rPr lang="en-US" sz="1800" b="1" dirty="0" smtClean="0">
                 <a:hlinkClick r:id="rId13"/>
               </a:rPr>
               <a:t>&gt;</a:t>
             </a:r>
-            <a:endParaRPr lang="en-US" sz="1800" dirty="0" smtClean="0"/>
-          </a:p>
-          <a:p>
-            <a:r>
-              <a:rPr lang="en-US" sz="1800" dirty="0" smtClean="0">
+            <a:endParaRPr lang="en-US" sz="1800" b="1" dirty="0" smtClean="0"/>
+          </a:p>
+          <a:p>
+            <a:r>
+              <a:rPr lang="en-US" sz="1800" b="1" dirty="0" smtClean="0">
                 <a:hlinkClick r:id="rId14"/>
               </a:rPr>
               <a:t>&lt;</a:t>
             </a:r>
             <a:r>
-              <a:rPr lang="en-US" sz="1800" dirty="0" err="1" smtClean="0">
+              <a:rPr lang="en-US" sz="1800" b="1" dirty="0" err="1" smtClean="0">
                 <a:hlinkClick r:id="rId14"/>
               </a:rPr>
               <a:t>condition_variable</a:t>
             </a:r>
             <a:r>
-              <a:rPr lang="en-US" sz="1800" dirty="0" smtClean="0">
+              <a:rPr lang="en-US" sz="1800" b="1" dirty="0" smtClean="0">
                 <a:hlinkClick r:id="rId14"/>
               </a:rPr>
               <a:t>&gt;</a:t>
             </a:r>
-            <a:endParaRPr lang="en-US" sz="1800" dirty="0" smtClean="0"/>
-          </a:p>
-          <a:p>
-            <a:r>
-              <a:rPr lang="en-US" sz="1800" dirty="0" smtClean="0">
+            <a:endParaRPr lang="en-US" sz="1800" b="1" dirty="0" smtClean="0"/>
+          </a:p>
+          <a:p>
+            <a:r>
+              <a:rPr lang="en-US" sz="1800" b="1" dirty="0" smtClean="0">
                 <a:hlinkClick r:id="rId15"/>
               </a:rPr>
               <a:t>&lt;future&gt;</a:t>
             </a:r>
-            <a:endParaRPr lang="en-US" sz="1800" dirty="0" smtClean="0"/>
-          </a:p>
-          <a:p>
-            <a:r>
-              <a:rPr lang="en-US" sz="1800" dirty="0" smtClean="0">
+            <a:endParaRPr lang="en-US" sz="1800" b="1" dirty="0" smtClean="0"/>
+          </a:p>
+          <a:p>
+            <a:r>
+              <a:rPr lang="en-US" sz="1800" b="1" dirty="0" smtClean="0">
                 <a:hlinkClick r:id="rId16"/>
               </a:rPr>
               <a:t>&lt;</a:t>
             </a:r>
             <a:r>
-              <a:rPr lang="en-US" sz="1800" dirty="0" err="1" smtClean="0">
+              <a:rPr lang="en-US" sz="1800" b="1" dirty="0" err="1" smtClean="0">
                 <a:hlinkClick r:id="rId16"/>
               </a:rPr>
               <a:t>mutex</a:t>
             </a:r>
             <a:r>
-              <a:rPr lang="en-US" sz="1800" dirty="0" smtClean="0">
+              <a:rPr lang="en-US" sz="1800" b="1" dirty="0" smtClean="0">
                 <a:hlinkClick r:id="rId16"/>
               </a:rPr>
               <a:t>&gt;</a:t>
             </a:r>
-            <a:endParaRPr lang="en-US" sz="1800" dirty="0" smtClean="0"/>
-          </a:p>
-          <a:p>
-            <a:r>
-              <a:rPr lang="en-US" sz="1800" dirty="0" smtClean="0">
+            <a:endParaRPr lang="en-US" sz="1800" b="1" dirty="0" smtClean="0"/>
+          </a:p>
+          <a:p>
+            <a:r>
+              <a:rPr lang="en-US" sz="1800" b="1" dirty="0" smtClean="0">
                 <a:hlinkClick r:id="rId17"/>
               </a:rPr>
               <a:t>&lt;thread&gt;</a:t>
             </a:r>
-            <a:endParaRPr lang="en-US" sz="1800" dirty="0" smtClean="0"/>
+            <a:endParaRPr lang="en-US" sz="1800" b="1" dirty="0" smtClean="0"/>
           </a:p>
           <a:p>
             <a:pPr marL="0" indent="0">
@@ -5976,24 +7229,24 @@
           </a:p>
           <a:p>
             <a:r>
-              <a:rPr lang="en-US" sz="1800" dirty="0" smtClean="0">
+              <a:rPr lang="en-US" sz="1800" b="1" dirty="0" smtClean="0">
                 <a:hlinkClick r:id="rId18"/>
               </a:rPr>
               <a:t>&lt;</a:t>
             </a:r>
             <a:r>
-              <a:rPr lang="en-US" sz="1800" dirty="0" err="1" smtClean="0">
+              <a:rPr lang="en-US" sz="1800" b="1" dirty="0" err="1" smtClean="0">
                 <a:hlinkClick r:id="rId18"/>
               </a:rPr>
               <a:t>chrono</a:t>
             </a:r>
             <a:r>
-              <a:rPr lang="en-US" sz="1800" dirty="0" smtClean="0">
+              <a:rPr lang="en-US" sz="1800" b="1" dirty="0" smtClean="0">
                 <a:hlinkClick r:id="rId18"/>
               </a:rPr>
               <a:t>&gt;</a:t>
             </a:r>
-            <a:endParaRPr lang="en-US" sz="1800" dirty="0" smtClean="0"/>
+            <a:endParaRPr lang="en-US" sz="1800" b="1" dirty="0" smtClean="0"/>
           </a:p>
           <a:p>
             <a:r>
@@ -6018,24 +7271,24 @@
           </a:p>
           <a:p>
             <a:r>
-              <a:rPr lang="en-US" sz="1800" dirty="0" smtClean="0">
+              <a:rPr lang="en-US" sz="1800" b="1" dirty="0" smtClean="0">
                 <a:hlinkClick r:id="rId20"/>
               </a:rPr>
               <a:t>&lt;</a:t>
             </a:r>
             <a:r>
-              <a:rPr lang="en-US" sz="1800" dirty="0" err="1" smtClean="0">
+              <a:rPr lang="en-US" sz="1800" b="1" dirty="0" err="1" smtClean="0">
                 <a:hlinkClick r:id="rId20"/>
               </a:rPr>
               <a:t>initializer_list</a:t>
             </a:r>
             <a:r>
-              <a:rPr lang="en-US" sz="1800" dirty="0" smtClean="0">
+              <a:rPr lang="en-US" sz="1800" b="1" dirty="0" smtClean="0">
                 <a:hlinkClick r:id="rId20"/>
               </a:rPr>
               <a:t>&gt;</a:t>
             </a:r>
-            <a:endParaRPr lang="en-US" sz="1800" dirty="0" smtClean="0"/>
+            <a:endParaRPr lang="en-US" sz="1800" b="1" dirty="0" smtClean="0"/>
           </a:p>
           <a:p>
             <a:r>
@@ -6057,33 +7310,33 @@
           </a:p>
           <a:p>
             <a:r>
-              <a:rPr lang="en-US" sz="1800" dirty="0" smtClean="0">
+              <a:rPr lang="en-US" sz="1800" b="1" dirty="0" smtClean="0">
                 <a:hlinkClick r:id="rId23"/>
               </a:rPr>
               <a:t>&lt;regex&gt;</a:t>
             </a:r>
-            <a:endParaRPr lang="en-US" sz="1800" dirty="0" smtClean="0"/>
-          </a:p>
-          <a:p>
-            <a:r>
-              <a:rPr lang="en-US" sz="1800" dirty="0" smtClean="0">
+            <a:endParaRPr lang="en-US" sz="1800" b="1" dirty="0" smtClean="0"/>
+          </a:p>
+          <a:p>
+            <a:r>
+              <a:rPr lang="en-US" sz="1800" b="1" dirty="0" smtClean="0">
                 <a:hlinkClick r:id="rId24"/>
               </a:rPr>
               <a:t>&lt;</a:t>
             </a:r>
             <a:r>
-              <a:rPr lang="en-US" sz="1800" dirty="0">
+              <a:rPr lang="en-US" sz="1800" b="1" dirty="0">
                 <a:hlinkClick r:id="rId24"/>
               </a:rPr>
               <a:t>tuple</a:t>
             </a:r>
             <a:r>
-              <a:rPr lang="en-US" sz="1800" dirty="0" smtClean="0">
+              <a:rPr lang="en-US" sz="1800" b="1" dirty="0" smtClean="0">
                 <a:hlinkClick r:id="rId24"/>
               </a:rPr>
               <a:t>&gt;</a:t>
             </a:r>
-            <a:endParaRPr lang="en-US" sz="1800" dirty="0" smtClean="0"/>
+            <a:endParaRPr lang="en-US" sz="1800" b="1" dirty="0" smtClean="0"/>
           </a:p>
           <a:p>
             <a:r>
@@ -6156,6 +7409,213 @@
               <a:buNone/>
             </a:pPr>
             <a:endParaRPr lang="en-US" sz="1800" dirty="0"/>
+          </a:p>
+        </p:txBody>
+      </p:sp>
+      <p:sp>
+        <p:nvSpPr>
+          <p:cNvPr id="4" name="TextBox 3"/>
+          <p:cNvSpPr txBox="1"/>
+          <p:nvPr/>
+        </p:nvSpPr>
+        <p:spPr>
+          <a:xfrm>
+            <a:off x="733425" y="5428906"/>
+            <a:ext cx="10390398" cy="1200329"/>
+          </a:xfrm>
+          <a:prstGeom prst="rect">
+            <a:avLst/>
+          </a:prstGeom>
+          <a:noFill/>
+        </p:spPr>
+        <p:txBody>
+          <a:bodyPr wrap="square" rtlCol="0">
+            <a:spAutoFit/>
+          </a:bodyPr>
+          <a:lstStyle/>
+          <a:p>
+            <a:r>
+              <a:rPr lang="en-US" b="1" dirty="0">
+                <a:solidFill>
+                  <a:srgbClr val="FF0000"/>
+                </a:solidFill>
+                <a:latin typeface="+mj-lt"/>
+              </a:rPr>
+              <a:t>Note: there are </a:t>
+            </a:r>
+            <a:r>
+              <a:rPr lang="en-US" b="1" dirty="0" smtClean="0">
+                <a:solidFill>
+                  <a:srgbClr val="FF0000"/>
+                </a:solidFill>
+                <a:latin typeface="+mj-lt"/>
+              </a:rPr>
+              <a:t>lots of little upgrade </a:t>
+            </a:r>
+            <a:r>
+              <a:rPr lang="en-US" b="1" dirty="0">
+                <a:solidFill>
+                  <a:srgbClr val="FF0000"/>
+                </a:solidFill>
+                <a:latin typeface="+mj-lt"/>
+              </a:rPr>
+              <a:t>to other </a:t>
+            </a:r>
+            <a:r>
+              <a:rPr lang="en-US" b="1" dirty="0" smtClean="0">
+                <a:solidFill>
+                  <a:srgbClr val="FF0000"/>
+                </a:solidFill>
+                <a:latin typeface="+mj-lt"/>
+              </a:rPr>
+              <a:t>headers such as </a:t>
+            </a:r>
+          </a:p>
+          <a:p>
+            <a:r>
+              <a:rPr lang="en-US" dirty="0" smtClean="0">
+                <a:latin typeface="+mj-lt"/>
+              </a:rPr>
+              <a:t>&lt;</a:t>
+            </a:r>
+            <a:r>
+              <a:rPr lang="en-US" dirty="0" err="1">
+                <a:latin typeface="+mj-lt"/>
+              </a:rPr>
+              <a:t>cstdlib</a:t>
+            </a:r>
+            <a:r>
+              <a:rPr lang="en-US" dirty="0" smtClean="0">
+                <a:latin typeface="+mj-lt"/>
+              </a:rPr>
+              <a:t>&gt;,</a:t>
+            </a:r>
+            <a:r>
+              <a:rPr lang="en-US" dirty="0">
+                <a:latin typeface="+mj-lt"/>
+              </a:rPr>
+              <a:t> &lt;</a:t>
+            </a:r>
+            <a:r>
+              <a:rPr lang="en-US" dirty="0" err="1">
+                <a:latin typeface="+mj-lt"/>
+              </a:rPr>
+              <a:t>cwchar</a:t>
+            </a:r>
+            <a:r>
+              <a:rPr lang="en-US" dirty="0">
+                <a:latin typeface="+mj-lt"/>
+              </a:rPr>
+              <a:t>&gt;, </a:t>
+            </a:r>
+            <a:endParaRPr lang="en-US" dirty="0" smtClean="0">
+              <a:latin typeface="+mj-lt"/>
+            </a:endParaRPr>
+          </a:p>
+          <a:p>
+            <a:r>
+              <a:rPr lang="en-US" dirty="0" smtClean="0">
+                <a:latin typeface="+mj-lt"/>
+              </a:rPr>
+              <a:t>&lt;</a:t>
+            </a:r>
+            <a:r>
+              <a:rPr lang="en-US" dirty="0" err="1">
+                <a:latin typeface="+mj-lt"/>
+              </a:rPr>
+              <a:t>deque</a:t>
+            </a:r>
+            <a:r>
+              <a:rPr lang="en-US" dirty="0">
+                <a:latin typeface="+mj-lt"/>
+              </a:rPr>
+              <a:t>&gt;, &lt;list&gt;, &lt;map</a:t>
+            </a:r>
+            <a:r>
+              <a:rPr lang="en-US" dirty="0" smtClean="0">
+                <a:latin typeface="+mj-lt"/>
+              </a:rPr>
+              <a:t>&gt;,&lt;</a:t>
+            </a:r>
+            <a:r>
+              <a:rPr lang="en-US" dirty="0">
+                <a:latin typeface="+mj-lt"/>
+              </a:rPr>
+              <a:t>queue&gt;, &lt;set&gt;, &lt;stack&gt;, &lt;vector</a:t>
+            </a:r>
+            <a:r>
+              <a:rPr lang="en-US" dirty="0" smtClean="0">
+                <a:latin typeface="+mj-lt"/>
+              </a:rPr>
+              <a:t>&gt;</a:t>
+            </a:r>
+          </a:p>
+          <a:p>
+            <a:r>
+              <a:rPr lang="en-US" dirty="0">
+                <a:latin typeface="+mj-lt"/>
+              </a:rPr>
+              <a:t>&lt;algorithm&gt;, &lt;</a:t>
+            </a:r>
+            <a:r>
+              <a:rPr lang="en-US" dirty="0" err="1">
+                <a:latin typeface="+mj-lt"/>
+              </a:rPr>
+              <a:t>bitset</a:t>
+            </a:r>
+            <a:r>
+              <a:rPr lang="en-US" dirty="0">
+                <a:latin typeface="+mj-lt"/>
+              </a:rPr>
+              <a:t>&gt;, &lt;complex&gt;, &lt;exception&gt;, &lt;functional</a:t>
+            </a:r>
+            <a:r>
+              <a:rPr lang="en-US" dirty="0" smtClean="0">
+                <a:latin typeface="+mj-lt"/>
+              </a:rPr>
+              <a:t>&gt;,</a:t>
+            </a:r>
+            <a:r>
+              <a:rPr lang="en-US" dirty="0">
+                <a:latin typeface="+mj-lt"/>
+              </a:rPr>
+              <a:t> </a:t>
+            </a:r>
+            <a:r>
+              <a:rPr lang="en-US" b="1" dirty="0">
+                <a:latin typeface="+mj-lt"/>
+              </a:rPr>
+              <a:t>&lt;memory</a:t>
+            </a:r>
+            <a:r>
+              <a:rPr lang="en-US" b="1" dirty="0" smtClean="0">
+                <a:latin typeface="+mj-lt"/>
+              </a:rPr>
+              <a:t>&gt;</a:t>
+            </a:r>
+            <a:r>
+              <a:rPr lang="en-US" dirty="0" smtClean="0">
+                <a:latin typeface="+mj-lt"/>
+              </a:rPr>
+              <a:t>,</a:t>
+            </a:r>
+            <a:r>
+              <a:rPr lang="en-US" dirty="0"/>
+              <a:t> &lt;string</a:t>
+            </a:r>
+            <a:r>
+              <a:rPr lang="en-US" dirty="0" smtClean="0"/>
+              <a:t>&gt;,</a:t>
+            </a:r>
+            <a:r>
+              <a:rPr lang="en-US" dirty="0"/>
+              <a:t> &lt;utility</a:t>
+            </a:r>
+            <a:r>
+              <a:rPr lang="en-US" dirty="0" smtClean="0"/>
+              <a:t>&gt;</a:t>
+            </a:r>
+            <a:endParaRPr lang="en-US" dirty="0"/>
           </a:p>
         </p:txBody>
       </p:sp>
@@ -6244,7 +7704,9 @@
           <a:lstStyle/>
           <a:p>
             <a:r>
-              <a:rPr lang="en-US" sz="1800" b="1" dirty="0" smtClean="0"/>
+              <a:rPr lang="en-US" sz="1800" b="1" dirty="0" smtClean="0">
+                <a:latin typeface="+mj-lt"/>
+              </a:rPr>
               <a:t>C++ 11 syntax</a:t>
             </a:r>
           </a:p>
@@ -6346,7 +7808,7 @@
         <p:spPr>
           <a:xfrm>
             <a:off x="6680123" y="1825625"/>
-            <a:ext cx="3756156" cy="1477328"/>
+            <a:ext cx="3454792" cy="1477328"/>
           </a:xfrm>
           <a:prstGeom prst="rect">
             <a:avLst/>
@@ -6364,7 +7826,9 @@
               <a:buChar char="•"/>
             </a:pPr>
             <a:r>
-              <a:rPr lang="en-US" b="1" dirty="0"/>
+              <a:rPr lang="en-US" b="1" dirty="0">
+                <a:latin typeface="+mj-lt"/>
+              </a:rPr>
               <a:t>C++11 Standard Library</a:t>
             </a:r>
           </a:p>
@@ -6374,7 +7838,9 @@
               <a:buChar char="•"/>
             </a:pPr>
             <a:r>
-              <a:rPr lang="en-US" dirty="0"/>
+              <a:rPr lang="en-US" dirty="0">
+                <a:latin typeface="+mj-lt"/>
+              </a:rPr>
               <a:t>Threading Library</a:t>
             </a:r>
           </a:p>
@@ -6384,7 +7850,9 @@
               <a:buChar char="•"/>
             </a:pPr>
             <a:r>
-              <a:rPr lang="en-US" dirty="0"/>
+              <a:rPr lang="en-US" dirty="0">
+                <a:latin typeface="+mj-lt"/>
+              </a:rPr>
               <a:t>New Smart Pointer Classes</a:t>
             </a:r>
           </a:p>
@@ -6394,7 +7862,9 @@
               <a:buChar char="•"/>
             </a:pPr>
             <a:r>
-              <a:rPr lang="en-US" dirty="0"/>
+              <a:rPr lang="en-US" dirty="0">
+                <a:latin typeface="+mj-lt"/>
+              </a:rPr>
               <a:t>New C++ Algorithms</a:t>
             </a:r>
           </a:p>

--- a/Training/LG_Training_C++11.pptx
+++ b/Training/LG_Training_C++11.pptx
@@ -5,7 +5,7 @@
     <p:sldMasterId id="2147483648" r:id="rId1"/>
   </p:sldMasterIdLst>
   <p:notesMasterIdLst>
-    <p:notesMasterId r:id="rId43"/>
+    <p:notesMasterId r:id="rId50"/>
   </p:notesMasterIdLst>
   <p:sldIdLst>
     <p:sldId id="256" r:id="rId2"/>
@@ -26,29 +26,36 @@
     <p:sldId id="271" r:id="rId17"/>
     <p:sldId id="272" r:id="rId18"/>
     <p:sldId id="273" r:id="rId19"/>
-    <p:sldId id="274" r:id="rId20"/>
-    <p:sldId id="275" r:id="rId21"/>
-    <p:sldId id="276" r:id="rId22"/>
-    <p:sldId id="277" r:id="rId23"/>
-    <p:sldId id="278" r:id="rId24"/>
-    <p:sldId id="279" r:id="rId25"/>
-    <p:sldId id="280" r:id="rId26"/>
-    <p:sldId id="281" r:id="rId27"/>
-    <p:sldId id="282" r:id="rId28"/>
-    <p:sldId id="283" r:id="rId29"/>
-    <p:sldId id="284" r:id="rId30"/>
-    <p:sldId id="285" r:id="rId31"/>
-    <p:sldId id="286" r:id="rId32"/>
-    <p:sldId id="287" r:id="rId33"/>
-    <p:sldId id="288" r:id="rId34"/>
-    <p:sldId id="289" r:id="rId35"/>
-    <p:sldId id="290" r:id="rId36"/>
-    <p:sldId id="291" r:id="rId37"/>
-    <p:sldId id="292" r:id="rId38"/>
+    <p:sldId id="297" r:id="rId20"/>
+    <p:sldId id="274" r:id="rId21"/>
+    <p:sldId id="275" r:id="rId22"/>
+    <p:sldId id="276" r:id="rId23"/>
+    <p:sldId id="277" r:id="rId24"/>
+    <p:sldId id="278" r:id="rId25"/>
+    <p:sldId id="279" r:id="rId26"/>
+    <p:sldId id="280" r:id="rId27"/>
+    <p:sldId id="281" r:id="rId28"/>
+    <p:sldId id="282" r:id="rId29"/>
+    <p:sldId id="283" r:id="rId30"/>
+    <p:sldId id="284" r:id="rId31"/>
+    <p:sldId id="285" r:id="rId32"/>
+    <p:sldId id="286" r:id="rId33"/>
+    <p:sldId id="287" r:id="rId34"/>
+    <p:sldId id="288" r:id="rId35"/>
+    <p:sldId id="289" r:id="rId36"/>
+    <p:sldId id="290" r:id="rId37"/>
+    <p:sldId id="291" r:id="rId38"/>
     <p:sldId id="293" r:id="rId39"/>
     <p:sldId id="294" r:id="rId40"/>
-    <p:sldId id="295" r:id="rId41"/>
+    <p:sldId id="292" r:id="rId41"/>
     <p:sldId id="296" r:id="rId42"/>
+    <p:sldId id="298" r:id="rId43"/>
+    <p:sldId id="303" r:id="rId44"/>
+    <p:sldId id="304" r:id="rId45"/>
+    <p:sldId id="299" r:id="rId46"/>
+    <p:sldId id="300" r:id="rId47"/>
+    <p:sldId id="301" r:id="rId48"/>
+    <p:sldId id="302" r:id="rId49"/>
   </p:sldIdLst>
   <p:sldSz cx="12192000" cy="6858000"/>
   <p:notesSz cx="6858000" cy="9144000"/>
@@ -149,10 +156,21 @@
   </p:defaultTextStyle>
   <p:extLst>
     <p:ext uri="{EFAFB233-063F-42B5-8137-9DF3F51BA10A}">
-      <p15:sldGuideLst xmlns:p15="http://schemas.microsoft.com/office/powerpoint/2012/main" xmlns=""/>
+      <p15:sldGuideLst xmlns:p15="http://schemas.microsoft.com/office/powerpoint/2012/main">
+        <p15:guide id="1" orient="horz" pos="2160">
+          <p15:clr>
+            <a:srgbClr val="A4A3A4"/>
+          </p15:clr>
+        </p15:guide>
+        <p15:guide id="2" pos="3840">
+          <p15:clr>
+            <a:srgbClr val="A4A3A4"/>
+          </p15:clr>
+        </p15:guide>
+      </p15:sldGuideLst>
     </p:ext>
     <p:ext uri="{2D200454-40CA-4A62-9FC3-DE9A4176ACB9}">
-      <p15:notesGuideLst xmlns:p15="http://schemas.microsoft.com/office/powerpoint/2012/main" xmlns=""/>
+      <p15:notesGuideLst xmlns:p15="http://schemas.microsoft.com/office/powerpoint/2012/main"/>
     </p:ext>
   </p:extLst>
 </p:presentation>
@@ -240,7 +258,7 @@
           <a:p>
             <a:fld id="{8CED4065-FBD2-40E7-8D05-BB12B661EDC2}" type="datetimeFigureOut">
               <a:rPr lang="en-US" smtClean="0"/>
-              <a:t>11/4/2018</a:t>
+              <a:t>11/5/2018</a:t>
             </a:fld>
             <a:endParaRPr lang="en-US"/>
           </a:p>
@@ -2688,7 +2706,7 @@
           <a:p>
             <a:fld id="{B975D894-16AA-4E7C-A7F7-7CE1446AB52E}" type="slidenum">
               <a:rPr lang="en-US" smtClean="0"/>
-              <a:t>21</a:t>
+              <a:t>22</a:t>
             </a:fld>
             <a:endParaRPr lang="en-US"/>
           </a:p>
@@ -2854,7 +2872,7 @@
           <a:p>
             <a:fld id="{A35A536D-C9E9-4036-ACC9-B934A19DE91F}" type="datetimeFigureOut">
               <a:rPr lang="en-US" smtClean="0"/>
-              <a:t>11/4/2018</a:t>
+              <a:t>11/5/2018</a:t>
             </a:fld>
             <a:endParaRPr lang="en-US"/>
           </a:p>
@@ -3024,7 +3042,7 @@
           <a:p>
             <a:fld id="{A35A536D-C9E9-4036-ACC9-B934A19DE91F}" type="datetimeFigureOut">
               <a:rPr lang="en-US" smtClean="0"/>
-              <a:t>11/4/2018</a:t>
+              <a:t>11/5/2018</a:t>
             </a:fld>
             <a:endParaRPr lang="en-US"/>
           </a:p>
@@ -3204,7 +3222,7 @@
           <a:p>
             <a:fld id="{A35A536D-C9E9-4036-ACC9-B934A19DE91F}" type="datetimeFigureOut">
               <a:rPr lang="en-US" smtClean="0"/>
-              <a:t>11/4/2018</a:t>
+              <a:t>11/5/2018</a:t>
             </a:fld>
             <a:endParaRPr lang="en-US"/>
           </a:p>
@@ -3374,7 +3392,7 @@
           <a:p>
             <a:fld id="{A35A536D-C9E9-4036-ACC9-B934A19DE91F}" type="datetimeFigureOut">
               <a:rPr lang="en-US" smtClean="0"/>
-              <a:t>11/4/2018</a:t>
+              <a:t>11/5/2018</a:t>
             </a:fld>
             <a:endParaRPr lang="en-US"/>
           </a:p>
@@ -3620,7 +3638,7 @@
           <a:p>
             <a:fld id="{A35A536D-C9E9-4036-ACC9-B934A19DE91F}" type="datetimeFigureOut">
               <a:rPr lang="en-US" smtClean="0"/>
-              <a:t>11/4/2018</a:t>
+              <a:t>11/5/2018</a:t>
             </a:fld>
             <a:endParaRPr lang="en-US"/>
           </a:p>
@@ -3852,7 +3870,7 @@
           <a:p>
             <a:fld id="{A35A536D-C9E9-4036-ACC9-B934A19DE91F}" type="datetimeFigureOut">
               <a:rPr lang="en-US" smtClean="0"/>
-              <a:t>11/4/2018</a:t>
+              <a:t>11/5/2018</a:t>
             </a:fld>
             <a:endParaRPr lang="en-US"/>
           </a:p>
@@ -4219,7 +4237,7 @@
           <a:p>
             <a:fld id="{A35A536D-C9E9-4036-ACC9-B934A19DE91F}" type="datetimeFigureOut">
               <a:rPr lang="en-US" smtClean="0"/>
-              <a:t>11/4/2018</a:t>
+              <a:t>11/5/2018</a:t>
             </a:fld>
             <a:endParaRPr lang="en-US"/>
           </a:p>
@@ -4337,7 +4355,7 @@
           <a:p>
             <a:fld id="{A35A536D-C9E9-4036-ACC9-B934A19DE91F}" type="datetimeFigureOut">
               <a:rPr lang="en-US" smtClean="0"/>
-              <a:t>11/4/2018</a:t>
+              <a:t>11/5/2018</a:t>
             </a:fld>
             <a:endParaRPr lang="en-US"/>
           </a:p>
@@ -4432,7 +4450,7 @@
           <a:p>
             <a:fld id="{A35A536D-C9E9-4036-ACC9-B934A19DE91F}" type="datetimeFigureOut">
               <a:rPr lang="en-US" smtClean="0"/>
-              <a:t>11/4/2018</a:t>
+              <a:t>11/5/2018</a:t>
             </a:fld>
             <a:endParaRPr lang="en-US"/>
           </a:p>
@@ -4709,7 +4727,7 @@
           <a:p>
             <a:fld id="{A35A536D-C9E9-4036-ACC9-B934A19DE91F}" type="datetimeFigureOut">
               <a:rPr lang="en-US" smtClean="0"/>
-              <a:t>11/4/2018</a:t>
+              <a:t>11/5/2018</a:t>
             </a:fld>
             <a:endParaRPr lang="en-US"/>
           </a:p>
@@ -4962,7 +4980,7 @@
           <a:p>
             <a:fld id="{A35A536D-C9E9-4036-ACC9-B934A19DE91F}" type="datetimeFigureOut">
               <a:rPr lang="en-US" smtClean="0"/>
-              <a:t>11/4/2018</a:t>
+              <a:t>11/5/2018</a:t>
             </a:fld>
             <a:endParaRPr lang="en-US"/>
           </a:p>
@@ -5186,7 +5204,7 @@
           <a:p>
             <a:fld id="{A35A536D-C9E9-4036-ACC9-B934A19DE91F}" type="datetimeFigureOut">
               <a:rPr lang="en-US" smtClean="0"/>
-              <a:t>11/4/2018</a:t>
+              <a:t>11/5/2018</a:t>
             </a:fld>
             <a:endParaRPr lang="en-US"/>
           </a:p>
@@ -5864,29 +5882,6 @@
               <a:rPr lang="en-US" dirty="0" smtClean="0">
                 <a:latin typeface="+mj-lt"/>
               </a:rPr>
-              <a:t>Some notices when using C++ 11 in </a:t>
-            </a:r>
-            <a:r>
-              <a:rPr lang="en-US" dirty="0">
-                <a:latin typeface="+mj-lt"/>
-              </a:rPr>
-              <a:t>L</a:t>
-            </a:r>
-            <a:r>
-              <a:rPr lang="en-US" dirty="0" smtClean="0">
-                <a:latin typeface="+mj-lt"/>
-              </a:rPr>
-              <a:t>inux and Window</a:t>
-            </a:r>
-          </a:p>
-          <a:p>
-            <a:pPr marL="514350" indent="-514350" algn="l">
-              <a:buAutoNum type="romanUcPeriod"/>
-            </a:pPr>
-            <a:r>
-              <a:rPr lang="en-US" dirty="0" smtClean="0">
-                <a:latin typeface="+mj-lt"/>
-              </a:rPr>
               <a:t>Questions and Answers</a:t>
             </a:r>
             <a:endParaRPr lang="en-US" dirty="0">
@@ -6076,7 +6071,7 @@
         <p:spPr bwMode="auto">
           <a:xfrm>
             <a:off x="1909018" y="2723778"/>
-            <a:ext cx="7467600" cy="3312368"/>
+            <a:ext cx="7467600" cy="4134222"/>
           </a:xfrm>
           <a:prstGeom prst="rect">
             <a:avLst/>
@@ -6324,6 +6319,179 @@
                 <a:cs typeface="Courier New" panose="02070309020205020404" pitchFamily="49" charset="0"/>
               </a:rPr>
               <a:t>{</a:t>
+            </a:r>
+            <a:endParaRPr lang="en-US" sz="1600" dirty="0" smtClean="0">
+              <a:latin typeface="Courier New" panose="02070309020205020404" pitchFamily="49" charset="0"/>
+              <a:cs typeface="Courier New" panose="02070309020205020404" pitchFamily="49" charset="0"/>
+            </a:endParaRPr>
+          </a:p>
+          <a:p>
+            <a:pPr marL="384048" lvl="2" indent="0">
+              <a:buNone/>
+            </a:pPr>
+            <a:r>
+              <a:rPr lang="en-US" sz="1600" dirty="0">
+                <a:latin typeface="Courier New" panose="02070309020205020404" pitchFamily="49" charset="0"/>
+                <a:cs typeface="Courier New" panose="02070309020205020404" pitchFamily="49" charset="0"/>
+              </a:rPr>
+              <a:t>	</a:t>
+            </a:r>
+            <a:r>
+              <a:rPr lang="en-US" sz="1600" dirty="0" err="1">
+                <a:latin typeface="Courier New" panose="02070309020205020404" pitchFamily="49" charset="0"/>
+                <a:cs typeface="Courier New" panose="02070309020205020404" pitchFamily="49" charset="0"/>
+              </a:rPr>
+              <a:t>int</a:t>
+            </a:r>
+            <a:r>
+              <a:rPr lang="en-US" sz="1600" dirty="0">
+                <a:latin typeface="Courier New" panose="02070309020205020404" pitchFamily="49" charset="0"/>
+                <a:cs typeface="Courier New" panose="02070309020205020404" pitchFamily="49" charset="0"/>
+              </a:rPr>
+              <a:t> </a:t>
+            </a:r>
+            <a:r>
+              <a:rPr lang="en-US" sz="1600" dirty="0" smtClean="0">
+                <a:latin typeface="Courier New" panose="02070309020205020404" pitchFamily="49" charset="0"/>
+                <a:cs typeface="Courier New" panose="02070309020205020404" pitchFamily="49" charset="0"/>
+              </a:rPr>
+              <a:t>k= </a:t>
+            </a:r>
+            <a:r>
+              <a:rPr lang="en-US" sz="1600" dirty="0">
+                <a:latin typeface="Courier New" panose="02070309020205020404" pitchFamily="49" charset="0"/>
+                <a:cs typeface="Courier New" panose="02070309020205020404" pitchFamily="49" charset="0"/>
+              </a:rPr>
+              <a:t>33</a:t>
+            </a:r>
+            <a:r>
+              <a:rPr lang="en-US" sz="1600" dirty="0" smtClean="0">
+                <a:latin typeface="Courier New" panose="02070309020205020404" pitchFamily="49" charset="0"/>
+                <a:cs typeface="Courier New" panose="02070309020205020404" pitchFamily="49" charset="0"/>
+              </a:rPr>
+              <a:t>;</a:t>
+            </a:r>
+          </a:p>
+          <a:p>
+            <a:pPr marL="384048" lvl="2" indent="0">
+              <a:buNone/>
+            </a:pPr>
+            <a:r>
+              <a:rPr lang="en-US" sz="1600" dirty="0" smtClean="0">
+                <a:latin typeface="Courier New" panose="02070309020205020404" pitchFamily="49" charset="0"/>
+                <a:cs typeface="Courier New" panose="02070309020205020404" pitchFamily="49" charset="0"/>
+              </a:rPr>
+              <a:t>    </a:t>
+            </a:r>
+            <a:r>
+              <a:rPr lang="en-US" sz="1600" dirty="0" err="1" smtClean="0">
+                <a:latin typeface="Courier New" panose="02070309020205020404" pitchFamily="49" charset="0"/>
+                <a:cs typeface="Courier New" panose="02070309020205020404" pitchFamily="49" charset="0"/>
+              </a:rPr>
+              <a:t>decltype</a:t>
+            </a:r>
+            <a:r>
+              <a:rPr lang="en-US" sz="1600" dirty="0" smtClean="0">
+                <a:latin typeface="Courier New" panose="02070309020205020404" pitchFamily="49" charset="0"/>
+                <a:cs typeface="Courier New" panose="02070309020205020404" pitchFamily="49" charset="0"/>
+              </a:rPr>
+              <a:t>(k) </a:t>
+            </a:r>
+            <a:r>
+              <a:rPr lang="en-US" sz="1600" dirty="0">
+                <a:latin typeface="Courier New" panose="02070309020205020404" pitchFamily="49" charset="0"/>
+                <a:cs typeface="Courier New" panose="02070309020205020404" pitchFamily="49" charset="0"/>
+              </a:rPr>
+              <a:t>j = </a:t>
+            </a:r>
+            <a:r>
+              <a:rPr lang="en-US" sz="1600" dirty="0" smtClean="0">
+                <a:latin typeface="Courier New" panose="02070309020205020404" pitchFamily="49" charset="0"/>
+                <a:cs typeface="Courier New" panose="02070309020205020404" pitchFamily="49" charset="0"/>
+              </a:rPr>
+              <a:t>k </a:t>
+            </a:r>
+            <a:r>
+              <a:rPr lang="en-US" sz="1600" dirty="0">
+                <a:latin typeface="Courier New" panose="02070309020205020404" pitchFamily="49" charset="0"/>
+                <a:cs typeface="Courier New" panose="02070309020205020404" pitchFamily="49" charset="0"/>
+              </a:rPr>
+              <a:t>* 2</a:t>
+            </a:r>
+            <a:r>
+              <a:rPr lang="en-US" sz="1600" dirty="0" smtClean="0">
+                <a:latin typeface="Courier New" panose="02070309020205020404" pitchFamily="49" charset="0"/>
+                <a:cs typeface="Courier New" panose="02070309020205020404" pitchFamily="49" charset="0"/>
+              </a:rPr>
+              <a:t>;//equal </a:t>
+            </a:r>
+            <a:r>
+              <a:rPr lang="en-US" sz="1600" dirty="0" err="1" smtClean="0">
+                <a:latin typeface="Courier New" panose="02070309020205020404" pitchFamily="49" charset="0"/>
+                <a:cs typeface="Courier New" panose="02070309020205020404" pitchFamily="49" charset="0"/>
+              </a:rPr>
+              <a:t>int</a:t>
+            </a:r>
+            <a:r>
+              <a:rPr lang="en-US" sz="1600" dirty="0" smtClean="0">
+                <a:latin typeface="Courier New" panose="02070309020205020404" pitchFamily="49" charset="0"/>
+                <a:cs typeface="Courier New" panose="02070309020205020404" pitchFamily="49" charset="0"/>
+              </a:rPr>
+              <a:t> j = k * 2;</a:t>
+            </a:r>
+          </a:p>
+          <a:p>
+            <a:pPr marL="384048" lvl="2" indent="0">
+              <a:buNone/>
+            </a:pPr>
+            <a:r>
+              <a:rPr lang="en-US" sz="1600" dirty="0">
+                <a:latin typeface="Courier New" panose="02070309020205020404" pitchFamily="49" charset="0"/>
+                <a:cs typeface="Courier New" panose="02070309020205020404" pitchFamily="49" charset="0"/>
+              </a:rPr>
+              <a:t> </a:t>
+            </a:r>
+            <a:r>
+              <a:rPr lang="en-US" sz="1600" dirty="0" smtClean="0">
+                <a:latin typeface="Courier New" panose="02070309020205020404" pitchFamily="49" charset="0"/>
+                <a:cs typeface="Courier New" panose="02070309020205020404" pitchFamily="49" charset="0"/>
+              </a:rPr>
+              <a:t>   </a:t>
+            </a:r>
+            <a:r>
+              <a:rPr lang="en-US" sz="1600" dirty="0" err="1">
+                <a:latin typeface="Courier New" panose="02070309020205020404" pitchFamily="49" charset="0"/>
+                <a:cs typeface="Courier New" panose="02070309020205020404" pitchFamily="49" charset="0"/>
+              </a:rPr>
+              <a:t>decltype</a:t>
+            </a:r>
+            <a:r>
+              <a:rPr lang="en-US" sz="1600" dirty="0">
+                <a:latin typeface="Courier New" panose="02070309020205020404" pitchFamily="49" charset="0"/>
+                <a:cs typeface="Courier New" panose="02070309020205020404" pitchFamily="49" charset="0"/>
+              </a:rPr>
+              <a:t>(1.2f) </a:t>
+            </a:r>
+            <a:r>
+              <a:rPr lang="en-US" sz="1600" dirty="0" smtClean="0">
+                <a:latin typeface="Courier New" panose="02070309020205020404" pitchFamily="49" charset="0"/>
+                <a:cs typeface="Courier New" panose="02070309020205020404" pitchFamily="49" charset="0"/>
+              </a:rPr>
+              <a:t>a = k* </a:t>
+            </a:r>
+            <a:r>
+              <a:rPr lang="en-US" sz="1600" dirty="0">
+                <a:latin typeface="Courier New" panose="02070309020205020404" pitchFamily="49" charset="0"/>
+                <a:cs typeface="Courier New" panose="02070309020205020404" pitchFamily="49" charset="0"/>
+              </a:rPr>
+              <a:t>2</a:t>
+            </a:r>
+            <a:r>
+              <a:rPr lang="en-US" sz="1600" dirty="0" smtClean="0">
+                <a:latin typeface="Courier New" panose="02070309020205020404" pitchFamily="49" charset="0"/>
+                <a:cs typeface="Courier New" panose="02070309020205020404" pitchFamily="49" charset="0"/>
+              </a:rPr>
+              <a:t>;//equal float a = k *2;</a:t>
             </a:r>
             <a:endParaRPr lang="vi-VN" sz="1600" dirty="0">
               <a:latin typeface="Courier New" panose="02070309020205020404" pitchFamily="49" charset="0"/>
@@ -7488,18 +7656,25 @@
               <a:t>    C() : </a:t>
             </a:r>
             <a:r>
-              <a:rPr lang="en-US" dirty="0" err="1">
+              <a:rPr lang="en-US" b="1" dirty="0" err="1">
                 <a:latin typeface="Courier New" panose="02070309020205020404" pitchFamily="49" charset="0"/>
                 <a:cs typeface="Courier New" panose="02070309020205020404" pitchFamily="49" charset="0"/>
               </a:rPr>
               <a:t>arr</a:t>
             </a:r>
             <a:r>
+              <a:rPr lang="en-US" b="1" dirty="0">
+                <a:latin typeface="Courier New" panose="02070309020205020404" pitchFamily="49" charset="0"/>
+                <a:cs typeface="Courier New" panose="02070309020205020404" pitchFamily="49" charset="0"/>
+              </a:rPr>
+              <a:t>{1,2,3,4}{}</a:t>
+            </a:r>
+            <a:r>
               <a:rPr lang="en-US" dirty="0">
                 <a:latin typeface="Courier New" panose="02070309020205020404" pitchFamily="49" charset="0"/>
                 <a:cs typeface="Courier New" panose="02070309020205020404" pitchFamily="49" charset="0"/>
               </a:rPr>
-              <a:t>{1,2,3,4}{} //C++11, member array initializer</a:t>
+              <a:t> //C++11, member array initializer</a:t>
             </a:r>
           </a:p>
           <a:p>
@@ -7625,28 +7800,28 @@
               <a:t>    </a:t>
             </a:r>
             <a:r>
-              <a:rPr lang="en-US" dirty="0" err="1">
+              <a:rPr lang="en-US" b="1" dirty="0" err="1">
                 <a:latin typeface="Courier New" panose="02070309020205020404" pitchFamily="49" charset="0"/>
                 <a:cs typeface="Courier New" panose="02070309020205020404" pitchFamily="49" charset="0"/>
               </a:rPr>
               <a:t>int</a:t>
             </a:r>
             <a:r>
-              <a:rPr lang="en-US" dirty="0">
+              <a:rPr lang="en-US" b="1" dirty="0">
                 <a:latin typeface="Courier New" panose="02070309020205020404" pitchFamily="49" charset="0"/>
                 <a:cs typeface="Courier New" panose="02070309020205020404" pitchFamily="49" charset="0"/>
               </a:rPr>
               <a:t>* a = new </a:t>
             </a:r>
             <a:r>
-              <a:rPr lang="en-US" dirty="0" err="1">
+              <a:rPr lang="en-US" b="1" dirty="0" err="1">
                 <a:latin typeface="Courier New" panose="02070309020205020404" pitchFamily="49" charset="0"/>
                 <a:cs typeface="Courier New" panose="02070309020205020404" pitchFamily="49" charset="0"/>
               </a:rPr>
               <a:t>int</a:t>
             </a:r>
             <a:r>
-              <a:rPr lang="en-US" dirty="0">
+              <a:rPr lang="en-US" b="1" dirty="0">
                 <a:latin typeface="Courier New" panose="02070309020205020404" pitchFamily="49" charset="0"/>
                 <a:cs typeface="Courier New" panose="02070309020205020404" pitchFamily="49" charset="0"/>
               </a:rPr>
@@ -7784,8 +7959,8 @@
         </p:nvSpPr>
         <p:spPr>
           <a:xfrm>
-            <a:off x="1162050" y="2305049"/>
-            <a:ext cx="10191750" cy="3871913"/>
+            <a:off x="1162049" y="2305049"/>
+            <a:ext cx="10827787" cy="3871913"/>
           </a:xfrm>
         </p:spPr>
         <p:txBody>
@@ -8035,7 +8210,7 @@
               <a:t> </a:t>
             </a:r>
             <a:r>
-              <a:rPr lang="en-US" sz="1800" dirty="0">
+              <a:rPr lang="en-US" sz="1800" dirty="0" smtClean="0">
                 <a:solidFill>
                   <a:srgbClr val="FF0000"/>
                 </a:solidFill>
@@ -8045,26 +8220,30 @@
               <a:t>ERROR</a:t>
             </a:r>
             <a:r>
-              <a:rPr lang="en-US" sz="1800" dirty="0">
+              <a:rPr lang="en-US" sz="1800" dirty="0" smtClean="0">
                 <a:latin typeface="Courier New" panose="02070309020205020404" pitchFamily="49" charset="0"/>
                 <a:cs typeface="Courier New" panose="02070309020205020404" pitchFamily="49" charset="0"/>
               </a:rPr>
               <a:t>:</a:t>
             </a:r>
             <a:r>
-              <a:rPr lang="vi-VN" sz="1800" dirty="0">
+              <a:rPr lang="vi-VN" sz="1800" dirty="0" smtClean="0">
                 <a:latin typeface="Courier New" panose="02070309020205020404" pitchFamily="49" charset="0"/>
                 <a:cs typeface="Courier New" panose="02070309020205020404" pitchFamily="49" charset="0"/>
               </a:rPr>
               <a:t> </a:t>
             </a:r>
             <a:r>
-              <a:rPr lang="en-US" sz="1800" dirty="0">
+              <a:rPr lang="en-US" sz="1800" dirty="0" smtClean="0">
                 <a:latin typeface="Courier New" panose="02070309020205020404" pitchFamily="49" charset="0"/>
                 <a:cs typeface="Courier New" panose="02070309020205020404" pitchFamily="49" charset="0"/>
               </a:rPr>
               <a:t>narrowing</a:t>
             </a:r>
+            <a:endParaRPr lang="en-US" sz="1800" dirty="0">
+              <a:latin typeface="Courier New" panose="02070309020205020404" pitchFamily="49" charset="0"/>
+              <a:cs typeface="Courier New" panose="02070309020205020404" pitchFamily="49" charset="0"/>
+            </a:endParaRPr>
           </a:p>
           <a:p>
             <a:pPr marL="0" indent="0">
@@ -8339,113 +8518,59 @@
                 <a:latin typeface="Courier New" panose="02070309020205020404" pitchFamily="49" charset="0"/>
                 <a:cs typeface="Courier New" panose="02070309020205020404" pitchFamily="49" charset="0"/>
               </a:rPr>
-              <a:t>narrowing</a:t>
-            </a:r>
-            <a:r>
-              <a:rPr lang="vi-VN" sz="1800" dirty="0">
-                <a:latin typeface="Courier New" panose="02070309020205020404" pitchFamily="49" charset="0"/>
-                <a:cs typeface="Courier New" panose="02070309020205020404" pitchFamily="49" charset="0"/>
-              </a:rPr>
-              <a:t> </a:t>
+              <a:t>conversion from '</a:t>
+            </a:r>
+            <a:r>
+              <a:rPr lang="en-US" sz="1800" dirty="0" err="1">
+                <a:latin typeface="Courier New" panose="02070309020205020404" pitchFamily="49" charset="0"/>
+                <a:cs typeface="Courier New" panose="02070309020205020404" pitchFamily="49" charset="0"/>
+              </a:rPr>
+              <a:t>int</a:t>
             </a:r>
             <a:r>
               <a:rPr lang="en-US" sz="1800" dirty="0">
                 <a:latin typeface="Courier New" panose="02070309020205020404" pitchFamily="49" charset="0"/>
                 <a:cs typeface="Courier New" panose="02070309020205020404" pitchFamily="49" charset="0"/>
               </a:rPr>
-              <a:t>(if</a:t>
-            </a:r>
-            <a:r>
-              <a:rPr lang="vi-VN" sz="1800" dirty="0">
-                <a:latin typeface="Courier New" panose="02070309020205020404" pitchFamily="49" charset="0"/>
-                <a:cs typeface="Courier New" panose="02070309020205020404" pitchFamily="49" charset="0"/>
-              </a:rPr>
-              <a:t> </a:t>
-            </a:r>
-            <a:r>
-              <a:rPr lang="en-US" sz="1800" dirty="0">
-                <a:latin typeface="Courier New" panose="02070309020205020404" pitchFamily="49" charset="0"/>
-                <a:cs typeface="Courier New" panose="02070309020205020404" pitchFamily="49" charset="0"/>
-              </a:rPr>
-              <a:t>99999</a:t>
-            </a:r>
-            <a:r>
-              <a:rPr lang="vi-VN" sz="1800" dirty="0">
-                <a:latin typeface="Courier New" panose="02070309020205020404" pitchFamily="49" charset="0"/>
-                <a:cs typeface="Courier New" panose="02070309020205020404" pitchFamily="49" charset="0"/>
-              </a:rPr>
-              <a:t> </a:t>
-            </a:r>
-            <a:r>
-              <a:rPr lang="en-US" sz="1800" dirty="0">
-                <a:latin typeface="Courier New" panose="02070309020205020404" pitchFamily="49" charset="0"/>
-                <a:cs typeface="Courier New" panose="02070309020205020404" pitchFamily="49" charset="0"/>
-              </a:rPr>
-              <a:t>doesn’t</a:t>
-            </a:r>
-            <a:r>
-              <a:rPr lang="vi-VN" sz="1800" dirty="0">
-                <a:latin typeface="Courier New" panose="02070309020205020404" pitchFamily="49" charset="0"/>
-                <a:cs typeface="Courier New" panose="02070309020205020404" pitchFamily="49" charset="0"/>
-              </a:rPr>
-              <a:t> </a:t>
-            </a:r>
-            <a:r>
-              <a:rPr lang="en-US" sz="1800" dirty="0">
-                <a:latin typeface="Courier New" panose="02070309020205020404" pitchFamily="49" charset="0"/>
-                <a:cs typeface="Courier New" panose="02070309020205020404" pitchFamily="49" charset="0"/>
-              </a:rPr>
-              <a:t>fit</a:t>
-            </a:r>
-            <a:r>
-              <a:rPr lang="vi-VN" sz="1800" dirty="0">
-                <a:latin typeface="Courier New" panose="02070309020205020404" pitchFamily="49" charset="0"/>
-                <a:cs typeface="Courier New" panose="02070309020205020404" pitchFamily="49" charset="0"/>
-              </a:rPr>
-              <a:t> </a:t>
-            </a:r>
-            <a:r>
-              <a:rPr lang="en-US" sz="1800" dirty="0">
-                <a:latin typeface="Courier New" panose="02070309020205020404" pitchFamily="49" charset="0"/>
-                <a:cs typeface="Courier New" panose="02070309020205020404" pitchFamily="49" charset="0"/>
-              </a:rPr>
-              <a:t>into</a:t>
-            </a:r>
-            <a:r>
-              <a:rPr lang="vi-VN" sz="1800" dirty="0">
-                <a:latin typeface="Courier New" panose="02070309020205020404" pitchFamily="49" charset="0"/>
-                <a:cs typeface="Courier New" panose="02070309020205020404" pitchFamily="49" charset="0"/>
-              </a:rPr>
-              <a:t> </a:t>
-            </a:r>
-            <a:r>
-              <a:rPr lang="en-US" sz="1800" dirty="0">
-                <a:latin typeface="Courier New" panose="02070309020205020404" pitchFamily="49" charset="0"/>
-                <a:cs typeface="Courier New" panose="02070309020205020404" pitchFamily="49" charset="0"/>
-              </a:rPr>
-              <a:t>a</a:t>
-            </a:r>
-            <a:r>
-              <a:rPr lang="vi-VN" sz="1800" dirty="0">
-                <a:latin typeface="Courier New" panose="02070309020205020404" pitchFamily="49" charset="0"/>
-                <a:cs typeface="Courier New" panose="02070309020205020404" pitchFamily="49" charset="0"/>
-              </a:rPr>
-              <a:t> </a:t>
-            </a:r>
-            <a:r>
-              <a:rPr lang="en-US" sz="1800" dirty="0">
-                <a:latin typeface="Courier New" panose="02070309020205020404" pitchFamily="49" charset="0"/>
-                <a:cs typeface="Courier New" panose="02070309020205020404" pitchFamily="49" charset="0"/>
-              </a:rPr>
-              <a:t>char)</a:t>
-            </a:r>
+              <a:t>' to 'char' requires a </a:t>
+            </a:r>
+            <a:endParaRPr lang="en-US" sz="1800" dirty="0" smtClean="0">
+              <a:latin typeface="Courier New" panose="02070309020205020404" pitchFamily="49" charset="0"/>
+              <a:cs typeface="Courier New" panose="02070309020205020404" pitchFamily="49" charset="0"/>
+            </a:endParaRPr>
           </a:p>
           <a:p>
             <a:pPr marL="0" indent="0">
               <a:buNone/>
             </a:pPr>
             <a:r>
-              <a:rPr lang="en-US" sz="1800" dirty="0" err="1">
+              <a:rPr lang="en-US" sz="1800" dirty="0" smtClean="0">
+                <a:latin typeface="Courier New" panose="02070309020205020404" pitchFamily="49" charset="0"/>
+                <a:cs typeface="Courier New" panose="02070309020205020404" pitchFamily="49" charset="0"/>
+              </a:rPr>
+              <a:t>                //</a:t>
+            </a:r>
+            <a:r>
+              <a:rPr lang="en-US" sz="1800" dirty="0">
+                <a:latin typeface="Courier New" panose="02070309020205020404" pitchFamily="49" charset="0"/>
+                <a:cs typeface="Courier New" panose="02070309020205020404" pitchFamily="49" charset="0"/>
+              </a:rPr>
+              <a:t>narrowing </a:t>
+            </a:r>
+            <a:r>
+              <a:rPr lang="en-US" sz="1800" dirty="0" smtClean="0">
+                <a:latin typeface="Courier New" panose="02070309020205020404" pitchFamily="49" charset="0"/>
+                <a:cs typeface="Courier New" panose="02070309020205020404" pitchFamily="49" charset="0"/>
+              </a:rPr>
+              <a:t>conversion    </a:t>
+            </a:r>
+          </a:p>
+          <a:p>
+            <a:pPr marL="0" indent="0">
+              <a:buNone/>
+            </a:pPr>
+            <a:r>
+              <a:rPr lang="en-US" sz="1800" dirty="0" err="1" smtClean="0">
                 <a:latin typeface="Courier New" panose="02070309020205020404" pitchFamily="49" charset="0"/>
                 <a:cs typeface="Courier New" panose="02070309020205020404" pitchFamily="49" charset="0"/>
               </a:rPr>
@@ -8772,8 +8897,8 @@
         </p:nvSpPr>
         <p:spPr>
           <a:xfrm>
-            <a:off x="1114424" y="1704975"/>
-            <a:ext cx="6858001" cy="4471988"/>
+            <a:off x="1142416" y="1469668"/>
+            <a:ext cx="10259009" cy="5295025"/>
           </a:xfrm>
           <a:ln>
             <a:solidFill>
@@ -8794,54 +8919,21 @@
               <a:buNone/>
             </a:pPr>
             <a:r>
-              <a:rPr lang="en-US" dirty="0">
-                <a:latin typeface="Courier New" panose="02070309020205020404" pitchFamily="49" charset="0"/>
-                <a:cs typeface="Courier New" panose="02070309020205020404" pitchFamily="49" charset="0"/>
-              </a:rPr>
-              <a:t>void f(</a:t>
-            </a:r>
-            <a:r>
-              <a:rPr lang="en-US" dirty="0" err="1">
-                <a:latin typeface="Courier New" panose="02070309020205020404" pitchFamily="49" charset="0"/>
-                <a:cs typeface="Courier New" panose="02070309020205020404" pitchFamily="49" charset="0"/>
-              </a:rPr>
+              <a:rPr lang="en-US" dirty="0"/>
+              <a:t>#include &lt;</a:t>
+            </a:r>
+            <a:r>
+              <a:rPr lang="en-US" dirty="0" err="1"/>
               <a:t>initializer_list</a:t>
             </a:r>
             <a:r>
-              <a:rPr lang="en-US" dirty="0">
-                <a:latin typeface="Courier New" panose="02070309020205020404" pitchFamily="49" charset="0"/>
-                <a:cs typeface="Courier New" panose="02070309020205020404" pitchFamily="49" charset="0"/>
-              </a:rPr>
-              <a:t>&lt;</a:t>
-            </a:r>
-            <a:r>
-              <a:rPr lang="en-US" dirty="0" err="1">
-                <a:latin typeface="Courier New" panose="02070309020205020404" pitchFamily="49" charset="0"/>
-                <a:cs typeface="Courier New" panose="02070309020205020404" pitchFamily="49" charset="0"/>
-              </a:rPr>
-              <a:t>int</a:t>
-            </a:r>
-            <a:r>
-              <a:rPr lang="en-US" dirty="0">
-                <a:latin typeface="Courier New" panose="02070309020205020404" pitchFamily="49" charset="0"/>
-                <a:cs typeface="Courier New" panose="02070309020205020404" pitchFamily="49" charset="0"/>
-              </a:rPr>
-              <a:t>&gt; </a:t>
-            </a:r>
-            <a:r>
-              <a:rPr lang="en-US" dirty="0" err="1">
-                <a:latin typeface="Courier New" panose="02070309020205020404" pitchFamily="49" charset="0"/>
-                <a:cs typeface="Courier New" panose="02070309020205020404" pitchFamily="49" charset="0"/>
-              </a:rPr>
-              <a:t>args</a:t>
-            </a:r>
-            <a:r>
-              <a:rPr lang="en-US" dirty="0">
-                <a:latin typeface="Courier New" panose="02070309020205020404" pitchFamily="49" charset="0"/>
-                <a:cs typeface="Courier New" panose="02070309020205020404" pitchFamily="49" charset="0"/>
-              </a:rPr>
-              <a:t>)</a:t>
-            </a:r>
+              <a:rPr lang="en-US" dirty="0"/>
+              <a:t>&gt;</a:t>
+            </a:r>
+            <a:endParaRPr lang="en-US" dirty="0" smtClean="0">
+              <a:latin typeface="Courier New" panose="02070309020205020404" pitchFamily="49" charset="0"/>
+              <a:cs typeface="Courier New" panose="02070309020205020404" pitchFamily="49" charset="0"/>
+            </a:endParaRPr>
           </a:p>
           <a:p>
             <a:pPr marL="0" indent="0">
@@ -8851,11 +8943,67 @@
               <a:buNone/>
             </a:pPr>
             <a:r>
+              <a:rPr lang="en-US" dirty="0" smtClean="0">
+                <a:latin typeface="Courier New" panose="02070309020205020404" pitchFamily="49" charset="0"/>
+                <a:cs typeface="Courier New" panose="02070309020205020404" pitchFamily="49" charset="0"/>
+              </a:rPr>
+              <a:t>void f(</a:t>
+            </a:r>
+            <a:r>
+              <a:rPr lang="en-US" dirty="0" err="1" smtClean="0">
+                <a:latin typeface="Courier New" panose="02070309020205020404" pitchFamily="49" charset="0"/>
+                <a:cs typeface="Courier New" panose="02070309020205020404" pitchFamily="49" charset="0"/>
+              </a:rPr>
+              <a:t>std</a:t>
+            </a:r>
+            <a:r>
+              <a:rPr lang="en-US" dirty="0" smtClean="0">
+                <a:latin typeface="Courier New" panose="02070309020205020404" pitchFamily="49" charset="0"/>
+                <a:cs typeface="Courier New" panose="02070309020205020404" pitchFamily="49" charset="0"/>
+              </a:rPr>
+              <a:t>::</a:t>
+            </a:r>
+            <a:r>
+              <a:rPr lang="en-US" dirty="0" err="1" smtClean="0">
+                <a:latin typeface="Courier New" panose="02070309020205020404" pitchFamily="49" charset="0"/>
+                <a:cs typeface="Courier New" panose="02070309020205020404" pitchFamily="49" charset="0"/>
+              </a:rPr>
+              <a:t>initializer_list</a:t>
+            </a:r>
+            <a:r>
+              <a:rPr lang="en-US" dirty="0" smtClean="0">
+                <a:latin typeface="Courier New" panose="02070309020205020404" pitchFamily="49" charset="0"/>
+                <a:cs typeface="Courier New" panose="02070309020205020404" pitchFamily="49" charset="0"/>
+              </a:rPr>
+              <a:t>&lt;</a:t>
+            </a:r>
+            <a:r>
+              <a:rPr lang="en-US" dirty="0" err="1" smtClean="0">
+                <a:latin typeface="Courier New" panose="02070309020205020404" pitchFamily="49" charset="0"/>
+                <a:cs typeface="Courier New" panose="02070309020205020404" pitchFamily="49" charset="0"/>
+              </a:rPr>
+              <a:t>int</a:t>
+            </a:r>
+            <a:r>
               <a:rPr lang="en-US" dirty="0">
                 <a:latin typeface="Courier New" panose="02070309020205020404" pitchFamily="49" charset="0"/>
                 <a:cs typeface="Courier New" panose="02070309020205020404" pitchFamily="49" charset="0"/>
               </a:rPr>
-              <a:t>{</a:t>
+              <a:t>&gt; </a:t>
+            </a:r>
+            <a:r>
+              <a:rPr lang="en-US" dirty="0" err="1">
+                <a:latin typeface="Courier New" panose="02070309020205020404" pitchFamily="49" charset="0"/>
+                <a:cs typeface="Courier New" panose="02070309020205020404" pitchFamily="49" charset="0"/>
+              </a:rPr>
+              <a:t>args</a:t>
+            </a:r>
+            <a:r>
+              <a:rPr lang="en-US" dirty="0">
+                <a:latin typeface="Courier New" panose="02070309020205020404" pitchFamily="49" charset="0"/>
+                <a:cs typeface="Courier New" panose="02070309020205020404" pitchFamily="49" charset="0"/>
+              </a:rPr>
+              <a:t>)</a:t>
             </a:r>
           </a:p>
           <a:p>
@@ -8870,35 +9018,7 @@
                 <a:latin typeface="Courier New" panose="02070309020205020404" pitchFamily="49" charset="0"/>
                 <a:cs typeface="Courier New" panose="02070309020205020404" pitchFamily="49" charset="0"/>
               </a:rPr>
-              <a:t>  for (auto p=</a:t>
-            </a:r>
-            <a:r>
-              <a:rPr lang="en-US" dirty="0" err="1">
-                <a:latin typeface="Courier New" panose="02070309020205020404" pitchFamily="49" charset="0"/>
-                <a:cs typeface="Courier New" panose="02070309020205020404" pitchFamily="49" charset="0"/>
-              </a:rPr>
-              <a:t>args.begin</a:t>
-            </a:r>
-            <a:r>
-              <a:rPr lang="en-US" dirty="0">
-                <a:latin typeface="Courier New" panose="02070309020205020404" pitchFamily="49" charset="0"/>
-                <a:cs typeface="Courier New" panose="02070309020205020404" pitchFamily="49" charset="0"/>
-              </a:rPr>
-              <a:t>(); p!=</a:t>
-            </a:r>
-            <a:r>
-              <a:rPr lang="en-US" dirty="0" err="1">
-                <a:latin typeface="Courier New" panose="02070309020205020404" pitchFamily="49" charset="0"/>
-                <a:cs typeface="Courier New" panose="02070309020205020404" pitchFamily="49" charset="0"/>
-              </a:rPr>
-              <a:t>args.end</a:t>
-            </a:r>
-            <a:r>
-              <a:rPr lang="en-US" dirty="0">
-                <a:latin typeface="Courier New" panose="02070309020205020404" pitchFamily="49" charset="0"/>
-                <a:cs typeface="Courier New" panose="02070309020205020404" pitchFamily="49" charset="0"/>
-              </a:rPr>
-              <a:t>(); ++p)</a:t>
+              <a:t>{</a:t>
             </a:r>
           </a:p>
           <a:p>
@@ -8913,21 +9033,35 @@
                 <a:latin typeface="Courier New" panose="02070309020205020404" pitchFamily="49" charset="0"/>
                 <a:cs typeface="Courier New" panose="02070309020205020404" pitchFamily="49" charset="0"/>
               </a:rPr>
-              <a:t>    </a:t>
+              <a:t>  for (auto p=</a:t>
             </a:r>
             <a:r>
               <a:rPr lang="en-US" dirty="0" err="1">
                 <a:latin typeface="Courier New" panose="02070309020205020404" pitchFamily="49" charset="0"/>
                 <a:cs typeface="Courier New" panose="02070309020205020404" pitchFamily="49" charset="0"/>
               </a:rPr>
-              <a:t>cout</a:t>
+              <a:t>args.begin</a:t>
             </a:r>
             <a:r>
               <a:rPr lang="en-US" dirty="0">
                 <a:latin typeface="Courier New" panose="02070309020205020404" pitchFamily="49" charset="0"/>
                 <a:cs typeface="Courier New" panose="02070309020205020404" pitchFamily="49" charset="0"/>
               </a:rPr>
-              <a:t> &lt;&lt; *p &lt;&lt; "\n";</a:t>
+              <a:t>(); p!=</a:t>
+            </a:r>
+            <a:r>
+              <a:rPr lang="en-US" dirty="0" err="1">
+                <a:latin typeface="Courier New" panose="02070309020205020404" pitchFamily="49" charset="0"/>
+                <a:cs typeface="Courier New" panose="02070309020205020404" pitchFamily="49" charset="0"/>
+              </a:rPr>
+              <a:t>args.end</a:t>
+            </a:r>
+            <a:r>
+              <a:rPr lang="en-US" dirty="0">
+                <a:latin typeface="Courier New" panose="02070309020205020404" pitchFamily="49" charset="0"/>
+                <a:cs typeface="Courier New" panose="02070309020205020404" pitchFamily="49" charset="0"/>
+              </a:rPr>
+              <a:t>(); ++p)</a:t>
             </a:r>
           </a:p>
           <a:p>
@@ -8942,7 +9076,21 @@
                 <a:latin typeface="Courier New" panose="02070309020205020404" pitchFamily="49" charset="0"/>
                 <a:cs typeface="Courier New" panose="02070309020205020404" pitchFamily="49" charset="0"/>
               </a:rPr>
-              <a:t>}</a:t>
+              <a:t>    </a:t>
+            </a:r>
+            <a:r>
+              <a:rPr lang="en-US" dirty="0" err="1">
+                <a:latin typeface="Courier New" panose="02070309020205020404" pitchFamily="49" charset="0"/>
+                <a:cs typeface="Courier New" panose="02070309020205020404" pitchFamily="49" charset="0"/>
+              </a:rPr>
+              <a:t>cout</a:t>
+            </a:r>
+            <a:r>
+              <a:rPr lang="en-US" dirty="0">
+                <a:latin typeface="Courier New" panose="02070309020205020404" pitchFamily="49" charset="0"/>
+                <a:cs typeface="Courier New" panose="02070309020205020404" pitchFamily="49" charset="0"/>
+              </a:rPr>
+              <a:t> &lt;&lt; *p &lt;&lt; "\n";</a:t>
             </a:r>
           </a:p>
           <a:p>
@@ -8957,7 +9105,7 @@
                 <a:latin typeface="Courier New" panose="02070309020205020404" pitchFamily="49" charset="0"/>
                 <a:cs typeface="Courier New" panose="02070309020205020404" pitchFamily="49" charset="0"/>
               </a:rPr>
-              <a:t>f({1,2});</a:t>
+              <a:t>}</a:t>
             </a:r>
           </a:p>
           <a:p>
@@ -8972,7 +9120,45 @@
                 <a:latin typeface="Courier New" panose="02070309020205020404" pitchFamily="49" charset="0"/>
                 <a:cs typeface="Courier New" panose="02070309020205020404" pitchFamily="49" charset="0"/>
               </a:rPr>
-              <a:t>f({23,345,4567,56789});</a:t>
+              <a:t>f({</a:t>
+            </a:r>
+            <a:r>
+              <a:rPr lang="en-US" dirty="0" smtClean="0">
+                <a:latin typeface="Courier New" panose="02070309020205020404" pitchFamily="49" charset="0"/>
+                <a:cs typeface="Courier New" panose="02070309020205020404" pitchFamily="49" charset="0"/>
+              </a:rPr>
+              <a:t>1,2.0f});//</a:t>
+            </a:r>
+            <a:r>
+              <a:rPr lang="en-US" dirty="0" smtClean="0">
+                <a:solidFill>
+                  <a:srgbClr val="FF0000"/>
+                </a:solidFill>
+                <a:latin typeface="Courier New" panose="02070309020205020404" pitchFamily="49" charset="0"/>
+                <a:cs typeface="Courier New" panose="02070309020205020404" pitchFamily="49" charset="0"/>
+              </a:rPr>
+              <a:t>error</a:t>
+            </a:r>
+            <a:r>
+              <a:rPr lang="en-US" dirty="0">
+                <a:latin typeface="Courier New" panose="02070309020205020404" pitchFamily="49" charset="0"/>
+                <a:cs typeface="Courier New" panose="02070309020205020404" pitchFamily="49" charset="0"/>
+              </a:rPr>
+              <a:t>: invalid narrowing conversion from "double" to "</a:t>
+            </a:r>
+            <a:r>
+              <a:rPr lang="en-US" dirty="0" err="1">
+                <a:latin typeface="Courier New" panose="02070309020205020404" pitchFamily="49" charset="0"/>
+                <a:cs typeface="Courier New" panose="02070309020205020404" pitchFamily="49" charset="0"/>
+              </a:rPr>
+              <a:t>int</a:t>
+            </a:r>
+            <a:r>
+              <a:rPr lang="en-US" dirty="0">
+                <a:latin typeface="Courier New" panose="02070309020205020404" pitchFamily="49" charset="0"/>
+                <a:cs typeface="Courier New" panose="02070309020205020404" pitchFamily="49" charset="0"/>
+              </a:rPr>
+              <a:t>"</a:t>
             </a:r>
           </a:p>
           <a:p>
@@ -8987,7 +9173,7 @@
                 <a:latin typeface="Courier New" panose="02070309020205020404" pitchFamily="49" charset="0"/>
                 <a:cs typeface="Courier New" panose="02070309020205020404" pitchFamily="49" charset="0"/>
               </a:rPr>
-              <a:t>f({}); // the empty list</a:t>
+              <a:t>f({23,345,4567,56789});</a:t>
             </a:r>
           </a:p>
           <a:p>
@@ -9002,7 +9188,39 @@
                 <a:latin typeface="Courier New" panose="02070309020205020404" pitchFamily="49" charset="0"/>
                 <a:cs typeface="Courier New" panose="02070309020205020404" pitchFamily="49" charset="0"/>
               </a:rPr>
-              <a:t>f{1,2}; // error: function call ( ) missing</a:t>
+              <a:t>f({}); // the empty list</a:t>
+            </a:r>
+          </a:p>
+          <a:p>
+            <a:pPr marL="0" indent="0">
+              <a:lnSpc>
+                <a:spcPct val="150000"/>
+              </a:lnSpc>
+              <a:buNone/>
+            </a:pPr>
+            <a:r>
+              <a:rPr lang="en-US" dirty="0">
+                <a:latin typeface="Courier New" panose="02070309020205020404" pitchFamily="49" charset="0"/>
+                <a:cs typeface="Courier New" panose="02070309020205020404" pitchFamily="49" charset="0"/>
+              </a:rPr>
+              <a:t>f{1,2}; // </a:t>
+            </a:r>
+            <a:r>
+              <a:rPr lang="en-US" dirty="0">
+                <a:solidFill>
+                  <a:srgbClr val="FF0000"/>
+                </a:solidFill>
+                <a:latin typeface="Courier New" panose="02070309020205020404" pitchFamily="49" charset="0"/>
+                <a:cs typeface="Courier New" panose="02070309020205020404" pitchFamily="49" charset="0"/>
+              </a:rPr>
+              <a:t>error</a:t>
+            </a:r>
+            <a:r>
+              <a:rPr lang="en-US" dirty="0">
+                <a:latin typeface="Courier New" panose="02070309020205020404" pitchFamily="49" charset="0"/>
+                <a:cs typeface="Courier New" panose="02070309020205020404" pitchFamily="49" charset="0"/>
+              </a:rPr>
+              <a:t>: function call ( ) missing</a:t>
             </a:r>
           </a:p>
           <a:p>
@@ -9258,147 +9476,6 @@
           </p:txBody>
         </p:sp>
       </p:grpSp>
-      <p:grpSp>
-        <p:nvGrpSpPr>
-          <p:cNvPr id="8" name="Group 7"/>
-          <p:cNvGrpSpPr/>
-          <p:nvPr/>
-        </p:nvGrpSpPr>
-        <p:grpSpPr>
-          <a:xfrm>
-            <a:off x="5459328" y="1985706"/>
-            <a:ext cx="3131850" cy="3136312"/>
-            <a:chOff x="866274" y="2304277"/>
-            <a:chExt cx="3416968" cy="3421836"/>
-          </a:xfrm>
-        </p:grpSpPr>
-        <p:pic>
-          <p:nvPicPr>
-            <p:cNvPr id="9" name="Picture 8"/>
-            <p:cNvPicPr>
-              <a:picLocks noChangeAspect="1"/>
-            </p:cNvPicPr>
-            <p:nvPr/>
-          </p:nvPicPr>
-          <p:blipFill rotWithShape="1">
-            <a:blip r:embed="rId2">
-              <a:extLst>
-                <a:ext uri="{28A0092B-C50C-407E-A947-70E740481C1C}">
-                  <a14:useLocalDpi xmlns:a14="http://schemas.microsoft.com/office/drawing/2010/main" val="0"/>
-                </a:ext>
-              </a:extLst>
-            </a:blip>
-            <a:srcRect l="1252"/>
-            <a:stretch/>
-          </p:blipFill>
-          <p:spPr>
-            <a:xfrm>
-              <a:off x="866274" y="2304277"/>
-              <a:ext cx="3416968" cy="3421836"/>
-            </a:xfrm>
-            <a:prstGeom prst="rect">
-              <a:avLst/>
-            </a:prstGeom>
-            <a:ln>
-              <a:solidFill>
-                <a:schemeClr val="accent2"/>
-              </a:solidFill>
-            </a:ln>
-          </p:spPr>
-        </p:pic>
-        <p:sp>
-          <p:nvSpPr>
-            <p:cNvPr id="10" name="Rectangle 9"/>
-            <p:cNvSpPr/>
-            <p:nvPr/>
-          </p:nvSpPr>
-          <p:spPr>
-            <a:xfrm>
-              <a:off x="2237873" y="2815390"/>
-              <a:ext cx="854242" cy="288758"/>
-            </a:xfrm>
-            <a:prstGeom prst="rect">
-              <a:avLst/>
-            </a:prstGeom>
-            <a:noFill/>
-            <a:ln>
-              <a:solidFill>
-                <a:schemeClr val="accent2"/>
-              </a:solidFill>
-            </a:ln>
-          </p:spPr>
-          <p:style>
-            <a:lnRef idx="2">
-              <a:schemeClr val="accent1">
-                <a:shade val="50000"/>
-              </a:schemeClr>
-            </a:lnRef>
-            <a:fillRef idx="1">
-              <a:schemeClr val="accent1"/>
-            </a:fillRef>
-            <a:effectRef idx="0">
-              <a:schemeClr val="accent1"/>
-            </a:effectRef>
-            <a:fontRef idx="minor">
-              <a:schemeClr val="lt1"/>
-            </a:fontRef>
-          </p:style>
-          <p:txBody>
-            <a:bodyPr rtlCol="0" anchor="ctr"/>
-            <a:lstStyle/>
-            <a:p>
-              <a:pPr algn="ctr"/>
-              <a:endParaRPr lang="en-US"/>
-            </a:p>
-          </p:txBody>
-        </p:sp>
-        <p:sp>
-          <p:nvSpPr>
-            <p:cNvPr id="11" name="Rectangle 10"/>
-            <p:cNvSpPr/>
-            <p:nvPr/>
-          </p:nvSpPr>
-          <p:spPr>
-            <a:xfrm>
-              <a:off x="2237873" y="4604085"/>
-              <a:ext cx="854242" cy="288758"/>
-            </a:xfrm>
-            <a:prstGeom prst="rect">
-              <a:avLst/>
-            </a:prstGeom>
-            <a:noFill/>
-            <a:ln>
-              <a:solidFill>
-                <a:schemeClr val="accent2"/>
-              </a:solidFill>
-            </a:ln>
-          </p:spPr>
-          <p:style>
-            <a:lnRef idx="2">
-              <a:schemeClr val="accent1">
-                <a:shade val="50000"/>
-              </a:schemeClr>
-            </a:lnRef>
-            <a:fillRef idx="1">
-              <a:schemeClr val="accent1"/>
-            </a:fillRef>
-            <a:effectRef idx="0">
-              <a:schemeClr val="accent1"/>
-            </a:effectRef>
-            <a:fontRef idx="minor">
-              <a:schemeClr val="lt1"/>
-            </a:fontRef>
-          </p:style>
-          <p:txBody>
-            <a:bodyPr rtlCol="0" anchor="ctr"/>
-            <a:lstStyle/>
-            <a:p>
-              <a:pPr algn="ctr"/>
-              <a:endParaRPr lang="en-US"/>
-            </a:p>
-          </p:txBody>
-        </p:sp>
-      </p:grpSp>
       <p:pic>
         <p:nvPicPr>
           <p:cNvPr id="12" name="Picture 4"/>
@@ -9540,6 +9617,148 @@
           </a:extLst>
         </p:spPr>
       </p:pic>
+      <p:grpSp>
+        <p:nvGrpSpPr>
+          <p:cNvPr id="15" name="Group 14"/>
+          <p:cNvGrpSpPr/>
+          <p:nvPr/>
+        </p:nvGrpSpPr>
+        <p:grpSpPr>
+          <a:xfrm>
+            <a:off x="5386057" y="1971932"/>
+            <a:ext cx="3199408" cy="3163859"/>
+            <a:chOff x="5088282" y="2131468"/>
+            <a:chExt cx="3490676" cy="3451891"/>
+          </a:xfrm>
+        </p:grpSpPr>
+        <p:pic>
+          <p:nvPicPr>
+            <p:cNvPr id="16" name="Picture 15"/>
+            <p:cNvPicPr>
+              <a:picLocks noChangeAspect="1"/>
+            </p:cNvPicPr>
+            <p:nvPr/>
+          </p:nvPicPr>
+          <p:blipFill>
+            <a:blip r:embed="rId5">
+              <a:extLst>
+                <a:ext uri="{28A0092B-C50C-407E-A947-70E740481C1C}">
+                  <a14:useLocalDpi xmlns:a14="http://schemas.microsoft.com/office/drawing/2010/main" val="0"/>
+                </a:ext>
+              </a:extLst>
+            </a:blip>
+            <a:stretch>
+              <a:fillRect/>
+            </a:stretch>
+          </p:blipFill>
+          <p:spPr>
+            <a:xfrm>
+              <a:off x="5088282" y="2131468"/>
+              <a:ext cx="3490676" cy="3451891"/>
+            </a:xfrm>
+            <a:prstGeom prst="rect">
+              <a:avLst/>
+            </a:prstGeom>
+            <a:ln>
+              <a:solidFill>
+                <a:schemeClr val="accent2"/>
+              </a:solidFill>
+            </a:ln>
+          </p:spPr>
+        </p:pic>
+        <p:sp>
+          <p:nvSpPr>
+            <p:cNvPr id="17" name="Rectangle 16"/>
+            <p:cNvSpPr/>
+            <p:nvPr/>
+          </p:nvSpPr>
+          <p:spPr>
+            <a:xfrm>
+              <a:off x="6503196" y="2683132"/>
+              <a:ext cx="1160920" cy="288758"/>
+            </a:xfrm>
+            <a:prstGeom prst="rect">
+              <a:avLst/>
+            </a:prstGeom>
+            <a:noFill/>
+            <a:ln>
+              <a:solidFill>
+                <a:schemeClr val="accent2"/>
+              </a:solidFill>
+            </a:ln>
+          </p:spPr>
+          <p:style>
+            <a:lnRef idx="2">
+              <a:schemeClr val="accent1">
+                <a:shade val="50000"/>
+              </a:schemeClr>
+            </a:lnRef>
+            <a:fillRef idx="1">
+              <a:schemeClr val="accent1"/>
+            </a:fillRef>
+            <a:effectRef idx="0">
+              <a:schemeClr val="accent1"/>
+            </a:effectRef>
+            <a:fontRef idx="minor">
+              <a:schemeClr val="lt1"/>
+            </a:fontRef>
+          </p:style>
+          <p:txBody>
+            <a:bodyPr rtlCol="0" anchor="ctr"/>
+            <a:lstStyle/>
+            <a:p>
+              <a:pPr algn="ctr"/>
+              <a:endParaRPr lang="en-US"/>
+            </a:p>
+          </p:txBody>
+        </p:sp>
+        <p:sp>
+          <p:nvSpPr>
+            <p:cNvPr id="18" name="Rectangle 17"/>
+            <p:cNvSpPr/>
+            <p:nvPr/>
+          </p:nvSpPr>
+          <p:spPr>
+            <a:xfrm>
+              <a:off x="6503197" y="4483770"/>
+              <a:ext cx="739814" cy="288758"/>
+            </a:xfrm>
+            <a:prstGeom prst="rect">
+              <a:avLst/>
+            </a:prstGeom>
+            <a:noFill/>
+            <a:ln>
+              <a:solidFill>
+                <a:schemeClr val="accent2"/>
+              </a:solidFill>
+            </a:ln>
+          </p:spPr>
+          <p:style>
+            <a:lnRef idx="2">
+              <a:schemeClr val="accent1">
+                <a:shade val="50000"/>
+              </a:schemeClr>
+            </a:lnRef>
+            <a:fillRef idx="1">
+              <a:schemeClr val="accent1"/>
+            </a:fillRef>
+            <a:effectRef idx="0">
+              <a:schemeClr val="accent1"/>
+            </a:effectRef>
+            <a:fontRef idx="minor">
+              <a:schemeClr val="lt1"/>
+            </a:fontRef>
+          </p:style>
+          <p:txBody>
+            <a:bodyPr rtlCol="0" anchor="ctr"/>
+            <a:lstStyle/>
+            <a:p>
+              <a:pPr algn="ctr"/>
+              <a:endParaRPr lang="en-US"/>
+            </a:p>
+          </p:txBody>
+        </p:sp>
+      </p:grpSp>
     </p:spTree>
     <p:extLst>
       <p:ext uri="{BB962C8B-B14F-4D97-AF65-F5344CB8AC3E}">
@@ -9629,7 +9848,7 @@
                                           </p:stCondLst>
                                         </p:cTn>
                                         <p:tgtEl>
-                                          <p:spTgt spid="8"/>
+                                          <p:spTgt spid="12"/>
                                         </p:tgtEl>
                                         <p:attrNameLst>
                                           <p:attrName>style.visibility</p:attrName>
@@ -9661,7 +9880,7 @@
                             </p:stCondLst>
                             <p:childTnLst>
                               <p:par>
-                                <p:cTn id="13" presetID="1" presetClass="entr" presetSubtype="0" fill="hold" nodeType="clickEffect">
+                                <p:cTn id="13" presetID="1" presetClass="entr" presetSubtype="0" fill="hold" grpId="0" nodeType="clickEffect">
                                   <p:stCondLst>
                                     <p:cond delay="0"/>
                                   </p:stCondLst>
@@ -9674,7 +9893,34 @@
                                           </p:stCondLst>
                                         </p:cTn>
                                         <p:tgtEl>
-                                          <p:spTgt spid="12"/>
+                                          <p:spTgt spid="13"/>
+                                        </p:tgtEl>
+                                        <p:attrNameLst>
+                                          <p:attrName>style.visibility</p:attrName>
+                                        </p:attrNameLst>
+                                      </p:cBhvr>
+                                      <p:to>
+                                        <p:strVal val="visible"/>
+                                      </p:to>
+                                    </p:set>
+                                  </p:childTnLst>
+                                </p:cTn>
+                              </p:par>
+                              <p:par>
+                                <p:cTn id="15" presetID="1" presetClass="entr" presetSubtype="0" fill="hold" nodeType="withEffect">
+                                  <p:stCondLst>
+                                    <p:cond delay="0"/>
+                                  </p:stCondLst>
+                                  <p:childTnLst>
+                                    <p:set>
+                                      <p:cBhvr>
+                                        <p:cTn id="16" dur="1" fill="hold">
+                                          <p:stCondLst>
+                                            <p:cond delay="0"/>
+                                          </p:stCondLst>
+                                        </p:cTn>
+                                        <p:tgtEl>
+                                          <p:spTgt spid="14"/>
                                         </p:tgtEl>
                                         <p:attrNameLst>
                                           <p:attrName>style.visibility</p:attrName>
@@ -9694,46 +9940,19 @@
                     </p:cTn>
                   </p:par>
                   <p:par>
-                    <p:cTn id="15" fill="hold">
+                    <p:cTn id="17" fill="hold">
                       <p:stCondLst>
                         <p:cond delay="indefinite"/>
                       </p:stCondLst>
                       <p:childTnLst>
                         <p:par>
-                          <p:cTn id="16" fill="hold">
+                          <p:cTn id="18" fill="hold">
                             <p:stCondLst>
                               <p:cond delay="0"/>
                             </p:stCondLst>
                             <p:childTnLst>
                               <p:par>
-                                <p:cTn id="17" presetID="1" presetClass="entr" presetSubtype="0" fill="hold" grpId="0" nodeType="clickEffect">
-                                  <p:stCondLst>
-                                    <p:cond delay="0"/>
-                                  </p:stCondLst>
-                                  <p:childTnLst>
-                                    <p:set>
-                                      <p:cBhvr>
-                                        <p:cTn id="18" dur="1" fill="hold">
-                                          <p:stCondLst>
-                                            <p:cond delay="0"/>
-                                          </p:stCondLst>
-                                        </p:cTn>
-                                        <p:tgtEl>
-                                          <p:spTgt spid="13"/>
-                                        </p:tgtEl>
-                                        <p:attrNameLst>
-                                          <p:attrName>style.visibility</p:attrName>
-                                        </p:attrNameLst>
-                                      </p:cBhvr>
-                                      <p:to>
-                                        <p:strVal val="visible"/>
-                                      </p:to>
-                                    </p:set>
-                                  </p:childTnLst>
-                                </p:cTn>
-                              </p:par>
-                              <p:par>
-                                <p:cTn id="19" presetID="1" presetClass="entr" presetSubtype="0" fill="hold" nodeType="withEffect">
+                                <p:cTn id="19" presetID="1" presetClass="entr" presetSubtype="0" fill="hold" nodeType="clickEffect">
                                   <p:stCondLst>
                                     <p:cond delay="0"/>
                                   </p:stCondLst>
@@ -9746,7 +9965,7 @@
                                           </p:stCondLst>
                                         </p:cTn>
                                         <p:tgtEl>
-                                          <p:spTgt spid="14"/>
+                                          <p:spTgt spid="15"/>
                                         </p:tgtEl>
                                         <p:attrNameLst>
                                           <p:attrName>style.visibility</p:attrName>
@@ -9879,7 +10098,7 @@
       </p:sp>
       <p:pic>
         <p:nvPicPr>
-          <p:cNvPr id="4" name="Picture 3"/>
+          <p:cNvPr id="8" name="Picture 7"/>
           <p:cNvPicPr>
             <a:picLocks noChangeAspect="1"/>
           </p:cNvPicPr>
@@ -9899,14 +10118,55 @@
         </p:blipFill>
         <p:spPr>
           <a:xfrm>
-            <a:off x="951694" y="2337948"/>
-            <a:ext cx="7432142" cy="4106919"/>
+            <a:off x="3082915" y="1348837"/>
+            <a:ext cx="6173061" cy="5344271"/>
           </a:xfrm>
           <a:prstGeom prst="rect">
             <a:avLst/>
           </a:prstGeom>
         </p:spPr>
       </p:pic>
+      <p:sp>
+        <p:nvSpPr>
+          <p:cNvPr id="9" name="TextBox 8"/>
+          <p:cNvSpPr txBox="1"/>
+          <p:nvPr/>
+        </p:nvSpPr>
+        <p:spPr>
+          <a:xfrm>
+            <a:off x="5327780" y="5850294"/>
+            <a:ext cx="4182555" cy="369332"/>
+          </a:xfrm>
+          <a:prstGeom prst="rect">
+            <a:avLst/>
+          </a:prstGeom>
+          <a:noFill/>
+        </p:spPr>
+        <p:txBody>
+          <a:bodyPr wrap="none" rtlCol="0">
+            <a:spAutoFit/>
+          </a:bodyPr>
+          <a:lstStyle/>
+          <a:p>
+            <a:r>
+              <a:rPr lang="en-US" dirty="0" smtClean="0">
+                <a:solidFill>
+                  <a:srgbClr val="FF0000"/>
+                </a:solidFill>
+              </a:rPr>
+              <a:t>ERROR: cannot </a:t>
+            </a:r>
+            <a:r>
+              <a:rPr lang="en-US" dirty="0">
+                <a:solidFill>
+                  <a:srgbClr val="FF0000"/>
+                </a:solidFill>
+              </a:rPr>
+              <a:t>override 'final' function</a:t>
+            </a:r>
+          </a:p>
+        </p:txBody>
+      </p:sp>
     </p:spTree>
     <p:extLst>
       <p:ext uri="{BB962C8B-B14F-4D97-AF65-F5344CB8AC3E}">
@@ -9920,75 +10180,7 @@
   <p:timing>
     <p:tnLst>
       <p:par>
-        <p:cTn id="1" dur="indefinite" restart="never" nodeType="tmRoot">
-          <p:childTnLst>
-            <p:seq concurrent="1" nextAc="seek">
-              <p:cTn id="2" dur="indefinite" nodeType="mainSeq">
-                <p:childTnLst>
-                  <p:par>
-                    <p:cTn id="3" fill="hold">
-                      <p:stCondLst>
-                        <p:cond delay="indefinite"/>
-                      </p:stCondLst>
-                      <p:childTnLst>
-                        <p:par>
-                          <p:cTn id="4" fill="hold">
-                            <p:stCondLst>
-                              <p:cond delay="0"/>
-                            </p:stCondLst>
-                            <p:childTnLst>
-                              <p:par>
-                                <p:cTn id="5" presetID="1" presetClass="entr" presetSubtype="0" fill="hold" nodeType="clickEffect">
-                                  <p:stCondLst>
-                                    <p:cond delay="0"/>
-                                  </p:stCondLst>
-                                  <p:childTnLst>
-                                    <p:set>
-                                      <p:cBhvr>
-                                        <p:cTn id="6" dur="1" fill="hold">
-                                          <p:stCondLst>
-                                            <p:cond delay="0"/>
-                                          </p:stCondLst>
-                                        </p:cTn>
-                                        <p:tgtEl>
-                                          <p:spTgt spid="4"/>
-                                        </p:tgtEl>
-                                        <p:attrNameLst>
-                                          <p:attrName>style.visibility</p:attrName>
-                                        </p:attrNameLst>
-                                      </p:cBhvr>
-                                      <p:to>
-                                        <p:strVal val="visible"/>
-                                      </p:to>
-                                    </p:set>
-                                  </p:childTnLst>
-                                </p:cTn>
-                              </p:par>
-                            </p:childTnLst>
-                          </p:cTn>
-                        </p:par>
-                      </p:childTnLst>
-                    </p:cTn>
-                  </p:par>
-                </p:childTnLst>
-              </p:cTn>
-              <p:prevCondLst>
-                <p:cond evt="onPrev" delay="0">
-                  <p:tgtEl>
-                    <p:sldTgt/>
-                  </p:tgtEl>
-                </p:cond>
-              </p:prevCondLst>
-              <p:nextCondLst>
-                <p:cond evt="onNext" delay="0">
-                  <p:tgtEl>
-                    <p:sldTgt/>
-                  </p:tgtEl>
-                </p:cond>
-              </p:nextCondLst>
-            </p:seq>
-          </p:childTnLst>
-        </p:cTn>
+        <p:cTn id="1" dur="indefinite" restart="never" nodeType="tmRoot"/>
       </p:par>
     </p:tnLst>
   </p:timing>
@@ -10069,13 +10261,13 @@
           <p:nvPr>
             <p:extLst>
               <p:ext uri="{D42A27DB-BD31-4B8C-83A1-F6EECF244321}">
-                <p14:modId xmlns:p14="http://schemas.microsoft.com/office/powerpoint/2010/main" val="1913937753"/>
+                <p14:modId xmlns:p14="http://schemas.microsoft.com/office/powerpoint/2010/main" val="3629980456"/>
               </p:ext>
             </p:extLst>
           </p:nvPr>
         </p:nvGraphicFramePr>
         <p:xfrm>
-          <a:off x="1200838" y="1711184"/>
+          <a:off x="958242" y="2280351"/>
           <a:ext cx="9661792" cy="2377440"/>
         </p:xfrm>
         <a:graphic>
@@ -10301,7 +10493,7 @@
         </p:blipFill>
         <p:spPr bwMode="auto">
           <a:xfrm>
-            <a:off x="2707155" y="2154609"/>
+            <a:off x="2464559" y="2723776"/>
             <a:ext cx="2495550" cy="390525"/>
           </a:xfrm>
           <a:prstGeom prst="rect">
@@ -10340,7 +10532,7 @@
         </p:nvSpPr>
         <p:spPr>
           <a:xfrm>
-            <a:off x="3613281" y="2658745"/>
+            <a:off x="3370685" y="3227912"/>
             <a:ext cx="774571" cy="369332"/>
           </a:xfrm>
           <a:prstGeom prst="rect">
@@ -10393,7 +10585,7 @@
         </p:blipFill>
         <p:spPr bwMode="auto">
           <a:xfrm>
-            <a:off x="7004050" y="2154609"/>
+            <a:off x="6761454" y="2723776"/>
             <a:ext cx="3171825" cy="676275"/>
           </a:xfrm>
           <a:prstGeom prst="rect">
@@ -10432,7 +10624,7 @@
         </p:nvSpPr>
         <p:spPr>
           <a:xfrm>
-            <a:off x="4093434" y="2339202"/>
+            <a:off x="3850838" y="2908369"/>
             <a:ext cx="297557" cy="153543"/>
           </a:xfrm>
           <a:prstGeom prst="rect">
@@ -10478,7 +10670,7 @@
         </p:nvSpPr>
         <p:spPr>
           <a:xfrm>
-            <a:off x="3789302" y="2145035"/>
+            <a:off x="3546706" y="2714202"/>
             <a:ext cx="297557" cy="153543"/>
           </a:xfrm>
           <a:prstGeom prst="rect">
@@ -10871,6 +11063,381 @@
 </file>
 
 <file path=ppt/slides/slide19.xml><?xml version="1.0" encoding="utf-8"?>
+<p:sld xmlns:a="http://schemas.openxmlformats.org/drawingml/2006/main" xmlns:r="http://schemas.openxmlformats.org/officeDocument/2006/relationships" xmlns:p="http://schemas.openxmlformats.org/presentationml/2006/main">
+  <p:cSld>
+    <p:spTree>
+      <p:nvGrpSpPr>
+        <p:cNvPr id="1" name=""/>
+        <p:cNvGrpSpPr/>
+        <p:nvPr/>
+      </p:nvGrpSpPr>
+      <p:grpSpPr>
+        <a:xfrm>
+          <a:off x="0" y="0"/>
+          <a:ext cx="0" cy="0"/>
+          <a:chOff x="0" y="0"/>
+          <a:chExt cx="0" cy="0"/>
+        </a:xfrm>
+      </p:grpSpPr>
+      <p:sp>
+        <p:nvSpPr>
+          <p:cNvPr id="2" name="Title 1"/>
+          <p:cNvSpPr>
+            <a:spLocks noGrp="1"/>
+          </p:cNvSpPr>
+          <p:nvPr>
+            <p:ph type="title"/>
+          </p:nvPr>
+        </p:nvSpPr>
+        <p:spPr>
+          <a:xfrm>
+            <a:off x="838200" y="365126"/>
+            <a:ext cx="10515600" cy="539944"/>
+          </a:xfrm>
+        </p:spPr>
+        <p:txBody>
+          <a:bodyPr>
+            <a:normAutofit fontScale="90000"/>
+          </a:bodyPr>
+          <a:lstStyle/>
+          <a:p>
+            <a:r>
+              <a:rPr lang="en-GB" sz="3600" b="1" dirty="0">
+                <a:solidFill>
+                  <a:schemeClr val="accent2"/>
+                </a:solidFill>
+                <a:cs typeface="Arial" pitchFamily="34" charset="0"/>
+              </a:rPr>
+              <a:t>Lambdas (cont.)</a:t>
+            </a:r>
+            <a:endParaRPr lang="en-US" sz="3600" dirty="0"/>
+          </a:p>
+        </p:txBody>
+      </p:sp>
+      <p:pic>
+        <p:nvPicPr>
+          <p:cNvPr id="4" name="Content Placeholder 3"/>
+          <p:cNvPicPr>
+            <a:picLocks noGrp="1" noChangeAspect="1"/>
+          </p:cNvPicPr>
+          <p:nvPr>
+            <p:ph idx="1"/>
+          </p:nvPr>
+        </p:nvPicPr>
+        <p:blipFill>
+          <a:blip r:embed="rId2">
+            <a:extLst>
+              <a:ext uri="{28A0092B-C50C-407E-A947-70E740481C1C}">
+                <a14:useLocalDpi xmlns:a14="http://schemas.microsoft.com/office/drawing/2010/main" val="0"/>
+              </a:ext>
+            </a:extLst>
+          </a:blip>
+          <a:stretch>
+            <a:fillRect/>
+          </a:stretch>
+        </p:blipFill>
+        <p:spPr>
+          <a:xfrm>
+            <a:off x="838200" y="1663903"/>
+            <a:ext cx="5096586" cy="3353268"/>
+          </a:xfrm>
+        </p:spPr>
+      </p:pic>
+      <p:sp>
+        <p:nvSpPr>
+          <p:cNvPr id="6" name="TextBox 5"/>
+          <p:cNvSpPr txBox="1"/>
+          <p:nvPr/>
+        </p:nvSpPr>
+        <p:spPr>
+          <a:xfrm>
+            <a:off x="2332653" y="1229257"/>
+            <a:ext cx="941283" cy="369332"/>
+          </a:xfrm>
+          <a:prstGeom prst="rect">
+            <a:avLst/>
+          </a:prstGeom>
+          <a:noFill/>
+        </p:spPr>
+        <p:txBody>
+          <a:bodyPr wrap="none" rtlCol="0">
+            <a:spAutoFit/>
+          </a:bodyPr>
+          <a:lstStyle/>
+          <a:p>
+            <a:r>
+              <a:rPr lang="en-US" dirty="0" smtClean="0"/>
+              <a:t>C++ 98</a:t>
+            </a:r>
+            <a:endParaRPr lang="en-US" dirty="0"/>
+          </a:p>
+        </p:txBody>
+      </p:sp>
+      <p:sp>
+        <p:nvSpPr>
+          <p:cNvPr id="7" name="TextBox 6"/>
+          <p:cNvSpPr txBox="1"/>
+          <p:nvPr/>
+        </p:nvSpPr>
+        <p:spPr>
+          <a:xfrm>
+            <a:off x="7931020" y="1308902"/>
+            <a:ext cx="2642583" cy="369332"/>
+          </a:xfrm>
+          <a:prstGeom prst="rect">
+            <a:avLst/>
+          </a:prstGeom>
+          <a:noFill/>
+        </p:spPr>
+        <p:txBody>
+          <a:bodyPr wrap="none" rtlCol="0">
+            <a:spAutoFit/>
+          </a:bodyPr>
+          <a:lstStyle/>
+          <a:p>
+            <a:r>
+              <a:rPr lang="en-US" dirty="0" smtClean="0"/>
+              <a:t>C++11 (using Lambdas)</a:t>
+            </a:r>
+            <a:endParaRPr lang="en-US" dirty="0"/>
+          </a:p>
+        </p:txBody>
+      </p:sp>
+      <p:pic>
+        <p:nvPicPr>
+          <p:cNvPr id="9" name="Picture 8"/>
+          <p:cNvPicPr>
+            <a:picLocks noChangeAspect="1"/>
+          </p:cNvPicPr>
+          <p:nvPr/>
+        </p:nvPicPr>
+        <p:blipFill>
+          <a:blip r:embed="rId3">
+            <a:extLst>
+              <a:ext uri="{28A0092B-C50C-407E-A947-70E740481C1C}">
+                <a14:useLocalDpi xmlns:a14="http://schemas.microsoft.com/office/drawing/2010/main" val="0"/>
+              </a:ext>
+            </a:extLst>
+          </a:blip>
+          <a:stretch>
+            <a:fillRect/>
+          </a:stretch>
+        </p:blipFill>
+        <p:spPr>
+          <a:xfrm>
+            <a:off x="7186970" y="1678234"/>
+            <a:ext cx="4610743" cy="4496427"/>
+          </a:xfrm>
+          <a:prstGeom prst="rect">
+            <a:avLst/>
+          </a:prstGeom>
+        </p:spPr>
+      </p:pic>
+      <p:sp>
+        <p:nvSpPr>
+          <p:cNvPr id="12" name="Rectangle 11"/>
+          <p:cNvSpPr/>
+          <p:nvPr/>
+        </p:nvSpPr>
+        <p:spPr>
+          <a:xfrm>
+            <a:off x="7473820" y="4506686"/>
+            <a:ext cx="3993502" cy="317241"/>
+          </a:xfrm>
+          <a:prstGeom prst="rect">
+            <a:avLst/>
+          </a:prstGeom>
+          <a:noFill/>
+          <a:ln>
+            <a:solidFill>
+              <a:schemeClr val="accent2"/>
+            </a:solidFill>
+          </a:ln>
+        </p:spPr>
+        <p:style>
+          <a:lnRef idx="2">
+            <a:schemeClr val="accent1">
+              <a:shade val="50000"/>
+            </a:schemeClr>
+          </a:lnRef>
+          <a:fillRef idx="1">
+            <a:schemeClr val="accent1"/>
+          </a:fillRef>
+          <a:effectRef idx="0">
+            <a:schemeClr val="accent1"/>
+          </a:effectRef>
+          <a:fontRef idx="minor">
+            <a:schemeClr val="lt1"/>
+          </a:fontRef>
+        </p:style>
+        <p:txBody>
+          <a:bodyPr rtlCol="0" anchor="ctr"/>
+          <a:lstStyle/>
+          <a:p>
+            <a:pPr algn="ctr"/>
+            <a:endParaRPr lang="en-US"/>
+          </a:p>
+        </p:txBody>
+      </p:sp>
+      <p:sp>
+        <p:nvSpPr>
+          <p:cNvPr id="13" name="Rectangle 12"/>
+          <p:cNvSpPr/>
+          <p:nvPr/>
+        </p:nvSpPr>
+        <p:spPr>
+          <a:xfrm>
+            <a:off x="7632441" y="2659224"/>
+            <a:ext cx="4096139" cy="289249"/>
+          </a:xfrm>
+          <a:prstGeom prst="rect">
+            <a:avLst/>
+          </a:prstGeom>
+          <a:noFill/>
+          <a:ln>
+            <a:solidFill>
+              <a:schemeClr val="accent2"/>
+            </a:solidFill>
+          </a:ln>
+        </p:spPr>
+        <p:style>
+          <a:lnRef idx="2">
+            <a:schemeClr val="accent1">
+              <a:shade val="50000"/>
+            </a:schemeClr>
+          </a:lnRef>
+          <a:fillRef idx="1">
+            <a:schemeClr val="accent1"/>
+          </a:fillRef>
+          <a:effectRef idx="0">
+            <a:schemeClr val="accent1"/>
+          </a:effectRef>
+          <a:fontRef idx="minor">
+            <a:schemeClr val="lt1"/>
+          </a:fontRef>
+        </p:style>
+        <p:txBody>
+          <a:bodyPr rtlCol="0" anchor="ctr"/>
+          <a:lstStyle/>
+          <a:p>
+            <a:pPr algn="ctr"/>
+            <a:endParaRPr lang="en-US"/>
+          </a:p>
+        </p:txBody>
+      </p:sp>
+    </p:spTree>
+    <p:extLst>
+      <p:ext uri="{BB962C8B-B14F-4D97-AF65-F5344CB8AC3E}">
+        <p14:creationId xmlns:p14="http://schemas.microsoft.com/office/powerpoint/2010/main" val="2669250700"/>
+      </p:ext>
+    </p:extLst>
+  </p:cSld>
+  <p:clrMapOvr>
+    <a:masterClrMapping/>
+  </p:clrMapOvr>
+</p:sld>
+</file>
+
+<file path=ppt/slides/slide2.xml><?xml version="1.0" encoding="utf-8"?>
+<p:sld xmlns:a="http://schemas.openxmlformats.org/drawingml/2006/main" xmlns:r="http://schemas.openxmlformats.org/officeDocument/2006/relationships" xmlns:p="http://schemas.openxmlformats.org/presentationml/2006/main">
+  <p:cSld>
+    <p:spTree>
+      <p:nvGrpSpPr>
+        <p:cNvPr id="1" name=""/>
+        <p:cNvGrpSpPr/>
+        <p:nvPr/>
+      </p:nvGrpSpPr>
+      <p:grpSpPr>
+        <a:xfrm>
+          <a:off x="0" y="0"/>
+          <a:ext cx="0" cy="0"/>
+          <a:chOff x="0" y="0"/>
+          <a:chExt cx="0" cy="0"/>
+        </a:xfrm>
+      </p:grpSpPr>
+      <p:sp>
+        <p:nvSpPr>
+          <p:cNvPr id="2" name="Title 1"/>
+          <p:cNvSpPr>
+            <a:spLocks noGrp="1"/>
+          </p:cNvSpPr>
+          <p:nvPr>
+            <p:ph type="title"/>
+          </p:nvPr>
+        </p:nvSpPr>
+        <p:spPr/>
+        <p:txBody>
+          <a:bodyPr>
+            <a:normAutofit/>
+          </a:bodyPr>
+          <a:lstStyle/>
+          <a:p>
+            <a:r>
+              <a:rPr lang="en-US" sz="3600" b="1" dirty="0" smtClean="0">
+                <a:solidFill>
+                  <a:schemeClr val="accent2"/>
+                </a:solidFill>
+              </a:rPr>
+              <a:t>I. Introduce about C++</a:t>
+            </a:r>
+            <a:endParaRPr lang="en-US" sz="3600" b="1" dirty="0">
+              <a:solidFill>
+                <a:schemeClr val="accent2"/>
+              </a:solidFill>
+            </a:endParaRPr>
+          </a:p>
+        </p:txBody>
+      </p:sp>
+      <p:pic>
+        <p:nvPicPr>
+          <p:cNvPr id="10" name="Content Placeholder 9"/>
+          <p:cNvPicPr>
+            <a:picLocks noGrp="1" noChangeAspect="1"/>
+          </p:cNvPicPr>
+          <p:nvPr>
+            <p:ph idx="1"/>
+          </p:nvPr>
+        </p:nvPicPr>
+        <p:blipFill>
+          <a:blip r:embed="rId3">
+            <a:extLst>
+              <a:ext uri="{28A0092B-C50C-407E-A947-70E740481C1C}">
+                <a14:useLocalDpi xmlns:a14="http://schemas.microsoft.com/office/drawing/2010/main" val="0"/>
+              </a:ext>
+            </a:extLst>
+          </a:blip>
+          <a:stretch>
+            <a:fillRect/>
+          </a:stretch>
+        </p:blipFill>
+        <p:spPr>
+          <a:xfrm>
+            <a:off x="969485" y="1322024"/>
+            <a:ext cx="10477040" cy="5111827"/>
+          </a:xfrm>
+        </p:spPr>
+      </p:pic>
+    </p:spTree>
+    <p:extLst>
+      <p:ext uri="{BB962C8B-B14F-4D97-AF65-F5344CB8AC3E}">
+        <p14:creationId xmlns:p14="http://schemas.microsoft.com/office/powerpoint/2010/main" val="4105427247"/>
+      </p:ext>
+    </p:extLst>
+  </p:cSld>
+  <p:clrMapOvr>
+    <a:masterClrMapping/>
+  </p:clrMapOvr>
+  <p:timing>
+    <p:tnLst>
+      <p:par>
+        <p:cTn id="1" dur="indefinite" restart="never" nodeType="tmRoot"/>
+      </p:par>
+    </p:tnLst>
+  </p:timing>
+</p:sld>
+</file>
+
+<file path=ppt/slides/slide20.xml><?xml version="1.0" encoding="utf-8"?>
 <p:sld xmlns:a="http://schemas.openxmlformats.org/drawingml/2006/main" xmlns:r="http://schemas.openxmlformats.org/officeDocument/2006/relationships" xmlns:p="http://schemas.openxmlformats.org/presentationml/2006/main">
   <p:cSld>
     <p:spTree>
@@ -11188,106 +11755,7 @@
 </p:sld>
 </file>
 
-<file path=ppt/slides/slide2.xml><?xml version="1.0" encoding="utf-8"?>
-<p:sld xmlns:a="http://schemas.openxmlformats.org/drawingml/2006/main" xmlns:r="http://schemas.openxmlformats.org/officeDocument/2006/relationships" xmlns:p="http://schemas.openxmlformats.org/presentationml/2006/main">
-  <p:cSld>
-    <p:spTree>
-      <p:nvGrpSpPr>
-        <p:cNvPr id="1" name=""/>
-        <p:cNvGrpSpPr/>
-        <p:nvPr/>
-      </p:nvGrpSpPr>
-      <p:grpSpPr>
-        <a:xfrm>
-          <a:off x="0" y="0"/>
-          <a:ext cx="0" cy="0"/>
-          <a:chOff x="0" y="0"/>
-          <a:chExt cx="0" cy="0"/>
-        </a:xfrm>
-      </p:grpSpPr>
-      <p:sp>
-        <p:nvSpPr>
-          <p:cNvPr id="2" name="Title 1"/>
-          <p:cNvSpPr>
-            <a:spLocks noGrp="1"/>
-          </p:cNvSpPr>
-          <p:nvPr>
-            <p:ph type="title"/>
-          </p:nvPr>
-        </p:nvSpPr>
-        <p:spPr/>
-        <p:txBody>
-          <a:bodyPr>
-            <a:normAutofit/>
-          </a:bodyPr>
-          <a:lstStyle/>
-          <a:p>
-            <a:r>
-              <a:rPr lang="en-US" sz="3600" b="1" dirty="0" smtClean="0">
-                <a:solidFill>
-                  <a:schemeClr val="accent2"/>
-                </a:solidFill>
-              </a:rPr>
-              <a:t>I. Introduce about C++</a:t>
-            </a:r>
-            <a:endParaRPr lang="en-US" sz="3600" b="1" dirty="0">
-              <a:solidFill>
-                <a:schemeClr val="accent2"/>
-              </a:solidFill>
-            </a:endParaRPr>
-          </a:p>
-        </p:txBody>
-      </p:sp>
-      <p:pic>
-        <p:nvPicPr>
-          <p:cNvPr id="10" name="Content Placeholder 9"/>
-          <p:cNvPicPr>
-            <a:picLocks noGrp="1" noChangeAspect="1"/>
-          </p:cNvPicPr>
-          <p:nvPr>
-            <p:ph idx="1"/>
-          </p:nvPr>
-        </p:nvPicPr>
-        <p:blipFill>
-          <a:blip r:embed="rId3">
-            <a:extLst>
-              <a:ext uri="{28A0092B-C50C-407E-A947-70E740481C1C}">
-                <a14:useLocalDpi xmlns:a14="http://schemas.microsoft.com/office/drawing/2010/main" val="0"/>
-              </a:ext>
-            </a:extLst>
-          </a:blip>
-          <a:stretch>
-            <a:fillRect/>
-          </a:stretch>
-        </p:blipFill>
-        <p:spPr>
-          <a:xfrm>
-            <a:off x="969485" y="1322024"/>
-            <a:ext cx="10477040" cy="5111827"/>
-          </a:xfrm>
-        </p:spPr>
-      </p:pic>
-    </p:spTree>
-    <p:extLst>
-      <p:ext uri="{BB962C8B-B14F-4D97-AF65-F5344CB8AC3E}">
-        <p14:creationId xmlns:p14="http://schemas.microsoft.com/office/powerpoint/2010/main" val="4105427247"/>
-      </p:ext>
-    </p:extLst>
-  </p:cSld>
-  <p:clrMapOvr>
-    <a:masterClrMapping/>
-  </p:clrMapOvr>
-  <p:timing>
-    <p:tnLst>
-      <p:par>
-        <p:cTn id="1" dur="indefinite" restart="never" nodeType="tmRoot"/>
-      </p:par>
-    </p:tnLst>
-  </p:timing>
-</p:sld>
-</file>
-
-<file path=ppt/slides/slide20.xml><?xml version="1.0" encoding="utf-8"?>
+<file path=ppt/slides/slide21.xml><?xml version="1.0" encoding="utf-8"?>
 <p:sld xmlns:a="http://schemas.openxmlformats.org/drawingml/2006/main" xmlns:r="http://schemas.openxmlformats.org/officeDocument/2006/relationships" xmlns:p="http://schemas.openxmlformats.org/presentationml/2006/main">
   <p:cSld>
     <p:spTree>
@@ -11444,7 +11912,7 @@
 </p:sld>
 </file>
 
-<file path=ppt/slides/slide21.xml><?xml version="1.0" encoding="utf-8"?>
+<file path=ppt/slides/slide22.xml><?xml version="1.0" encoding="utf-8"?>
 <p:sld xmlns:a="http://schemas.openxmlformats.org/drawingml/2006/main" xmlns:r="http://schemas.openxmlformats.org/officeDocument/2006/relationships" xmlns:p="http://schemas.openxmlformats.org/presentationml/2006/main">
   <p:cSld>
     <p:spTree>
@@ -11577,9 +12045,9 @@
       </p:sp>
       <p:pic>
         <p:nvPicPr>
-          <p:cNvPr id="4" name="Picture 3"/>
+          <p:cNvPr id="6" name="Picture 5"/>
           <p:cNvPicPr>
-            <a:picLocks noChangeAspect="1" noChangeArrowheads="1"/>
+            <a:picLocks noChangeAspect="1"/>
           </p:cNvPicPr>
           <p:nvPr/>
         </p:nvPicPr>
@@ -11591,44 +12059,25 @@
               </a:ext>
             </a:extLst>
           </a:blip>
-          <a:srcRect/>
           <a:stretch>
             <a:fillRect/>
           </a:stretch>
         </p:blipFill>
-        <p:spPr bwMode="auto">
+        <p:spPr>
           <a:xfrm>
-            <a:off x="1195411" y="2897436"/>
-            <a:ext cx="5249456" cy="3701668"/>
+            <a:off x="838200" y="2886420"/>
+            <a:ext cx="4944165" cy="3543795"/>
           </a:xfrm>
           <a:prstGeom prst="rect">
             <a:avLst/>
           </a:prstGeom>
-          <a:noFill/>
-          <a:ln w="9525">
-            <a:solidFill>
-              <a:schemeClr val="accent1"/>
-            </a:solidFill>
-            <a:miter lim="800000"/>
-            <a:headEnd/>
-            <a:tailEnd/>
-          </a:ln>
-          <a:extLst>
-            <a:ext uri="{909E8E84-426E-40DD-AFC4-6F175D3DCCD1}">
-              <a14:hiddenFill xmlns:a14="http://schemas.microsoft.com/office/drawing/2010/main">
-                <a:solidFill>
-                  <a:schemeClr val="accent1"/>
-                </a:solidFill>
-              </a14:hiddenFill>
-            </a:ext>
-          </a:extLst>
         </p:spPr>
       </p:pic>
       <p:pic>
         <p:nvPicPr>
-          <p:cNvPr id="5" name="Picture 5"/>
+          <p:cNvPr id="8" name="Picture 7"/>
           <p:cNvPicPr>
-            <a:picLocks noChangeAspect="1" noChangeArrowheads="1"/>
+            <a:picLocks noChangeAspect="1"/>
           </p:cNvPicPr>
           <p:nvPr/>
         </p:nvPicPr>
@@ -11640,44 +12089,66 @@
               </a:ext>
             </a:extLst>
           </a:blip>
-          <a:srcRect/>
           <a:stretch>
             <a:fillRect/>
           </a:stretch>
         </p:blipFill>
-        <p:spPr bwMode="auto">
+        <p:spPr>
           <a:xfrm>
-            <a:off x="7311352" y="3220598"/>
-            <a:ext cx="3591367" cy="1527671"/>
+            <a:off x="6563584" y="2252028"/>
+            <a:ext cx="5286294" cy="4605972"/>
+          </a:xfrm>
+          <a:prstGeom prst="rect">
+            <a:avLst/>
+          </a:prstGeom>
+        </p:spPr>
+      </p:pic>
+      <p:sp>
+        <p:nvSpPr>
+          <p:cNvPr id="9" name="Rectangle 8"/>
+          <p:cNvSpPr/>
+          <p:nvPr/>
+        </p:nvSpPr>
+        <p:spPr>
+          <a:xfrm>
+            <a:off x="1082351" y="5915608"/>
+            <a:ext cx="1595535" cy="279919"/>
           </a:xfrm>
           <a:prstGeom prst="rect">
             <a:avLst/>
           </a:prstGeom>
           <a:noFill/>
           <a:ln>
-            <a:noFill/>
+            <a:solidFill>
+              <a:srgbClr val="FF0000"/>
+            </a:solidFill>
           </a:ln>
-          <a:extLst>
-            <a:ext uri="{909E8E84-426E-40DD-AFC4-6F175D3DCCD1}">
-              <a14:hiddenFill xmlns:a14="http://schemas.microsoft.com/office/drawing/2010/main">
-                <a:solidFill>
-                  <a:schemeClr val="accent1"/>
-                </a:solidFill>
-              </a14:hiddenFill>
-            </a:ext>
-            <a:ext uri="{91240B29-F687-4F45-9708-019B960494DF}">
-              <a14:hiddenLine xmlns:a14="http://schemas.microsoft.com/office/drawing/2010/main" w="9525">
-                <a:solidFill>
-                  <a:schemeClr val="tx1"/>
-                </a:solidFill>
-                <a:miter lim="800000"/>
-                <a:headEnd/>
-                <a:tailEnd/>
-              </a14:hiddenLine>
-            </a:ext>
-          </a:extLst>
         </p:spPr>
-      </p:pic>
+        <p:style>
+          <a:lnRef idx="2">
+            <a:schemeClr val="accent1">
+              <a:shade val="50000"/>
+            </a:schemeClr>
+          </a:lnRef>
+          <a:fillRef idx="1">
+            <a:schemeClr val="accent1"/>
+          </a:fillRef>
+          <a:effectRef idx="0">
+            <a:schemeClr val="accent1"/>
+          </a:effectRef>
+          <a:fontRef idx="minor">
+            <a:schemeClr val="lt1"/>
+          </a:fontRef>
+        </p:style>
+        <p:txBody>
+          <a:bodyPr rtlCol="0" anchor="ctr"/>
+          <a:lstStyle/>
+          <a:p>
+            <a:pPr algn="ctr"/>
+            <a:endParaRPr lang="en-US"/>
+          </a:p>
+        </p:txBody>
+      </p:sp>
     </p:spTree>
     <p:extLst>
       <p:ext uri="{BB962C8B-B14F-4D97-AF65-F5344CB8AC3E}">
@@ -11691,82 +12162,14 @@
   <p:timing>
     <p:tnLst>
       <p:par>
-        <p:cTn id="1" dur="indefinite" restart="never" nodeType="tmRoot">
-          <p:childTnLst>
-            <p:seq concurrent="1" nextAc="seek">
-              <p:cTn id="2" dur="indefinite" nodeType="mainSeq">
-                <p:childTnLst>
-                  <p:par>
-                    <p:cTn id="3" fill="hold">
-                      <p:stCondLst>
-                        <p:cond delay="indefinite"/>
-                      </p:stCondLst>
-                      <p:childTnLst>
-                        <p:par>
-                          <p:cTn id="4" fill="hold">
-                            <p:stCondLst>
-                              <p:cond delay="0"/>
-                            </p:stCondLst>
-                            <p:childTnLst>
-                              <p:par>
-                                <p:cTn id="5" presetID="1" presetClass="entr" presetSubtype="0" fill="hold" nodeType="clickEffect">
-                                  <p:stCondLst>
-                                    <p:cond delay="0"/>
-                                  </p:stCondLst>
-                                  <p:childTnLst>
-                                    <p:set>
-                                      <p:cBhvr>
-                                        <p:cTn id="6" dur="1" fill="hold">
-                                          <p:stCondLst>
-                                            <p:cond delay="0"/>
-                                          </p:stCondLst>
-                                        </p:cTn>
-                                        <p:tgtEl>
-                                          <p:spTgt spid="5"/>
-                                        </p:tgtEl>
-                                        <p:attrNameLst>
-                                          <p:attrName>style.visibility</p:attrName>
-                                        </p:attrNameLst>
-                                      </p:cBhvr>
-                                      <p:to>
-                                        <p:strVal val="visible"/>
-                                      </p:to>
-                                    </p:set>
-                                  </p:childTnLst>
-                                </p:cTn>
-                              </p:par>
-                            </p:childTnLst>
-                          </p:cTn>
-                        </p:par>
-                      </p:childTnLst>
-                    </p:cTn>
-                  </p:par>
-                </p:childTnLst>
-              </p:cTn>
-              <p:prevCondLst>
-                <p:cond evt="onPrev" delay="0">
-                  <p:tgtEl>
-                    <p:sldTgt/>
-                  </p:tgtEl>
-                </p:cond>
-              </p:prevCondLst>
-              <p:nextCondLst>
-                <p:cond evt="onNext" delay="0">
-                  <p:tgtEl>
-                    <p:sldTgt/>
-                  </p:tgtEl>
-                </p:cond>
-              </p:nextCondLst>
-            </p:seq>
-          </p:childTnLst>
-        </p:cTn>
+        <p:cTn id="1" dur="indefinite" restart="never" nodeType="tmRoot"/>
       </p:par>
     </p:tnLst>
   </p:timing>
 </p:sld>
 </file>
 
-<file path=ppt/slides/slide22.xml><?xml version="1.0" encoding="utf-8"?>
+<file path=ppt/slides/slide23.xml><?xml version="1.0" encoding="utf-8"?>
 <p:sld xmlns:a="http://schemas.openxmlformats.org/drawingml/2006/main" xmlns:r="http://schemas.openxmlformats.org/officeDocument/2006/relationships" xmlns:p="http://schemas.openxmlformats.org/presentationml/2006/main">
   <p:cSld>
     <p:spTree>
@@ -12349,7 +12752,7 @@
 </p:sld>
 </file>
 
-<file path=ppt/slides/slide23.xml><?xml version="1.0" encoding="utf-8"?>
+<file path=ppt/slides/slide24.xml><?xml version="1.0" encoding="utf-8"?>
 <p:sld xmlns:a="http://schemas.openxmlformats.org/drawingml/2006/main" xmlns:r="http://schemas.openxmlformats.org/officeDocument/2006/relationships" xmlns:p="http://schemas.openxmlformats.org/presentationml/2006/main">
   <p:cSld>
     <p:spTree>
@@ -12784,7 +13187,7 @@
 </p:sld>
 </file>
 
-<file path=ppt/slides/slide24.xml><?xml version="1.0" encoding="utf-8"?>
+<file path=ppt/slides/slide25.xml><?xml version="1.0" encoding="utf-8"?>
 <p:sld xmlns:a="http://schemas.openxmlformats.org/drawingml/2006/main" xmlns:r="http://schemas.openxmlformats.org/officeDocument/2006/relationships" xmlns:p="http://schemas.openxmlformats.org/presentationml/2006/main">
   <p:cSld>
     <p:spTree>
@@ -12937,7 +13340,7 @@
 </p:sld>
 </file>
 
-<file path=ppt/slides/slide25.xml><?xml version="1.0" encoding="utf-8"?>
+<file path=ppt/slides/slide26.xml><?xml version="1.0" encoding="utf-8"?>
 <p:sld xmlns:a="http://schemas.openxmlformats.org/drawingml/2006/main" xmlns:r="http://schemas.openxmlformats.org/officeDocument/2006/relationships" xmlns:p="http://schemas.openxmlformats.org/presentationml/2006/main">
   <p:cSld>
     <p:spTree>
@@ -13211,7 +13614,7 @@
 </p:sld>
 </file>
 
-<file path=ppt/slides/slide26.xml><?xml version="1.0" encoding="utf-8"?>
+<file path=ppt/slides/slide27.xml><?xml version="1.0" encoding="utf-8"?>
 <p:sld xmlns:a="http://schemas.openxmlformats.org/drawingml/2006/main" xmlns:r="http://schemas.openxmlformats.org/officeDocument/2006/relationships" xmlns:p="http://schemas.openxmlformats.org/presentationml/2006/main">
   <p:cSld>
     <p:spTree>
@@ -13705,7 +14108,7 @@
 </p:sld>
 </file>
 
-<file path=ppt/slides/slide27.xml><?xml version="1.0" encoding="utf-8"?>
+<file path=ppt/slides/slide28.xml><?xml version="1.0" encoding="utf-8"?>
 <p:sld xmlns:a="http://schemas.openxmlformats.org/drawingml/2006/main" xmlns:r="http://schemas.openxmlformats.org/officeDocument/2006/relationships" xmlns:p="http://schemas.openxmlformats.org/presentationml/2006/main">
   <p:cSld>
     <p:spTree>
@@ -14060,7 +14463,7 @@
 </p:sld>
 </file>
 
-<file path=ppt/slides/slide28.xml><?xml version="1.0" encoding="utf-8"?>
+<file path=ppt/slides/slide29.xml><?xml version="1.0" encoding="utf-8"?>
 <p:sld xmlns:a="http://schemas.openxmlformats.org/drawingml/2006/main" xmlns:r="http://schemas.openxmlformats.org/officeDocument/2006/relationships" xmlns:p="http://schemas.openxmlformats.org/presentationml/2006/main">
   <p:cSld>
     <p:spTree>
@@ -14317,7 +14720,212 @@
 </p:sld>
 </file>
 
-<file path=ppt/slides/slide29.xml><?xml version="1.0" encoding="utf-8"?>
+<file path=ppt/slides/slide3.xml><?xml version="1.0" encoding="utf-8"?>
+<p:sld xmlns:a="http://schemas.openxmlformats.org/drawingml/2006/main" xmlns:r="http://schemas.openxmlformats.org/officeDocument/2006/relationships" xmlns:p="http://schemas.openxmlformats.org/presentationml/2006/main">
+  <p:cSld>
+    <p:spTree>
+      <p:nvGrpSpPr>
+        <p:cNvPr id="1" name=""/>
+        <p:cNvGrpSpPr/>
+        <p:nvPr/>
+      </p:nvGrpSpPr>
+      <p:grpSpPr>
+        <a:xfrm>
+          <a:off x="0" y="0"/>
+          <a:ext cx="0" cy="0"/>
+          <a:chOff x="0" y="0"/>
+          <a:chExt cx="0" cy="0"/>
+        </a:xfrm>
+      </p:grpSpPr>
+      <p:sp>
+        <p:nvSpPr>
+          <p:cNvPr id="2" name="Title 1"/>
+          <p:cNvSpPr>
+            <a:spLocks noGrp="1"/>
+          </p:cNvSpPr>
+          <p:nvPr>
+            <p:ph type="title"/>
+          </p:nvPr>
+        </p:nvSpPr>
+        <p:spPr/>
+        <p:txBody>
+          <a:bodyPr>
+            <a:normAutofit/>
+          </a:bodyPr>
+          <a:lstStyle/>
+          <a:p>
+            <a:r>
+              <a:rPr lang="en-US" sz="3600" b="1" dirty="0" smtClean="0">
+                <a:solidFill>
+                  <a:schemeClr val="accent2"/>
+                </a:solidFill>
+              </a:rPr>
+              <a:t>The popularity </a:t>
+            </a:r>
+            <a:r>
+              <a:rPr lang="en-US" sz="3600" b="1" dirty="0">
+                <a:solidFill>
+                  <a:schemeClr val="accent2"/>
+                </a:solidFill>
+              </a:rPr>
+              <a:t>of the programming </a:t>
+            </a:r>
+            <a:r>
+              <a:rPr lang="en-US" sz="3600" b="1" dirty="0" smtClean="0">
+                <a:solidFill>
+                  <a:schemeClr val="accent2"/>
+                </a:solidFill>
+              </a:rPr>
+              <a:t>languages. (2017)</a:t>
+            </a:r>
+            <a:endParaRPr lang="en-US" sz="3600" b="1" dirty="0">
+              <a:solidFill>
+                <a:schemeClr val="accent2"/>
+              </a:solidFill>
+            </a:endParaRPr>
+          </a:p>
+        </p:txBody>
+      </p:sp>
+      <p:pic>
+        <p:nvPicPr>
+          <p:cNvPr id="4" name="Content Placeholder 3"/>
+          <p:cNvPicPr>
+            <a:picLocks noGrp="1" noChangeAspect="1"/>
+          </p:cNvPicPr>
+          <p:nvPr>
+            <p:ph idx="1"/>
+          </p:nvPr>
+        </p:nvPicPr>
+        <p:blipFill>
+          <a:blip r:embed="rId3">
+            <a:extLst>
+              <a:ext uri="{28A0092B-C50C-407E-A947-70E740481C1C}">
+                <a14:useLocalDpi xmlns:a14="http://schemas.microsoft.com/office/drawing/2010/main" val="0"/>
+              </a:ext>
+            </a:extLst>
+          </a:blip>
+          <a:stretch>
+            <a:fillRect/>
+          </a:stretch>
+        </p:blipFill>
+        <p:spPr>
+          <a:xfrm>
+            <a:off x="838200" y="1690688"/>
+            <a:ext cx="4576763" cy="4900611"/>
+          </a:xfrm>
+        </p:spPr>
+      </p:pic>
+      <p:pic>
+        <p:nvPicPr>
+          <p:cNvPr id="5" name="Picture 4"/>
+          <p:cNvPicPr>
+            <a:picLocks noChangeAspect="1"/>
+          </p:cNvPicPr>
+          <p:nvPr/>
+        </p:nvPicPr>
+        <p:blipFill>
+          <a:blip r:embed="rId4">
+            <a:extLst>
+              <a:ext uri="{28A0092B-C50C-407E-A947-70E740481C1C}">
+                <a14:useLocalDpi xmlns:a14="http://schemas.microsoft.com/office/drawing/2010/main" val="0"/>
+              </a:ext>
+            </a:extLst>
+          </a:blip>
+          <a:stretch>
+            <a:fillRect/>
+          </a:stretch>
+        </p:blipFill>
+        <p:spPr>
+          <a:xfrm>
+            <a:off x="6343650" y="1690688"/>
+            <a:ext cx="4695826" cy="4900611"/>
+          </a:xfrm>
+          <a:prstGeom prst="rect">
+            <a:avLst/>
+          </a:prstGeom>
+        </p:spPr>
+      </p:pic>
+      <p:sp>
+        <p:nvSpPr>
+          <p:cNvPr id="6" name="TextBox 5"/>
+          <p:cNvSpPr txBox="1"/>
+          <p:nvPr/>
+        </p:nvSpPr>
+        <p:spPr>
+          <a:xfrm>
+            <a:off x="2421657" y="1321356"/>
+            <a:ext cx="954107" cy="369332"/>
+          </a:xfrm>
+          <a:prstGeom prst="rect">
+            <a:avLst/>
+          </a:prstGeom>
+          <a:noFill/>
+        </p:spPr>
+        <p:txBody>
+          <a:bodyPr wrap="none" rtlCol="0">
+            <a:spAutoFit/>
+          </a:bodyPr>
+          <a:lstStyle/>
+          <a:p>
+            <a:r>
+              <a:rPr lang="en-US" b="1" i="1" dirty="0" err="1" smtClean="0"/>
+              <a:t>GitHub</a:t>
+            </a:r>
+            <a:endParaRPr lang="en-US" b="1" i="1" dirty="0"/>
+          </a:p>
+        </p:txBody>
+      </p:sp>
+      <p:sp>
+        <p:nvSpPr>
+          <p:cNvPr id="7" name="TextBox 6"/>
+          <p:cNvSpPr txBox="1"/>
+          <p:nvPr/>
+        </p:nvSpPr>
+        <p:spPr>
+          <a:xfrm>
+            <a:off x="7779375" y="1321356"/>
+            <a:ext cx="1851789" cy="369332"/>
+          </a:xfrm>
+          <a:prstGeom prst="rect">
+            <a:avLst/>
+          </a:prstGeom>
+          <a:noFill/>
+        </p:spPr>
+        <p:txBody>
+          <a:bodyPr wrap="none" rtlCol="0">
+            <a:spAutoFit/>
+          </a:bodyPr>
+          <a:lstStyle/>
+          <a:p>
+            <a:r>
+              <a:rPr lang="en-US" b="1" i="1" dirty="0" err="1" smtClean="0"/>
+              <a:t>StackOverFlow</a:t>
+            </a:r>
+            <a:endParaRPr lang="en-US" b="1" i="1" dirty="0"/>
+          </a:p>
+        </p:txBody>
+      </p:sp>
+    </p:spTree>
+    <p:extLst>
+      <p:ext uri="{BB962C8B-B14F-4D97-AF65-F5344CB8AC3E}">
+        <p14:creationId xmlns:p14="http://schemas.microsoft.com/office/powerpoint/2010/main" val="2284133778"/>
+      </p:ext>
+    </p:extLst>
+  </p:cSld>
+  <p:clrMapOvr>
+    <a:masterClrMapping/>
+  </p:clrMapOvr>
+  <p:timing>
+    <p:tnLst>
+      <p:par>
+        <p:cTn id="1" dur="indefinite" restart="never" nodeType="tmRoot"/>
+      </p:par>
+    </p:tnLst>
+  </p:timing>
+</p:sld>
+</file>
+
+<file path=ppt/slides/slide30.xml><?xml version="1.0" encoding="utf-8"?>
 <p:sld xmlns:a="http://schemas.openxmlformats.org/drawingml/2006/main" xmlns:r="http://schemas.openxmlformats.org/officeDocument/2006/relationships" xmlns:p="http://schemas.openxmlformats.org/presentationml/2006/main">
   <p:cSld>
     <p:spTree>
@@ -14887,212 +15495,7 @@
 </p:sld>
 </file>
 
-<file path=ppt/slides/slide3.xml><?xml version="1.0" encoding="utf-8"?>
-<p:sld xmlns:a="http://schemas.openxmlformats.org/drawingml/2006/main" xmlns:r="http://schemas.openxmlformats.org/officeDocument/2006/relationships" xmlns:p="http://schemas.openxmlformats.org/presentationml/2006/main">
-  <p:cSld>
-    <p:spTree>
-      <p:nvGrpSpPr>
-        <p:cNvPr id="1" name=""/>
-        <p:cNvGrpSpPr/>
-        <p:nvPr/>
-      </p:nvGrpSpPr>
-      <p:grpSpPr>
-        <a:xfrm>
-          <a:off x="0" y="0"/>
-          <a:ext cx="0" cy="0"/>
-          <a:chOff x="0" y="0"/>
-          <a:chExt cx="0" cy="0"/>
-        </a:xfrm>
-      </p:grpSpPr>
-      <p:sp>
-        <p:nvSpPr>
-          <p:cNvPr id="2" name="Title 1"/>
-          <p:cNvSpPr>
-            <a:spLocks noGrp="1"/>
-          </p:cNvSpPr>
-          <p:nvPr>
-            <p:ph type="title"/>
-          </p:nvPr>
-        </p:nvSpPr>
-        <p:spPr/>
-        <p:txBody>
-          <a:bodyPr>
-            <a:normAutofit/>
-          </a:bodyPr>
-          <a:lstStyle/>
-          <a:p>
-            <a:r>
-              <a:rPr lang="en-US" sz="3600" b="1" dirty="0" smtClean="0">
-                <a:solidFill>
-                  <a:schemeClr val="accent2"/>
-                </a:solidFill>
-              </a:rPr>
-              <a:t>The popularity </a:t>
-            </a:r>
-            <a:r>
-              <a:rPr lang="en-US" sz="3600" b="1" dirty="0">
-                <a:solidFill>
-                  <a:schemeClr val="accent2"/>
-                </a:solidFill>
-              </a:rPr>
-              <a:t>of the programming </a:t>
-            </a:r>
-            <a:r>
-              <a:rPr lang="en-US" sz="3600" b="1" dirty="0" smtClean="0">
-                <a:solidFill>
-                  <a:schemeClr val="accent2"/>
-                </a:solidFill>
-              </a:rPr>
-              <a:t>languages. (2017)</a:t>
-            </a:r>
-            <a:endParaRPr lang="en-US" sz="3600" b="1" dirty="0">
-              <a:solidFill>
-                <a:schemeClr val="accent2"/>
-              </a:solidFill>
-            </a:endParaRPr>
-          </a:p>
-        </p:txBody>
-      </p:sp>
-      <p:pic>
-        <p:nvPicPr>
-          <p:cNvPr id="4" name="Content Placeholder 3"/>
-          <p:cNvPicPr>
-            <a:picLocks noGrp="1" noChangeAspect="1"/>
-          </p:cNvPicPr>
-          <p:nvPr>
-            <p:ph idx="1"/>
-          </p:nvPr>
-        </p:nvPicPr>
-        <p:blipFill>
-          <a:blip r:embed="rId3">
-            <a:extLst>
-              <a:ext uri="{28A0092B-C50C-407E-A947-70E740481C1C}">
-                <a14:useLocalDpi xmlns:a14="http://schemas.microsoft.com/office/drawing/2010/main" val="0"/>
-              </a:ext>
-            </a:extLst>
-          </a:blip>
-          <a:stretch>
-            <a:fillRect/>
-          </a:stretch>
-        </p:blipFill>
-        <p:spPr>
-          <a:xfrm>
-            <a:off x="838200" y="1690688"/>
-            <a:ext cx="4576763" cy="4900611"/>
-          </a:xfrm>
-        </p:spPr>
-      </p:pic>
-      <p:pic>
-        <p:nvPicPr>
-          <p:cNvPr id="5" name="Picture 4"/>
-          <p:cNvPicPr>
-            <a:picLocks noChangeAspect="1"/>
-          </p:cNvPicPr>
-          <p:nvPr/>
-        </p:nvPicPr>
-        <p:blipFill>
-          <a:blip r:embed="rId4">
-            <a:extLst>
-              <a:ext uri="{28A0092B-C50C-407E-A947-70E740481C1C}">
-                <a14:useLocalDpi xmlns:a14="http://schemas.microsoft.com/office/drawing/2010/main" val="0"/>
-              </a:ext>
-            </a:extLst>
-          </a:blip>
-          <a:stretch>
-            <a:fillRect/>
-          </a:stretch>
-        </p:blipFill>
-        <p:spPr>
-          <a:xfrm>
-            <a:off x="6343650" y="1690688"/>
-            <a:ext cx="4695826" cy="4900611"/>
-          </a:xfrm>
-          <a:prstGeom prst="rect">
-            <a:avLst/>
-          </a:prstGeom>
-        </p:spPr>
-      </p:pic>
-      <p:sp>
-        <p:nvSpPr>
-          <p:cNvPr id="6" name="TextBox 5"/>
-          <p:cNvSpPr txBox="1"/>
-          <p:nvPr/>
-        </p:nvSpPr>
-        <p:spPr>
-          <a:xfrm>
-            <a:off x="2421657" y="1321356"/>
-            <a:ext cx="954107" cy="369332"/>
-          </a:xfrm>
-          <a:prstGeom prst="rect">
-            <a:avLst/>
-          </a:prstGeom>
-          <a:noFill/>
-        </p:spPr>
-        <p:txBody>
-          <a:bodyPr wrap="none" rtlCol="0">
-            <a:spAutoFit/>
-          </a:bodyPr>
-          <a:lstStyle/>
-          <a:p>
-            <a:r>
-              <a:rPr lang="en-US" b="1" i="1" dirty="0" err="1" smtClean="0"/>
-              <a:t>GitHub</a:t>
-            </a:r>
-            <a:endParaRPr lang="en-US" b="1" i="1" dirty="0"/>
-          </a:p>
-        </p:txBody>
-      </p:sp>
-      <p:sp>
-        <p:nvSpPr>
-          <p:cNvPr id="7" name="TextBox 6"/>
-          <p:cNvSpPr txBox="1"/>
-          <p:nvPr/>
-        </p:nvSpPr>
-        <p:spPr>
-          <a:xfrm>
-            <a:off x="7779375" y="1321356"/>
-            <a:ext cx="1851789" cy="369332"/>
-          </a:xfrm>
-          <a:prstGeom prst="rect">
-            <a:avLst/>
-          </a:prstGeom>
-          <a:noFill/>
-        </p:spPr>
-        <p:txBody>
-          <a:bodyPr wrap="none" rtlCol="0">
-            <a:spAutoFit/>
-          </a:bodyPr>
-          <a:lstStyle/>
-          <a:p>
-            <a:r>
-              <a:rPr lang="en-US" b="1" i="1" dirty="0" err="1" smtClean="0"/>
-              <a:t>StackOverFlow</a:t>
-            </a:r>
-            <a:endParaRPr lang="en-US" b="1" i="1" dirty="0"/>
-          </a:p>
-        </p:txBody>
-      </p:sp>
-    </p:spTree>
-    <p:extLst>
-      <p:ext uri="{BB962C8B-B14F-4D97-AF65-F5344CB8AC3E}">
-        <p14:creationId xmlns:p14="http://schemas.microsoft.com/office/powerpoint/2010/main" val="2284133778"/>
-      </p:ext>
-    </p:extLst>
-  </p:cSld>
-  <p:clrMapOvr>
-    <a:masterClrMapping/>
-  </p:clrMapOvr>
-  <p:timing>
-    <p:tnLst>
-      <p:par>
-        <p:cTn id="1" dur="indefinite" restart="never" nodeType="tmRoot"/>
-      </p:par>
-    </p:tnLst>
-  </p:timing>
-</p:sld>
-</file>
-
-<file path=ppt/slides/slide30.xml><?xml version="1.0" encoding="utf-8"?>
+<file path=ppt/slides/slide31.xml><?xml version="1.0" encoding="utf-8"?>
 <p:sld xmlns:a="http://schemas.openxmlformats.org/drawingml/2006/main" xmlns:r="http://schemas.openxmlformats.org/officeDocument/2006/relationships" xmlns:p="http://schemas.openxmlformats.org/presentationml/2006/main">
   <p:cSld>
     <p:spTree>
@@ -15428,7 +15831,7 @@
 </p:sld>
 </file>
 
-<file path=ppt/slides/slide31.xml><?xml version="1.0" encoding="utf-8"?>
+<file path=ppt/slides/slide32.xml><?xml version="1.0" encoding="utf-8"?>
 <p:sld xmlns:a="http://schemas.openxmlformats.org/drawingml/2006/main" xmlns:r="http://schemas.openxmlformats.org/officeDocument/2006/relationships" xmlns:p="http://schemas.openxmlformats.org/presentationml/2006/main">
   <p:cSld>
     <p:spTree>
@@ -15781,7 +16184,7 @@
 </p:sld>
 </file>
 
-<file path=ppt/slides/slide32.xml><?xml version="1.0" encoding="utf-8"?>
+<file path=ppt/slides/slide33.xml><?xml version="1.0" encoding="utf-8"?>
 <p:sld xmlns:a="http://schemas.openxmlformats.org/drawingml/2006/main" xmlns:r="http://schemas.openxmlformats.org/officeDocument/2006/relationships" xmlns:p="http://schemas.openxmlformats.org/presentationml/2006/main">
   <p:cSld>
     <p:spTree>
@@ -16044,7 +16447,7 @@
 </p:sld>
 </file>
 
-<file path=ppt/slides/slide33.xml><?xml version="1.0" encoding="utf-8"?>
+<file path=ppt/slides/slide34.xml><?xml version="1.0" encoding="utf-8"?>
 <p:sld xmlns:a="http://schemas.openxmlformats.org/drawingml/2006/main" xmlns:r="http://schemas.openxmlformats.org/officeDocument/2006/relationships" xmlns:p="http://schemas.openxmlformats.org/presentationml/2006/main">
   <p:cSld>
     <p:spTree>
@@ -16196,7 +16599,6 @@
               <a:rPr lang="en-US" dirty="0"/>
               <a:t>Type transformations</a:t>
             </a:r>
-            <a:endParaRPr lang="en-US" dirty="0"/>
           </a:p>
         </p:txBody>
       </p:sp>
@@ -16342,7 +16744,7 @@
 </p:sld>
 </file>
 
-<file path=ppt/slides/slide34.xml><?xml version="1.0" encoding="utf-8"?>
+<file path=ppt/slides/slide35.xml><?xml version="1.0" encoding="utf-8"?>
 <p:sld xmlns:a="http://schemas.openxmlformats.org/drawingml/2006/main" xmlns:r="http://schemas.openxmlformats.org/officeDocument/2006/relationships" xmlns:p="http://schemas.openxmlformats.org/presentationml/2006/main">
   <p:cSld>
     <p:spTree>
@@ -16726,7 +17128,7 @@
 </p:sld>
 </file>
 
-<file path=ppt/slides/slide35.xml><?xml version="1.0" encoding="utf-8"?>
+<file path=ppt/slides/slide36.xml><?xml version="1.0" encoding="utf-8"?>
 <p:sld xmlns:a="http://schemas.openxmlformats.org/drawingml/2006/main" xmlns:r="http://schemas.openxmlformats.org/officeDocument/2006/relationships" xmlns:p="http://schemas.openxmlformats.org/presentationml/2006/main">
   <p:cSld>
     <p:spTree>
@@ -17075,7 +17477,7 @@
 </p:sld>
 </file>
 
-<file path=ppt/slides/slide36.xml><?xml version="1.0" encoding="utf-8"?>
+<file path=ppt/slides/slide37.xml><?xml version="1.0" encoding="utf-8"?>
 <p:sld xmlns:a="http://schemas.openxmlformats.org/drawingml/2006/main" xmlns:r="http://schemas.openxmlformats.org/officeDocument/2006/relationships" xmlns:p="http://schemas.openxmlformats.org/presentationml/2006/main">
   <p:cSld>
     <p:spTree>
@@ -17121,7 +17523,16 @@
                 </a:solidFill>
                 <a:cs typeface="Arial" pitchFamily="34" charset="0"/>
               </a:rPr>
-              <a:t>thread</a:t>
+              <a:t>T</a:t>
+            </a:r>
+            <a:r>
+              <a:rPr lang="en-GB" sz="3600" b="1" dirty="0" smtClean="0">
+                <a:solidFill>
+                  <a:schemeClr val="accent2"/>
+                </a:solidFill>
+                <a:cs typeface="Arial" pitchFamily="34" charset="0"/>
+              </a:rPr>
+              <a:t>hread</a:t>
             </a:r>
             <a:endParaRPr lang="en-US" sz="3600" dirty="0">
               <a:solidFill>
@@ -17226,253 +17637,6 @@
     <p:extLst>
       <p:ext uri="{BB962C8B-B14F-4D97-AF65-F5344CB8AC3E}">
         <p14:creationId xmlns:p14="http://schemas.microsoft.com/office/powerpoint/2010/main" val="2641284939"/>
-      </p:ext>
-    </p:extLst>
-  </p:cSld>
-  <p:clrMapOvr>
-    <a:masterClrMapping/>
-  </p:clrMapOvr>
-  <p:timing>
-    <p:tnLst>
-      <p:par>
-        <p:cTn id="1" dur="indefinite" restart="never" nodeType="tmRoot">
-          <p:childTnLst>
-            <p:seq concurrent="1" nextAc="seek">
-              <p:cTn id="2" dur="indefinite" nodeType="mainSeq">
-                <p:childTnLst>
-                  <p:par>
-                    <p:cTn id="3" fill="hold">
-                      <p:stCondLst>
-                        <p:cond delay="indefinite"/>
-                      </p:stCondLst>
-                      <p:childTnLst>
-                        <p:par>
-                          <p:cTn id="4" fill="hold">
-                            <p:stCondLst>
-                              <p:cond delay="0"/>
-                            </p:stCondLst>
-                            <p:childTnLst>
-                              <p:par>
-                                <p:cTn id="5" presetID="1" presetClass="entr" presetSubtype="0" fill="hold" nodeType="clickEffect">
-                                  <p:stCondLst>
-                                    <p:cond delay="0"/>
-                                  </p:stCondLst>
-                                  <p:childTnLst>
-                                    <p:set>
-                                      <p:cBhvr>
-                                        <p:cTn id="6" dur="1" fill="hold">
-                                          <p:stCondLst>
-                                            <p:cond delay="0"/>
-                                          </p:stCondLst>
-                                        </p:cTn>
-                                        <p:tgtEl>
-                                          <p:spTgt spid="4"/>
-                                        </p:tgtEl>
-                                        <p:attrNameLst>
-                                          <p:attrName>style.visibility</p:attrName>
-                                        </p:attrNameLst>
-                                      </p:cBhvr>
-                                      <p:to>
-                                        <p:strVal val="visible"/>
-                                      </p:to>
-                                    </p:set>
-                                  </p:childTnLst>
-                                </p:cTn>
-                              </p:par>
-                            </p:childTnLst>
-                          </p:cTn>
-                        </p:par>
-                      </p:childTnLst>
-                    </p:cTn>
-                  </p:par>
-                </p:childTnLst>
-              </p:cTn>
-              <p:prevCondLst>
-                <p:cond evt="onPrev" delay="0">
-                  <p:tgtEl>
-                    <p:sldTgt/>
-                  </p:tgtEl>
-                </p:cond>
-              </p:prevCondLst>
-              <p:nextCondLst>
-                <p:cond evt="onNext" delay="0">
-                  <p:tgtEl>
-                    <p:sldTgt/>
-                  </p:tgtEl>
-                </p:cond>
-              </p:nextCondLst>
-            </p:seq>
-          </p:childTnLst>
-        </p:cTn>
-      </p:par>
-    </p:tnLst>
-  </p:timing>
-</p:sld>
-</file>
-
-<file path=ppt/slides/slide37.xml><?xml version="1.0" encoding="utf-8"?>
-<p:sld xmlns:a="http://schemas.openxmlformats.org/drawingml/2006/main" xmlns:r="http://schemas.openxmlformats.org/officeDocument/2006/relationships" xmlns:p="http://schemas.openxmlformats.org/presentationml/2006/main">
-  <p:cSld>
-    <p:spTree>
-      <p:nvGrpSpPr>
-        <p:cNvPr id="1" name=""/>
-        <p:cNvGrpSpPr/>
-        <p:nvPr/>
-      </p:nvGrpSpPr>
-      <p:grpSpPr>
-        <a:xfrm>
-          <a:off x="0" y="0"/>
-          <a:ext cx="0" cy="0"/>
-          <a:chOff x="0" y="0"/>
-          <a:chExt cx="0" cy="0"/>
-        </a:xfrm>
-      </p:grpSpPr>
-      <p:sp>
-        <p:nvSpPr>
-          <p:cNvPr id="2" name="Title 1"/>
-          <p:cNvSpPr>
-            <a:spLocks noGrp="1"/>
-          </p:cNvSpPr>
-          <p:nvPr>
-            <p:ph type="title"/>
-          </p:nvPr>
-        </p:nvSpPr>
-        <p:spPr>
-          <a:xfrm>
-            <a:off x="838200" y="365126"/>
-            <a:ext cx="3271092" cy="692494"/>
-          </a:xfrm>
-        </p:spPr>
-        <p:txBody>
-          <a:bodyPr/>
-          <a:lstStyle/>
-          <a:p>
-            <a:r>
-              <a:rPr lang="en-GB" sz="3600" b="1" dirty="0">
-                <a:solidFill>
-                  <a:schemeClr val="accent2"/>
-                </a:solidFill>
-                <a:cs typeface="Arial" pitchFamily="34" charset="0"/>
-              </a:rPr>
-              <a:t>thread - </a:t>
-            </a:r>
-            <a:r>
-              <a:rPr lang="en-GB" sz="3600" b="1" dirty="0" err="1">
-                <a:solidFill>
-                  <a:schemeClr val="accent2"/>
-                </a:solidFill>
-                <a:cs typeface="Arial" pitchFamily="34" charset="0"/>
-              </a:rPr>
-              <a:t>mutex</a:t>
-            </a:r>
-            <a:endParaRPr lang="en-US" sz="3600" dirty="0">
-              <a:solidFill>
-                <a:schemeClr val="accent2"/>
-              </a:solidFill>
-            </a:endParaRPr>
-          </a:p>
-        </p:txBody>
-      </p:sp>
-      <p:sp>
-        <p:nvSpPr>
-          <p:cNvPr id="3" name="Content Placeholder 2"/>
-          <p:cNvSpPr>
-            <a:spLocks noGrp="1"/>
-          </p:cNvSpPr>
-          <p:nvPr>
-            <p:ph idx="1"/>
-          </p:nvPr>
-        </p:nvSpPr>
-        <p:spPr>
-          <a:xfrm>
-            <a:off x="838200" y="1244906"/>
-            <a:ext cx="10515600" cy="4932057"/>
-          </a:xfrm>
-        </p:spPr>
-        <p:txBody>
-          <a:bodyPr/>
-          <a:lstStyle/>
-          <a:p>
-            <a:r>
-              <a:rPr lang="en-US" dirty="0" err="1"/>
-              <a:t>std</a:t>
-            </a:r>
-            <a:r>
-              <a:rPr lang="en-US" dirty="0"/>
-              <a:t>::</a:t>
-            </a:r>
-            <a:r>
-              <a:rPr lang="en-US" dirty="0" err="1"/>
-              <a:t>mutex</a:t>
-            </a:r>
-            <a:r>
-              <a:rPr lang="en-US" dirty="0"/>
-              <a:t> protect shared data from being simultaneously accessed by multiple threads.</a:t>
-            </a:r>
-          </a:p>
-          <a:p>
-            <a:endParaRPr lang="en-US" dirty="0"/>
-          </a:p>
-        </p:txBody>
-      </p:sp>
-      <p:pic>
-        <p:nvPicPr>
-          <p:cNvPr id="4" name="Picture 2"/>
-          <p:cNvPicPr>
-            <a:picLocks noChangeAspect="1" noChangeArrowheads="1"/>
-          </p:cNvPicPr>
-          <p:nvPr/>
-        </p:nvPicPr>
-        <p:blipFill>
-          <a:blip r:embed="rId2">
-            <a:extLst>
-              <a:ext uri="{28A0092B-C50C-407E-A947-70E740481C1C}">
-                <a14:useLocalDpi xmlns:a14="http://schemas.microsoft.com/office/drawing/2010/main" val="0"/>
-              </a:ext>
-            </a:extLst>
-          </a:blip>
-          <a:srcRect/>
-          <a:stretch>
-            <a:fillRect/>
-          </a:stretch>
-        </p:blipFill>
-        <p:spPr bwMode="auto">
-          <a:xfrm>
-            <a:off x="2820875" y="2296186"/>
-            <a:ext cx="6587529" cy="4115631"/>
-          </a:xfrm>
-          <a:prstGeom prst="rect">
-            <a:avLst/>
-          </a:prstGeom>
-          <a:noFill/>
-          <a:ln>
-            <a:noFill/>
-          </a:ln>
-          <a:extLst>
-            <a:ext uri="{909E8E84-426E-40DD-AFC4-6F175D3DCCD1}">
-              <a14:hiddenFill xmlns:a14="http://schemas.microsoft.com/office/drawing/2010/main">
-                <a:solidFill>
-                  <a:schemeClr val="accent1"/>
-                </a:solidFill>
-              </a14:hiddenFill>
-            </a:ext>
-            <a:ext uri="{91240B29-F687-4F45-9708-019B960494DF}">
-              <a14:hiddenLine xmlns:a14="http://schemas.microsoft.com/office/drawing/2010/main" w="9525">
-                <a:solidFill>
-                  <a:schemeClr val="tx1"/>
-                </a:solidFill>
-                <a:miter lim="800000"/>
-                <a:headEnd/>
-                <a:tailEnd/>
-              </a14:hiddenLine>
-            </a:ext>
-          </a:extLst>
-        </p:spPr>
-      </p:pic>
-    </p:spTree>
-    <p:extLst>
-      <p:ext uri="{BB962C8B-B14F-4D97-AF65-F5344CB8AC3E}">
-        <p14:creationId xmlns:p14="http://schemas.microsoft.com/office/powerpoint/2010/main" val="3191831611"/>
       </p:ext>
     </p:extLst>
   </p:cSld>
@@ -17603,7 +17767,25 @@
                 </a:solidFill>
                 <a:cs typeface="Arial" pitchFamily="34" charset="0"/>
               </a:rPr>
-              <a:t>thread - atomic</a:t>
+              <a:t>T</a:t>
+            </a:r>
+            <a:r>
+              <a:rPr lang="en-GB" sz="3600" b="1" dirty="0" smtClean="0">
+                <a:solidFill>
+                  <a:schemeClr val="accent2"/>
+                </a:solidFill>
+                <a:cs typeface="Arial" pitchFamily="34" charset="0"/>
+              </a:rPr>
+              <a:t>hread </a:t>
+            </a:r>
+            <a:r>
+              <a:rPr lang="en-GB" sz="3600" b="1" dirty="0">
+                <a:solidFill>
+                  <a:schemeClr val="accent2"/>
+                </a:solidFill>
+                <a:cs typeface="Arial" pitchFamily="34" charset="0"/>
+              </a:rPr>
+              <a:t>- atomic</a:t>
             </a:r>
             <a:endParaRPr lang="en-US" sz="3600" dirty="0">
               <a:solidFill>
@@ -18172,7 +18354,25 @@
                 </a:solidFill>
                 <a:cs typeface="Arial" pitchFamily="34" charset="0"/>
               </a:rPr>
-              <a:t>thread - atomic (cont.)</a:t>
+              <a:t>T</a:t>
+            </a:r>
+            <a:r>
+              <a:rPr lang="en-GB" sz="3600" b="1" dirty="0" smtClean="0">
+                <a:solidFill>
+                  <a:schemeClr val="accent2"/>
+                </a:solidFill>
+                <a:cs typeface="Arial" pitchFamily="34" charset="0"/>
+              </a:rPr>
+              <a:t>hread </a:t>
+            </a:r>
+            <a:r>
+              <a:rPr lang="en-GB" sz="3600" b="1" dirty="0">
+                <a:solidFill>
+                  <a:schemeClr val="accent2"/>
+                </a:solidFill>
+                <a:cs typeface="Arial" pitchFamily="34" charset="0"/>
+              </a:rPr>
+              <a:t>- atomic (cont.)</a:t>
             </a:r>
             <a:endParaRPr lang="en-US" sz="3600" dirty="0">
               <a:solidFill>
@@ -18184,9 +18384,9 @@
       </p:sp>
       <p:pic>
         <p:nvPicPr>
-          <p:cNvPr id="4" name="Content Placeholder 3"/>
+          <p:cNvPr id="5" name="Content Placeholder 4"/>
           <p:cNvPicPr>
-            <a:picLocks noGrp="1" noChangeAspect="1" noChangeArrowheads="1"/>
+            <a:picLocks noGrp="1" noChangeAspect="1"/>
           </p:cNvPicPr>
           <p:nvPr>
             <p:ph idx="1"/>
@@ -18200,44 +18400,85 @@
               </a:ext>
             </a:extLst>
           </a:blip>
-          <a:srcRect/>
           <a:stretch>
             <a:fillRect/>
           </a:stretch>
         </p:blipFill>
-        <p:spPr bwMode="auto">
+        <p:spPr>
           <a:xfrm>
-            <a:off x="1021478" y="1179321"/>
-            <a:ext cx="8023370" cy="5495459"/>
+            <a:off x="997903" y="1764954"/>
+            <a:ext cx="3982006" cy="4248743"/>
+          </a:xfrm>
+        </p:spPr>
+      </p:pic>
+      <p:pic>
+        <p:nvPicPr>
+          <p:cNvPr id="6" name="Picture 5"/>
+          <p:cNvPicPr>
+            <a:picLocks noChangeAspect="1"/>
+          </p:cNvPicPr>
+          <p:nvPr/>
+        </p:nvPicPr>
+        <p:blipFill>
+          <a:blip r:embed="rId3">
+            <a:extLst>
+              <a:ext uri="{28A0092B-C50C-407E-A947-70E740481C1C}">
+                <a14:useLocalDpi xmlns:a14="http://schemas.microsoft.com/office/drawing/2010/main" val="0"/>
+              </a:ext>
+            </a:extLst>
+          </a:blip>
+          <a:stretch>
+            <a:fillRect/>
+          </a:stretch>
+        </p:blipFill>
+        <p:spPr>
+          <a:xfrm>
+            <a:off x="6706476" y="1764954"/>
+            <a:ext cx="4153480" cy="4001058"/>
+          </a:xfrm>
+          <a:prstGeom prst="rect">
+            <a:avLst/>
+          </a:prstGeom>
+        </p:spPr>
+      </p:pic>
+      <p:sp>
+        <p:nvSpPr>
+          <p:cNvPr id="7" name="TextBox 6"/>
+          <p:cNvSpPr txBox="1"/>
+          <p:nvPr/>
+        </p:nvSpPr>
+        <p:spPr>
+          <a:xfrm>
+            <a:off x="9405712" y="4772726"/>
+            <a:ext cx="1454244" cy="707886"/>
           </a:xfrm>
           <a:prstGeom prst="rect">
             <a:avLst/>
           </a:prstGeom>
           <a:noFill/>
-          <a:ln>
-            <a:noFill/>
-          </a:ln>
-          <a:extLst>
-            <a:ext uri="{909E8E84-426E-40DD-AFC4-6F175D3DCCD1}">
-              <a14:hiddenFill xmlns:a14="http://schemas.microsoft.com/office/drawing/2010/main">
-                <a:solidFill>
-                  <a:schemeClr val="accent1"/>
-                </a:solidFill>
-              </a14:hiddenFill>
-            </a:ext>
-            <a:ext uri="{91240B29-F687-4F45-9708-019B960494DF}">
-              <a14:hiddenLine xmlns:a14="http://schemas.microsoft.com/office/drawing/2010/main" w="9525">
-                <a:solidFill>
-                  <a:schemeClr val="tx1"/>
-                </a:solidFill>
-                <a:miter lim="800000"/>
-                <a:headEnd/>
-                <a:tailEnd/>
-              </a14:hiddenLine>
-            </a:ext>
-          </a:extLst>
         </p:spPr>
-      </p:pic>
+        <p:txBody>
+          <a:bodyPr wrap="none" rtlCol="0">
+            <a:spAutoFit/>
+          </a:bodyPr>
+          <a:lstStyle/>
+          <a:p>
+            <a:r>
+              <a:rPr lang="en-US" sz="4000" dirty="0" smtClean="0">
+                <a:solidFill>
+                  <a:srgbClr val="FF0000"/>
+                </a:solidFill>
+              </a:rPr>
+              <a:t>x != 0</a:t>
+            </a:r>
+            <a:endParaRPr lang="en-US" sz="4000" dirty="0">
+              <a:solidFill>
+                <a:srgbClr val="FF0000"/>
+              </a:solidFill>
+            </a:endParaRPr>
+          </a:p>
+        </p:txBody>
+      </p:sp>
     </p:spTree>
     <p:extLst>
       <p:ext uri="{BB962C8B-B14F-4D97-AF65-F5344CB8AC3E}">
@@ -18301,13 +18542,25 @@
             <p:ph type="title"/>
           </p:nvPr>
         </p:nvSpPr>
-        <p:spPr/>
+        <p:spPr>
+          <a:xfrm>
+            <a:off x="866929" y="1437925"/>
+            <a:ext cx="3905367" cy="510598"/>
+          </a:xfrm>
+        </p:spPr>
         <p:txBody>
           <a:bodyPr>
-            <a:normAutofit/>
+            <a:normAutofit fontScale="90000"/>
           </a:bodyPr>
           <a:lstStyle/>
           <a:p>
+            <a:pPr marL="571500" indent="-571500">
+              <a:buClr>
+                <a:schemeClr val="accent2"/>
+              </a:buClr>
+              <a:buFont typeface="Courier New" panose="02070309020205020404" pitchFamily="49" charset="0"/>
+              <a:buChar char="o"/>
+            </a:pPr>
             <a:r>
               <a:rPr lang="en-US" sz="3600" b="1" dirty="0" smtClean="0">
                 <a:solidFill>
@@ -18336,7 +18589,7 @@
         </p:nvSpPr>
         <p:spPr>
           <a:xfrm>
-            <a:off x="838200" y="1825625"/>
+            <a:off x="852548" y="2253112"/>
             <a:ext cx="1860933" cy="4351338"/>
           </a:xfrm>
         </p:spPr>
@@ -18499,7 +18752,7 @@
         </p:nvSpPr>
         <p:spPr>
           <a:xfrm>
-            <a:off x="3337192" y="1825625"/>
+            <a:off x="3337192" y="2265723"/>
             <a:ext cx="2347511" cy="2603156"/>
           </a:xfrm>
           <a:prstGeom prst="rect">
@@ -18773,7 +19026,7 @@
         </p:nvSpPr>
         <p:spPr>
           <a:xfrm>
-            <a:off x="5761822" y="1825625"/>
+            <a:off x="5699054" y="2265723"/>
             <a:ext cx="2754217" cy="2603156"/>
           </a:xfrm>
           <a:prstGeom prst="rect">
@@ -19061,7 +19314,7 @@
         </p:nvSpPr>
         <p:spPr>
           <a:xfrm>
-            <a:off x="8670276" y="1825624"/>
+            <a:off x="8687693" y="2282414"/>
             <a:ext cx="2347511" cy="3792977"/>
           </a:xfrm>
           <a:prstGeom prst="rect">
@@ -19630,6 +19883,52 @@
               <a:rPr lang="en-US" dirty="0" smtClean="0"/>
               <a:t>&gt;</a:t>
             </a:r>
+            <a:endParaRPr lang="en-US" dirty="0"/>
+          </a:p>
+        </p:txBody>
+      </p:sp>
+      <p:sp>
+        <p:nvSpPr>
+          <p:cNvPr id="5" name="TextBox 4"/>
+          <p:cNvSpPr txBox="1"/>
+          <p:nvPr/>
+        </p:nvSpPr>
+        <p:spPr>
+          <a:xfrm>
+            <a:off x="838200" y="245059"/>
+            <a:ext cx="9768840" cy="1477328"/>
+          </a:xfrm>
+          <a:prstGeom prst="rect">
+            <a:avLst/>
+          </a:prstGeom>
+          <a:noFill/>
+        </p:spPr>
+        <p:txBody>
+          <a:bodyPr wrap="square" rtlCol="0">
+            <a:spAutoFit/>
+          </a:bodyPr>
+          <a:lstStyle/>
+          <a:p>
+            <a:r>
+              <a:rPr lang="en-US" sz="3600" b="1" dirty="0" smtClean="0">
+                <a:solidFill>
+                  <a:schemeClr val="accent2"/>
+                </a:solidFill>
+                <a:latin typeface="+mj-lt"/>
+              </a:rPr>
+              <a:t>II. Brief </a:t>
+            </a:r>
+            <a:r>
+              <a:rPr lang="en-US" sz="3600" b="1" dirty="0">
+                <a:solidFill>
+                  <a:schemeClr val="accent2"/>
+                </a:solidFill>
+                <a:latin typeface="+mj-lt"/>
+              </a:rPr>
+              <a:t>of new features in C++ 11 in comparing with C++98</a:t>
+            </a:r>
+          </a:p>
+          <a:p>
             <a:endParaRPr lang="en-US" dirty="0"/>
           </a:p>
         </p:txBody>
@@ -19684,13 +19983,11 @@
         <p:spPr>
           <a:xfrm>
             <a:off x="838200" y="365126"/>
-            <a:ext cx="6631236" cy="681476"/>
+            <a:ext cx="3271092" cy="692494"/>
           </a:xfrm>
         </p:spPr>
         <p:txBody>
-          <a:bodyPr>
-            <a:normAutofit/>
-          </a:bodyPr>
+          <a:bodyPr/>
           <a:lstStyle/>
           <a:p>
             <a:r>
@@ -19700,7 +19997,34 @@
                 </a:solidFill>
                 <a:cs typeface="Arial" pitchFamily="34" charset="0"/>
               </a:rPr>
-              <a:t>thread - atomic (cont.)</a:t>
+              <a:t>T</a:t>
+            </a:r>
+            <a:r>
+              <a:rPr lang="en-GB" sz="3600" b="1" dirty="0" smtClean="0">
+                <a:solidFill>
+                  <a:schemeClr val="accent2"/>
+                </a:solidFill>
+                <a:cs typeface="Arial" pitchFamily="34" charset="0"/>
+              </a:rPr>
+              <a:t>hread </a:t>
+            </a:r>
+            <a:r>
+              <a:rPr lang="en-GB" sz="3600" b="1" dirty="0">
+                <a:solidFill>
+                  <a:schemeClr val="accent2"/>
+                </a:solidFill>
+                <a:cs typeface="Arial" pitchFamily="34" charset="0"/>
+              </a:rPr>
+              <a:t>- </a:t>
+            </a:r>
+            <a:r>
+              <a:rPr lang="en-GB" sz="3600" b="1" dirty="0" err="1">
+                <a:solidFill>
+                  <a:schemeClr val="accent2"/>
+                </a:solidFill>
+                <a:cs typeface="Arial" pitchFamily="34" charset="0"/>
+              </a:rPr>
+              <a:t>mutex</a:t>
             </a:r>
             <a:endParaRPr lang="en-US" sz="3600" dirty="0">
               <a:solidFill>
@@ -19722,8 +20046,8 @@
         </p:nvSpPr>
         <p:spPr>
           <a:xfrm>
-            <a:off x="838200" y="1377108"/>
-            <a:ext cx="10515600" cy="4799855"/>
+            <a:off x="838200" y="1244906"/>
+            <a:ext cx="10515600" cy="4932057"/>
           </a:xfrm>
         </p:spPr>
         <p:txBody>
@@ -19731,8 +20055,20 @@
           <a:lstStyle/>
           <a:p>
             <a:r>
+              <a:rPr lang="en-US" dirty="0" err="1"/>
+              <a:t>std</a:t>
+            </a:r>
+            <a:r>
               <a:rPr lang="en-US" dirty="0"/>
-              <a:t>Solution:</a:t>
+              <a:t>::</a:t>
+            </a:r>
+            <a:r>
+              <a:rPr lang="en-US" dirty="0" err="1"/>
+              <a:t>mutex</a:t>
+            </a:r>
+            <a:r>
+              <a:rPr lang="en-US" dirty="0"/>
+              <a:t> protect shared data from being simultaneously accessed by multiple threads.</a:t>
             </a:r>
           </a:p>
           <a:p>
@@ -19742,9 +20078,9 @@
       </p:sp>
       <p:pic>
         <p:nvPicPr>
-          <p:cNvPr id="4" name="Picture 4"/>
+          <p:cNvPr id="5" name="Picture 4"/>
           <p:cNvPicPr>
-            <a:picLocks noChangeAspect="1" noChangeArrowheads="1"/>
+            <a:picLocks noChangeAspect="1"/>
           </p:cNvPicPr>
           <p:nvPr/>
         </p:nvPicPr>
@@ -19756,89 +20092,25 @@
               </a:ext>
             </a:extLst>
           </a:blip>
-          <a:srcRect/>
           <a:stretch>
             <a:fillRect/>
           </a:stretch>
         </p:blipFill>
-        <p:spPr bwMode="auto">
+        <p:spPr>
           <a:xfrm>
-            <a:off x="3169965" y="2552887"/>
-            <a:ext cx="1226938" cy="219303"/>
+            <a:off x="838200" y="2193125"/>
+            <a:ext cx="4630673" cy="4492443"/>
           </a:xfrm>
           <a:prstGeom prst="rect">
             <a:avLst/>
           </a:prstGeom>
-          <a:noFill/>
-          <a:ln>
-            <a:noFill/>
-          </a:ln>
-          <a:extLst>
-            <a:ext uri="{909E8E84-426E-40DD-AFC4-6F175D3DCCD1}">
-              <a14:hiddenFill xmlns:a14="http://schemas.microsoft.com/office/drawing/2010/main">
-                <a:solidFill>
-                  <a:schemeClr val="accent1"/>
-                </a:solidFill>
-              </a14:hiddenFill>
-            </a:ext>
-            <a:ext uri="{91240B29-F687-4F45-9708-019B960494DF}">
-              <a14:hiddenLine xmlns:a14="http://schemas.microsoft.com/office/drawing/2010/main" w="9525">
-                <a:solidFill>
-                  <a:schemeClr val="tx1"/>
-                </a:solidFill>
-                <a:miter lim="800000"/>
-                <a:headEnd/>
-                <a:tailEnd/>
-              </a14:hiddenLine>
-            </a:ext>
-          </a:extLst>
         </p:spPr>
       </p:pic>
-      <p:sp>
-        <p:nvSpPr>
-          <p:cNvPr id="5" name="Right Arrow 4"/>
-          <p:cNvSpPr/>
-          <p:nvPr/>
-        </p:nvSpPr>
-        <p:spPr>
-          <a:xfrm>
-            <a:off x="4983985" y="2564904"/>
-            <a:ext cx="540060" cy="219303"/>
-          </a:xfrm>
-          <a:prstGeom prst="rightArrow">
-            <a:avLst/>
-          </a:prstGeom>
-        </p:spPr>
-        <p:style>
-          <a:lnRef idx="2">
-            <a:schemeClr val="accent1">
-              <a:shade val="50000"/>
-            </a:schemeClr>
-          </a:lnRef>
-          <a:fillRef idx="1">
-            <a:schemeClr val="accent1"/>
-          </a:fillRef>
-          <a:effectRef idx="0">
-            <a:schemeClr val="accent1"/>
-          </a:effectRef>
-          <a:fontRef idx="minor">
-            <a:schemeClr val="lt1"/>
-          </a:fontRef>
-        </p:style>
-        <p:txBody>
-          <a:bodyPr rtlCol="0" anchor="ctr"/>
-          <a:lstStyle/>
-          <a:p>
-            <a:pPr algn="ctr"/>
-            <a:endParaRPr lang="en-US"/>
-          </a:p>
-        </p:txBody>
-      </p:sp>
       <p:pic>
         <p:nvPicPr>
           <p:cNvPr id="6" name="Picture 5"/>
           <p:cNvPicPr>
-            <a:picLocks noChangeAspect="1" noChangeArrowheads="1"/>
+            <a:picLocks noChangeAspect="1"/>
           </p:cNvPicPr>
           <p:nvPr/>
         </p:nvPicPr>
@@ -19850,196 +20122,62 @@
               </a:ext>
             </a:extLst>
           </a:blip>
-          <a:srcRect/>
           <a:stretch>
             <a:fillRect/>
           </a:stretch>
         </p:blipFill>
-        <p:spPr bwMode="auto">
+        <p:spPr>
           <a:xfrm>
-            <a:off x="6368264" y="2552887"/>
-            <a:ext cx="2178323" cy="243336"/>
+            <a:off x="6641162" y="2193125"/>
+            <a:ext cx="4153480" cy="4001058"/>
+          </a:xfrm>
+          <a:prstGeom prst="rect">
+            <a:avLst/>
+          </a:prstGeom>
+        </p:spPr>
+      </p:pic>
+      <p:sp>
+        <p:nvSpPr>
+          <p:cNvPr id="7" name="TextBox 6"/>
+          <p:cNvSpPr txBox="1"/>
+          <p:nvPr/>
+        </p:nvSpPr>
+        <p:spPr>
+          <a:xfrm>
+            <a:off x="9517225" y="5233297"/>
+            <a:ext cx="1197764" cy="646331"/>
           </a:xfrm>
           <a:prstGeom prst="rect">
             <a:avLst/>
           </a:prstGeom>
           <a:noFill/>
-          <a:ln>
-            <a:noFill/>
-          </a:ln>
-          <a:extLst>
-            <a:ext uri="{909E8E84-426E-40DD-AFC4-6F175D3DCCD1}">
-              <a14:hiddenFill xmlns:a14="http://schemas.microsoft.com/office/drawing/2010/main">
-                <a:solidFill>
-                  <a:schemeClr val="accent1"/>
-                </a:solidFill>
-              </a14:hiddenFill>
-            </a:ext>
-            <a:ext uri="{91240B29-F687-4F45-9708-019B960494DF}">
-              <a14:hiddenLine xmlns:a14="http://schemas.microsoft.com/office/drawing/2010/main" w="9525">
-                <a:solidFill>
-                  <a:schemeClr val="tx1"/>
-                </a:solidFill>
-                <a:miter lim="800000"/>
-                <a:headEnd/>
-                <a:tailEnd/>
-              </a14:hiddenLine>
-            </a:ext>
-          </a:extLst>
         </p:spPr>
-      </p:pic>
-      <p:pic>
-        <p:nvPicPr>
-          <p:cNvPr id="7" name="Picture 2"/>
-          <p:cNvPicPr>
-            <a:picLocks noChangeAspect="1" noChangeArrowheads="1"/>
-          </p:cNvPicPr>
-          <p:nvPr/>
-        </p:nvPicPr>
-        <p:blipFill>
-          <a:blip r:embed="rId4">
-            <a:extLst>
-              <a:ext uri="{28A0092B-C50C-407E-A947-70E740481C1C}">
-                <a14:useLocalDpi xmlns:a14="http://schemas.microsoft.com/office/drawing/2010/main" val="0"/>
-              </a:ext>
-            </a:extLst>
-          </a:blip>
-          <a:srcRect/>
-          <a:stretch>
-            <a:fillRect/>
-          </a:stretch>
-        </p:blipFill>
-        <p:spPr bwMode="auto">
-          <a:xfrm>
-            <a:off x="2170845" y="4028239"/>
-            <a:ext cx="7128792" cy="183284"/>
-          </a:xfrm>
-          <a:prstGeom prst="rect">
-            <a:avLst/>
-          </a:prstGeom>
-          <a:noFill/>
-          <a:ln>
-            <a:noFill/>
-          </a:ln>
-          <a:extLst>
-            <a:ext uri="{909E8E84-426E-40DD-AFC4-6F175D3DCCD1}">
-              <a14:hiddenFill xmlns:a14="http://schemas.microsoft.com/office/drawing/2010/main">
-                <a:solidFill>
-                  <a:schemeClr val="accent1"/>
-                </a:solidFill>
-              </a14:hiddenFill>
-            </a:ext>
-            <a:ext uri="{91240B29-F687-4F45-9708-019B960494DF}">
-              <a14:hiddenLine xmlns:a14="http://schemas.microsoft.com/office/drawing/2010/main" w="9525">
-                <a:solidFill>
-                  <a:schemeClr val="tx1"/>
-                </a:solidFill>
-                <a:miter lim="800000"/>
-                <a:headEnd/>
-                <a:tailEnd/>
-              </a14:hiddenLine>
-            </a:ext>
-          </a:extLst>
-        </p:spPr>
-      </p:pic>
-      <p:sp>
-        <p:nvSpPr>
-          <p:cNvPr id="8" name="Right Arrow 7"/>
-          <p:cNvSpPr/>
-          <p:nvPr/>
-        </p:nvSpPr>
-        <p:spPr>
-          <a:xfrm rot="5400000">
-            <a:off x="5069543" y="4575083"/>
-            <a:ext cx="368944" cy="216024"/>
-          </a:xfrm>
-          <a:prstGeom prst="rightArrow">
-            <a:avLst/>
-          </a:prstGeom>
-        </p:spPr>
-        <p:style>
-          <a:lnRef idx="2">
-            <a:schemeClr val="accent1">
-              <a:shade val="50000"/>
-            </a:schemeClr>
-          </a:lnRef>
-          <a:fillRef idx="1">
-            <a:schemeClr val="accent1"/>
-          </a:fillRef>
-          <a:effectRef idx="0">
-            <a:schemeClr val="accent1"/>
-          </a:effectRef>
-          <a:fontRef idx="minor">
-            <a:schemeClr val="lt1"/>
-          </a:fontRef>
-        </p:style>
         <p:txBody>
-          <a:bodyPr rtlCol="0" anchor="ctr"/>
+          <a:bodyPr wrap="none" rtlCol="0">
+            <a:spAutoFit/>
+          </a:bodyPr>
           <a:lstStyle/>
           <a:p>
-            <a:pPr algn="ctr"/>
-            <a:endParaRPr lang="en-US"/>
+            <a:r>
+              <a:rPr lang="en-US" sz="3600" dirty="0" smtClean="0">
+                <a:solidFill>
+                  <a:srgbClr val="00B050"/>
+                </a:solidFill>
+              </a:rPr>
+              <a:t>x = 0</a:t>
+            </a:r>
+            <a:endParaRPr lang="en-US" sz="3600" dirty="0">
+              <a:solidFill>
+                <a:srgbClr val="00B050"/>
+              </a:solidFill>
+            </a:endParaRPr>
           </a:p>
         </p:txBody>
       </p:sp>
-      <p:pic>
-        <p:nvPicPr>
-          <p:cNvPr id="9" name="Picture 3"/>
-          <p:cNvPicPr>
-            <a:picLocks noChangeAspect="1" noChangeArrowheads="1"/>
-          </p:cNvPicPr>
-          <p:nvPr/>
-        </p:nvPicPr>
-        <p:blipFill>
-          <a:blip r:embed="rId5">
-            <a:extLst>
-              <a:ext uri="{28A0092B-C50C-407E-A947-70E740481C1C}">
-                <a14:useLocalDpi xmlns:a14="http://schemas.microsoft.com/office/drawing/2010/main" val="0"/>
-              </a:ext>
-            </a:extLst>
-          </a:blip>
-          <a:srcRect/>
-          <a:stretch>
-            <a:fillRect/>
-          </a:stretch>
-        </p:blipFill>
-        <p:spPr bwMode="auto">
-          <a:xfrm>
-            <a:off x="1814891" y="5028215"/>
-            <a:ext cx="8064897" cy="174691"/>
-          </a:xfrm>
-          <a:prstGeom prst="rect">
-            <a:avLst/>
-          </a:prstGeom>
-          <a:noFill/>
-          <a:ln>
-            <a:noFill/>
-          </a:ln>
-          <a:extLst>
-            <a:ext uri="{909E8E84-426E-40DD-AFC4-6F175D3DCCD1}">
-              <a14:hiddenFill xmlns:a14="http://schemas.microsoft.com/office/drawing/2010/main">
-                <a:solidFill>
-                  <a:schemeClr val="accent1"/>
-                </a:solidFill>
-              </a14:hiddenFill>
-            </a:ext>
-            <a:ext uri="{91240B29-F687-4F45-9708-019B960494DF}">
-              <a14:hiddenLine xmlns:a14="http://schemas.microsoft.com/office/drawing/2010/main" w="9525">
-                <a:solidFill>
-                  <a:schemeClr val="tx1"/>
-                </a:solidFill>
-                <a:miter lim="800000"/>
-                <a:headEnd/>
-                <a:tailEnd/>
-              </a14:hiddenLine>
-            </a:ext>
-          </a:extLst>
-        </p:spPr>
-      </p:pic>
     </p:spTree>
     <p:extLst>
       <p:ext uri="{BB962C8B-B14F-4D97-AF65-F5344CB8AC3E}">
-        <p14:creationId xmlns:p14="http://schemas.microsoft.com/office/powerpoint/2010/main" val="776272986"/>
+        <p14:creationId xmlns:p14="http://schemas.microsoft.com/office/powerpoint/2010/main" val="3191831611"/>
       </p:ext>
     </p:extLst>
   </p:cSld>
@@ -20083,12 +20221,31 @@
             <p:ph type="title"/>
           </p:nvPr>
         </p:nvSpPr>
-        <p:spPr/>
+        <p:spPr>
+          <a:xfrm>
+            <a:off x="838200" y="365126"/>
+            <a:ext cx="4874342" cy="568940"/>
+          </a:xfrm>
+        </p:spPr>
         <p:txBody>
-          <a:bodyPr/>
+          <a:bodyPr>
+            <a:normAutofit fontScale="90000"/>
+          </a:bodyPr>
           <a:lstStyle/>
           <a:p>
-            <a:endParaRPr lang="en-US"/>
+            <a:r>
+              <a:rPr lang="en-US" sz="3600" dirty="0" smtClean="0">
+                <a:solidFill>
+                  <a:schemeClr val="accent2"/>
+                </a:solidFill>
+              </a:rPr>
+              <a:t>Thread- condition variable</a:t>
+            </a:r>
+            <a:endParaRPr lang="en-US" sz="3600" dirty="0">
+              <a:solidFill>
+                <a:schemeClr val="accent2"/>
+              </a:solidFill>
+            </a:endParaRPr>
           </a:p>
         </p:txBody>
       </p:sp>
@@ -20102,15 +20259,99 @@
             <p:ph idx="1"/>
           </p:nvPr>
         </p:nvSpPr>
-        <p:spPr/>
+        <p:spPr>
+          <a:xfrm>
+            <a:off x="887361" y="1012723"/>
+            <a:ext cx="10515600" cy="904567"/>
+          </a:xfrm>
+        </p:spPr>
         <p:txBody>
           <a:bodyPr/>
           <a:lstStyle/>
           <a:p>
-            <a:endParaRPr lang="en-US"/>
+            <a:r>
+              <a:rPr lang="en-US" dirty="0"/>
+              <a:t>A </a:t>
+            </a:r>
+            <a:r>
+              <a:rPr lang="en-US" i="1" dirty="0"/>
+              <a:t>condition variable</a:t>
+            </a:r>
+            <a:r>
+              <a:rPr lang="en-US" dirty="0"/>
+              <a:t> is an object able to block the calling thread until </a:t>
+            </a:r>
+            <a:r>
+              <a:rPr lang="en-US" i="1" dirty="0"/>
+              <a:t>notified</a:t>
+            </a:r>
+            <a:r>
+              <a:rPr lang="en-US" dirty="0"/>
+              <a:t> to resume.</a:t>
+            </a:r>
           </a:p>
         </p:txBody>
       </p:sp>
+      <p:pic>
+        <p:nvPicPr>
+          <p:cNvPr id="4" name="Picture 3"/>
+          <p:cNvPicPr>
+            <a:picLocks noChangeAspect="1"/>
+          </p:cNvPicPr>
+          <p:nvPr/>
+        </p:nvPicPr>
+        <p:blipFill>
+          <a:blip r:embed="rId2">
+            <a:extLst>
+              <a:ext uri="{28A0092B-C50C-407E-A947-70E740481C1C}">
+                <a14:useLocalDpi xmlns:a14="http://schemas.microsoft.com/office/drawing/2010/main" val="0"/>
+              </a:ext>
+            </a:extLst>
+          </a:blip>
+          <a:stretch>
+            <a:fillRect/>
+          </a:stretch>
+        </p:blipFill>
+        <p:spPr>
+          <a:xfrm>
+            <a:off x="887361" y="2102265"/>
+            <a:ext cx="4172532" cy="4324954"/>
+          </a:xfrm>
+          <a:prstGeom prst="rect">
+            <a:avLst/>
+          </a:prstGeom>
+        </p:spPr>
+      </p:pic>
+      <p:pic>
+        <p:nvPicPr>
+          <p:cNvPr id="5" name="Picture 4"/>
+          <p:cNvPicPr>
+            <a:picLocks noChangeAspect="1"/>
+          </p:cNvPicPr>
+          <p:nvPr/>
+        </p:nvPicPr>
+        <p:blipFill>
+          <a:blip r:embed="rId3">
+            <a:extLst>
+              <a:ext uri="{28A0092B-C50C-407E-A947-70E740481C1C}">
+                <a14:useLocalDpi xmlns:a14="http://schemas.microsoft.com/office/drawing/2010/main" val="0"/>
+              </a:ext>
+            </a:extLst>
+          </a:blip>
+          <a:stretch>
+            <a:fillRect/>
+          </a:stretch>
+        </p:blipFill>
+        <p:spPr>
+          <a:xfrm>
+            <a:off x="6515387" y="2102265"/>
+            <a:ext cx="4686954" cy="3362794"/>
+          </a:xfrm>
+          <a:prstGeom prst="rect">
+            <a:avLst/>
+          </a:prstGeom>
+        </p:spPr>
+      </p:pic>
     </p:spTree>
     <p:extLst>
       <p:ext uri="{BB962C8B-B14F-4D97-AF65-F5344CB8AC3E}">
@@ -20128,6 +20369,1525 @@
       </p:par>
     </p:tnLst>
   </p:timing>
+</p:sld>
+</file>
+
+<file path=ppt/slides/slide42.xml><?xml version="1.0" encoding="utf-8"?>
+<p:sld xmlns:a="http://schemas.openxmlformats.org/drawingml/2006/main" xmlns:r="http://schemas.openxmlformats.org/officeDocument/2006/relationships" xmlns:p="http://schemas.openxmlformats.org/presentationml/2006/main">
+  <p:cSld>
+    <p:spTree>
+      <p:nvGrpSpPr>
+        <p:cNvPr id="1" name=""/>
+        <p:cNvGrpSpPr/>
+        <p:nvPr/>
+      </p:nvGrpSpPr>
+      <p:grpSpPr>
+        <a:xfrm>
+          <a:off x="0" y="0"/>
+          <a:ext cx="0" cy="0"/>
+          <a:chOff x="0" y="0"/>
+          <a:chExt cx="0" cy="0"/>
+        </a:xfrm>
+      </p:grpSpPr>
+      <p:sp>
+        <p:nvSpPr>
+          <p:cNvPr id="2" name="Title 1"/>
+          <p:cNvSpPr>
+            <a:spLocks noGrp="1"/>
+          </p:cNvSpPr>
+          <p:nvPr>
+            <p:ph type="title"/>
+          </p:nvPr>
+        </p:nvSpPr>
+        <p:spPr>
+          <a:xfrm>
+            <a:off x="838200" y="365125"/>
+            <a:ext cx="6309852" cy="775417"/>
+          </a:xfrm>
+        </p:spPr>
+        <p:txBody>
+          <a:bodyPr/>
+          <a:lstStyle/>
+          <a:p>
+            <a:r>
+              <a:rPr lang="en-US" sz="3600" dirty="0">
+                <a:solidFill>
+                  <a:schemeClr val="accent2"/>
+                </a:solidFill>
+              </a:rPr>
+              <a:t>Thread- condition </a:t>
+            </a:r>
+            <a:r>
+              <a:rPr lang="en-US" sz="3600" dirty="0" smtClean="0">
+                <a:solidFill>
+                  <a:schemeClr val="accent2"/>
+                </a:solidFill>
+              </a:rPr>
+              <a:t>variable(cont.)</a:t>
+            </a:r>
+            <a:endParaRPr lang="en-US" sz="3600" dirty="0"/>
+          </a:p>
+        </p:txBody>
+      </p:sp>
+      <p:pic>
+        <p:nvPicPr>
+          <p:cNvPr id="4" name="Content Placeholder 3"/>
+          <p:cNvPicPr>
+            <a:picLocks noGrp="1" noChangeAspect="1"/>
+          </p:cNvPicPr>
+          <p:nvPr>
+            <p:ph idx="1"/>
+          </p:nvPr>
+        </p:nvPicPr>
+        <p:blipFill>
+          <a:blip r:embed="rId2">
+            <a:extLst>
+              <a:ext uri="{28A0092B-C50C-407E-A947-70E740481C1C}">
+                <a14:useLocalDpi xmlns:a14="http://schemas.microsoft.com/office/drawing/2010/main" val="0"/>
+              </a:ext>
+            </a:extLst>
+          </a:blip>
+          <a:stretch>
+            <a:fillRect/>
+          </a:stretch>
+        </p:blipFill>
+        <p:spPr>
+          <a:xfrm>
+            <a:off x="962961" y="1951963"/>
+            <a:ext cx="9852523" cy="3150978"/>
+          </a:xfrm>
+        </p:spPr>
+      </p:pic>
+    </p:spTree>
+    <p:extLst>
+      <p:ext uri="{BB962C8B-B14F-4D97-AF65-F5344CB8AC3E}">
+        <p14:creationId xmlns:p14="http://schemas.microsoft.com/office/powerpoint/2010/main" val="783178934"/>
+      </p:ext>
+    </p:extLst>
+  </p:cSld>
+  <p:clrMapOvr>
+    <a:masterClrMapping/>
+  </p:clrMapOvr>
+</p:sld>
+</file>
+
+<file path=ppt/slides/slide43.xml><?xml version="1.0" encoding="utf-8"?>
+<p:sld xmlns:a="http://schemas.openxmlformats.org/drawingml/2006/main" xmlns:r="http://schemas.openxmlformats.org/officeDocument/2006/relationships" xmlns:p="http://schemas.openxmlformats.org/presentationml/2006/main">
+  <p:cSld>
+    <p:spTree>
+      <p:nvGrpSpPr>
+        <p:cNvPr id="1" name=""/>
+        <p:cNvGrpSpPr/>
+        <p:nvPr/>
+      </p:nvGrpSpPr>
+      <p:grpSpPr>
+        <a:xfrm>
+          <a:off x="0" y="0"/>
+          <a:ext cx="0" cy="0"/>
+          <a:chOff x="0" y="0"/>
+          <a:chExt cx="0" cy="0"/>
+        </a:xfrm>
+      </p:grpSpPr>
+      <p:sp>
+        <p:nvSpPr>
+          <p:cNvPr id="2" name="Title 1"/>
+          <p:cNvSpPr>
+            <a:spLocks noGrp="1"/>
+          </p:cNvSpPr>
+          <p:nvPr>
+            <p:ph type="title"/>
+          </p:nvPr>
+        </p:nvSpPr>
+        <p:spPr>
+          <a:xfrm>
+            <a:off x="838200" y="365126"/>
+            <a:ext cx="3173361" cy="588604"/>
+          </a:xfrm>
+        </p:spPr>
+        <p:txBody>
+          <a:bodyPr/>
+          <a:lstStyle/>
+          <a:p>
+            <a:r>
+              <a:rPr lang="en-US" sz="3600" dirty="0">
+                <a:solidFill>
+                  <a:schemeClr val="accent2"/>
+                </a:solidFill>
+              </a:rPr>
+              <a:t>Thread – future</a:t>
+            </a:r>
+            <a:endParaRPr lang="en-US" sz="3600" dirty="0"/>
+          </a:p>
+        </p:txBody>
+      </p:sp>
+      <p:sp>
+        <p:nvSpPr>
+          <p:cNvPr id="4" name="TextBox 3"/>
+          <p:cNvSpPr txBox="1"/>
+          <p:nvPr/>
+        </p:nvSpPr>
+        <p:spPr>
+          <a:xfrm>
+            <a:off x="838200" y="1020345"/>
+            <a:ext cx="8186857" cy="369332"/>
+          </a:xfrm>
+          <a:prstGeom prst="rect">
+            <a:avLst/>
+          </a:prstGeom>
+          <a:noFill/>
+        </p:spPr>
+        <p:txBody>
+          <a:bodyPr wrap="none" rtlCol="0">
+            <a:spAutoFit/>
+          </a:bodyPr>
+          <a:lstStyle/>
+          <a:p>
+            <a:r>
+              <a:rPr lang="en-US" dirty="0"/>
+              <a:t>Many times we encounter a situation where we want a thread to return a result</a:t>
+            </a:r>
+          </a:p>
+        </p:txBody>
+      </p:sp>
+      <p:sp>
+        <p:nvSpPr>
+          <p:cNvPr id="5" name="TextBox 4"/>
+          <p:cNvSpPr txBox="1"/>
+          <p:nvPr/>
+        </p:nvSpPr>
+        <p:spPr>
+          <a:xfrm>
+            <a:off x="838200" y="1456293"/>
+            <a:ext cx="3429144" cy="369332"/>
+          </a:xfrm>
+          <a:prstGeom prst="rect">
+            <a:avLst/>
+          </a:prstGeom>
+          <a:noFill/>
+        </p:spPr>
+        <p:txBody>
+          <a:bodyPr wrap="none" rtlCol="0">
+            <a:spAutoFit/>
+          </a:bodyPr>
+          <a:lstStyle/>
+          <a:p>
+            <a:r>
+              <a:rPr lang="en-US" dirty="0"/>
+              <a:t>Now question is how to do this?</a:t>
+            </a:r>
+          </a:p>
+        </p:txBody>
+      </p:sp>
+      <p:graphicFrame>
+        <p:nvGraphicFramePr>
+          <p:cNvPr id="10" name="Table 9"/>
+          <p:cNvGraphicFramePr>
+            <a:graphicFrameLocks noGrp="1"/>
+          </p:cNvGraphicFramePr>
+          <p:nvPr>
+            <p:extLst>
+              <p:ext uri="{D42A27DB-BD31-4B8C-83A1-F6EECF244321}">
+                <p14:modId xmlns:p14="http://schemas.microsoft.com/office/powerpoint/2010/main" val="1278517865"/>
+              </p:ext>
+            </p:extLst>
+          </p:nvPr>
+        </p:nvGraphicFramePr>
+        <p:xfrm>
+          <a:off x="1009446" y="2253498"/>
+          <a:ext cx="9668386" cy="4028440"/>
+        </p:xfrm>
+        <a:graphic>
+          <a:graphicData uri="http://schemas.openxmlformats.org/drawingml/2006/table">
+            <a:tbl>
+              <a:tblPr firstRow="1" bandRow="1">
+                <a:tableStyleId>{5C22544A-7EE6-4342-B048-85BDC9FD1C3A}</a:tableStyleId>
+              </a:tblPr>
+              <a:tblGrid>
+                <a:gridCol w="9668386"/>
+              </a:tblGrid>
+              <a:tr h="370840">
+                <a:tc>
+                  <a:txBody>
+                    <a:bodyPr/>
+                    <a:lstStyle/>
+                    <a:p>
+                      <a:r>
+                        <a:rPr lang="en-US" sz="1800" b="1" i="0" kern="1200" dirty="0" smtClean="0">
+                          <a:solidFill>
+                            <a:schemeClr val="lt1"/>
+                          </a:solidFill>
+                          <a:effectLst/>
+                          <a:latin typeface="+mn-lt"/>
+                          <a:ea typeface="+mn-ea"/>
+                          <a:cs typeface="+mn-cs"/>
+                        </a:rPr>
+                        <a:t>1.) Old Way : Share data among threads using pointer</a:t>
+                      </a:r>
+                      <a:endParaRPr lang="en-US" dirty="0"/>
+                    </a:p>
+                  </a:txBody>
+                  <a:tcPr/>
+                </a:tc>
+              </a:tr>
+              <a:tr h="370840">
+                <a:tc>
+                  <a:txBody>
+                    <a:bodyPr/>
+                    <a:lstStyle/>
+                    <a:p>
+                      <a:pPr fontAlgn="base"/>
+                      <a:r>
+                        <a:rPr lang="en-US" sz="1800" b="0" i="0" kern="1200" dirty="0" smtClean="0">
+                          <a:solidFill>
+                            <a:schemeClr val="dk1"/>
+                          </a:solidFill>
+                          <a:effectLst/>
+                          <a:latin typeface="+mn-lt"/>
+                          <a:ea typeface="+mn-ea"/>
+                          <a:cs typeface="+mn-cs"/>
+                        </a:rPr>
+                        <a:t>Pass a pointer to the new thread and this thread will set the data in it. Till then in main thread keep on waiting using a condition variable. When new thread sets the data and signals the condition variable, then main thread will wake up and fetch the data from that pointer.</a:t>
+                      </a:r>
+                    </a:p>
+                    <a:p>
+                      <a:pPr fontAlgn="base"/>
+                      <a:endParaRPr lang="en-US" sz="1800" b="0" i="0" kern="1200" dirty="0" smtClean="0">
+                        <a:solidFill>
+                          <a:schemeClr val="dk1"/>
+                        </a:solidFill>
+                        <a:effectLst/>
+                        <a:latin typeface="+mn-lt"/>
+                        <a:ea typeface="+mn-ea"/>
+                        <a:cs typeface="+mn-cs"/>
+                      </a:endParaRPr>
+                    </a:p>
+                    <a:p>
+                      <a:pPr fontAlgn="base"/>
+                      <a:r>
+                        <a:rPr lang="en-US" sz="1800" b="0" i="0" kern="1200" dirty="0" smtClean="0">
+                          <a:solidFill>
+                            <a:schemeClr val="dk1"/>
+                          </a:solidFill>
+                          <a:effectLst/>
+                          <a:latin typeface="+mn-lt"/>
+                          <a:ea typeface="+mn-ea"/>
+                          <a:cs typeface="+mn-cs"/>
+                        </a:rPr>
+                        <a:t>To do a simple thing we used a condition variable, a </a:t>
+                      </a:r>
+                      <a:r>
+                        <a:rPr lang="en-US" sz="1800" b="0" i="0" kern="1200" dirty="0" err="1" smtClean="0">
+                          <a:solidFill>
+                            <a:schemeClr val="dk1"/>
+                          </a:solidFill>
+                          <a:effectLst/>
+                          <a:latin typeface="+mn-lt"/>
+                          <a:ea typeface="+mn-ea"/>
+                          <a:cs typeface="+mn-cs"/>
+                        </a:rPr>
+                        <a:t>mutex</a:t>
+                      </a:r>
+                      <a:r>
+                        <a:rPr lang="en-US" sz="1800" b="0" i="0" kern="1200" dirty="0" smtClean="0">
+                          <a:solidFill>
+                            <a:schemeClr val="dk1"/>
+                          </a:solidFill>
+                          <a:effectLst/>
+                          <a:latin typeface="+mn-lt"/>
+                          <a:ea typeface="+mn-ea"/>
+                          <a:cs typeface="+mn-cs"/>
+                        </a:rPr>
+                        <a:t> and a pointer i.e. 3 items to catch a returned value.</a:t>
+                      </a:r>
+                    </a:p>
+                    <a:p>
+                      <a:pPr fontAlgn="base"/>
+                      <a:r>
+                        <a:rPr lang="en-US" sz="1800" b="0" i="0" kern="1200" dirty="0" smtClean="0">
+                          <a:solidFill>
+                            <a:schemeClr val="dk1"/>
+                          </a:solidFill>
+                          <a:effectLst/>
+                          <a:latin typeface="+mn-lt"/>
+                          <a:ea typeface="+mn-ea"/>
+                          <a:cs typeface="+mn-cs"/>
+                        </a:rPr>
+                        <a:t/>
+                      </a:r>
+                      <a:br>
+                        <a:rPr lang="en-US" sz="1800" b="0" i="0" kern="1200" dirty="0" smtClean="0">
+                          <a:solidFill>
+                            <a:schemeClr val="dk1"/>
+                          </a:solidFill>
+                          <a:effectLst/>
+                          <a:latin typeface="+mn-lt"/>
+                          <a:ea typeface="+mn-ea"/>
+                          <a:cs typeface="+mn-cs"/>
+                        </a:rPr>
+                      </a:br>
+                      <a:r>
+                        <a:rPr lang="en-US" sz="1800" b="0" i="0" kern="1200" dirty="0" smtClean="0">
+                          <a:solidFill>
+                            <a:schemeClr val="dk1"/>
+                          </a:solidFill>
+                          <a:effectLst/>
+                          <a:latin typeface="+mn-lt"/>
+                          <a:ea typeface="+mn-ea"/>
+                          <a:cs typeface="+mn-cs"/>
+                        </a:rPr>
+                        <a:t>Now suppose we want this thread to return 3 different values at different point of time then problem will become more complex. Could there be a simple solution for returning the value from threads.</a:t>
+                      </a:r>
+                    </a:p>
+                    <a:p>
+                      <a:pPr fontAlgn="base"/>
+                      <a:endParaRPr lang="en-US" sz="1800" b="0" i="0" kern="1200" dirty="0" smtClean="0">
+                        <a:solidFill>
+                          <a:schemeClr val="dk1"/>
+                        </a:solidFill>
+                        <a:effectLst/>
+                        <a:latin typeface="+mn-lt"/>
+                        <a:ea typeface="+mn-ea"/>
+                        <a:cs typeface="+mn-cs"/>
+                      </a:endParaRPr>
+                    </a:p>
+                    <a:p>
+                      <a:pPr fontAlgn="base"/>
+                      <a:r>
+                        <a:rPr lang="en-US" sz="1800" b="0" i="0" kern="1200" dirty="0" smtClean="0">
+                          <a:solidFill>
+                            <a:schemeClr val="dk1"/>
+                          </a:solidFill>
+                          <a:effectLst/>
+                          <a:latin typeface="+mn-lt"/>
+                          <a:ea typeface="+mn-ea"/>
+                          <a:cs typeface="+mn-cs"/>
+                        </a:rPr>
+                        <a:t>The answer is yes using </a:t>
+                      </a:r>
+                      <a:r>
+                        <a:rPr lang="en-US" sz="1800" b="0" i="0" kern="1200" dirty="0" err="1" smtClean="0">
+                          <a:solidFill>
+                            <a:schemeClr val="dk1"/>
+                          </a:solidFill>
+                          <a:effectLst/>
+                          <a:latin typeface="+mn-lt"/>
+                          <a:ea typeface="+mn-ea"/>
+                          <a:cs typeface="+mn-cs"/>
+                        </a:rPr>
+                        <a:t>std</a:t>
+                      </a:r>
+                      <a:r>
+                        <a:rPr lang="en-US" sz="1800" b="0" i="0" kern="1200" dirty="0" smtClean="0">
+                          <a:solidFill>
+                            <a:schemeClr val="dk1"/>
+                          </a:solidFill>
+                          <a:effectLst/>
+                          <a:latin typeface="+mn-lt"/>
+                          <a:ea typeface="+mn-ea"/>
+                          <a:cs typeface="+mn-cs"/>
+                        </a:rPr>
+                        <a:t>::future, checkout next solution for it.</a:t>
+                      </a:r>
+                    </a:p>
+                    <a:p>
+                      <a:endParaRPr lang="en-US" dirty="0"/>
+                    </a:p>
+                  </a:txBody>
+                  <a:tcPr/>
+                </a:tc>
+              </a:tr>
+            </a:tbl>
+          </a:graphicData>
+        </a:graphic>
+      </p:graphicFrame>
+    </p:spTree>
+    <p:extLst>
+      <p:ext uri="{BB962C8B-B14F-4D97-AF65-F5344CB8AC3E}">
+        <p14:creationId xmlns:p14="http://schemas.microsoft.com/office/powerpoint/2010/main" val="2035923059"/>
+      </p:ext>
+    </p:extLst>
+  </p:cSld>
+  <p:clrMapOvr>
+    <a:masterClrMapping/>
+  </p:clrMapOvr>
+</p:sld>
+</file>
+
+<file path=ppt/slides/slide44.xml><?xml version="1.0" encoding="utf-8"?>
+<p:sld xmlns:a="http://schemas.openxmlformats.org/drawingml/2006/main" xmlns:r="http://schemas.openxmlformats.org/officeDocument/2006/relationships" xmlns:p="http://schemas.openxmlformats.org/presentationml/2006/main">
+  <p:cSld>
+    <p:spTree>
+      <p:nvGrpSpPr>
+        <p:cNvPr id="1" name=""/>
+        <p:cNvGrpSpPr/>
+        <p:nvPr/>
+      </p:nvGrpSpPr>
+      <p:grpSpPr>
+        <a:xfrm>
+          <a:off x="0" y="0"/>
+          <a:ext cx="0" cy="0"/>
+          <a:chOff x="0" y="0"/>
+          <a:chExt cx="0" cy="0"/>
+        </a:xfrm>
+      </p:grpSpPr>
+      <p:sp>
+        <p:nvSpPr>
+          <p:cNvPr id="2" name="Title 1"/>
+          <p:cNvSpPr>
+            <a:spLocks noGrp="1"/>
+          </p:cNvSpPr>
+          <p:nvPr>
+            <p:ph type="title"/>
+          </p:nvPr>
+        </p:nvSpPr>
+        <p:spPr>
+          <a:xfrm>
+            <a:off x="838200" y="365126"/>
+            <a:ext cx="4048432" cy="509946"/>
+          </a:xfrm>
+        </p:spPr>
+        <p:txBody>
+          <a:bodyPr>
+            <a:noAutofit/>
+          </a:bodyPr>
+          <a:lstStyle/>
+          <a:p>
+            <a:r>
+              <a:rPr lang="en-US" sz="3600" dirty="0">
+                <a:solidFill>
+                  <a:schemeClr val="accent2"/>
+                </a:solidFill>
+              </a:rPr>
+              <a:t>Thread – future</a:t>
+            </a:r>
+            <a:endParaRPr lang="en-US" sz="3600" dirty="0"/>
+          </a:p>
+        </p:txBody>
+      </p:sp>
+      <p:graphicFrame>
+        <p:nvGraphicFramePr>
+          <p:cNvPr id="4" name="Table 3"/>
+          <p:cNvGraphicFramePr>
+            <a:graphicFrameLocks noGrp="1"/>
+          </p:cNvGraphicFramePr>
+          <p:nvPr>
+            <p:extLst>
+              <p:ext uri="{D42A27DB-BD31-4B8C-83A1-F6EECF244321}">
+                <p14:modId xmlns:p14="http://schemas.microsoft.com/office/powerpoint/2010/main" val="1102687084"/>
+              </p:ext>
+            </p:extLst>
+          </p:nvPr>
+        </p:nvGraphicFramePr>
+        <p:xfrm>
+          <a:off x="999613" y="1693059"/>
+          <a:ext cx="9540567" cy="4577080"/>
+        </p:xfrm>
+        <a:graphic>
+          <a:graphicData uri="http://schemas.openxmlformats.org/drawingml/2006/table">
+            <a:tbl>
+              <a:tblPr firstRow="1" bandRow="1">
+                <a:tableStyleId>{5C22544A-7EE6-4342-B048-85BDC9FD1C3A}</a:tableStyleId>
+              </a:tblPr>
+              <a:tblGrid>
+                <a:gridCol w="9540567"/>
+              </a:tblGrid>
+              <a:tr h="370840">
+                <a:tc>
+                  <a:txBody>
+                    <a:bodyPr/>
+                    <a:lstStyle/>
+                    <a:p>
+                      <a:r>
+                        <a:rPr lang="en-US" sz="1800" b="1" i="0" kern="1200" dirty="0" smtClean="0">
+                          <a:solidFill>
+                            <a:schemeClr val="lt1"/>
+                          </a:solidFill>
+                          <a:effectLst/>
+                          <a:latin typeface="+mn-lt"/>
+                          <a:ea typeface="+mn-ea"/>
+                          <a:cs typeface="+mn-cs"/>
+                        </a:rPr>
+                        <a:t>2.) C++11 Way : Using </a:t>
+                      </a:r>
+                      <a:r>
+                        <a:rPr lang="en-US" sz="1800" b="1" i="0" kern="1200" dirty="0" err="1" smtClean="0">
+                          <a:solidFill>
+                            <a:schemeClr val="lt1"/>
+                          </a:solidFill>
+                          <a:effectLst/>
+                          <a:latin typeface="+mn-lt"/>
+                          <a:ea typeface="+mn-ea"/>
+                          <a:cs typeface="+mn-cs"/>
+                        </a:rPr>
+                        <a:t>std</a:t>
+                      </a:r>
+                      <a:r>
+                        <a:rPr lang="en-US" sz="1800" b="1" i="0" kern="1200" dirty="0" smtClean="0">
+                          <a:solidFill>
+                            <a:schemeClr val="lt1"/>
+                          </a:solidFill>
+                          <a:effectLst/>
+                          <a:latin typeface="+mn-lt"/>
+                          <a:ea typeface="+mn-ea"/>
+                          <a:cs typeface="+mn-cs"/>
+                        </a:rPr>
+                        <a:t>::future and </a:t>
+                      </a:r>
+                      <a:r>
+                        <a:rPr lang="en-US" sz="1800" b="1" i="0" kern="1200" dirty="0" err="1" smtClean="0">
+                          <a:solidFill>
+                            <a:schemeClr val="lt1"/>
+                          </a:solidFill>
+                          <a:effectLst/>
+                          <a:latin typeface="+mn-lt"/>
+                          <a:ea typeface="+mn-ea"/>
+                          <a:cs typeface="+mn-cs"/>
+                        </a:rPr>
+                        <a:t>std</a:t>
+                      </a:r>
+                      <a:r>
+                        <a:rPr lang="en-US" sz="1800" b="1" i="0" kern="1200" dirty="0" smtClean="0">
+                          <a:solidFill>
+                            <a:schemeClr val="lt1"/>
+                          </a:solidFill>
+                          <a:effectLst/>
+                          <a:latin typeface="+mn-lt"/>
+                          <a:ea typeface="+mn-ea"/>
+                          <a:cs typeface="+mn-cs"/>
+                        </a:rPr>
+                        <a:t>::promise</a:t>
+                      </a:r>
+                      <a:endParaRPr lang="en-US" dirty="0"/>
+                    </a:p>
+                  </a:txBody>
+                  <a:tcPr/>
+                </a:tc>
+              </a:tr>
+              <a:tr h="370840">
+                <a:tc>
+                  <a:txBody>
+                    <a:bodyPr/>
+                    <a:lstStyle/>
+                    <a:p>
+                      <a:r>
+                        <a:rPr lang="en-US" sz="1800" b="1" i="0" kern="1200" dirty="0" err="1" smtClean="0">
+                          <a:solidFill>
+                            <a:schemeClr val="dk1"/>
+                          </a:solidFill>
+                          <a:effectLst/>
+                          <a:latin typeface="+mn-lt"/>
+                          <a:ea typeface="+mn-ea"/>
+                          <a:cs typeface="+mn-cs"/>
+                        </a:rPr>
+                        <a:t>std</a:t>
+                      </a:r>
+                      <a:r>
+                        <a:rPr lang="en-US" sz="1800" b="1" i="0" kern="1200" dirty="0" smtClean="0">
+                          <a:solidFill>
+                            <a:schemeClr val="dk1"/>
+                          </a:solidFill>
+                          <a:effectLst/>
+                          <a:latin typeface="+mn-lt"/>
+                          <a:ea typeface="+mn-ea"/>
+                          <a:cs typeface="+mn-cs"/>
+                        </a:rPr>
+                        <a:t>::future</a:t>
+                      </a:r>
+                      <a:r>
+                        <a:rPr lang="en-US" sz="1800" b="0" i="0" kern="1200" dirty="0" smtClean="0">
+                          <a:solidFill>
+                            <a:schemeClr val="dk1"/>
+                          </a:solidFill>
+                          <a:effectLst/>
+                          <a:latin typeface="+mn-lt"/>
+                          <a:ea typeface="+mn-ea"/>
+                          <a:cs typeface="+mn-cs"/>
+                        </a:rPr>
+                        <a:t> is a class template and its object stores the future value.</a:t>
+                      </a:r>
+                      <a:r>
+                        <a:rPr lang="en-US" dirty="0" smtClean="0"/>
+                        <a:t/>
+                      </a:r>
+                      <a:br>
+                        <a:rPr lang="en-US" dirty="0" smtClean="0"/>
+                      </a:br>
+                      <a:r>
+                        <a:rPr lang="en-US" sz="1800" b="0" i="0" kern="1200" dirty="0" smtClean="0">
+                          <a:solidFill>
+                            <a:schemeClr val="dk1"/>
+                          </a:solidFill>
+                          <a:effectLst/>
+                          <a:latin typeface="+mn-lt"/>
+                          <a:ea typeface="+mn-ea"/>
+                          <a:cs typeface="+mn-cs"/>
+                        </a:rPr>
+                        <a:t>Now what the hell is this future value.</a:t>
+                      </a:r>
+                    </a:p>
+                    <a:p>
+                      <a:endParaRPr lang="en-US" sz="1800" b="0" i="0" kern="1200" dirty="0" smtClean="0">
+                        <a:solidFill>
+                          <a:schemeClr val="dk1"/>
+                        </a:solidFill>
+                        <a:effectLst/>
+                        <a:latin typeface="+mn-lt"/>
+                        <a:ea typeface="+mn-ea"/>
+                        <a:cs typeface="+mn-cs"/>
+                      </a:endParaRPr>
+                    </a:p>
+                    <a:p>
+                      <a:r>
+                        <a:rPr lang="en-US" sz="1800" b="0" i="0" kern="1200" dirty="0" smtClean="0">
+                          <a:solidFill>
+                            <a:schemeClr val="dk1"/>
+                          </a:solidFill>
+                          <a:effectLst/>
+                          <a:latin typeface="+mn-lt"/>
+                          <a:ea typeface="+mn-ea"/>
+                          <a:cs typeface="+mn-cs"/>
+                        </a:rPr>
+                        <a:t>Actually a </a:t>
+                      </a:r>
+                      <a:r>
+                        <a:rPr lang="en-US" sz="1800" b="1" i="0" kern="1200" dirty="0" err="1" smtClean="0">
+                          <a:solidFill>
+                            <a:schemeClr val="dk1"/>
+                          </a:solidFill>
+                          <a:effectLst/>
+                          <a:latin typeface="+mn-lt"/>
+                          <a:ea typeface="+mn-ea"/>
+                          <a:cs typeface="+mn-cs"/>
+                        </a:rPr>
+                        <a:t>std</a:t>
+                      </a:r>
+                      <a:r>
+                        <a:rPr lang="en-US" sz="1800" b="1" i="0" kern="1200" dirty="0" smtClean="0">
+                          <a:solidFill>
+                            <a:schemeClr val="dk1"/>
+                          </a:solidFill>
+                          <a:effectLst/>
+                          <a:latin typeface="+mn-lt"/>
+                          <a:ea typeface="+mn-ea"/>
+                          <a:cs typeface="+mn-cs"/>
+                        </a:rPr>
+                        <a:t>::future</a:t>
+                      </a:r>
+                      <a:r>
+                        <a:rPr lang="en-US" sz="1800" b="0" i="0" kern="1200" dirty="0" smtClean="0">
+                          <a:solidFill>
+                            <a:schemeClr val="dk1"/>
+                          </a:solidFill>
+                          <a:effectLst/>
+                          <a:latin typeface="+mn-lt"/>
+                          <a:ea typeface="+mn-ea"/>
+                          <a:cs typeface="+mn-cs"/>
+                        </a:rPr>
+                        <a:t> object internally stores a value that will be assigned in future and it also provides a mechanism to access that value i.e. using get() member function. But if somebody tries to access this associated value of future through get() function before it is available, then get() function will block till value is not available.</a:t>
+                      </a:r>
+                    </a:p>
+                    <a:p>
+                      <a:endParaRPr lang="en-US" sz="1800" b="0" i="0" kern="1200" dirty="0" smtClean="0">
+                        <a:solidFill>
+                          <a:schemeClr val="dk1"/>
+                        </a:solidFill>
+                        <a:effectLst/>
+                        <a:latin typeface="+mn-lt"/>
+                        <a:ea typeface="+mn-ea"/>
+                        <a:cs typeface="+mn-cs"/>
+                      </a:endParaRPr>
+                    </a:p>
+                    <a:p>
+                      <a:pPr fontAlgn="base"/>
+                      <a:r>
+                        <a:rPr lang="en-US" sz="1800" b="1" i="0" kern="1200" dirty="0" err="1" smtClean="0">
+                          <a:solidFill>
+                            <a:schemeClr val="dk1"/>
+                          </a:solidFill>
+                          <a:effectLst/>
+                          <a:latin typeface="+mn-lt"/>
+                          <a:ea typeface="+mn-ea"/>
+                          <a:cs typeface="+mn-cs"/>
+                        </a:rPr>
+                        <a:t>std</a:t>
+                      </a:r>
+                      <a:r>
+                        <a:rPr lang="en-US" sz="1800" b="1" i="0" kern="1200" dirty="0" smtClean="0">
+                          <a:solidFill>
+                            <a:schemeClr val="dk1"/>
+                          </a:solidFill>
+                          <a:effectLst/>
+                          <a:latin typeface="+mn-lt"/>
+                          <a:ea typeface="+mn-ea"/>
+                          <a:cs typeface="+mn-cs"/>
+                        </a:rPr>
+                        <a:t>::promise</a:t>
+                      </a:r>
+                      <a:r>
+                        <a:rPr lang="en-US" sz="1800" b="0" i="0" kern="1200" dirty="0" smtClean="0">
+                          <a:solidFill>
+                            <a:schemeClr val="dk1"/>
+                          </a:solidFill>
+                          <a:effectLst/>
+                          <a:latin typeface="+mn-lt"/>
+                          <a:ea typeface="+mn-ea"/>
+                          <a:cs typeface="+mn-cs"/>
+                        </a:rPr>
+                        <a:t> is also a class template and its object promises to set the value in future. Each </a:t>
+                      </a:r>
+                      <a:r>
+                        <a:rPr lang="en-US" sz="1800" b="0" i="0" kern="1200" dirty="0" err="1" smtClean="0">
+                          <a:solidFill>
+                            <a:schemeClr val="dk1"/>
+                          </a:solidFill>
+                          <a:effectLst/>
+                          <a:latin typeface="+mn-lt"/>
+                          <a:ea typeface="+mn-ea"/>
+                          <a:cs typeface="+mn-cs"/>
+                        </a:rPr>
+                        <a:t>std</a:t>
+                      </a:r>
+                      <a:r>
+                        <a:rPr lang="en-US" sz="1800" b="0" i="0" kern="1200" dirty="0" smtClean="0">
+                          <a:solidFill>
+                            <a:schemeClr val="dk1"/>
+                          </a:solidFill>
+                          <a:effectLst/>
+                          <a:latin typeface="+mn-lt"/>
+                          <a:ea typeface="+mn-ea"/>
+                          <a:cs typeface="+mn-cs"/>
+                        </a:rPr>
+                        <a:t>::promise object has an associated </a:t>
+                      </a:r>
+                      <a:r>
+                        <a:rPr lang="en-US" sz="1800" b="0" i="0" kern="1200" dirty="0" err="1" smtClean="0">
+                          <a:solidFill>
+                            <a:schemeClr val="dk1"/>
+                          </a:solidFill>
+                          <a:effectLst/>
+                          <a:latin typeface="+mn-lt"/>
+                          <a:ea typeface="+mn-ea"/>
+                          <a:cs typeface="+mn-cs"/>
+                        </a:rPr>
+                        <a:t>std</a:t>
+                      </a:r>
+                      <a:r>
+                        <a:rPr lang="en-US" sz="1800" b="0" i="0" kern="1200" dirty="0" smtClean="0">
+                          <a:solidFill>
+                            <a:schemeClr val="dk1"/>
+                          </a:solidFill>
+                          <a:effectLst/>
+                          <a:latin typeface="+mn-lt"/>
+                          <a:ea typeface="+mn-ea"/>
+                          <a:cs typeface="+mn-cs"/>
+                        </a:rPr>
+                        <a:t>::future object that will give the value once set by the </a:t>
+                      </a:r>
+                      <a:r>
+                        <a:rPr lang="en-US" sz="1800" b="0" i="0" kern="1200" dirty="0" err="1" smtClean="0">
+                          <a:solidFill>
+                            <a:schemeClr val="dk1"/>
+                          </a:solidFill>
+                          <a:effectLst/>
+                          <a:latin typeface="+mn-lt"/>
+                          <a:ea typeface="+mn-ea"/>
+                          <a:cs typeface="+mn-cs"/>
+                        </a:rPr>
+                        <a:t>std</a:t>
+                      </a:r>
+                      <a:r>
+                        <a:rPr lang="en-US" sz="1800" b="0" i="0" kern="1200" dirty="0" smtClean="0">
+                          <a:solidFill>
+                            <a:schemeClr val="dk1"/>
+                          </a:solidFill>
+                          <a:effectLst/>
+                          <a:latin typeface="+mn-lt"/>
+                          <a:ea typeface="+mn-ea"/>
+                          <a:cs typeface="+mn-cs"/>
+                        </a:rPr>
+                        <a:t>::promise object.</a:t>
+                      </a:r>
+                    </a:p>
+                    <a:p>
+                      <a:pPr fontAlgn="base"/>
+                      <a:endParaRPr lang="en-US" sz="1800" b="0" i="0" kern="1200" dirty="0" smtClean="0">
+                        <a:solidFill>
+                          <a:schemeClr val="dk1"/>
+                        </a:solidFill>
+                        <a:effectLst/>
+                        <a:latin typeface="+mn-lt"/>
+                        <a:ea typeface="+mn-ea"/>
+                        <a:cs typeface="+mn-cs"/>
+                      </a:endParaRPr>
+                    </a:p>
+                    <a:p>
+                      <a:pPr fontAlgn="base"/>
+                      <a:r>
+                        <a:rPr lang="en-US" sz="1800" b="0" i="0" kern="1200" dirty="0" smtClean="0">
+                          <a:solidFill>
+                            <a:schemeClr val="dk1"/>
+                          </a:solidFill>
+                          <a:effectLst/>
+                          <a:latin typeface="+mn-lt"/>
+                          <a:ea typeface="+mn-ea"/>
+                          <a:cs typeface="+mn-cs"/>
+                        </a:rPr>
+                        <a:t>A </a:t>
+                      </a:r>
+                      <a:r>
+                        <a:rPr lang="en-US" sz="1800" b="1" i="0" kern="1200" dirty="0" err="1" smtClean="0">
+                          <a:solidFill>
+                            <a:schemeClr val="dk1"/>
+                          </a:solidFill>
+                          <a:effectLst/>
+                          <a:latin typeface="+mn-lt"/>
+                          <a:ea typeface="+mn-ea"/>
+                          <a:cs typeface="+mn-cs"/>
+                        </a:rPr>
+                        <a:t>std</a:t>
+                      </a:r>
+                      <a:r>
+                        <a:rPr lang="en-US" sz="1800" b="1" i="0" kern="1200" dirty="0" smtClean="0">
+                          <a:solidFill>
+                            <a:schemeClr val="dk1"/>
+                          </a:solidFill>
+                          <a:effectLst/>
+                          <a:latin typeface="+mn-lt"/>
+                          <a:ea typeface="+mn-ea"/>
+                          <a:cs typeface="+mn-cs"/>
+                        </a:rPr>
+                        <a:t>::promise</a:t>
+                      </a:r>
+                      <a:r>
+                        <a:rPr lang="en-US" sz="1800" b="0" i="0" kern="1200" dirty="0" smtClean="0">
+                          <a:solidFill>
+                            <a:schemeClr val="dk1"/>
+                          </a:solidFill>
+                          <a:effectLst/>
+                          <a:latin typeface="+mn-lt"/>
+                          <a:ea typeface="+mn-ea"/>
+                          <a:cs typeface="+mn-cs"/>
+                        </a:rPr>
+                        <a:t> object shares data with its associated </a:t>
+                      </a:r>
+                      <a:r>
+                        <a:rPr lang="en-US" sz="1800" b="1" i="0" kern="1200" dirty="0" err="1" smtClean="0">
+                          <a:solidFill>
+                            <a:schemeClr val="dk1"/>
+                          </a:solidFill>
+                          <a:effectLst/>
+                          <a:latin typeface="+mn-lt"/>
+                          <a:ea typeface="+mn-ea"/>
+                          <a:cs typeface="+mn-cs"/>
+                        </a:rPr>
+                        <a:t>std</a:t>
+                      </a:r>
+                      <a:r>
+                        <a:rPr lang="en-US" sz="1800" b="1" i="0" kern="1200" dirty="0" smtClean="0">
+                          <a:solidFill>
+                            <a:schemeClr val="dk1"/>
+                          </a:solidFill>
+                          <a:effectLst/>
+                          <a:latin typeface="+mn-lt"/>
+                          <a:ea typeface="+mn-ea"/>
+                          <a:cs typeface="+mn-cs"/>
+                        </a:rPr>
+                        <a:t>::future</a:t>
+                      </a:r>
+                      <a:r>
+                        <a:rPr lang="en-US" sz="1800" b="0" i="0" kern="1200" dirty="0" smtClean="0">
+                          <a:solidFill>
+                            <a:schemeClr val="dk1"/>
+                          </a:solidFill>
+                          <a:effectLst/>
+                          <a:latin typeface="+mn-lt"/>
+                          <a:ea typeface="+mn-ea"/>
+                          <a:cs typeface="+mn-cs"/>
+                        </a:rPr>
+                        <a:t> object.</a:t>
+                      </a:r>
+                    </a:p>
+                    <a:p>
+                      <a:endParaRPr lang="en-US" sz="1800" b="0" i="0" kern="1200" dirty="0" smtClean="0">
+                        <a:solidFill>
+                          <a:schemeClr val="dk1"/>
+                        </a:solidFill>
+                        <a:effectLst/>
+                        <a:latin typeface="+mn-lt"/>
+                        <a:ea typeface="+mn-ea"/>
+                        <a:cs typeface="+mn-cs"/>
+                      </a:endParaRPr>
+                    </a:p>
+                    <a:p>
+                      <a:endParaRPr lang="en-US" dirty="0"/>
+                    </a:p>
+                  </a:txBody>
+                  <a:tcPr/>
+                </a:tc>
+              </a:tr>
+            </a:tbl>
+          </a:graphicData>
+        </a:graphic>
+      </p:graphicFrame>
+    </p:spTree>
+    <p:extLst>
+      <p:ext uri="{BB962C8B-B14F-4D97-AF65-F5344CB8AC3E}">
+        <p14:creationId xmlns:p14="http://schemas.microsoft.com/office/powerpoint/2010/main" val="1173565655"/>
+      </p:ext>
+    </p:extLst>
+  </p:cSld>
+  <p:clrMapOvr>
+    <a:masterClrMapping/>
+  </p:clrMapOvr>
+</p:sld>
+</file>
+
+<file path=ppt/slides/slide45.xml><?xml version="1.0" encoding="utf-8"?>
+<p:sld xmlns:a="http://schemas.openxmlformats.org/drawingml/2006/main" xmlns:r="http://schemas.openxmlformats.org/officeDocument/2006/relationships" xmlns:p="http://schemas.openxmlformats.org/presentationml/2006/main">
+  <p:cSld>
+    <p:spTree>
+      <p:nvGrpSpPr>
+        <p:cNvPr id="1" name=""/>
+        <p:cNvGrpSpPr/>
+        <p:nvPr/>
+      </p:nvGrpSpPr>
+      <p:grpSpPr>
+        <a:xfrm>
+          <a:off x="0" y="0"/>
+          <a:ext cx="0" cy="0"/>
+          <a:chOff x="0" y="0"/>
+          <a:chExt cx="0" cy="0"/>
+        </a:xfrm>
+      </p:grpSpPr>
+      <p:sp>
+        <p:nvSpPr>
+          <p:cNvPr id="2" name="Title 1"/>
+          <p:cNvSpPr>
+            <a:spLocks noGrp="1"/>
+          </p:cNvSpPr>
+          <p:nvPr>
+            <p:ph type="title"/>
+          </p:nvPr>
+        </p:nvSpPr>
+        <p:spPr>
+          <a:xfrm>
+            <a:off x="838200" y="365126"/>
+            <a:ext cx="5877232" cy="726256"/>
+          </a:xfrm>
+        </p:spPr>
+        <p:txBody>
+          <a:bodyPr>
+            <a:normAutofit/>
+          </a:bodyPr>
+          <a:lstStyle/>
+          <a:p>
+            <a:r>
+              <a:rPr lang="en-US" sz="3600" dirty="0" smtClean="0">
+                <a:solidFill>
+                  <a:schemeClr val="accent2"/>
+                </a:solidFill>
+              </a:rPr>
+              <a:t>Thread – future (</a:t>
+            </a:r>
+            <a:r>
+              <a:rPr lang="en-US" sz="3200" b="1" dirty="0" err="1">
+                <a:solidFill>
+                  <a:schemeClr val="accent2"/>
+                </a:solidFill>
+              </a:rPr>
+              <a:t>std</a:t>
+            </a:r>
+            <a:r>
+              <a:rPr lang="en-US" sz="3200" b="1" dirty="0">
+                <a:solidFill>
+                  <a:schemeClr val="accent2"/>
+                </a:solidFill>
+              </a:rPr>
+              <a:t>::</a:t>
+            </a:r>
+            <a:r>
+              <a:rPr lang="en-US" sz="3200" b="1" dirty="0" err="1" smtClean="0">
+                <a:solidFill>
+                  <a:schemeClr val="accent2"/>
+                </a:solidFill>
+              </a:rPr>
+              <a:t>async</a:t>
+            </a:r>
+            <a:r>
+              <a:rPr lang="en-US" sz="3600" dirty="0" smtClean="0">
+                <a:solidFill>
+                  <a:schemeClr val="accent2"/>
+                </a:solidFill>
+              </a:rPr>
+              <a:t>)</a:t>
+            </a:r>
+            <a:endParaRPr lang="en-US" sz="3600" dirty="0">
+              <a:solidFill>
+                <a:schemeClr val="accent2"/>
+              </a:solidFill>
+            </a:endParaRPr>
+          </a:p>
+        </p:txBody>
+      </p:sp>
+      <p:sp>
+        <p:nvSpPr>
+          <p:cNvPr id="3" name="Content Placeholder 2"/>
+          <p:cNvSpPr>
+            <a:spLocks noGrp="1"/>
+          </p:cNvSpPr>
+          <p:nvPr>
+            <p:ph idx="1"/>
+          </p:nvPr>
+        </p:nvSpPr>
+        <p:spPr>
+          <a:xfrm>
+            <a:off x="838200" y="1288027"/>
+            <a:ext cx="10515600" cy="688258"/>
+          </a:xfrm>
+        </p:spPr>
+        <p:txBody>
+          <a:bodyPr>
+            <a:normAutofit/>
+          </a:bodyPr>
+          <a:lstStyle/>
+          <a:p>
+            <a:pPr>
+              <a:buClr>
+                <a:schemeClr val="accent2"/>
+              </a:buClr>
+              <a:buFont typeface="Courier New" panose="02070309020205020404" pitchFamily="49" charset="0"/>
+              <a:buChar char="o"/>
+            </a:pPr>
+            <a:r>
+              <a:rPr lang="en-US" sz="1800" dirty="0"/>
+              <a:t>A future is an object that can retrieve a value from some provider object or function, properly synchronizing this access if in different threads.</a:t>
+            </a:r>
+          </a:p>
+        </p:txBody>
+      </p:sp>
+      <p:pic>
+        <p:nvPicPr>
+          <p:cNvPr id="5" name="Picture 4"/>
+          <p:cNvPicPr>
+            <a:picLocks noChangeAspect="1"/>
+          </p:cNvPicPr>
+          <p:nvPr/>
+        </p:nvPicPr>
+        <p:blipFill>
+          <a:blip r:embed="rId2">
+            <a:extLst>
+              <a:ext uri="{28A0092B-C50C-407E-A947-70E740481C1C}">
+                <a14:useLocalDpi xmlns:a14="http://schemas.microsoft.com/office/drawing/2010/main" val="0"/>
+              </a:ext>
+            </a:extLst>
+          </a:blip>
+          <a:stretch>
+            <a:fillRect/>
+          </a:stretch>
+        </p:blipFill>
+        <p:spPr>
+          <a:xfrm>
+            <a:off x="1169616" y="2064775"/>
+            <a:ext cx="8240275" cy="4610743"/>
+          </a:xfrm>
+          <a:prstGeom prst="rect">
+            <a:avLst/>
+          </a:prstGeom>
+        </p:spPr>
+      </p:pic>
+    </p:spTree>
+    <p:extLst>
+      <p:ext uri="{BB962C8B-B14F-4D97-AF65-F5344CB8AC3E}">
+        <p14:creationId xmlns:p14="http://schemas.microsoft.com/office/powerpoint/2010/main" val="3529624900"/>
+      </p:ext>
+    </p:extLst>
+  </p:cSld>
+  <p:clrMapOvr>
+    <a:masterClrMapping/>
+  </p:clrMapOvr>
+</p:sld>
+</file>
+
+<file path=ppt/slides/slide46.xml><?xml version="1.0" encoding="utf-8"?>
+<p:sld xmlns:a="http://schemas.openxmlformats.org/drawingml/2006/main" xmlns:r="http://schemas.openxmlformats.org/officeDocument/2006/relationships" xmlns:p="http://schemas.openxmlformats.org/presentationml/2006/main">
+  <p:cSld>
+    <p:spTree>
+      <p:nvGrpSpPr>
+        <p:cNvPr id="1" name=""/>
+        <p:cNvGrpSpPr/>
+        <p:nvPr/>
+      </p:nvGrpSpPr>
+      <p:grpSpPr>
+        <a:xfrm>
+          <a:off x="0" y="0"/>
+          <a:ext cx="0" cy="0"/>
+          <a:chOff x="0" y="0"/>
+          <a:chExt cx="0" cy="0"/>
+        </a:xfrm>
+      </p:grpSpPr>
+      <p:sp>
+        <p:nvSpPr>
+          <p:cNvPr id="2" name="Title 1"/>
+          <p:cNvSpPr>
+            <a:spLocks noGrp="1"/>
+          </p:cNvSpPr>
+          <p:nvPr>
+            <p:ph type="title"/>
+          </p:nvPr>
+        </p:nvSpPr>
+        <p:spPr>
+          <a:xfrm>
+            <a:off x="838200" y="365125"/>
+            <a:ext cx="5759245" cy="696759"/>
+          </a:xfrm>
+        </p:spPr>
+        <p:txBody>
+          <a:bodyPr>
+            <a:normAutofit/>
+          </a:bodyPr>
+          <a:lstStyle/>
+          <a:p>
+            <a:r>
+              <a:rPr lang="en-US" sz="3600" dirty="0">
+                <a:solidFill>
+                  <a:schemeClr val="accent2"/>
+                </a:solidFill>
+              </a:rPr>
+              <a:t>Thread – future </a:t>
+            </a:r>
+            <a:r>
+              <a:rPr lang="en-US" sz="3600" dirty="0" smtClean="0">
+                <a:solidFill>
+                  <a:schemeClr val="accent2"/>
+                </a:solidFill>
+              </a:rPr>
+              <a:t>(</a:t>
+            </a:r>
+            <a:r>
+              <a:rPr lang="en-US" sz="3600" dirty="0" err="1">
+                <a:solidFill>
+                  <a:schemeClr val="accent2"/>
+                </a:solidFill>
+              </a:rPr>
+              <a:t>std</a:t>
+            </a:r>
+            <a:r>
+              <a:rPr lang="en-US" sz="3600" dirty="0">
+                <a:solidFill>
+                  <a:schemeClr val="accent2"/>
+                </a:solidFill>
+              </a:rPr>
+              <a:t>::promise</a:t>
+            </a:r>
+            <a:r>
+              <a:rPr lang="en-US" sz="3600" dirty="0" smtClean="0">
+                <a:solidFill>
+                  <a:schemeClr val="accent2"/>
+                </a:solidFill>
+              </a:rPr>
+              <a:t>)</a:t>
+            </a:r>
+            <a:endParaRPr lang="en-US" sz="3600" dirty="0"/>
+          </a:p>
+        </p:txBody>
+      </p:sp>
+      <p:pic>
+        <p:nvPicPr>
+          <p:cNvPr id="4" name="Content Placeholder 3"/>
+          <p:cNvPicPr>
+            <a:picLocks noGrp="1" noChangeAspect="1"/>
+          </p:cNvPicPr>
+          <p:nvPr>
+            <p:ph idx="1"/>
+          </p:nvPr>
+        </p:nvPicPr>
+        <p:blipFill>
+          <a:blip r:embed="rId2">
+            <a:extLst>
+              <a:ext uri="{28A0092B-C50C-407E-A947-70E740481C1C}">
+                <a14:useLocalDpi xmlns:a14="http://schemas.microsoft.com/office/drawing/2010/main" val="0"/>
+              </a:ext>
+            </a:extLst>
+          </a:blip>
+          <a:stretch>
+            <a:fillRect/>
+          </a:stretch>
+        </p:blipFill>
+        <p:spPr>
+          <a:xfrm>
+            <a:off x="963562" y="1395800"/>
+            <a:ext cx="10284542" cy="5171323"/>
+          </a:xfrm>
+        </p:spPr>
+      </p:pic>
+    </p:spTree>
+    <p:extLst>
+      <p:ext uri="{BB962C8B-B14F-4D97-AF65-F5344CB8AC3E}">
+        <p14:creationId xmlns:p14="http://schemas.microsoft.com/office/powerpoint/2010/main" val="3487886688"/>
+      </p:ext>
+    </p:extLst>
+  </p:cSld>
+  <p:clrMapOvr>
+    <a:masterClrMapping/>
+  </p:clrMapOvr>
+</p:sld>
+</file>
+
+<file path=ppt/slides/slide47.xml><?xml version="1.0" encoding="utf-8"?>
+<p:sld xmlns:a="http://schemas.openxmlformats.org/drawingml/2006/main" xmlns:r="http://schemas.openxmlformats.org/officeDocument/2006/relationships" xmlns:p="http://schemas.openxmlformats.org/presentationml/2006/main">
+  <p:cSld>
+    <p:spTree>
+      <p:nvGrpSpPr>
+        <p:cNvPr id="1" name=""/>
+        <p:cNvGrpSpPr/>
+        <p:nvPr/>
+      </p:nvGrpSpPr>
+      <p:grpSpPr>
+        <a:xfrm>
+          <a:off x="0" y="0"/>
+          <a:ext cx="0" cy="0"/>
+          <a:chOff x="0" y="0"/>
+          <a:chExt cx="0" cy="0"/>
+        </a:xfrm>
+      </p:grpSpPr>
+      <p:sp>
+        <p:nvSpPr>
+          <p:cNvPr id="3" name="Content Placeholder 2"/>
+          <p:cNvSpPr>
+            <a:spLocks noGrp="1"/>
+          </p:cNvSpPr>
+          <p:nvPr>
+            <p:ph idx="1"/>
+          </p:nvPr>
+        </p:nvSpPr>
+        <p:spPr/>
+        <p:txBody>
+          <a:bodyPr/>
+          <a:lstStyle/>
+          <a:p>
+            <a:pPr>
+              <a:buFont typeface="Wingdings" panose="05000000000000000000" pitchFamily="2" charset="2"/>
+              <a:buChar char="q"/>
+            </a:pPr>
+            <a:r>
+              <a:rPr lang="en-US" dirty="0" smtClean="0"/>
+              <a:t>Reference link:</a:t>
+            </a:r>
+          </a:p>
+          <a:p>
+            <a:pPr>
+              <a:buClr>
+                <a:schemeClr val="accent2"/>
+              </a:buClr>
+              <a:buFont typeface="Courier New" panose="02070309020205020404" pitchFamily="49" charset="0"/>
+              <a:buChar char="o"/>
+            </a:pPr>
+            <a:r>
+              <a:rPr lang="en-US" dirty="0" smtClean="0">
+                <a:hlinkClick r:id="rId2"/>
+              </a:rPr>
+              <a:t>http</a:t>
+            </a:r>
+            <a:r>
+              <a:rPr lang="en-US" dirty="0">
+                <a:hlinkClick r:id="rId2"/>
+              </a:rPr>
+              <a:t>://www.cplusplus.com/reference/clibrary</a:t>
+            </a:r>
+            <a:r>
+              <a:rPr lang="en-US" dirty="0" smtClean="0">
+                <a:hlinkClick r:id="rId2"/>
+              </a:rPr>
+              <a:t>/</a:t>
+            </a:r>
+            <a:endParaRPr lang="en-US" dirty="0" smtClean="0"/>
+          </a:p>
+          <a:p>
+            <a:pPr>
+              <a:buClr>
+                <a:schemeClr val="accent2"/>
+              </a:buClr>
+              <a:buFont typeface="Courier New" panose="02070309020205020404" pitchFamily="49" charset="0"/>
+              <a:buChar char="o"/>
+            </a:pPr>
+            <a:r>
+              <a:rPr lang="en-US" dirty="0">
+                <a:hlinkClick r:id="rId3"/>
+              </a:rPr>
+              <a:t>http://www.cplusplus.com/reference/stl</a:t>
+            </a:r>
+            <a:r>
+              <a:rPr lang="en-US" dirty="0" smtClean="0">
+                <a:hlinkClick r:id="rId3"/>
+              </a:rPr>
+              <a:t>/</a:t>
+            </a:r>
+            <a:endParaRPr lang="en-US" dirty="0" smtClean="0"/>
+          </a:p>
+          <a:p>
+            <a:pPr>
+              <a:buClr>
+                <a:schemeClr val="accent2"/>
+              </a:buClr>
+              <a:buFont typeface="Courier New" panose="02070309020205020404" pitchFamily="49" charset="0"/>
+              <a:buChar char="o"/>
+            </a:pPr>
+            <a:r>
+              <a:rPr lang="en-US" dirty="0">
+                <a:hlinkClick r:id="rId4"/>
+              </a:rPr>
+              <a:t>http://www.cplusplus.com/reference/multithreading</a:t>
+            </a:r>
+            <a:r>
+              <a:rPr lang="en-US" dirty="0" smtClean="0">
+                <a:hlinkClick r:id="rId4"/>
+              </a:rPr>
+              <a:t>/</a:t>
+            </a:r>
+            <a:endParaRPr lang="en-US" dirty="0" smtClean="0"/>
+          </a:p>
+          <a:p>
+            <a:pPr>
+              <a:buClr>
+                <a:schemeClr val="accent2"/>
+              </a:buClr>
+              <a:buFont typeface="Courier New" panose="02070309020205020404" pitchFamily="49" charset="0"/>
+              <a:buChar char="o"/>
+            </a:pPr>
+            <a:r>
+              <a:rPr lang="en-US" dirty="0">
+                <a:hlinkClick r:id="rId5"/>
+              </a:rPr>
+              <a:t>http://www.cplusplus.com/reference/std</a:t>
+            </a:r>
+            <a:r>
+              <a:rPr lang="en-US" dirty="0" smtClean="0">
+                <a:hlinkClick r:id="rId5"/>
+              </a:rPr>
+              <a:t>/</a:t>
+            </a:r>
+            <a:endParaRPr lang="en-US" dirty="0" smtClean="0"/>
+          </a:p>
+          <a:p>
+            <a:pPr>
+              <a:buClr>
+                <a:schemeClr val="accent2"/>
+              </a:buClr>
+              <a:buFont typeface="Courier New" panose="02070309020205020404" pitchFamily="49" charset="0"/>
+              <a:buChar char="o"/>
+            </a:pPr>
+            <a:r>
+              <a:rPr lang="en-US" dirty="0">
+                <a:hlinkClick r:id="rId6"/>
+              </a:rPr>
+              <a:t>https://thispointer.com/c11-multithreading-part-8-stdfuture-stdpromise-and-returning-values-from-thread</a:t>
+            </a:r>
+            <a:r>
+              <a:rPr lang="en-US" dirty="0" smtClean="0">
+                <a:hlinkClick r:id="rId6"/>
+              </a:rPr>
+              <a:t>/</a:t>
+            </a:r>
+            <a:endParaRPr lang="en-US" dirty="0" smtClean="0"/>
+          </a:p>
+          <a:p>
+            <a:pPr>
+              <a:buClr>
+                <a:schemeClr val="accent2"/>
+              </a:buClr>
+              <a:buFont typeface="Courier New" panose="02070309020205020404" pitchFamily="49" charset="0"/>
+              <a:buChar char="o"/>
+            </a:pPr>
+            <a:endParaRPr lang="en-US" dirty="0" smtClean="0"/>
+          </a:p>
+          <a:p>
+            <a:endParaRPr lang="en-US" dirty="0"/>
+          </a:p>
+        </p:txBody>
+      </p:sp>
+    </p:spTree>
+    <p:extLst>
+      <p:ext uri="{BB962C8B-B14F-4D97-AF65-F5344CB8AC3E}">
+        <p14:creationId xmlns:p14="http://schemas.microsoft.com/office/powerpoint/2010/main" val="2148107815"/>
+      </p:ext>
+    </p:extLst>
+  </p:cSld>
+  <p:clrMapOvr>
+    <a:masterClrMapping/>
+  </p:clrMapOvr>
+</p:sld>
+</file>
+
+<file path=ppt/slides/slide48.xml><?xml version="1.0" encoding="utf-8"?>
+<p:sld xmlns:a="http://schemas.openxmlformats.org/drawingml/2006/main" xmlns:r="http://schemas.openxmlformats.org/officeDocument/2006/relationships" xmlns:p="http://schemas.openxmlformats.org/presentationml/2006/main">
+  <p:cSld>
+    <p:spTree>
+      <p:nvGrpSpPr>
+        <p:cNvPr id="1" name=""/>
+        <p:cNvGrpSpPr/>
+        <p:nvPr/>
+      </p:nvGrpSpPr>
+      <p:grpSpPr>
+        <a:xfrm>
+          <a:off x="0" y="0"/>
+          <a:ext cx="0" cy="0"/>
+          <a:chOff x="0" y="0"/>
+          <a:chExt cx="0" cy="0"/>
+        </a:xfrm>
+      </p:grpSpPr>
+      <p:sp>
+        <p:nvSpPr>
+          <p:cNvPr id="3" name="Content Placeholder 2"/>
+          <p:cNvSpPr>
+            <a:spLocks noGrp="1"/>
+          </p:cNvSpPr>
+          <p:nvPr>
+            <p:ph idx="1"/>
+          </p:nvPr>
+        </p:nvSpPr>
+        <p:spPr>
+          <a:xfrm>
+            <a:off x="2971800" y="2504051"/>
+            <a:ext cx="5552768" cy="1487846"/>
+          </a:xfrm>
+        </p:spPr>
+        <p:txBody>
+          <a:bodyPr>
+            <a:normAutofit/>
+          </a:bodyPr>
+          <a:lstStyle/>
+          <a:p>
+            <a:pPr marL="0" indent="0">
+              <a:buNone/>
+            </a:pPr>
+            <a:r>
+              <a:rPr lang="en-US" sz="9600" dirty="0" smtClean="0">
+                <a:solidFill>
+                  <a:schemeClr val="accent2"/>
+                </a:solidFill>
+                <a:latin typeface="+mj-lt"/>
+              </a:rPr>
+              <a:t>Thank you</a:t>
+            </a:r>
+            <a:endParaRPr lang="en-US" sz="9600" dirty="0">
+              <a:solidFill>
+                <a:schemeClr val="accent2"/>
+              </a:solidFill>
+              <a:latin typeface="+mj-lt"/>
+            </a:endParaRPr>
+          </a:p>
+        </p:txBody>
+      </p:sp>
+    </p:spTree>
+    <p:extLst>
+      <p:ext uri="{BB962C8B-B14F-4D97-AF65-F5344CB8AC3E}">
+        <p14:creationId xmlns:p14="http://schemas.microsoft.com/office/powerpoint/2010/main" val="927782877"/>
+      </p:ext>
+    </p:extLst>
+  </p:cSld>
+  <p:clrMapOvr>
+    <a:masterClrMapping/>
+  </p:clrMapOvr>
 </p:sld>
 </file>
 
@@ -20198,7 +21958,7 @@
         <p:spPr>
           <a:xfrm>
             <a:off x="838200" y="1825625"/>
-            <a:ext cx="4615149" cy="4351338"/>
+            <a:ext cx="4726577" cy="4351338"/>
           </a:xfrm>
         </p:spPr>
         <p:txBody>
@@ -20338,7 +22098,7 @@
               <a:buChar char="Ø"/>
             </a:pPr>
             <a:r>
-              <a:rPr lang="en-GB" sz="1800" dirty="0">
+              <a:rPr lang="en-GB" sz="1800" b="1" dirty="0">
                 <a:latin typeface="Arial" pitchFamily="34" charset="0"/>
                 <a:cs typeface="Arial" pitchFamily="34" charset="0"/>
               </a:rPr>
@@ -20378,7 +22138,7 @@
               <a:buChar char="Ø"/>
             </a:pPr>
             <a:r>
-              <a:rPr lang="en-GB" sz="1800" dirty="0">
+              <a:rPr lang="en-GB" sz="1800" b="1" dirty="0">
                 <a:latin typeface="Arial" pitchFamily="34" charset="0"/>
                 <a:cs typeface="Arial" pitchFamily="34" charset="0"/>
               </a:rPr>
@@ -20424,21 +22184,21 @@
               <a:buChar char="Ø"/>
             </a:pPr>
             <a:r>
-              <a:rPr lang="en-GB" sz="1800" dirty="0">
+              <a:rPr lang="en-GB" sz="1800" b="1" dirty="0">
                 <a:latin typeface="Arial" pitchFamily="34" charset="0"/>
                 <a:cs typeface="Arial" pitchFamily="34" charset="0"/>
               </a:rPr>
               <a:t>Move semantics &amp; </a:t>
             </a:r>
             <a:r>
-              <a:rPr lang="en-GB" sz="1800" dirty="0" err="1">
+              <a:rPr lang="en-GB" sz="1800" b="1" dirty="0" err="1">
                 <a:latin typeface="Arial" pitchFamily="34" charset="0"/>
                 <a:cs typeface="Arial" pitchFamily="34" charset="0"/>
               </a:rPr>
               <a:t>rvalue</a:t>
             </a:r>
             <a:r>
-              <a:rPr lang="en-GB" sz="1800" dirty="0">
+              <a:rPr lang="en-GB" sz="1800" b="1" dirty="0">
                 <a:latin typeface="Arial" pitchFamily="34" charset="0"/>
                 <a:cs typeface="Arial" pitchFamily="34" charset="0"/>
               </a:rPr>
@@ -20469,7 +22229,7 @@
         <p:spPr>
           <a:xfrm>
             <a:off x="6680123" y="1825625"/>
-            <a:ext cx="3454792" cy="1477328"/>
+            <a:ext cx="5111399" cy="1477328"/>
           </a:xfrm>
           <a:prstGeom prst="rect">
             <a:avLst/>
@@ -20487,11 +22247,14 @@
               <a:buChar char="•"/>
             </a:pPr>
             <a:r>
-              <a:rPr lang="en-US" b="1" dirty="0">
+              <a:rPr lang="en-US" b="1" dirty="0" smtClean="0">
                 <a:latin typeface="+mj-lt"/>
               </a:rPr>
-              <a:t>C++11 Standard Library</a:t>
-            </a:r>
+              <a:t>C</a:t>
+            </a:r>
+            <a:endParaRPr lang="en-US" b="1" dirty="0">
+              <a:latin typeface="+mj-lt"/>
+            </a:endParaRPr>
           </a:p>
           <a:p>
             <a:pPr marL="742950" lvl="1" indent="-285750">
@@ -20502,11 +22265,20 @@
               <a:buChar char="Ø"/>
             </a:pPr>
             <a:r>
-              <a:rPr lang="en-US" dirty="0">
+              <a:rPr lang="en-US" b="1" dirty="0">
                 <a:latin typeface="+mj-lt"/>
               </a:rPr>
-              <a:t>Threading Library</a:t>
-            </a:r>
+              <a:t>Threading </a:t>
+            </a:r>
+            <a:r>
+              <a:rPr lang="en-US" b="1" dirty="0">
+                <a:latin typeface="+mj-lt"/>
+              </a:rPr>
+              <a:t>Library++11 Standard Library</a:t>
+            </a:r>
+            <a:endParaRPr lang="en-US" b="1" dirty="0">
+              <a:latin typeface="+mj-lt"/>
+            </a:endParaRPr>
           </a:p>
           <a:p>
             <a:pPr marL="742950" lvl="1" indent="-285750">
@@ -20517,7 +22289,7 @@
               <a:buChar char="Ø"/>
             </a:pPr>
             <a:r>
-              <a:rPr lang="en-US" dirty="0">
+              <a:rPr lang="en-US" b="1" dirty="0">
                 <a:latin typeface="+mj-lt"/>
               </a:rPr>
               <a:t>New Smart Pointer Classes</a:t>
@@ -20627,14 +22399,14 @@
             <p:ph idx="1"/>
             <p:extLst>
               <p:ext uri="{D42A27DB-BD31-4B8C-83A1-F6EECF244321}">
-                <p14:modId xmlns:p14="http://schemas.microsoft.com/office/powerpoint/2010/main" val="3070975694"/>
+                <p14:modId xmlns:p14="http://schemas.microsoft.com/office/powerpoint/2010/main" val="2943089374"/>
               </p:ext>
             </p:extLst>
           </p:nvPr>
         </p:nvGraphicFramePr>
         <p:xfrm>
-          <a:off x="904875" y="1253668"/>
-          <a:ext cx="10515600" cy="2025015"/>
+          <a:off x="952500" y="1401715"/>
+          <a:ext cx="10515600" cy="1554480"/>
         </p:xfrm>
         <a:graphic>
           <a:graphicData uri="http://schemas.openxmlformats.org/drawingml/2006/table">
@@ -20645,7 +22417,7 @@
               <a:tblGrid>
                 <a:gridCol w="10515600"/>
               </a:tblGrid>
-              <a:tr h="450914">
+              <a:tr h="294423">
                 <a:tc>
                   <a:txBody>
                     <a:bodyPr/>
@@ -20682,7 +22454,7 @@
                   <a:tcPr/>
                 </a:tc>
               </a:tr>
-              <a:tr h="1574101">
+              <a:tr h="1177691">
                 <a:tc>
                   <a:txBody>
                     <a:bodyPr/>
@@ -20846,9 +22618,6 @@
                         <a:t>// v has type vector&lt;string&gt;</a:t>
                       </a:r>
                     </a:p>
-                    <a:p>
-                      <a:endParaRPr lang="en-US" dirty="0"/>
-                    </a:p>
                   </a:txBody>
                   <a:tcPr/>
                 </a:tc>
@@ -20865,7 +22634,7 @@
         </p:nvSpPr>
         <p:spPr>
           <a:xfrm>
-            <a:off x="952500" y="407223"/>
+            <a:off x="952500" y="730388"/>
             <a:ext cx="3057525" cy="646331"/>
           </a:xfrm>
           <a:prstGeom prst="rect">
@@ -20907,14 +22676,14 @@
           <p:nvPr>
             <p:extLst>
               <p:ext uri="{D42A27DB-BD31-4B8C-83A1-F6EECF244321}">
-                <p14:modId xmlns:p14="http://schemas.microsoft.com/office/powerpoint/2010/main" val="2954381837"/>
+                <p14:modId xmlns:p14="http://schemas.microsoft.com/office/powerpoint/2010/main" val="1805697003"/>
               </p:ext>
             </p:extLst>
           </p:nvPr>
         </p:nvGraphicFramePr>
         <p:xfrm>
-          <a:off x="895349" y="3465195"/>
-          <a:ext cx="10487025" cy="2926080"/>
+          <a:off x="952500" y="3041781"/>
+          <a:ext cx="10487025" cy="3573623"/>
         </p:xfrm>
         <a:graphic>
           <a:graphicData uri="http://schemas.openxmlformats.org/drawingml/2006/table">
@@ -20925,7 +22694,7 @@
               <a:tblGrid>
                 <a:gridCol w="10487025"/>
               </a:tblGrid>
-              <a:tr h="337611">
+              <a:tr h="392369">
                 <a:tc>
                   <a:txBody>
                     <a:bodyPr/>
@@ -20941,7 +22710,7 @@
                   <a:tcPr/>
                 </a:tc>
               </a:tr>
-              <a:tr h="730780">
+              <a:tr h="3181254">
                 <a:tc>
                   <a:txBody>
                     <a:bodyPr/>
@@ -21240,36 +23009,13 @@
                         </a:rPr>
                         <a:t> l =[] (int x) -&gt; bool { </a:t>
                       </a:r>
-                      <a:r>
-                        <a:rPr lang="vi-VN" sz="1800" b="0" baseline="0" dirty="0" smtClean="0">
-                          <a:solidFill>
-                            <a:srgbClr val="00B050"/>
-                          </a:solidFill>
-                          <a:latin typeface="Courier New" panose="02070309020205020404" pitchFamily="49" charset="0"/>
-                          <a:cs typeface="Courier New" panose="02070309020205020404" pitchFamily="49" charset="0"/>
-                        </a:rPr>
-                        <a:t>//l has the typeof a</a:t>
-                      </a:r>
-                      <a:r>
-                        <a:rPr lang="en-US" sz="1800" b="0" baseline="0" dirty="0" smtClean="0">
-                          <a:solidFill>
-                            <a:srgbClr val="00B050"/>
-                          </a:solidFill>
-                          <a:latin typeface="Courier New" panose="02070309020205020404" pitchFamily="49" charset="0"/>
-                          <a:cs typeface="Courier New" panose="02070309020205020404" pitchFamily="49" charset="0"/>
-                        </a:rPr>
-                        <a:t> </a:t>
-                      </a:r>
-                      <a:r>
-                        <a:rPr lang="vi-VN" sz="1800" b="0" baseline="0" dirty="0" smtClean="0">
-                          <a:solidFill>
-                            <a:srgbClr val="00B050"/>
-                          </a:solidFill>
-                          <a:latin typeface="Courier New" panose="02070309020205020404" pitchFamily="49" charset="0"/>
-                          <a:cs typeface="Courier New" panose="02070309020205020404" pitchFamily="49" charset="0"/>
-                        </a:rPr>
-                        <a:t>lambda</a:t>
-                      </a:r>
+                      <a:endParaRPr lang="en-US" sz="1800" b="0" baseline="0" dirty="0" smtClean="0">
+                        <a:solidFill>
+                          <a:srgbClr val="00B050"/>
+                        </a:solidFill>
+                        <a:latin typeface="Courier New" panose="02070309020205020404" pitchFamily="49" charset="0"/>
+                        <a:cs typeface="Courier New" panose="02070309020205020404" pitchFamily="49" charset="0"/>
+                      </a:endParaRPr>
                     </a:p>
                     <a:p>
                       <a:pPr marL="0" marR="0" indent="0" algn="l" defTabSz="914400" rtl="0" eaLnBrk="1" fontAlgn="auto" latinLnBrk="0" hangingPunct="1">
@@ -21290,6 +23036,16 @@
                         <a:defRPr/>
                       </a:pPr>
                       <a:r>
+                        <a:rPr lang="en-US" sz="1800" b="0" baseline="0" dirty="0" smtClean="0">
+                          <a:solidFill>
+                            <a:schemeClr val="tx1"/>
+                          </a:solidFill>
+                          <a:latin typeface="Courier New" panose="02070309020205020404" pitchFamily="49" charset="0"/>
+                          <a:cs typeface="Courier New" panose="02070309020205020404" pitchFamily="49" charset="0"/>
+                        </a:rPr>
+                        <a:t>return true;</a:t>
+                      </a:r>
+                      <a:r>
                         <a:rPr lang="vi-VN" sz="1800" b="0" baseline="0" dirty="0" smtClean="0">
                           <a:solidFill>
                             <a:schemeClr val="tx1"/>
@@ -21297,7 +23053,7 @@
                           <a:latin typeface="Courier New" panose="02070309020205020404" pitchFamily="49" charset="0"/>
                           <a:cs typeface="Courier New" panose="02070309020205020404" pitchFamily="49" charset="0"/>
                         </a:rPr>
-                        <a:t>        ... </a:t>
+                        <a:t> </a:t>
                       </a:r>
                       <a:r>
                         <a:rPr lang="en-US" sz="1800" b="0" baseline="0" dirty="0" smtClean="0">
@@ -21309,16 +23065,13 @@
                         </a:rPr>
                         <a:t>                 </a:t>
                       </a:r>
-                      <a:r>
-                        <a:rPr lang="vi-VN" sz="1800" b="0" baseline="0" dirty="0" smtClean="0">
-                          <a:solidFill>
-                            <a:srgbClr val="00B050"/>
-                          </a:solidFill>
-                          <a:latin typeface="Courier New" panose="02070309020205020404" pitchFamily="49" charset="0"/>
-                          <a:cs typeface="Courier New" panose="02070309020205020404" pitchFamily="49" charset="0"/>
-                        </a:rPr>
-                        <a:t>// taking an int and returning a bool</a:t>
-                      </a:r>
+                      <a:endParaRPr lang="vi-VN" sz="1800" b="0" baseline="0" dirty="0" smtClean="0">
+                        <a:solidFill>
+                          <a:srgbClr val="00B050"/>
+                        </a:solidFill>
+                        <a:latin typeface="Courier New" panose="02070309020205020404" pitchFamily="49" charset="0"/>
+                        <a:cs typeface="Courier New" panose="02070309020205020404" pitchFamily="49" charset="0"/>
+                      </a:endParaRPr>
                     </a:p>
                     <a:p>
                       <a:pPr marL="0" marR="0" indent="0" algn="l" defTabSz="914400" rtl="0" eaLnBrk="1" fontAlgn="auto" latinLnBrk="0" hangingPunct="1">
@@ -21347,6 +23100,106 @@
                           <a:cs typeface="Courier New" panose="02070309020205020404" pitchFamily="49" charset="0"/>
                         </a:rPr>
                         <a:t>};</a:t>
+                      </a:r>
+                      <a:endParaRPr lang="en-US" sz="1800" baseline="0" dirty="0" smtClean="0">
+                        <a:solidFill>
+                          <a:schemeClr val="tx1"/>
+                        </a:solidFill>
+                        <a:latin typeface="Courier New" panose="02070309020205020404" pitchFamily="49" charset="0"/>
+                        <a:cs typeface="Courier New" panose="02070309020205020404" pitchFamily="49" charset="0"/>
+                      </a:endParaRPr>
+                    </a:p>
+                    <a:p>
+                      <a:pPr marL="0" marR="0" indent="0" algn="l" defTabSz="914400" rtl="0" eaLnBrk="1" fontAlgn="auto" latinLnBrk="0" hangingPunct="1">
+                        <a:lnSpc>
+                          <a:spcPct val="100000"/>
+                        </a:lnSpc>
+                        <a:spcBef>
+                          <a:spcPts val="0"/>
+                        </a:spcBef>
+                        <a:spcAft>
+                          <a:spcPts val="0"/>
+                        </a:spcAft>
+                        <a:buClrTx/>
+                        <a:buSzTx/>
+                        <a:buFontTx/>
+                        <a:buNone/>
+                        <a:tabLst/>
+                        <a:defRPr/>
+                      </a:pPr>
+                      <a:r>
+                        <a:rPr lang="en-US" sz="1800" kern="1200" dirty="0" smtClean="0">
+                          <a:solidFill>
+                            <a:schemeClr val="dk1"/>
+                          </a:solidFill>
+                          <a:latin typeface="Courier New" panose="02070309020205020404" pitchFamily="49" charset="0"/>
+                          <a:ea typeface="+mn-ea"/>
+                          <a:cs typeface="Courier New" panose="02070309020205020404" pitchFamily="49" charset="0"/>
+                        </a:rPr>
+                        <a:t>template&lt;class T, class U&gt;  </a:t>
+                      </a:r>
+                    </a:p>
+                    <a:p>
+                      <a:pPr marL="0" marR="0" indent="0" algn="l" defTabSz="914400" rtl="0" eaLnBrk="1" fontAlgn="auto" latinLnBrk="0" hangingPunct="1">
+                        <a:lnSpc>
+                          <a:spcPct val="100000"/>
+                        </a:lnSpc>
+                        <a:spcBef>
+                          <a:spcPts val="0"/>
+                        </a:spcBef>
+                        <a:spcAft>
+                          <a:spcPts val="0"/>
+                        </a:spcAft>
+                        <a:buClrTx/>
+                        <a:buSzTx/>
+                        <a:buFontTx/>
+                        <a:buNone/>
+                        <a:tabLst/>
+                        <a:defRPr/>
+                      </a:pPr>
+                      <a:r>
+                        <a:rPr lang="en-US" sz="1800" b="1" kern="1200" dirty="0" smtClean="0">
+                          <a:solidFill>
+                            <a:schemeClr val="dk1"/>
+                          </a:solidFill>
+                          <a:latin typeface="Courier New" panose="02070309020205020404" pitchFamily="49" charset="0"/>
+                          <a:ea typeface="+mn-ea"/>
+                          <a:cs typeface="Courier New" panose="02070309020205020404" pitchFamily="49" charset="0"/>
+                        </a:rPr>
+                        <a:t>auto</a:t>
+                      </a:r>
+                      <a:r>
+                        <a:rPr lang="en-US" sz="1800" kern="1200" dirty="0" smtClean="0">
+                          <a:solidFill>
+                            <a:schemeClr val="dk1"/>
+                          </a:solidFill>
+                          <a:latin typeface="Courier New" panose="02070309020205020404" pitchFamily="49" charset="0"/>
+                          <a:ea typeface="+mn-ea"/>
+                          <a:cs typeface="Courier New" panose="02070309020205020404" pitchFamily="49" charset="0"/>
+                        </a:rPr>
+                        <a:t>  add(T </a:t>
+                      </a:r>
+                      <a:r>
+                        <a:rPr lang="en-US" sz="1800" kern="1200" dirty="0" err="1" smtClean="0">
+                          <a:solidFill>
+                            <a:schemeClr val="dk1"/>
+                          </a:solidFill>
+                          <a:latin typeface="Courier New" panose="02070309020205020404" pitchFamily="49" charset="0"/>
+                          <a:ea typeface="+mn-ea"/>
+                          <a:cs typeface="Courier New" panose="02070309020205020404" pitchFamily="49" charset="0"/>
+                        </a:rPr>
+                        <a:t>t</a:t>
+                      </a:r>
+                      <a:r>
+                        <a:rPr lang="en-US" sz="1800" kern="1200" dirty="0" smtClean="0">
+                          <a:solidFill>
+                            <a:schemeClr val="dk1"/>
+                          </a:solidFill>
+                          <a:latin typeface="Courier New" panose="02070309020205020404" pitchFamily="49" charset="0"/>
+                          <a:ea typeface="+mn-ea"/>
+                          <a:cs typeface="Courier New" panose="02070309020205020404" pitchFamily="49" charset="0"/>
+                        </a:rPr>
+                        <a:t>, U u) { return t + u; }</a:t>
                       </a:r>
                     </a:p>
                     <a:p>
@@ -21513,9 +23366,6 @@
                         <a:cs typeface="Courier New" panose="02070309020205020404" pitchFamily="49" charset="0"/>
                       </a:endParaRPr>
                     </a:p>
-                    <a:p>
-                      <a:endParaRPr lang="en-US" dirty="0"/>
-                    </a:p>
                   </a:txBody>
                   <a:tcPr/>
                 </a:tc>
@@ -21524,6 +23374,49 @@
           </a:graphicData>
         </a:graphic>
       </p:graphicFrame>
+      <p:sp>
+        <p:nvSpPr>
+          <p:cNvPr id="7" name="TextBox 6"/>
+          <p:cNvSpPr txBox="1"/>
+          <p:nvPr/>
+        </p:nvSpPr>
+        <p:spPr>
+          <a:xfrm>
+            <a:off x="952500" y="84057"/>
+            <a:ext cx="8986434" cy="646331"/>
+          </a:xfrm>
+          <a:prstGeom prst="rect">
+            <a:avLst/>
+          </a:prstGeom>
+          <a:noFill/>
+        </p:spPr>
+        <p:txBody>
+          <a:bodyPr wrap="none" rtlCol="0">
+            <a:spAutoFit/>
+          </a:bodyPr>
+          <a:lstStyle/>
+          <a:p>
+            <a:r>
+              <a:rPr lang="en-US" sz="3600" b="1" dirty="0" smtClean="0">
+                <a:solidFill>
+                  <a:schemeClr val="accent2"/>
+                </a:solidFill>
+                <a:latin typeface="+mj-lt"/>
+              </a:rPr>
+              <a:t>III. Detail </a:t>
+            </a:r>
+            <a:r>
+              <a:rPr lang="en-US" sz="3600" b="1" dirty="0">
+                <a:solidFill>
+                  <a:schemeClr val="accent2"/>
+                </a:solidFill>
+                <a:latin typeface="+mj-lt"/>
+              </a:rPr>
+              <a:t>about each feature (code example)</a:t>
+            </a:r>
+          </a:p>
+        </p:txBody>
+      </p:sp>
     </p:spTree>
     <p:extLst>
       <p:ext uri="{BB962C8B-B14F-4D97-AF65-F5344CB8AC3E}">
@@ -21701,30 +23594,27 @@
         </p:blipFill>
         <p:spPr bwMode="auto">
           <a:xfrm>
-            <a:off x="1234340" y="3214675"/>
+            <a:off x="1439614" y="3214675"/>
             <a:ext cx="2892664" cy="2664296"/>
           </a:xfrm>
           <a:prstGeom prst="rect">
             <a:avLst/>
           </a:prstGeom>
-          <a:noFill/>
+          <a:solidFill>
+            <a:schemeClr val="accent2"/>
+          </a:solidFill>
           <a:ln w="9525">
             <a:solidFill>
-              <a:schemeClr val="accent1"/>
+              <a:schemeClr val="accent2"/>
             </a:solidFill>
             <a:miter lim="800000"/>
             <a:headEnd/>
             <a:tailEnd/>
           </a:ln>
-          <a:extLst>
-            <a:ext uri="{909E8E84-426E-40DD-AFC4-6F175D3DCCD1}">
-              <a14:hiddenFill xmlns:a14="http://schemas.microsoft.com/office/drawing/2010/main">
-                <a:solidFill>
-                  <a:schemeClr val="accent1"/>
-                </a:solidFill>
-              </a14:hiddenFill>
-            </a:ext>
-          </a:extLst>
+          <a:effectLst>
+            <a:softEdge rad="0"/>
+          </a:effectLst>
+          <a:extLst/>
         </p:spPr>
       </p:pic>
       <p:pic>
@@ -21759,7 +23649,7 @@
           <a:noFill/>
           <a:ln w="9525">
             <a:solidFill>
-              <a:schemeClr val="tx1"/>
+              <a:schemeClr val="accent2"/>
             </a:solidFill>
             <a:miter lim="800000"/>
             <a:headEnd/>
@@ -22063,7 +23953,7 @@
           <a:noFill/>
           <a:ln w="9525">
             <a:solidFill>
-              <a:schemeClr val="accent1"/>
+              <a:schemeClr val="accent2"/>
             </a:solidFill>
             <a:miter lim="800000"/>
             <a:headEnd/>
@@ -22376,7 +24266,7 @@
           <a:noFill/>
           <a:ln w="9525">
             <a:solidFill>
-              <a:schemeClr val="accent1"/>
+              <a:schemeClr val="accent2"/>
             </a:solidFill>
             <a:miter lim="800000"/>
             <a:headEnd/>
@@ -22997,7 +24887,7 @@
         <p:spPr bwMode="auto">
           <a:xfrm>
             <a:off x="1460848" y="4535394"/>
-            <a:ext cx="7488832" cy="1656184"/>
+            <a:ext cx="7488832" cy="1958712"/>
           </a:xfrm>
           <a:prstGeom prst="rect">
             <a:avLst/>
@@ -23005,7 +24895,7 @@
           <a:noFill/>
           <a:ln w="9525">
             <a:solidFill>
-              <a:schemeClr val="accent1"/>
+              <a:schemeClr val="accent2"/>
             </a:solidFill>
             <a:miter lim="800000"/>
             <a:headEnd/>
@@ -23223,6 +25113,34 @@
             </a:r>
           </a:p>
           <a:p>
+            <a:pPr marL="0" indent="0">
+              <a:buNone/>
+            </a:pPr>
+            <a:r>
+              <a:rPr lang="pt-BR" sz="1800" b="1" dirty="0"/>
+              <a:t> </a:t>
+            </a:r>
+            <a:r>
+              <a:rPr lang="pt-BR" sz="1800" b="1" dirty="0" smtClean="0"/>
+              <a:t>     </a:t>
+            </a:r>
+            <a:r>
+              <a:rPr lang="pt-BR" sz="1800" dirty="0" smtClean="0">
+                <a:latin typeface="Courier New" panose="02070309020205020404" pitchFamily="49" charset="0"/>
+                <a:cs typeface="Courier New" panose="02070309020205020404" pitchFamily="49" charset="0"/>
+              </a:rPr>
+              <a:t>std</a:t>
+            </a:r>
+            <a:r>
+              <a:rPr lang="pt-BR" sz="1800" dirty="0">
+                <a:latin typeface="Courier New" panose="02070309020205020404" pitchFamily="49" charset="0"/>
+                <a:cs typeface="Courier New" panose="02070309020205020404" pitchFamily="49" charset="0"/>
+              </a:rPr>
+              <a:t>::vector&lt;int&gt; v = { 3, 1, 4 };</a:t>
+            </a:r>
+            <a:endParaRPr lang="pt-BR" sz="1800" b="1" dirty="0" smtClean="0"/>
+          </a:p>
+          <a:p>
             <a:pPr marL="384048" lvl="2" indent="0">
               <a:buNone/>
             </a:pPr>
@@ -23245,20 +25163,41 @@
                 <a:latin typeface="Courier New" panose="02070309020205020404" pitchFamily="49" charset="0"/>
                 <a:cs typeface="Courier New" panose="02070309020205020404" pitchFamily="49" charset="0"/>
               </a:rPr>
-              <a:t>=begin(</a:t>
+              <a:t>=</a:t>
             </a:r>
             <a:r>
               <a:rPr lang="en-US" sz="1600" dirty="0" err="1" smtClean="0">
                 <a:latin typeface="Courier New" panose="02070309020205020404" pitchFamily="49" charset="0"/>
                 <a:cs typeface="Courier New" panose="02070309020205020404" pitchFamily="49" charset="0"/>
               </a:rPr>
-              <a:t>coll</a:t>
+              <a:t>std</a:t>
+            </a:r>
+            <a:r>
+              <a:rPr lang="en-US" sz="1600" dirty="0" smtClean="0">
+                <a:latin typeface="Courier New" panose="02070309020205020404" pitchFamily="49" charset="0"/>
+                <a:cs typeface="Courier New" panose="02070309020205020404" pitchFamily="49" charset="0"/>
+              </a:rPr>
+              <a:t>::</a:t>
             </a:r>
             <a:r>
               <a:rPr lang="vi-VN" sz="1600" dirty="0" smtClean="0">
                 <a:latin typeface="Courier New" panose="02070309020205020404" pitchFamily="49" charset="0"/>
                 <a:cs typeface="Courier New" panose="02070309020205020404" pitchFamily="49" charset="0"/>
               </a:rPr>
+              <a:t>begin(</a:t>
+            </a:r>
+            <a:r>
+              <a:rPr lang="en-US" sz="1600" dirty="0" smtClean="0">
+                <a:latin typeface="Courier New" panose="02070309020205020404" pitchFamily="49" charset="0"/>
+                <a:cs typeface="Courier New" panose="02070309020205020404" pitchFamily="49" charset="0"/>
+              </a:rPr>
+              <a:t>v</a:t>
+            </a:r>
+            <a:r>
+              <a:rPr lang="vi-VN" sz="1600" dirty="0" smtClean="0">
+                <a:latin typeface="Courier New" panose="02070309020205020404" pitchFamily="49" charset="0"/>
+                <a:cs typeface="Courier New" panose="02070309020205020404" pitchFamily="49" charset="0"/>
+              </a:rPr>
               <a:t>); </a:t>
             </a:r>
             <a:r>
@@ -23276,25 +25215,18 @@
               <a:t>!=</a:t>
             </a:r>
             <a:r>
+              <a:rPr lang="en-US" sz="1600" dirty="0" err="1" smtClean="0">
+                <a:latin typeface="Courier New" panose="02070309020205020404" pitchFamily="49" charset="0"/>
+                <a:cs typeface="Courier New" panose="02070309020205020404" pitchFamily="49" charset="0"/>
+              </a:rPr>
+              <a:t>std</a:t>
+            </a:r>
+            <a:r>
               <a:rPr lang="en-US" sz="1600" dirty="0" smtClean="0">
                 <a:latin typeface="Courier New" panose="02070309020205020404" pitchFamily="49" charset="0"/>
                 <a:cs typeface="Courier New" panose="02070309020205020404" pitchFamily="49" charset="0"/>
               </a:rPr>
-              <a:t>end(</a:t>
-            </a:r>
-            <a:r>
-              <a:rPr lang="en-US" sz="1600" dirty="0" err="1">
-                <a:latin typeface="Courier New" panose="02070309020205020404" pitchFamily="49" charset="0"/>
-                <a:cs typeface="Courier New" panose="02070309020205020404" pitchFamily="49" charset="0"/>
-              </a:rPr>
-              <a:t>coll</a:t>
-            </a:r>
-            <a:r>
-              <a:rPr lang="en-US" sz="1600" dirty="0" smtClean="0">
-                <a:latin typeface="Courier New" panose="02070309020205020404" pitchFamily="49" charset="0"/>
-                <a:cs typeface="Courier New" panose="02070309020205020404" pitchFamily="49" charset="0"/>
-              </a:rPr>
-              <a:t>)</a:t>
+              <a:t>::end(v)</a:t>
             </a:r>
             <a:r>
               <a:rPr lang="vi-VN" sz="1600" dirty="0" smtClean="0">
@@ -23426,8 +25358,8 @@
         </p:nvCxnSpPr>
         <p:spPr>
           <a:xfrm flipV="1">
-            <a:off x="3076600" y="4460915"/>
-            <a:ext cx="288032" cy="638780"/>
+            <a:off x="3732245" y="4314873"/>
+            <a:ext cx="932004" cy="1009256"/>
           </a:xfrm>
           <a:prstGeom prst="straightConnector1">
             <a:avLst/>
@@ -23458,9 +25390,9 @@
           <p:nvPr/>
         </p:nvCxnSpPr>
         <p:spPr>
-          <a:xfrm flipH="1" flipV="1">
-            <a:off x="4948808" y="4460915"/>
-            <a:ext cx="72008" cy="638780"/>
+          <a:xfrm flipV="1">
+            <a:off x="5972538" y="4356140"/>
+            <a:ext cx="285767" cy="967989"/>
           </a:xfrm>
           <a:prstGeom prst="straightConnector1">
             <a:avLst/>
@@ -23494,8 +25426,8 @@
         </p:nvSpPr>
         <p:spPr bwMode="auto">
           <a:xfrm>
-            <a:off x="1460848" y="1800275"/>
-            <a:ext cx="7488832" cy="1656184"/>
+            <a:off x="1460848" y="1800274"/>
+            <a:ext cx="7488832" cy="1857325"/>
           </a:xfrm>
           <a:prstGeom prst="rect">
             <a:avLst/>
@@ -23503,7 +25435,7 @@
           <a:noFill/>
           <a:ln w="9525">
             <a:solidFill>
-              <a:schemeClr val="accent1"/>
+              <a:schemeClr val="accent2"/>
             </a:solidFill>
             <a:miter lim="800000"/>
             <a:headEnd/>
@@ -23717,7 +25649,38 @@
             </a:pPr>
             <a:r>
               <a:rPr lang="pt-BR" sz="1800" b="1" dirty="0"/>
-              <a:t>Example 3:</a:t>
+              <a:t>Example 3</a:t>
+            </a:r>
+            <a:r>
+              <a:rPr lang="pt-BR" sz="1800" b="1" dirty="0" smtClean="0"/>
+              <a:t>:</a:t>
+            </a:r>
+          </a:p>
+          <a:p>
+            <a:pPr marL="0" indent="0">
+              <a:buNone/>
+            </a:pPr>
+            <a:r>
+              <a:rPr lang="pt-BR" sz="1800" b="1" dirty="0"/>
+              <a:t> </a:t>
+            </a:r>
+            <a:r>
+              <a:rPr lang="pt-BR" sz="1800" b="1" dirty="0" smtClean="0"/>
+              <a:t>     </a:t>
+            </a:r>
+            <a:r>
+              <a:rPr lang="pt-BR" sz="1800" dirty="0" smtClean="0">
+                <a:latin typeface="Courier New" panose="02070309020205020404" pitchFamily="49" charset="0"/>
+                <a:cs typeface="Courier New" panose="02070309020205020404" pitchFamily="49" charset="0"/>
+              </a:rPr>
+              <a:t>std</a:t>
+            </a:r>
+            <a:r>
+              <a:rPr lang="pt-BR" sz="1800" dirty="0">
+                <a:latin typeface="Courier New" panose="02070309020205020404" pitchFamily="49" charset="0"/>
+                <a:cs typeface="Courier New" panose="02070309020205020404" pitchFamily="49" charset="0"/>
+              </a:rPr>
+              <a:t>::vector&lt;int&gt; v = { 3, 1, 4 };</a:t>
             </a:r>
           </a:p>
           <a:p>
@@ -23732,6 +25695,34 @@
               <a:t>for (auto </a:t>
             </a:r>
             <a:r>
+              <a:rPr lang="en-US" sz="1600" dirty="0" smtClean="0">
+                <a:latin typeface="Courier New" panose="02070309020205020404" pitchFamily="49" charset="0"/>
+                <a:cs typeface="Courier New" panose="02070309020205020404" pitchFamily="49" charset="0"/>
+              </a:rPr>
+              <a:t>it</a:t>
+            </a:r>
+            <a:r>
+              <a:rPr lang="vi-VN" sz="1600" dirty="0" smtClean="0">
+                <a:latin typeface="Courier New" panose="02070309020205020404" pitchFamily="49" charset="0"/>
+                <a:cs typeface="Courier New" panose="02070309020205020404" pitchFamily="49" charset="0"/>
+              </a:rPr>
+              <a:t>=</a:t>
+            </a:r>
+            <a:r>
+              <a:rPr lang="en-US" sz="1600" dirty="0" smtClean="0">
+                <a:latin typeface="Courier New" panose="02070309020205020404" pitchFamily="49" charset="0"/>
+                <a:cs typeface="Courier New" panose="02070309020205020404" pitchFamily="49" charset="0"/>
+              </a:rPr>
+              <a:t>v</a:t>
+            </a:r>
+            <a:r>
+              <a:rPr lang="vi-VN" sz="1600" dirty="0" smtClean="0">
+                <a:latin typeface="Courier New" panose="02070309020205020404" pitchFamily="49" charset="0"/>
+                <a:cs typeface="Courier New" panose="02070309020205020404" pitchFamily="49" charset="0"/>
+              </a:rPr>
+              <a:t>.begin(); </a:t>
+            </a:r>
+            <a:r>
               <a:rPr lang="en-US" sz="1600" dirty="0">
                 <a:latin typeface="Courier New" panose="02070309020205020404" pitchFamily="49" charset="0"/>
                 <a:cs typeface="Courier New" panose="02070309020205020404" pitchFamily="49" charset="0"/>
@@ -23739,21 +25730,7 @@
               <a:t>it</a:t>
             </a:r>
             <a:r>
-              <a:rPr lang="vi-VN" sz="1600" dirty="0">
-                <a:latin typeface="Courier New" panose="02070309020205020404" pitchFamily="49" charset="0"/>
-                <a:cs typeface="Courier New" panose="02070309020205020404" pitchFamily="49" charset="0"/>
-              </a:rPr>
-              <a:t>=coll.begin(); </a:t>
-            </a:r>
-            <a:r>
-              <a:rPr lang="en-US" sz="1600" dirty="0">
-                <a:latin typeface="Courier New" panose="02070309020205020404" pitchFamily="49" charset="0"/>
-                <a:cs typeface="Courier New" panose="02070309020205020404" pitchFamily="49" charset="0"/>
-              </a:rPr>
-              <a:t>it</a:t>
-            </a:r>
-            <a:r>
-              <a:rPr lang="vi-VN" sz="1600" dirty="0">
+              <a:rPr lang="vi-VN" sz="1600" dirty="0" smtClean="0">
                 <a:latin typeface="Courier New" panose="02070309020205020404" pitchFamily="49" charset="0"/>
                 <a:cs typeface="Courier New" panose="02070309020205020404" pitchFamily="49" charset="0"/>
               </a:rPr>
@@ -23764,7 +25741,14 @@
                 <a:latin typeface="Courier New" panose="02070309020205020404" pitchFamily="49" charset="0"/>
                 <a:cs typeface="Courier New" panose="02070309020205020404" pitchFamily="49" charset="0"/>
               </a:rPr>
-              <a:t>coll.end</a:t>
+              <a:t>v</a:t>
+            </a:r>
+            <a:r>
+              <a:rPr lang="en-US" sz="1600" dirty="0" err="1" smtClean="0">
+                <a:latin typeface="Courier New" panose="02070309020205020404" pitchFamily="49" charset="0"/>
+                <a:cs typeface="Courier New" panose="02070309020205020404" pitchFamily="49" charset="0"/>
+              </a:rPr>
+              <a:t>.end</a:t>
             </a:r>
             <a:r>
               <a:rPr lang="en-US" sz="1600" dirty="0">
@@ -23804,12 +25788,16 @@
               <a:buNone/>
             </a:pPr>
             <a:r>
-              <a:rPr lang="vi-VN" sz="1600" dirty="0">
+              <a:rPr lang="vi-VN" sz="1600" dirty="0" smtClean="0">
                 <a:latin typeface="Courier New" panose="02070309020205020404" pitchFamily="49" charset="0"/>
                 <a:cs typeface="Courier New" panose="02070309020205020404" pitchFamily="49" charset="0"/>
               </a:rPr>
               <a:t>{</a:t>
             </a:r>
+            <a:endParaRPr lang="vi-VN" sz="1600" dirty="0">
+              <a:latin typeface="Courier New" panose="02070309020205020404" pitchFamily="49" charset="0"/>
+              <a:cs typeface="Courier New" panose="02070309020205020404" pitchFamily="49" charset="0"/>
+            </a:endParaRPr>
           </a:p>
           <a:p>
             <a:pPr marL="384048" lvl="2" indent="0">
@@ -24340,7 +26328,7 @@
   <a:extraClrSchemeLst/>
   <a:extLst>
     <a:ext uri="{05A4C25C-085E-4340-85A3-A5531E510DB2}">
-      <thm15:themeFamily xmlns:thm15="http://schemas.microsoft.com/office/thememl/2012/main" xmlns="" name="Office Theme" id="{62F939B6-93AF-4DB8-9C6B-D6C7DFDC589F}" vid="{4A3C46E8-61CC-4603-A589-7422A47A8E4A}"/>
+      <thm15:themeFamily xmlns:thm15="http://schemas.microsoft.com/office/thememl/2012/main" name="Office Theme" id="{62F939B6-93AF-4DB8-9C6B-D6C7DFDC589F}" vid="{4A3C46E8-61CC-4603-A589-7422A47A8E4A}"/>
     </a:ext>
   </a:extLst>
 </a:theme>
@@ -24601,7 +26589,7 @@
   <a:extraClrSchemeLst/>
   <a:extLst>
     <a:ext uri="{05A4C25C-085E-4340-85A3-A5531E510DB2}">
-      <thm15:themeFamily xmlns:thm15="http://schemas.microsoft.com/office/thememl/2012/main" xmlns="" name="Office Theme" id="{62F939B6-93AF-4DB8-9C6B-D6C7DFDC589F}" vid="{4A3C46E8-61CC-4603-A589-7422A47A8E4A}"/>
+      <thm15:themeFamily xmlns:thm15="http://schemas.microsoft.com/office/thememl/2012/main" name="Office Theme" id="{62F939B6-93AF-4DB8-9C6B-D6C7DFDC589F}" vid="{4A3C46E8-61CC-4603-A589-7422A47A8E4A}"/>
     </a:ext>
   </a:extLst>
 </a:theme>

--- a/Training/LG_Training_C++11.pptx
+++ b/Training/LG_Training_C++11.pptx
@@ -258,7 +258,7 @@
           <a:p>
             <a:fld id="{8CED4065-FBD2-40E7-8D05-BB12B661EDC2}" type="datetimeFigureOut">
               <a:rPr lang="en-US" smtClean="0"/>
-              <a:t>11/5/2018</a:t>
+              <a:t>11/14/2018</a:t>
             </a:fld>
             <a:endParaRPr lang="en-US"/>
           </a:p>
@@ -2872,7 +2872,7 @@
           <a:p>
             <a:fld id="{A35A536D-C9E9-4036-ACC9-B934A19DE91F}" type="datetimeFigureOut">
               <a:rPr lang="en-US" smtClean="0"/>
-              <a:t>11/5/2018</a:t>
+              <a:t>11/14/2018</a:t>
             </a:fld>
             <a:endParaRPr lang="en-US"/>
           </a:p>
@@ -3042,7 +3042,7 @@
           <a:p>
             <a:fld id="{A35A536D-C9E9-4036-ACC9-B934A19DE91F}" type="datetimeFigureOut">
               <a:rPr lang="en-US" smtClean="0"/>
-              <a:t>11/5/2018</a:t>
+              <a:t>11/14/2018</a:t>
             </a:fld>
             <a:endParaRPr lang="en-US"/>
           </a:p>
@@ -3222,7 +3222,7 @@
           <a:p>
             <a:fld id="{A35A536D-C9E9-4036-ACC9-B934A19DE91F}" type="datetimeFigureOut">
               <a:rPr lang="en-US" smtClean="0"/>
-              <a:t>11/5/2018</a:t>
+              <a:t>11/14/2018</a:t>
             </a:fld>
             <a:endParaRPr lang="en-US"/>
           </a:p>
@@ -3392,7 +3392,7 @@
           <a:p>
             <a:fld id="{A35A536D-C9E9-4036-ACC9-B934A19DE91F}" type="datetimeFigureOut">
               <a:rPr lang="en-US" smtClean="0"/>
-              <a:t>11/5/2018</a:t>
+              <a:t>11/14/2018</a:t>
             </a:fld>
             <a:endParaRPr lang="en-US"/>
           </a:p>
@@ -3638,7 +3638,7 @@
           <a:p>
             <a:fld id="{A35A536D-C9E9-4036-ACC9-B934A19DE91F}" type="datetimeFigureOut">
               <a:rPr lang="en-US" smtClean="0"/>
-              <a:t>11/5/2018</a:t>
+              <a:t>11/14/2018</a:t>
             </a:fld>
             <a:endParaRPr lang="en-US"/>
           </a:p>
@@ -3870,7 +3870,7 @@
           <a:p>
             <a:fld id="{A35A536D-C9E9-4036-ACC9-B934A19DE91F}" type="datetimeFigureOut">
               <a:rPr lang="en-US" smtClean="0"/>
-              <a:t>11/5/2018</a:t>
+              <a:t>11/14/2018</a:t>
             </a:fld>
             <a:endParaRPr lang="en-US"/>
           </a:p>
@@ -4237,7 +4237,7 @@
           <a:p>
             <a:fld id="{A35A536D-C9E9-4036-ACC9-B934A19DE91F}" type="datetimeFigureOut">
               <a:rPr lang="en-US" smtClean="0"/>
-              <a:t>11/5/2018</a:t>
+              <a:t>11/14/2018</a:t>
             </a:fld>
             <a:endParaRPr lang="en-US"/>
           </a:p>
@@ -4355,7 +4355,7 @@
           <a:p>
             <a:fld id="{A35A536D-C9E9-4036-ACC9-B934A19DE91F}" type="datetimeFigureOut">
               <a:rPr lang="en-US" smtClean="0"/>
-              <a:t>11/5/2018</a:t>
+              <a:t>11/14/2018</a:t>
             </a:fld>
             <a:endParaRPr lang="en-US"/>
           </a:p>
@@ -4450,7 +4450,7 @@
           <a:p>
             <a:fld id="{A35A536D-C9E9-4036-ACC9-B934A19DE91F}" type="datetimeFigureOut">
               <a:rPr lang="en-US" smtClean="0"/>
-              <a:t>11/5/2018</a:t>
+              <a:t>11/14/2018</a:t>
             </a:fld>
             <a:endParaRPr lang="en-US"/>
           </a:p>
@@ -4727,7 +4727,7 @@
           <a:p>
             <a:fld id="{A35A536D-C9E9-4036-ACC9-B934A19DE91F}" type="datetimeFigureOut">
               <a:rPr lang="en-US" smtClean="0"/>
-              <a:t>11/5/2018</a:t>
+              <a:t>11/14/2018</a:t>
             </a:fld>
             <a:endParaRPr lang="en-US"/>
           </a:p>
@@ -4980,7 +4980,7 @@
           <a:p>
             <a:fld id="{A35A536D-C9E9-4036-ACC9-B934A19DE91F}" type="datetimeFigureOut">
               <a:rPr lang="en-US" smtClean="0"/>
-              <a:t>11/5/2018</a:t>
+              <a:t>11/14/2018</a:t>
             </a:fld>
             <a:endParaRPr lang="en-US"/>
           </a:p>
@@ -5204,7 +5204,7 @@
           <a:p>
             <a:fld id="{A35A536D-C9E9-4036-ACC9-B934A19DE91F}" type="datetimeFigureOut">
               <a:rPr lang="en-US" smtClean="0"/>
-              <a:t>11/5/2018</a:t>
+              <a:t>11/14/2018</a:t>
             </a:fld>
             <a:endParaRPr lang="en-US"/>
           </a:p>
@@ -5886,6 +5886,52 @@
             </a:r>
             <a:endParaRPr lang="en-US" dirty="0">
               <a:latin typeface="+mj-lt"/>
+            </a:endParaRPr>
+          </a:p>
+        </p:txBody>
+      </p:sp>
+      <p:sp>
+        <p:nvSpPr>
+          <p:cNvPr id="4" name="TextBox 3"/>
+          <p:cNvSpPr txBox="1"/>
+          <p:nvPr/>
+        </p:nvSpPr>
+        <p:spPr>
+          <a:xfrm>
+            <a:off x="9144000" y="6425967"/>
+            <a:ext cx="2040943" cy="338554"/>
+          </a:xfrm>
+          <a:prstGeom prst="rect">
+            <a:avLst/>
+          </a:prstGeom>
+          <a:noFill/>
+        </p:spPr>
+        <p:txBody>
+          <a:bodyPr wrap="none" rtlCol="0">
+            <a:spAutoFit/>
+          </a:bodyPr>
+          <a:lstStyle/>
+          <a:p>
+            <a:r>
+              <a:rPr lang="en-US" sz="1600" i="1" dirty="0" smtClean="0">
+                <a:latin typeface="Century" panose="02040604050505020304" pitchFamily="18" charset="0"/>
+              </a:rPr>
+              <a:t>Ha </a:t>
+            </a:r>
+            <a:r>
+              <a:rPr lang="en-US" sz="1600" i="1" dirty="0" err="1" smtClean="0">
+                <a:latin typeface="Century" panose="02040604050505020304" pitchFamily="18" charset="0"/>
+              </a:rPr>
+              <a:t>Noi</a:t>
+            </a:r>
+            <a:r>
+              <a:rPr lang="en-US" sz="1600" i="1" dirty="0" smtClean="0">
+                <a:latin typeface="Century" panose="02040604050505020304" pitchFamily="18" charset="0"/>
+              </a:rPr>
+              <a:t>, 5 Nov 2018</a:t>
+            </a:r>
+            <a:endParaRPr lang="en-US" sz="1600" i="1" dirty="0">
+              <a:latin typeface="Century" panose="02040604050505020304" pitchFamily="18" charset="0"/>
             </a:endParaRPr>
           </a:p>
         </p:txBody>
@@ -21971,7 +22017,7 @@
               <a:rPr lang="en-US" sz="1800" b="1" dirty="0" smtClean="0">
                 <a:latin typeface="+mj-lt"/>
               </a:rPr>
-              <a:t>C++ 11 syntax</a:t>
+              <a:t>New C++ 11 syntax</a:t>
             </a:r>
           </a:p>
           <a:p>
@@ -22250,7 +22296,7 @@
               <a:rPr lang="en-US" b="1" dirty="0" smtClean="0">
                 <a:latin typeface="+mj-lt"/>
               </a:rPr>
-              <a:t>C</a:t>
+              <a:t>New C++11 feature</a:t>
             </a:r>
             <a:endParaRPr lang="en-US" b="1" dirty="0">
               <a:latin typeface="+mj-lt"/>
@@ -22268,17 +22314,8 @@
               <a:rPr lang="en-US" b="1" dirty="0">
                 <a:latin typeface="+mj-lt"/>
               </a:rPr>
-              <a:t>Threading </a:t>
-            </a:r>
-            <a:r>
-              <a:rPr lang="en-US" b="1" dirty="0">
-                <a:latin typeface="+mj-lt"/>
-              </a:rPr>
-              <a:t>Library++11 Standard Library</a:t>
-            </a:r>
-            <a:endParaRPr lang="en-US" b="1" dirty="0">
-              <a:latin typeface="+mj-lt"/>
-            </a:endParaRPr>
+              <a:t>Threading Library++11 Standard Library</a:t>
+            </a:r>
           </a:p>
           <a:p>
             <a:pPr marL="742950" lvl="1" indent="-285750">
@@ -22676,7 +22713,7 @@
           <p:nvPr>
             <p:extLst>
               <p:ext uri="{D42A27DB-BD31-4B8C-83A1-F6EECF244321}">
-                <p14:modId xmlns:p14="http://schemas.microsoft.com/office/powerpoint/2010/main" val="1805697003"/>
+                <p14:modId xmlns:p14="http://schemas.microsoft.com/office/powerpoint/2010/main" val="3462422661"/>
               </p:ext>
             </p:extLst>
           </p:nvPr>
@@ -23199,7 +23236,73 @@
                           <a:ea typeface="+mn-ea"/>
                           <a:cs typeface="Courier New" panose="02070309020205020404" pitchFamily="49" charset="0"/>
                         </a:rPr>
-                        <a:t>, U u) { return t + u; }</a:t>
+                        <a:t>, U u</a:t>
+                      </a:r>
+                      <a:r>
+                        <a:rPr lang="en-US" sz="1800" kern="1200" dirty="0" smtClean="0">
+                          <a:solidFill>
+                            <a:schemeClr val="dk1"/>
+                          </a:solidFill>
+                          <a:latin typeface="Courier New" panose="02070309020205020404" pitchFamily="49" charset="0"/>
+                          <a:ea typeface="+mn-ea"/>
+                          <a:cs typeface="Courier New" panose="02070309020205020404" pitchFamily="49" charset="0"/>
+                        </a:rPr>
+                        <a:t>)-&gt;</a:t>
+                      </a:r>
+                      <a:r>
+                        <a:rPr lang="en-US" sz="1800" kern="1200" baseline="0" dirty="0" smtClean="0">
+                          <a:solidFill>
+                            <a:schemeClr val="dk1"/>
+                          </a:solidFill>
+                          <a:latin typeface="Courier New" panose="02070309020205020404" pitchFamily="49" charset="0"/>
+                          <a:ea typeface="+mn-ea"/>
+                          <a:cs typeface="Courier New" panose="02070309020205020404" pitchFamily="49" charset="0"/>
+                        </a:rPr>
+                        <a:t> </a:t>
+                      </a:r>
+                      <a:r>
+                        <a:rPr lang="en-US" sz="1800" kern="1200" baseline="0" dirty="0" err="1" smtClean="0">
+                          <a:solidFill>
+                            <a:schemeClr val="dk1"/>
+                          </a:solidFill>
+                          <a:latin typeface="Courier New" panose="02070309020205020404" pitchFamily="49" charset="0"/>
+                          <a:ea typeface="+mn-ea"/>
+                          <a:cs typeface="Courier New" panose="02070309020205020404" pitchFamily="49" charset="0"/>
+                        </a:rPr>
+                        <a:t>decltype</a:t>
+                      </a:r>
+                      <a:r>
+                        <a:rPr lang="en-US" sz="1800" kern="1200" baseline="0" dirty="0" smtClean="0">
+                          <a:solidFill>
+                            <a:schemeClr val="dk1"/>
+                          </a:solidFill>
+                          <a:latin typeface="Courier New" panose="02070309020205020404" pitchFamily="49" charset="0"/>
+                          <a:ea typeface="+mn-ea"/>
+                          <a:cs typeface="Courier New" panose="02070309020205020404" pitchFamily="49" charset="0"/>
+                        </a:rPr>
+                        <a:t>(t + u)</a:t>
+                      </a:r>
+                      <a:r>
+                        <a:rPr lang="en-US" sz="1800" kern="1200" dirty="0" smtClean="0">
+                          <a:solidFill>
+                            <a:schemeClr val="dk1"/>
+                          </a:solidFill>
+                          <a:latin typeface="Courier New" panose="02070309020205020404" pitchFamily="49" charset="0"/>
+                          <a:ea typeface="+mn-ea"/>
+                          <a:cs typeface="Courier New" panose="02070309020205020404" pitchFamily="49" charset="0"/>
+                        </a:rPr>
+                        <a:t> </a:t>
+                      </a:r>
+                      <a:r>
+                        <a:rPr lang="en-US" sz="1800" kern="1200" dirty="0" smtClean="0">
+                          <a:solidFill>
+                            <a:schemeClr val="dk1"/>
+                          </a:solidFill>
+                          <a:latin typeface="Courier New" panose="02070309020205020404" pitchFamily="49" charset="0"/>
+                          <a:ea typeface="+mn-ea"/>
+                          <a:cs typeface="Courier New" panose="02070309020205020404" pitchFamily="49" charset="0"/>
+                        </a:rPr>
+                        <a:t>{ return t + u; }</a:t>
                       </a:r>
                     </a:p>
                     <a:p>

--- a/Training/LG_Training_C++11.pptx
+++ b/Training/LG_Training_C++11.pptx
@@ -5,7 +5,7 @@
     <p:sldMasterId id="2147483648" r:id="rId1"/>
   </p:sldMasterIdLst>
   <p:notesMasterIdLst>
-    <p:notesMasterId r:id="rId50"/>
+    <p:notesMasterId r:id="rId51"/>
   </p:notesMasterIdLst>
   <p:sldIdLst>
     <p:sldId id="256" r:id="rId2"/>
@@ -47,15 +47,16 @@
     <p:sldId id="291" r:id="rId38"/>
     <p:sldId id="293" r:id="rId39"/>
     <p:sldId id="294" r:id="rId40"/>
-    <p:sldId id="292" r:id="rId41"/>
-    <p:sldId id="296" r:id="rId42"/>
-    <p:sldId id="298" r:id="rId43"/>
-    <p:sldId id="303" r:id="rId44"/>
-    <p:sldId id="304" r:id="rId45"/>
-    <p:sldId id="299" r:id="rId46"/>
-    <p:sldId id="300" r:id="rId47"/>
-    <p:sldId id="301" r:id="rId48"/>
-    <p:sldId id="302" r:id="rId49"/>
+    <p:sldId id="305" r:id="rId41"/>
+    <p:sldId id="292" r:id="rId42"/>
+    <p:sldId id="296" r:id="rId43"/>
+    <p:sldId id="298" r:id="rId44"/>
+    <p:sldId id="303" r:id="rId45"/>
+    <p:sldId id="304" r:id="rId46"/>
+    <p:sldId id="299" r:id="rId47"/>
+    <p:sldId id="300" r:id="rId48"/>
+    <p:sldId id="301" r:id="rId49"/>
+    <p:sldId id="302" r:id="rId50"/>
   </p:sldIdLst>
   <p:sldSz cx="12192000" cy="6858000"/>
   <p:notesSz cx="6858000" cy="9144000"/>
@@ -258,7 +259,7 @@
           <a:p>
             <a:fld id="{8CED4065-FBD2-40E7-8D05-BB12B661EDC2}" type="datetimeFigureOut">
               <a:rPr lang="en-US" smtClean="0"/>
-              <a:t>11/14/2018</a:t>
+              <a:t>11/29/2018</a:t>
             </a:fld>
             <a:endParaRPr lang="en-US"/>
           </a:p>
@@ -2872,7 +2873,7 @@
           <a:p>
             <a:fld id="{A35A536D-C9E9-4036-ACC9-B934A19DE91F}" type="datetimeFigureOut">
               <a:rPr lang="en-US" smtClean="0"/>
-              <a:t>11/14/2018</a:t>
+              <a:t>11/29/2018</a:t>
             </a:fld>
             <a:endParaRPr lang="en-US"/>
           </a:p>
@@ -3042,7 +3043,7 @@
           <a:p>
             <a:fld id="{A35A536D-C9E9-4036-ACC9-B934A19DE91F}" type="datetimeFigureOut">
               <a:rPr lang="en-US" smtClean="0"/>
-              <a:t>11/14/2018</a:t>
+              <a:t>11/29/2018</a:t>
             </a:fld>
             <a:endParaRPr lang="en-US"/>
           </a:p>
@@ -3222,7 +3223,7 @@
           <a:p>
             <a:fld id="{A35A536D-C9E9-4036-ACC9-B934A19DE91F}" type="datetimeFigureOut">
               <a:rPr lang="en-US" smtClean="0"/>
-              <a:t>11/14/2018</a:t>
+              <a:t>11/29/2018</a:t>
             </a:fld>
             <a:endParaRPr lang="en-US"/>
           </a:p>
@@ -3392,7 +3393,7 @@
           <a:p>
             <a:fld id="{A35A536D-C9E9-4036-ACC9-B934A19DE91F}" type="datetimeFigureOut">
               <a:rPr lang="en-US" smtClean="0"/>
-              <a:t>11/14/2018</a:t>
+              <a:t>11/29/2018</a:t>
             </a:fld>
             <a:endParaRPr lang="en-US"/>
           </a:p>
@@ -3638,7 +3639,7 @@
           <a:p>
             <a:fld id="{A35A536D-C9E9-4036-ACC9-B934A19DE91F}" type="datetimeFigureOut">
               <a:rPr lang="en-US" smtClean="0"/>
-              <a:t>11/14/2018</a:t>
+              <a:t>11/29/2018</a:t>
             </a:fld>
             <a:endParaRPr lang="en-US"/>
           </a:p>
@@ -3870,7 +3871,7 @@
           <a:p>
             <a:fld id="{A35A536D-C9E9-4036-ACC9-B934A19DE91F}" type="datetimeFigureOut">
               <a:rPr lang="en-US" smtClean="0"/>
-              <a:t>11/14/2018</a:t>
+              <a:t>11/29/2018</a:t>
             </a:fld>
             <a:endParaRPr lang="en-US"/>
           </a:p>
@@ -4237,7 +4238,7 @@
           <a:p>
             <a:fld id="{A35A536D-C9E9-4036-ACC9-B934A19DE91F}" type="datetimeFigureOut">
               <a:rPr lang="en-US" smtClean="0"/>
-              <a:t>11/14/2018</a:t>
+              <a:t>11/29/2018</a:t>
             </a:fld>
             <a:endParaRPr lang="en-US"/>
           </a:p>
@@ -4355,7 +4356,7 @@
           <a:p>
             <a:fld id="{A35A536D-C9E9-4036-ACC9-B934A19DE91F}" type="datetimeFigureOut">
               <a:rPr lang="en-US" smtClean="0"/>
-              <a:t>11/14/2018</a:t>
+              <a:t>11/29/2018</a:t>
             </a:fld>
             <a:endParaRPr lang="en-US"/>
           </a:p>
@@ -4450,7 +4451,7 @@
           <a:p>
             <a:fld id="{A35A536D-C9E9-4036-ACC9-B934A19DE91F}" type="datetimeFigureOut">
               <a:rPr lang="en-US" smtClean="0"/>
-              <a:t>11/14/2018</a:t>
+              <a:t>11/29/2018</a:t>
             </a:fld>
             <a:endParaRPr lang="en-US"/>
           </a:p>
@@ -4727,7 +4728,7 @@
           <a:p>
             <a:fld id="{A35A536D-C9E9-4036-ACC9-B934A19DE91F}" type="datetimeFigureOut">
               <a:rPr lang="en-US" smtClean="0"/>
-              <a:t>11/14/2018</a:t>
+              <a:t>11/29/2018</a:t>
             </a:fld>
             <a:endParaRPr lang="en-US"/>
           </a:p>
@@ -4980,7 +4981,7 @@
           <a:p>
             <a:fld id="{A35A536D-C9E9-4036-ACC9-B934A19DE91F}" type="datetimeFigureOut">
               <a:rPr lang="en-US" smtClean="0"/>
-              <a:t>11/14/2018</a:t>
+              <a:t>11/29/2018</a:t>
             </a:fld>
             <a:endParaRPr lang="en-US"/>
           </a:p>
@@ -5204,7 +5205,7 @@
           <a:p>
             <a:fld id="{A35A536D-C9E9-4036-ACC9-B934A19DE91F}" type="datetimeFigureOut">
               <a:rPr lang="en-US" smtClean="0"/>
-              <a:t>11/14/2018</a:t>
+              <a:t>11/29/2018</a:t>
             </a:fld>
             <a:endParaRPr lang="en-US"/>
           </a:p>
@@ -13504,13 +13505,13 @@
           <p:nvPr>
             <p:extLst>
               <p:ext uri="{D42A27DB-BD31-4B8C-83A1-F6EECF244321}">
-                <p14:modId xmlns:p14="http://schemas.microsoft.com/office/powerpoint/2010/main" val="1150128196"/>
+                <p14:modId xmlns:p14="http://schemas.microsoft.com/office/powerpoint/2010/main" val="2516088914"/>
               </p:ext>
             </p:extLst>
           </p:nvPr>
         </p:nvGraphicFramePr>
         <p:xfrm>
-          <a:off x="1547258" y="2350774"/>
+          <a:off x="1150076" y="4255075"/>
           <a:ext cx="3795923" cy="1828800"/>
         </p:xfrm>
         <a:graphic>
@@ -13632,8 +13633,38 @@
         </p:blipFill>
         <p:spPr>
           <a:xfrm>
-            <a:off x="6912686" y="1817680"/>
+            <a:off x="7667695" y="1713851"/>
             <a:ext cx="3268478" cy="4005183"/>
+          </a:xfrm>
+          <a:prstGeom prst="rect">
+            <a:avLst/>
+          </a:prstGeom>
+        </p:spPr>
+      </p:pic>
+      <p:pic>
+        <p:nvPicPr>
+          <p:cNvPr id="6" name="Picture 5"/>
+          <p:cNvPicPr>
+            <a:picLocks noChangeAspect="1"/>
+          </p:cNvPicPr>
+          <p:nvPr/>
+        </p:nvPicPr>
+        <p:blipFill>
+          <a:blip r:embed="rId3">
+            <a:extLst>
+              <a:ext uri="{28A0092B-C50C-407E-A947-70E740481C1C}">
+                <a14:useLocalDpi xmlns:a14="http://schemas.microsoft.com/office/drawing/2010/main" val="0"/>
+              </a:ext>
+            </a:extLst>
+          </a:blip>
+          <a:stretch>
+            <a:fillRect/>
+          </a:stretch>
+        </p:blipFill>
+        <p:spPr>
+          <a:xfrm>
+            <a:off x="1150076" y="1784124"/>
+            <a:ext cx="6315956" cy="2067213"/>
           </a:xfrm>
           <a:prstGeom prst="rect">
             <a:avLst/>
@@ -14390,7 +14421,7 @@
         </p:blipFill>
         <p:spPr bwMode="auto">
           <a:xfrm>
-            <a:off x="3287203" y="1790536"/>
+            <a:off x="1013787" y="1807314"/>
             <a:ext cx="4248334" cy="2957734"/>
           </a:xfrm>
           <a:prstGeom prst="rect">
@@ -16702,6 +16733,52 @@
           </a:extLst>
         </p:spPr>
       </p:pic>
+      <p:sp>
+        <p:nvSpPr>
+          <p:cNvPr id="5" name="Rectangle 4"/>
+          <p:cNvSpPr/>
+          <p:nvPr/>
+        </p:nvSpPr>
+        <p:spPr>
+          <a:xfrm>
+            <a:off x="4546833" y="3934437"/>
+            <a:ext cx="2734811" cy="662730"/>
+          </a:xfrm>
+          <a:prstGeom prst="rect">
+            <a:avLst/>
+          </a:prstGeom>
+          <a:noFill/>
+          <a:ln>
+            <a:solidFill>
+              <a:schemeClr val="accent2"/>
+            </a:solidFill>
+          </a:ln>
+        </p:spPr>
+        <p:style>
+          <a:lnRef idx="2">
+            <a:schemeClr val="accent1">
+              <a:shade val="50000"/>
+            </a:schemeClr>
+          </a:lnRef>
+          <a:fillRef idx="1">
+            <a:schemeClr val="accent1"/>
+          </a:fillRef>
+          <a:effectRef idx="0">
+            <a:schemeClr val="accent1"/>
+          </a:effectRef>
+          <a:fontRef idx="minor">
+            <a:schemeClr val="lt1"/>
+          </a:fontRef>
+        </p:style>
+        <p:txBody>
+          <a:bodyPr rtlCol="0" anchor="ctr"/>
+          <a:lstStyle/>
+          <a:p>
+            <a:pPr algn="ctr"/>
+            <a:endParaRPr lang="en-US"/>
+          </a:p>
+        </p:txBody>
+      </p:sp>
     </p:spTree>
     <p:extLst>
       <p:ext uri="{BB962C8B-B14F-4D97-AF65-F5344CB8AC3E}">
@@ -18430,35 +18507,6 @@
       </p:sp>
       <p:pic>
         <p:nvPicPr>
-          <p:cNvPr id="5" name="Content Placeholder 4"/>
-          <p:cNvPicPr>
-            <a:picLocks noGrp="1" noChangeAspect="1"/>
-          </p:cNvPicPr>
-          <p:nvPr>
-            <p:ph idx="1"/>
-          </p:nvPr>
-        </p:nvPicPr>
-        <p:blipFill>
-          <a:blip r:embed="rId2">
-            <a:extLst>
-              <a:ext uri="{28A0092B-C50C-407E-A947-70E740481C1C}">
-                <a14:useLocalDpi xmlns:a14="http://schemas.microsoft.com/office/drawing/2010/main" val="0"/>
-              </a:ext>
-            </a:extLst>
-          </a:blip>
-          <a:stretch>
-            <a:fillRect/>
-          </a:stretch>
-        </p:blipFill>
-        <p:spPr>
-          <a:xfrm>
-            <a:off x="997903" y="1764954"/>
-            <a:ext cx="3982006" cy="4248743"/>
-          </a:xfrm>
-        </p:spPr>
-      </p:pic>
-      <p:pic>
-        <p:nvPicPr>
           <p:cNvPr id="6" name="Picture 5"/>
           <p:cNvPicPr>
             <a:picLocks noChangeAspect="1"/>
@@ -18466,7 +18514,7 @@
           <p:nvPr/>
         </p:nvPicPr>
         <p:blipFill>
-          <a:blip r:embed="rId3">
+          <a:blip r:embed="rId2">
             <a:extLst>
               <a:ext uri="{28A0092B-C50C-407E-A947-70E740481C1C}">
                 <a14:useLocalDpi xmlns:a14="http://schemas.microsoft.com/office/drawing/2010/main" val="0"/>
@@ -18489,14 +18537,14 @@
       </p:pic>
       <p:sp>
         <p:nvSpPr>
-          <p:cNvPr id="7" name="TextBox 6"/>
+          <p:cNvPr id="3" name="TextBox 2"/>
           <p:cNvSpPr txBox="1"/>
           <p:nvPr/>
         </p:nvSpPr>
         <p:spPr>
           <a:xfrm>
-            <a:off x="9405712" y="4772726"/>
-            <a:ext cx="1454244" cy="707886"/>
+            <a:off x="997903" y="1259671"/>
+            <a:ext cx="2996333" cy="461665"/>
           </a:xfrm>
           <a:prstGeom prst="rect">
             <a:avLst/>
@@ -18509,22 +18557,82 @@
           </a:bodyPr>
           <a:lstStyle/>
           <a:p>
-            <a:r>
-              <a:rPr lang="en-US" sz="4000" dirty="0" smtClean="0">
-                <a:solidFill>
-                  <a:srgbClr val="FF0000"/>
-                </a:solidFill>
-              </a:rPr>
-              <a:t>x != 0</a:t>
-            </a:r>
-            <a:endParaRPr lang="en-US" sz="4000" dirty="0">
-              <a:solidFill>
-                <a:srgbClr val="FF0000"/>
-              </a:solidFill>
-            </a:endParaRPr>
+            <a:pPr marL="342900" indent="-342900">
+              <a:buFont typeface="Arial" panose="020B0604020202020204" pitchFamily="34" charset="0"/>
+              <a:buChar char="•"/>
+            </a:pPr>
+            <a:r>
+              <a:rPr lang="en-US" sz="2400" dirty="0" smtClean="0"/>
+              <a:t>Don’t use </a:t>
+            </a:r>
+            <a:r>
+              <a:rPr lang="en-US" sz="2400" dirty="0" err="1" smtClean="0"/>
+              <a:t>automic</a:t>
+            </a:r>
+            <a:endParaRPr lang="en-US" sz="2400" dirty="0"/>
           </a:p>
         </p:txBody>
       </p:sp>
+      <p:pic>
+        <p:nvPicPr>
+          <p:cNvPr id="8" name="Picture 7"/>
+          <p:cNvPicPr>
+            <a:picLocks noChangeAspect="1"/>
+          </p:cNvPicPr>
+          <p:nvPr/>
+        </p:nvPicPr>
+        <p:blipFill>
+          <a:blip r:embed="rId3">
+            <a:extLst>
+              <a:ext uri="{28A0092B-C50C-407E-A947-70E740481C1C}">
+                <a14:useLocalDpi xmlns:a14="http://schemas.microsoft.com/office/drawing/2010/main" val="0"/>
+              </a:ext>
+            </a:extLst>
+          </a:blip>
+          <a:stretch>
+            <a:fillRect/>
+          </a:stretch>
+        </p:blipFill>
+        <p:spPr>
+          <a:xfrm>
+            <a:off x="1086804" y="1812585"/>
+            <a:ext cx="4134427" cy="3953427"/>
+          </a:xfrm>
+          <a:prstGeom prst="rect">
+            <a:avLst/>
+          </a:prstGeom>
+        </p:spPr>
+      </p:pic>
+      <p:pic>
+        <p:nvPicPr>
+          <p:cNvPr id="10" name="Picture 9"/>
+          <p:cNvPicPr>
+            <a:picLocks noChangeAspect="1"/>
+          </p:cNvPicPr>
+          <p:nvPr/>
+        </p:nvPicPr>
+        <p:blipFill>
+          <a:blip r:embed="rId4">
+            <a:extLst>
+              <a:ext uri="{28A0092B-C50C-407E-A947-70E740481C1C}">
+                <a14:useLocalDpi xmlns:a14="http://schemas.microsoft.com/office/drawing/2010/main" val="0"/>
+              </a:ext>
+            </a:extLst>
+          </a:blip>
+          <a:stretch>
+            <a:fillRect/>
+          </a:stretch>
+        </p:blipFill>
+        <p:spPr>
+          <a:xfrm>
+            <a:off x="6706476" y="5932305"/>
+            <a:ext cx="2972215" cy="790685"/>
+          </a:xfrm>
+          <a:prstGeom prst="rect">
+            <a:avLst/>
+          </a:prstGeom>
+        </p:spPr>
+      </p:pic>
     </p:spTree>
     <p:extLst>
       <p:ext uri="{BB962C8B-B14F-4D97-AF65-F5344CB8AC3E}">
@@ -20028,6 +20136,318 @@
         </p:nvSpPr>
         <p:spPr>
           <a:xfrm>
+            <a:off x="838200" y="365125"/>
+            <a:ext cx="5154976" cy="758595"/>
+          </a:xfrm>
+        </p:spPr>
+        <p:txBody>
+          <a:bodyPr/>
+          <a:lstStyle/>
+          <a:p>
+            <a:r>
+              <a:rPr lang="en-GB" sz="3600" b="1" dirty="0">
+                <a:solidFill>
+                  <a:schemeClr val="accent2"/>
+                </a:solidFill>
+                <a:cs typeface="Arial" pitchFamily="34" charset="0"/>
+              </a:rPr>
+              <a:t>T</a:t>
+            </a:r>
+            <a:r>
+              <a:rPr lang="en-GB" sz="3600" b="1" dirty="0" smtClean="0">
+                <a:solidFill>
+                  <a:schemeClr val="accent2"/>
+                </a:solidFill>
+                <a:cs typeface="Arial" pitchFamily="34" charset="0"/>
+              </a:rPr>
+              <a:t>hread </a:t>
+            </a:r>
+            <a:r>
+              <a:rPr lang="en-GB" sz="3600" b="1" dirty="0">
+                <a:solidFill>
+                  <a:schemeClr val="accent2"/>
+                </a:solidFill>
+                <a:cs typeface="Arial" pitchFamily="34" charset="0"/>
+              </a:rPr>
+              <a:t>- atomic (cont.)</a:t>
+            </a:r>
+            <a:endParaRPr lang="en-US" sz="3600" dirty="0">
+              <a:solidFill>
+                <a:schemeClr val="accent2"/>
+              </a:solidFill>
+            </a:endParaRPr>
+          </a:p>
+        </p:txBody>
+      </p:sp>
+      <p:sp>
+        <p:nvSpPr>
+          <p:cNvPr id="7" name="TextBox 6"/>
+          <p:cNvSpPr txBox="1"/>
+          <p:nvPr/>
+        </p:nvSpPr>
+        <p:spPr>
+          <a:xfrm>
+            <a:off x="9556786" y="4740921"/>
+            <a:ext cx="1311578" cy="707886"/>
+          </a:xfrm>
+          <a:prstGeom prst="rect">
+            <a:avLst/>
+          </a:prstGeom>
+          <a:noFill/>
+        </p:spPr>
+        <p:txBody>
+          <a:bodyPr wrap="none" rtlCol="0">
+            <a:spAutoFit/>
+          </a:bodyPr>
+          <a:lstStyle/>
+          <a:p>
+            <a:r>
+              <a:rPr lang="en-US" sz="4000" dirty="0" smtClean="0">
+                <a:solidFill>
+                  <a:srgbClr val="00B050"/>
+                </a:solidFill>
+              </a:rPr>
+              <a:t>x </a:t>
+            </a:r>
+            <a:r>
+              <a:rPr lang="en-US" sz="4000" dirty="0" smtClean="0">
+                <a:solidFill>
+                  <a:srgbClr val="00B050"/>
+                </a:solidFill>
+              </a:rPr>
+              <a:t>= 0</a:t>
+            </a:r>
+            <a:endParaRPr lang="en-US" sz="4000" dirty="0">
+              <a:solidFill>
+                <a:srgbClr val="00B050"/>
+              </a:solidFill>
+            </a:endParaRPr>
+          </a:p>
+        </p:txBody>
+      </p:sp>
+      <p:sp>
+        <p:nvSpPr>
+          <p:cNvPr id="3" name="TextBox 2"/>
+          <p:cNvSpPr txBox="1"/>
+          <p:nvPr/>
+        </p:nvSpPr>
+        <p:spPr>
+          <a:xfrm>
+            <a:off x="997903" y="1259671"/>
+            <a:ext cx="2242922" cy="461665"/>
+          </a:xfrm>
+          <a:prstGeom prst="rect">
+            <a:avLst/>
+          </a:prstGeom>
+          <a:noFill/>
+        </p:spPr>
+        <p:txBody>
+          <a:bodyPr wrap="none" rtlCol="0">
+            <a:spAutoFit/>
+          </a:bodyPr>
+          <a:lstStyle/>
+          <a:p>
+            <a:pPr marL="342900" indent="-342900">
+              <a:buFont typeface="Arial" panose="020B0604020202020204" pitchFamily="34" charset="0"/>
+              <a:buChar char="•"/>
+            </a:pPr>
+            <a:r>
+              <a:rPr lang="en-US" sz="2400" dirty="0" smtClean="0"/>
+              <a:t>Use </a:t>
+            </a:r>
+            <a:r>
+              <a:rPr lang="en-US" sz="2400" dirty="0" err="1" smtClean="0"/>
+              <a:t>automic</a:t>
+            </a:r>
+            <a:endParaRPr lang="en-US" sz="2400" dirty="0"/>
+          </a:p>
+        </p:txBody>
+      </p:sp>
+      <p:pic>
+        <p:nvPicPr>
+          <p:cNvPr id="4" name="Picture 3"/>
+          <p:cNvPicPr>
+            <a:picLocks noChangeAspect="1"/>
+          </p:cNvPicPr>
+          <p:nvPr/>
+        </p:nvPicPr>
+        <p:blipFill>
+          <a:blip r:embed="rId2">
+            <a:extLst>
+              <a:ext uri="{28A0092B-C50C-407E-A947-70E740481C1C}">
+                <a14:useLocalDpi xmlns:a14="http://schemas.microsoft.com/office/drawing/2010/main" val="0"/>
+              </a:ext>
+            </a:extLst>
+          </a:blip>
+          <a:stretch>
+            <a:fillRect/>
+          </a:stretch>
+        </p:blipFill>
+        <p:spPr>
+          <a:xfrm>
+            <a:off x="697301" y="1764954"/>
+            <a:ext cx="4466704" cy="4786921"/>
+          </a:xfrm>
+          <a:prstGeom prst="rect">
+            <a:avLst/>
+          </a:prstGeom>
+        </p:spPr>
+      </p:pic>
+      <p:sp>
+        <p:nvSpPr>
+          <p:cNvPr id="5" name="Rectangle 4"/>
+          <p:cNvSpPr/>
+          <p:nvPr/>
+        </p:nvSpPr>
+        <p:spPr>
+          <a:xfrm>
+            <a:off x="1225297" y="2048256"/>
+            <a:ext cx="3410712" cy="314314"/>
+          </a:xfrm>
+          <a:prstGeom prst="rect">
+            <a:avLst/>
+          </a:prstGeom>
+          <a:noFill/>
+          <a:ln w="34925">
+            <a:solidFill>
+              <a:srgbClr val="92D050"/>
+            </a:solidFill>
+          </a:ln>
+        </p:spPr>
+        <p:style>
+          <a:lnRef idx="2">
+            <a:schemeClr val="accent1">
+              <a:shade val="50000"/>
+            </a:schemeClr>
+          </a:lnRef>
+          <a:fillRef idx="1">
+            <a:schemeClr val="accent1"/>
+          </a:fillRef>
+          <a:effectRef idx="0">
+            <a:schemeClr val="accent1"/>
+          </a:effectRef>
+          <a:fontRef idx="minor">
+            <a:schemeClr val="lt1"/>
+          </a:fontRef>
+        </p:style>
+        <p:txBody>
+          <a:bodyPr rtlCol="0" anchor="ctr"/>
+          <a:lstStyle/>
+          <a:p>
+            <a:pPr algn="ctr"/>
+            <a:endParaRPr lang="en-US"/>
+          </a:p>
+        </p:txBody>
+      </p:sp>
+      <p:pic>
+        <p:nvPicPr>
+          <p:cNvPr id="11" name="Picture 10"/>
+          <p:cNvPicPr>
+            <a:picLocks noChangeAspect="1"/>
+          </p:cNvPicPr>
+          <p:nvPr/>
+        </p:nvPicPr>
+        <p:blipFill>
+          <a:blip r:embed="rId3">
+            <a:extLst>
+              <a:ext uri="{28A0092B-C50C-407E-A947-70E740481C1C}">
+                <a14:useLocalDpi xmlns:a14="http://schemas.microsoft.com/office/drawing/2010/main" val="0"/>
+              </a:ext>
+            </a:extLst>
+          </a:blip>
+          <a:stretch>
+            <a:fillRect/>
+          </a:stretch>
+        </p:blipFill>
+        <p:spPr>
+          <a:xfrm>
+            <a:off x="5300312" y="1764954"/>
+            <a:ext cx="6824632" cy="4786921"/>
+          </a:xfrm>
+          <a:prstGeom prst="rect">
+            <a:avLst/>
+          </a:prstGeom>
+        </p:spPr>
+      </p:pic>
+      <p:pic>
+        <p:nvPicPr>
+          <p:cNvPr id="14" name="Picture 13"/>
+          <p:cNvPicPr>
+            <a:picLocks noChangeAspect="1"/>
+          </p:cNvPicPr>
+          <p:nvPr/>
+        </p:nvPicPr>
+        <p:blipFill>
+          <a:blip r:embed="rId4">
+            <a:extLst>
+              <a:ext uri="{28A0092B-C50C-407E-A947-70E740481C1C}">
+                <a14:useLocalDpi xmlns:a14="http://schemas.microsoft.com/office/drawing/2010/main" val="0"/>
+              </a:ext>
+            </a:extLst>
+          </a:blip>
+          <a:stretch>
+            <a:fillRect/>
+          </a:stretch>
+        </p:blipFill>
+        <p:spPr>
+          <a:xfrm>
+            <a:off x="9124559" y="4553332"/>
+            <a:ext cx="2867425" cy="895475"/>
+          </a:xfrm>
+          <a:prstGeom prst="rect">
+            <a:avLst/>
+          </a:prstGeom>
+        </p:spPr>
+      </p:pic>
+    </p:spTree>
+    <p:extLst>
+      <p:ext uri="{BB962C8B-B14F-4D97-AF65-F5344CB8AC3E}">
+        <p14:creationId xmlns:p14="http://schemas.microsoft.com/office/powerpoint/2010/main" val="120050214"/>
+      </p:ext>
+    </p:extLst>
+  </p:cSld>
+  <p:clrMapOvr>
+    <a:masterClrMapping/>
+  </p:clrMapOvr>
+  <p:timing>
+    <p:tnLst>
+      <p:par>
+        <p:cTn id="1" dur="indefinite" restart="never" nodeType="tmRoot"/>
+      </p:par>
+    </p:tnLst>
+  </p:timing>
+</p:sld>
+</file>
+
+<file path=ppt/slides/slide41.xml><?xml version="1.0" encoding="utf-8"?>
+<p:sld xmlns:a="http://schemas.openxmlformats.org/drawingml/2006/main" xmlns:r="http://schemas.openxmlformats.org/officeDocument/2006/relationships" xmlns:p="http://schemas.openxmlformats.org/presentationml/2006/main">
+  <p:cSld>
+    <p:spTree>
+      <p:nvGrpSpPr>
+        <p:cNvPr id="1" name=""/>
+        <p:cNvGrpSpPr/>
+        <p:nvPr/>
+      </p:nvGrpSpPr>
+      <p:grpSpPr>
+        <a:xfrm>
+          <a:off x="0" y="0"/>
+          <a:ext cx="0" cy="0"/>
+          <a:chOff x="0" y="0"/>
+          <a:chExt cx="0" cy="0"/>
+        </a:xfrm>
+      </p:grpSpPr>
+      <p:sp>
+        <p:nvSpPr>
+          <p:cNvPr id="2" name="Title 1"/>
+          <p:cNvSpPr>
+            <a:spLocks noGrp="1"/>
+          </p:cNvSpPr>
+          <p:nvPr>
+            <p:ph type="title"/>
+          </p:nvPr>
+        </p:nvSpPr>
+        <p:spPr>
+          <a:xfrm>
             <a:off x="838200" y="365126"/>
             <a:ext cx="3271092" cy="692494"/>
           </a:xfrm>
@@ -20152,36 +20572,6 @@
           </a:prstGeom>
         </p:spPr>
       </p:pic>
-      <p:pic>
-        <p:nvPicPr>
-          <p:cNvPr id="6" name="Picture 5"/>
-          <p:cNvPicPr>
-            <a:picLocks noChangeAspect="1"/>
-          </p:cNvPicPr>
-          <p:nvPr/>
-        </p:nvPicPr>
-        <p:blipFill>
-          <a:blip r:embed="rId3">
-            <a:extLst>
-              <a:ext uri="{28A0092B-C50C-407E-A947-70E740481C1C}">
-                <a14:useLocalDpi xmlns:a14="http://schemas.microsoft.com/office/drawing/2010/main" val="0"/>
-              </a:ext>
-            </a:extLst>
-          </a:blip>
-          <a:stretch>
-            <a:fillRect/>
-          </a:stretch>
-        </p:blipFill>
-        <p:spPr>
-          <a:xfrm>
-            <a:off x="6641162" y="2193125"/>
-            <a:ext cx="4153480" cy="4001058"/>
-          </a:xfrm>
-          <a:prstGeom prst="rect">
-            <a:avLst/>
-          </a:prstGeom>
-        </p:spPr>
-      </p:pic>
       <p:sp>
         <p:nvSpPr>
           <p:cNvPr id="7" name="TextBox 6"/>
@@ -20220,6 +20610,66 @@
           </a:p>
         </p:txBody>
       </p:sp>
+      <p:pic>
+        <p:nvPicPr>
+          <p:cNvPr id="4" name="Picture 3"/>
+          <p:cNvPicPr>
+            <a:picLocks noChangeAspect="1"/>
+          </p:cNvPicPr>
+          <p:nvPr/>
+        </p:nvPicPr>
+        <p:blipFill>
+          <a:blip r:embed="rId3">
+            <a:extLst>
+              <a:ext uri="{28A0092B-C50C-407E-A947-70E740481C1C}">
+                <a14:useLocalDpi xmlns:a14="http://schemas.microsoft.com/office/drawing/2010/main" val="0"/>
+              </a:ext>
+            </a:extLst>
+          </a:blip>
+          <a:stretch>
+            <a:fillRect/>
+          </a:stretch>
+        </p:blipFill>
+        <p:spPr>
+          <a:xfrm>
+            <a:off x="5555393" y="2193125"/>
+            <a:ext cx="6569551" cy="4417987"/>
+          </a:xfrm>
+          <a:prstGeom prst="rect">
+            <a:avLst/>
+          </a:prstGeom>
+        </p:spPr>
+      </p:pic>
+      <p:pic>
+        <p:nvPicPr>
+          <p:cNvPr id="8" name="Picture 7"/>
+          <p:cNvPicPr>
+            <a:picLocks noChangeAspect="1"/>
+          </p:cNvPicPr>
+          <p:nvPr/>
+        </p:nvPicPr>
+        <p:blipFill>
+          <a:blip r:embed="rId4">
+            <a:extLst>
+              <a:ext uri="{28A0092B-C50C-407E-A947-70E740481C1C}">
+                <a14:useLocalDpi xmlns:a14="http://schemas.microsoft.com/office/drawing/2010/main" val="0"/>
+              </a:ext>
+            </a:extLst>
+          </a:blip>
+          <a:stretch>
+            <a:fillRect/>
+          </a:stretch>
+        </p:blipFill>
+        <p:spPr>
+          <a:xfrm>
+            <a:off x="9026062" y="4724692"/>
+            <a:ext cx="2991267" cy="781159"/>
+          </a:xfrm>
+          <a:prstGeom prst="rect">
+            <a:avLst/>
+          </a:prstGeom>
+        </p:spPr>
+      </p:pic>
     </p:spTree>
     <p:extLst>
       <p:ext uri="{BB962C8B-B14F-4D97-AF65-F5344CB8AC3E}">
@@ -20240,7 +20690,7 @@
 </p:sld>
 </file>
 
-<file path=ppt/slides/slide41.xml><?xml version="1.0" encoding="utf-8"?>
+<file path=ppt/slides/slide42.xml><?xml version="1.0" encoding="utf-8"?>
 <p:sld xmlns:a="http://schemas.openxmlformats.org/drawingml/2006/main" xmlns:r="http://schemas.openxmlformats.org/officeDocument/2006/relationships" xmlns:p="http://schemas.openxmlformats.org/presentationml/2006/main">
   <p:cSld>
     <p:spTree>
@@ -20418,7 +20868,7 @@
 </p:sld>
 </file>
 
-<file path=ppt/slides/slide42.xml><?xml version="1.0" encoding="utf-8"?>
+<file path=ppt/slides/slide43.xml><?xml version="1.0" encoding="utf-8"?>
 <p:sld xmlns:a="http://schemas.openxmlformats.org/drawingml/2006/main" xmlns:r="http://schemas.openxmlformats.org/officeDocument/2006/relationships" xmlns:p="http://schemas.openxmlformats.org/presentationml/2006/main">
   <p:cSld>
     <p:spTree>
@@ -20517,7 +20967,7 @@
 </p:sld>
 </file>
 
-<file path=ppt/slides/slide43.xml><?xml version="1.0" encoding="utf-8"?>
+<file path=ppt/slides/slide44.xml><?xml version="1.0" encoding="utf-8"?>
 <p:sld xmlns:a="http://schemas.openxmlformats.org/drawingml/2006/main" xmlns:r="http://schemas.openxmlformats.org/officeDocument/2006/relationships" xmlns:p="http://schemas.openxmlformats.org/presentationml/2006/main">
   <p:cSld>
     <p:spTree>
@@ -20859,7 +21309,7 @@
 </p:sld>
 </file>
 
-<file path=ppt/slides/slide44.xml><?xml version="1.0" encoding="utf-8"?>
+<file path=ppt/slides/slide45.xml><?xml version="1.0" encoding="utf-8"?>
 <p:sld xmlns:a="http://schemas.openxmlformats.org/drawingml/2006/main" xmlns:r="http://schemas.openxmlformats.org/officeDocument/2006/relationships" xmlns:p="http://schemas.openxmlformats.org/presentationml/2006/main">
   <p:cSld>
     <p:spTree>
@@ -21388,7 +21838,7 @@
 </p:sld>
 </file>
 
-<file path=ppt/slides/slide45.xml><?xml version="1.0" encoding="utf-8"?>
+<file path=ppt/slides/slide46.xml><?xml version="1.0" encoding="utf-8"?>
 <p:sld xmlns:a="http://schemas.openxmlformats.org/drawingml/2006/main" xmlns:r="http://schemas.openxmlformats.org/officeDocument/2006/relationships" xmlns:p="http://schemas.openxmlformats.org/presentationml/2006/main">
   <p:cSld>
     <p:spTree>
@@ -21554,7 +22004,7 @@
 </p:sld>
 </file>
 
-<file path=ppt/slides/slide46.xml><?xml version="1.0" encoding="utf-8"?>
+<file path=ppt/slides/slide47.xml><?xml version="1.0" encoding="utf-8"?>
 <p:sld xmlns:a="http://schemas.openxmlformats.org/drawingml/2006/main" xmlns:r="http://schemas.openxmlformats.org/officeDocument/2006/relationships" xmlns:p="http://schemas.openxmlformats.org/presentationml/2006/main">
   <p:cSld>
     <p:spTree>
@@ -21679,7 +22129,7 @@
 </p:sld>
 </file>
 
-<file path=ppt/slides/slide47.xml><?xml version="1.0" encoding="utf-8"?>
+<file path=ppt/slides/slide48.xml><?xml version="1.0" encoding="utf-8"?>
 <p:sld xmlns:a="http://schemas.openxmlformats.org/drawingml/2006/main" xmlns:r="http://schemas.openxmlformats.org/officeDocument/2006/relationships" xmlns:p="http://schemas.openxmlformats.org/presentationml/2006/main">
   <p:cSld>
     <p:spTree>
@@ -21864,7 +22314,7 @@
 </p:sld>
 </file>
 
-<file path=ppt/slides/slide48.xml><?xml version="1.0" encoding="utf-8"?>
+<file path=ppt/slides/slide49.xml><?xml version="1.0" encoding="utf-8"?>
 <p:sld xmlns:a="http://schemas.openxmlformats.org/drawingml/2006/main" xmlns:r="http://schemas.openxmlformats.org/officeDocument/2006/relationships" xmlns:p="http://schemas.openxmlformats.org/presentationml/2006/main">
   <p:cSld>
     <p:spTree>
@@ -23236,18 +23686,7 @@
                           <a:ea typeface="+mn-ea"/>
                           <a:cs typeface="Courier New" panose="02070309020205020404" pitchFamily="49" charset="0"/>
                         </a:rPr>
-                        <a:t>, U u</a:t>
-                      </a:r>
-                      <a:r>
-                        <a:rPr lang="en-US" sz="1800" kern="1200" dirty="0" smtClean="0">
-                          <a:solidFill>
-                            <a:schemeClr val="dk1"/>
-                          </a:solidFill>
-                          <a:latin typeface="Courier New" panose="02070309020205020404" pitchFamily="49" charset="0"/>
-                          <a:ea typeface="+mn-ea"/>
-                          <a:cs typeface="Courier New" panose="02070309020205020404" pitchFamily="49" charset="0"/>
-                        </a:rPr>
-                        <a:t>)-&gt;</a:t>
+                        <a:t>, U u)-&gt;</a:t>
                       </a:r>
                       <a:r>
                         <a:rPr lang="en-US" sz="1800" kern="1200" baseline="0" dirty="0" smtClean="0">
@@ -23291,18 +23730,7 @@
                           <a:ea typeface="+mn-ea"/>
                           <a:cs typeface="Courier New" panose="02070309020205020404" pitchFamily="49" charset="0"/>
                         </a:rPr>
-                        <a:t> </a:t>
-                      </a:r>
-                      <a:r>
-                        <a:rPr lang="en-US" sz="1800" kern="1200" dirty="0" smtClean="0">
-                          <a:solidFill>
-                            <a:schemeClr val="dk1"/>
-                          </a:solidFill>
-                          <a:latin typeface="Courier New" panose="02070309020205020404" pitchFamily="49" charset="0"/>
-                          <a:ea typeface="+mn-ea"/>
-                          <a:cs typeface="Courier New" panose="02070309020205020404" pitchFamily="49" charset="0"/>
-                        </a:rPr>
-                        <a:t>{ return t + u; }</a:t>
+                        <a:t> { return t + u; }</a:t>
                       </a:r>
                     </a:p>
                     <a:p>

--- a/Training/LG_Training_C++11.pptx
+++ b/Training/LG_Training_C++11.pptx
@@ -5,7 +5,7 @@
     <p:sldMasterId id="2147483648" r:id="rId1"/>
   </p:sldMasterIdLst>
   <p:notesMasterIdLst>
-    <p:notesMasterId r:id="rId51"/>
+    <p:notesMasterId r:id="rId52"/>
   </p:notesMasterIdLst>
   <p:sldIdLst>
     <p:sldId id="256" r:id="rId2"/>
@@ -38,25 +38,26 @@
     <p:sldId id="282" r:id="rId29"/>
     <p:sldId id="283" r:id="rId30"/>
     <p:sldId id="284" r:id="rId31"/>
-    <p:sldId id="285" r:id="rId32"/>
-    <p:sldId id="286" r:id="rId33"/>
-    <p:sldId id="287" r:id="rId34"/>
-    <p:sldId id="288" r:id="rId35"/>
-    <p:sldId id="289" r:id="rId36"/>
-    <p:sldId id="290" r:id="rId37"/>
-    <p:sldId id="291" r:id="rId38"/>
-    <p:sldId id="293" r:id="rId39"/>
-    <p:sldId id="294" r:id="rId40"/>
-    <p:sldId id="305" r:id="rId41"/>
-    <p:sldId id="292" r:id="rId42"/>
-    <p:sldId id="296" r:id="rId43"/>
-    <p:sldId id="298" r:id="rId44"/>
-    <p:sldId id="303" r:id="rId45"/>
-    <p:sldId id="304" r:id="rId46"/>
-    <p:sldId id="299" r:id="rId47"/>
-    <p:sldId id="300" r:id="rId48"/>
-    <p:sldId id="301" r:id="rId49"/>
-    <p:sldId id="302" r:id="rId50"/>
+    <p:sldId id="306" r:id="rId32"/>
+    <p:sldId id="285" r:id="rId33"/>
+    <p:sldId id="286" r:id="rId34"/>
+    <p:sldId id="287" r:id="rId35"/>
+    <p:sldId id="288" r:id="rId36"/>
+    <p:sldId id="289" r:id="rId37"/>
+    <p:sldId id="290" r:id="rId38"/>
+    <p:sldId id="291" r:id="rId39"/>
+    <p:sldId id="293" r:id="rId40"/>
+    <p:sldId id="294" r:id="rId41"/>
+    <p:sldId id="305" r:id="rId42"/>
+    <p:sldId id="292" r:id="rId43"/>
+    <p:sldId id="296" r:id="rId44"/>
+    <p:sldId id="298" r:id="rId45"/>
+    <p:sldId id="303" r:id="rId46"/>
+    <p:sldId id="304" r:id="rId47"/>
+    <p:sldId id="299" r:id="rId48"/>
+    <p:sldId id="300" r:id="rId49"/>
+    <p:sldId id="301" r:id="rId50"/>
+    <p:sldId id="302" r:id="rId51"/>
   </p:sldIdLst>
   <p:sldSz cx="12192000" cy="6858000"/>
   <p:notesSz cx="6858000" cy="9144000"/>
@@ -157,7 +158,7 @@
   </p:defaultTextStyle>
   <p:extLst>
     <p:ext uri="{EFAFB233-063F-42B5-8137-9DF3F51BA10A}">
-      <p15:sldGuideLst xmlns:p15="http://schemas.microsoft.com/office/powerpoint/2012/main">
+      <p15:sldGuideLst xmlns:p15="http://schemas.microsoft.com/office/powerpoint/2012/main" xmlns="">
         <p15:guide id="1" orient="horz" pos="2160">
           <p15:clr>
             <a:srgbClr val="A4A3A4"/>
@@ -171,7 +172,7 @@
       </p15:sldGuideLst>
     </p:ext>
     <p:ext uri="{2D200454-40CA-4A62-9FC3-DE9A4176ACB9}">
-      <p15:notesGuideLst xmlns:p15="http://schemas.microsoft.com/office/powerpoint/2012/main"/>
+      <p15:notesGuideLst xmlns:p15="http://schemas.microsoft.com/office/powerpoint/2012/main" xmlns=""/>
     </p:ext>
   </p:extLst>
 </p:presentation>
@@ -611,6 +612,174 @@
 </p:notes>
 </file>
 
+<file path=ppt/notesSlides/notesSlide10.xml><?xml version="1.0" encoding="utf-8"?>
+<p:notes xmlns:a="http://schemas.openxmlformats.org/drawingml/2006/main" xmlns:r="http://schemas.openxmlformats.org/officeDocument/2006/relationships" xmlns:p="http://schemas.openxmlformats.org/presentationml/2006/main">
+  <p:cSld>
+    <p:spTree>
+      <p:nvGrpSpPr>
+        <p:cNvPr id="1" name=""/>
+        <p:cNvGrpSpPr/>
+        <p:nvPr/>
+      </p:nvGrpSpPr>
+      <p:grpSpPr>
+        <a:xfrm>
+          <a:off x="0" y="0"/>
+          <a:ext cx="0" cy="0"/>
+          <a:chOff x="0" y="0"/>
+          <a:chExt cx="0" cy="0"/>
+        </a:xfrm>
+      </p:grpSpPr>
+      <p:sp>
+        <p:nvSpPr>
+          <p:cNvPr id="2" name="Slide Image Placeholder 1"/>
+          <p:cNvSpPr>
+            <a:spLocks noGrp="1" noRot="1" noChangeAspect="1"/>
+          </p:cNvSpPr>
+          <p:nvPr>
+            <p:ph type="sldImg"/>
+          </p:nvPr>
+        </p:nvSpPr>
+        <p:spPr/>
+      </p:sp>
+      <p:sp>
+        <p:nvSpPr>
+          <p:cNvPr id="3" name="Notes Placeholder 2"/>
+          <p:cNvSpPr>
+            <a:spLocks noGrp="1"/>
+          </p:cNvSpPr>
+          <p:nvPr>
+            <p:ph type="body" idx="1"/>
+          </p:nvPr>
+        </p:nvSpPr>
+        <p:spPr/>
+        <p:txBody>
+          <a:bodyPr/>
+          <a:lstStyle/>
+          <a:p>
+            <a:endParaRPr lang="en-US" dirty="0"/>
+          </a:p>
+        </p:txBody>
+      </p:sp>
+      <p:sp>
+        <p:nvSpPr>
+          <p:cNvPr id="4" name="Slide Number Placeholder 3"/>
+          <p:cNvSpPr>
+            <a:spLocks noGrp="1"/>
+          </p:cNvSpPr>
+          <p:nvPr>
+            <p:ph type="sldNum" sz="quarter" idx="10"/>
+          </p:nvPr>
+        </p:nvSpPr>
+        <p:spPr/>
+        <p:txBody>
+          <a:bodyPr/>
+          <a:lstStyle/>
+          <a:p>
+            <a:fld id="{B975D894-16AA-4E7C-A7F7-7CE1446AB52E}" type="slidenum">
+              <a:rPr lang="en-US" smtClean="0"/>
+              <a:t>30</a:t>
+            </a:fld>
+            <a:endParaRPr lang="en-US"/>
+          </a:p>
+        </p:txBody>
+      </p:sp>
+    </p:spTree>
+    <p:extLst>
+      <p:ext uri="{BB962C8B-B14F-4D97-AF65-F5344CB8AC3E}">
+        <p14:creationId xmlns:p14="http://schemas.microsoft.com/office/powerpoint/2010/main" val="2291101302"/>
+      </p:ext>
+    </p:extLst>
+  </p:cSld>
+  <p:clrMapOvr>
+    <a:masterClrMapping/>
+  </p:clrMapOvr>
+</p:notes>
+</file>
+
+<file path=ppt/notesSlides/notesSlide11.xml><?xml version="1.0" encoding="utf-8"?>
+<p:notes xmlns:a="http://schemas.openxmlformats.org/drawingml/2006/main" xmlns:r="http://schemas.openxmlformats.org/officeDocument/2006/relationships" xmlns:p="http://schemas.openxmlformats.org/presentationml/2006/main">
+  <p:cSld>
+    <p:spTree>
+      <p:nvGrpSpPr>
+        <p:cNvPr id="1" name=""/>
+        <p:cNvGrpSpPr/>
+        <p:nvPr/>
+      </p:nvGrpSpPr>
+      <p:grpSpPr>
+        <a:xfrm>
+          <a:off x="0" y="0"/>
+          <a:ext cx="0" cy="0"/>
+          <a:chOff x="0" y="0"/>
+          <a:chExt cx="0" cy="0"/>
+        </a:xfrm>
+      </p:grpSpPr>
+      <p:sp>
+        <p:nvSpPr>
+          <p:cNvPr id="2" name="Slide Image Placeholder 1"/>
+          <p:cNvSpPr>
+            <a:spLocks noGrp="1" noRot="1" noChangeAspect="1"/>
+          </p:cNvSpPr>
+          <p:nvPr>
+            <p:ph type="sldImg"/>
+          </p:nvPr>
+        </p:nvSpPr>
+        <p:spPr/>
+      </p:sp>
+      <p:sp>
+        <p:nvSpPr>
+          <p:cNvPr id="3" name="Notes Placeholder 2"/>
+          <p:cNvSpPr>
+            <a:spLocks noGrp="1"/>
+          </p:cNvSpPr>
+          <p:nvPr>
+            <p:ph type="body" idx="1"/>
+          </p:nvPr>
+        </p:nvSpPr>
+        <p:spPr/>
+        <p:txBody>
+          <a:bodyPr/>
+          <a:lstStyle/>
+          <a:p>
+            <a:endParaRPr lang="en-US" dirty="0"/>
+          </a:p>
+        </p:txBody>
+      </p:sp>
+      <p:sp>
+        <p:nvSpPr>
+          <p:cNvPr id="4" name="Slide Number Placeholder 3"/>
+          <p:cNvSpPr>
+            <a:spLocks noGrp="1"/>
+          </p:cNvSpPr>
+          <p:nvPr>
+            <p:ph type="sldNum" sz="quarter" idx="10"/>
+          </p:nvPr>
+        </p:nvSpPr>
+        <p:spPr/>
+        <p:txBody>
+          <a:bodyPr/>
+          <a:lstStyle/>
+          <a:p>
+            <a:fld id="{B975D894-16AA-4E7C-A7F7-7CE1446AB52E}" type="slidenum">
+              <a:rPr lang="en-US" smtClean="0"/>
+              <a:t>31</a:t>
+            </a:fld>
+            <a:endParaRPr lang="en-US"/>
+          </a:p>
+        </p:txBody>
+      </p:sp>
+    </p:spTree>
+    <p:extLst>
+      <p:ext uri="{BB962C8B-B14F-4D97-AF65-F5344CB8AC3E}">
+        <p14:creationId xmlns:p14="http://schemas.microsoft.com/office/powerpoint/2010/main" val="2291101302"/>
+      </p:ext>
+    </p:extLst>
+  </p:cSld>
+  <p:clrMapOvr>
+    <a:masterClrMapping/>
+  </p:clrMapOvr>
+</p:notes>
+</file>
+
 <file path=ppt/notesSlides/notesSlide2.xml><?xml version="1.0" encoding="utf-8"?>
 <p:notes xmlns:a="http://schemas.openxmlformats.org/drawingml/2006/main" xmlns:r="http://schemas.openxmlformats.org/officeDocument/2006/relationships" xmlns:p="http://schemas.openxmlformats.org/presentationml/2006/main">
   <p:cSld>
@@ -2717,6 +2886,198 @@
     <p:extLst>
       <p:ext uri="{BB962C8B-B14F-4D97-AF65-F5344CB8AC3E}">
         <p14:creationId xmlns:p14="http://schemas.microsoft.com/office/powerpoint/2010/main" val="1611538053"/>
+      </p:ext>
+    </p:extLst>
+  </p:cSld>
+  <p:clrMapOvr>
+    <a:masterClrMapping/>
+  </p:clrMapOvr>
+</p:notes>
+</file>
+
+<file path=ppt/notesSlides/notesSlide9.xml><?xml version="1.0" encoding="utf-8"?>
+<p:notes xmlns:a="http://schemas.openxmlformats.org/drawingml/2006/main" xmlns:r="http://schemas.openxmlformats.org/officeDocument/2006/relationships" xmlns:p="http://schemas.openxmlformats.org/presentationml/2006/main">
+  <p:cSld>
+    <p:spTree>
+      <p:nvGrpSpPr>
+        <p:cNvPr id="1" name=""/>
+        <p:cNvGrpSpPr/>
+        <p:nvPr/>
+      </p:nvGrpSpPr>
+      <p:grpSpPr>
+        <a:xfrm>
+          <a:off x="0" y="0"/>
+          <a:ext cx="0" cy="0"/>
+          <a:chOff x="0" y="0"/>
+          <a:chExt cx="0" cy="0"/>
+        </a:xfrm>
+      </p:grpSpPr>
+      <p:sp>
+        <p:nvSpPr>
+          <p:cNvPr id="2" name="Slide Image Placeholder 1"/>
+          <p:cNvSpPr>
+            <a:spLocks noGrp="1" noRot="1" noChangeAspect="1"/>
+          </p:cNvSpPr>
+          <p:nvPr>
+            <p:ph type="sldImg"/>
+          </p:nvPr>
+        </p:nvSpPr>
+        <p:spPr/>
+      </p:sp>
+      <p:sp>
+        <p:nvSpPr>
+          <p:cNvPr id="3" name="Notes Placeholder 2"/>
+          <p:cNvSpPr>
+            <a:spLocks noGrp="1"/>
+          </p:cNvSpPr>
+          <p:nvPr>
+            <p:ph type="body" idx="1"/>
+          </p:nvPr>
+        </p:nvSpPr>
+        <p:spPr/>
+        <p:txBody>
+          <a:bodyPr/>
+          <a:lstStyle/>
+          <a:p>
+            <a:r>
+              <a:rPr lang="en-US" sz="1200" b="0" i="0" kern="1200" dirty="0" smtClean="0">
+                <a:solidFill>
+                  <a:schemeClr val="tx1"/>
+                </a:solidFill>
+                <a:effectLst/>
+                <a:latin typeface="+mn-lt"/>
+                <a:ea typeface="+mn-ea"/>
+                <a:cs typeface="+mn-cs"/>
+              </a:rPr>
+              <a:t>Use </a:t>
+            </a:r>
+            <a:r>
+              <a:rPr lang="en-US" sz="1200" b="0" i="0" kern="1200" dirty="0" err="1" smtClean="0">
+                <a:solidFill>
+                  <a:schemeClr val="tx1"/>
+                </a:solidFill>
+                <a:effectLst/>
+                <a:latin typeface="+mn-lt"/>
+                <a:ea typeface="+mn-ea"/>
+                <a:cs typeface="+mn-cs"/>
+              </a:rPr>
+              <a:t>unique_ptr</a:t>
+            </a:r>
+            <a:r>
+              <a:rPr lang="en-US" sz="1200" b="0" i="0" kern="1200" dirty="0" smtClean="0">
+                <a:solidFill>
+                  <a:schemeClr val="tx1"/>
+                </a:solidFill>
+                <a:effectLst/>
+                <a:latin typeface="+mn-lt"/>
+                <a:ea typeface="+mn-ea"/>
+                <a:cs typeface="+mn-cs"/>
+              </a:rPr>
+              <a:t> when if you want to have single ownership(Exclusive) of resource. Only one </a:t>
+            </a:r>
+            <a:r>
+              <a:rPr lang="en-US" sz="1200" b="0" i="0" kern="1200" dirty="0" err="1" smtClean="0">
+                <a:solidFill>
+                  <a:schemeClr val="tx1"/>
+                </a:solidFill>
+                <a:effectLst/>
+                <a:latin typeface="+mn-lt"/>
+                <a:ea typeface="+mn-ea"/>
+                <a:cs typeface="+mn-cs"/>
+              </a:rPr>
+              <a:t>unique_ptr</a:t>
+            </a:r>
+            <a:r>
+              <a:rPr lang="en-US" sz="1200" b="0" i="0" kern="1200" dirty="0" smtClean="0">
+                <a:solidFill>
+                  <a:schemeClr val="tx1"/>
+                </a:solidFill>
+                <a:effectLst/>
+                <a:latin typeface="+mn-lt"/>
+                <a:ea typeface="+mn-ea"/>
+                <a:cs typeface="+mn-cs"/>
+              </a:rPr>
+              <a:t> can point to one resource. Since there can be one </a:t>
+            </a:r>
+            <a:r>
+              <a:rPr lang="en-US" sz="1200" b="0" i="0" kern="1200" dirty="0" err="1" smtClean="0">
+                <a:solidFill>
+                  <a:schemeClr val="tx1"/>
+                </a:solidFill>
+                <a:effectLst/>
+                <a:latin typeface="+mn-lt"/>
+                <a:ea typeface="+mn-ea"/>
+                <a:cs typeface="+mn-cs"/>
+              </a:rPr>
+              <a:t>unique_ptr</a:t>
+            </a:r>
+            <a:r>
+              <a:rPr lang="en-US" sz="1200" b="0" i="0" kern="1200" dirty="0" smtClean="0">
+                <a:solidFill>
+                  <a:schemeClr val="tx1"/>
+                </a:solidFill>
+                <a:effectLst/>
+                <a:latin typeface="+mn-lt"/>
+                <a:ea typeface="+mn-ea"/>
+                <a:cs typeface="+mn-cs"/>
+              </a:rPr>
+              <a:t> for single resource its not possible to copy one </a:t>
+            </a:r>
+            <a:r>
+              <a:rPr lang="en-US" sz="1200" b="0" i="0" kern="1200" dirty="0" err="1" smtClean="0">
+                <a:solidFill>
+                  <a:schemeClr val="tx1"/>
+                </a:solidFill>
+                <a:effectLst/>
+                <a:latin typeface="+mn-lt"/>
+                <a:ea typeface="+mn-ea"/>
+                <a:cs typeface="+mn-cs"/>
+              </a:rPr>
+              <a:t>unique_ptr</a:t>
+            </a:r>
+            <a:r>
+              <a:rPr lang="en-US" sz="1200" b="0" i="0" kern="1200" dirty="0" smtClean="0">
+                <a:solidFill>
+                  <a:schemeClr val="tx1"/>
+                </a:solidFill>
+                <a:effectLst/>
+                <a:latin typeface="+mn-lt"/>
+                <a:ea typeface="+mn-ea"/>
+                <a:cs typeface="+mn-cs"/>
+              </a:rPr>
+              <a:t> to another.</a:t>
+            </a:r>
+            <a:endParaRPr lang="en-US" dirty="0"/>
+          </a:p>
+        </p:txBody>
+      </p:sp>
+      <p:sp>
+        <p:nvSpPr>
+          <p:cNvPr id="4" name="Slide Number Placeholder 3"/>
+          <p:cNvSpPr>
+            <a:spLocks noGrp="1"/>
+          </p:cNvSpPr>
+          <p:nvPr>
+            <p:ph type="sldNum" sz="quarter" idx="10"/>
+          </p:nvPr>
+        </p:nvSpPr>
+        <p:spPr/>
+        <p:txBody>
+          <a:bodyPr/>
+          <a:lstStyle/>
+          <a:p>
+            <a:fld id="{B975D894-16AA-4E7C-A7F7-7CE1446AB52E}" type="slidenum">
+              <a:rPr lang="en-US" smtClean="0"/>
+              <a:t>29</a:t>
+            </a:fld>
+            <a:endParaRPr lang="en-US"/>
+          </a:p>
+        </p:txBody>
+      </p:sp>
+    </p:spTree>
+    <p:extLst>
+      <p:ext uri="{BB962C8B-B14F-4D97-AF65-F5344CB8AC3E}">
+        <p14:creationId xmlns:p14="http://schemas.microsoft.com/office/powerpoint/2010/main" val="4124170223"/>
       </p:ext>
     </p:extLst>
   </p:cSld>
@@ -13976,6 +14337,52 @@
           </a:p>
         </p:txBody>
       </p:sp>
+      <p:sp>
+        <p:nvSpPr>
+          <p:cNvPr id="8" name="TextBox 7"/>
+          <p:cNvSpPr txBox="1"/>
+          <p:nvPr/>
+        </p:nvSpPr>
+        <p:spPr>
+          <a:xfrm>
+            <a:off x="9814326" y="4519043"/>
+            <a:ext cx="1986441" cy="369332"/>
+          </a:xfrm>
+          <a:prstGeom prst="rect">
+            <a:avLst/>
+          </a:prstGeom>
+          <a:noFill/>
+        </p:spPr>
+        <p:txBody>
+          <a:bodyPr wrap="none" rtlCol="0">
+            <a:spAutoFit/>
+          </a:bodyPr>
+          <a:lstStyle/>
+          <a:p>
+            <a:r>
+              <a:rPr lang="en-US" dirty="0" err="1" smtClean="0">
+                <a:solidFill>
+                  <a:srgbClr val="FF0000"/>
+                </a:solidFill>
+              </a:rPr>
+              <a:t>p.use_count</a:t>
+            </a:r>
+            <a:r>
+              <a:rPr lang="en-US" dirty="0" smtClean="0">
+                <a:solidFill>
+                  <a:srgbClr val="FF0000"/>
+                </a:solidFill>
+              </a:rPr>
+              <a:t>() = 3</a:t>
+            </a:r>
+            <a:endParaRPr lang="en-US" dirty="0">
+              <a:solidFill>
+                <a:srgbClr val="FF0000"/>
+              </a:solidFill>
+            </a:endParaRPr>
+          </a:p>
+        </p:txBody>
+      </p:sp>
     </p:spTree>
     <p:extLst>
       <p:ext uri="{BB962C8B-B14F-4D97-AF65-F5344CB8AC3E}">
@@ -15112,22 +15519,13 @@
             <a:endParaRPr lang="en-US" dirty="0" smtClean="0"/>
           </a:p>
           <a:p>
-            <a:r>
-              <a:rPr lang="en-US" dirty="0"/>
-              <a:t>Solution:</a:t>
-            </a:r>
-          </a:p>
-          <a:p>
             <a:endParaRPr lang="en-US" dirty="0" smtClean="0"/>
           </a:p>
           <a:p>
             <a:endParaRPr lang="en-US" dirty="0" smtClean="0"/>
           </a:p>
           <a:p>
-            <a:r>
-              <a:rPr lang="en-US" dirty="0"/>
-              <a:t>Or:</a:t>
-            </a:r>
+            <a:endParaRPr lang="en-US" dirty="0" smtClean="0"/>
           </a:p>
           <a:p>
             <a:endParaRPr lang="en-US" dirty="0"/>
@@ -15143,55 +15541,6 @@
           </a:p>
         </p:txBody>
       </p:sp>
-      <p:pic>
-        <p:nvPicPr>
-          <p:cNvPr id="4" name="Picture 4"/>
-          <p:cNvPicPr>
-            <a:picLocks noChangeAspect="1" noChangeArrowheads="1"/>
-          </p:cNvPicPr>
-          <p:nvPr/>
-        </p:nvPicPr>
-        <p:blipFill>
-          <a:blip r:embed="rId2">
-            <a:extLst>
-              <a:ext uri="{28A0092B-C50C-407E-A947-70E740481C1C}">
-                <a14:useLocalDpi xmlns:a14="http://schemas.microsoft.com/office/drawing/2010/main" val="0"/>
-              </a:ext>
-            </a:extLst>
-          </a:blip>
-          <a:srcRect/>
-          <a:stretch>
-            <a:fillRect/>
-          </a:stretch>
-        </p:blipFill>
-        <p:spPr bwMode="auto">
-          <a:xfrm>
-            <a:off x="2369630" y="1676210"/>
-            <a:ext cx="3124200" cy="933450"/>
-          </a:xfrm>
-          <a:prstGeom prst="rect">
-            <a:avLst/>
-          </a:prstGeom>
-          <a:noFill/>
-          <a:ln w="9525">
-            <a:solidFill>
-              <a:schemeClr val="accent1"/>
-            </a:solidFill>
-            <a:miter lim="800000"/>
-            <a:headEnd/>
-            <a:tailEnd/>
-          </a:ln>
-          <a:extLst>
-            <a:ext uri="{909E8E84-426E-40DD-AFC4-6F175D3DCCD1}">
-              <a14:hiddenFill xmlns:a14="http://schemas.microsoft.com/office/drawing/2010/main">
-                <a:solidFill>
-                  <a:schemeClr val="accent1"/>
-                </a:solidFill>
-              </a14:hiddenFill>
-            </a:ext>
-          </a:extLst>
-        </p:spPr>
-      </p:pic>
       <p:sp>
         <p:nvSpPr>
           <p:cNvPr id="5" name="Right Arrow 4"/>
@@ -15200,7 +15549,7 @@
         </p:nvSpPr>
         <p:spPr>
           <a:xfrm>
-            <a:off x="5871991" y="2034923"/>
+            <a:off x="9256214" y="2142934"/>
             <a:ext cx="432048" cy="216024"/>
           </a:xfrm>
           <a:prstGeom prst="rightArrow">
@@ -15240,7 +15589,7 @@
         </p:nvSpPr>
         <p:spPr>
           <a:xfrm>
-            <a:off x="7022548" y="2034923"/>
+            <a:off x="10017249" y="2073944"/>
             <a:ext cx="2018501" cy="369332"/>
           </a:xfrm>
           <a:prstGeom prst="rect">
@@ -15262,11 +15611,49 @@
           </a:p>
         </p:txBody>
       </p:sp>
+      <p:sp>
+        <p:nvSpPr>
+          <p:cNvPr id="9" name="TextBox 8"/>
+          <p:cNvSpPr txBox="1"/>
+          <p:nvPr/>
+        </p:nvSpPr>
+        <p:spPr>
+          <a:xfrm>
+            <a:off x="5810969" y="3052946"/>
+            <a:ext cx="6224781" cy="369332"/>
+          </a:xfrm>
+          <a:prstGeom prst="rect">
+            <a:avLst/>
+          </a:prstGeom>
+          <a:noFill/>
+        </p:spPr>
+        <p:txBody>
+          <a:bodyPr wrap="none" rtlCol="0">
+            <a:spAutoFit/>
+          </a:bodyPr>
+          <a:lstStyle/>
+          <a:p>
+            <a:r>
+              <a:rPr lang="en-US" dirty="0" smtClean="0">
+                <a:solidFill>
+                  <a:srgbClr val="FF0000"/>
+                </a:solidFill>
+              </a:rPr>
+              <a:t>Don’t run “return p; =&gt; nobody manage p =&gt;  leak memory”</a:t>
+            </a:r>
+            <a:endParaRPr lang="en-US" dirty="0">
+              <a:solidFill>
+                <a:srgbClr val="FF0000"/>
+              </a:solidFill>
+            </a:endParaRPr>
+          </a:p>
+        </p:txBody>
+      </p:sp>
       <p:pic>
         <p:nvPicPr>
-          <p:cNvPr id="7" name="Picture 9"/>
+          <p:cNvPr id="11" name="Picture 10"/>
           <p:cNvPicPr>
-            <a:picLocks noChangeAspect="1" noChangeArrowheads="1"/>
+            <a:picLocks noChangeAspect="1"/>
           </p:cNvPicPr>
           <p:nvPr/>
         </p:nvPicPr>
@@ -15278,44 +15665,25 @@
               </a:ext>
             </a:extLst>
           </a:blip>
-          <a:srcRect/>
           <a:stretch>
             <a:fillRect/>
           </a:stretch>
         </p:blipFill>
-        <p:spPr bwMode="auto">
+        <p:spPr>
           <a:xfrm>
-            <a:off x="2397072" y="3232777"/>
-            <a:ext cx="4933950" cy="952500"/>
+            <a:off x="826310" y="1626972"/>
+            <a:ext cx="2629267" cy="1247949"/>
           </a:xfrm>
           <a:prstGeom prst="rect">
             <a:avLst/>
           </a:prstGeom>
-          <a:noFill/>
-          <a:ln w="9525">
-            <a:solidFill>
-              <a:schemeClr val="accent1"/>
-            </a:solidFill>
-            <a:miter lim="800000"/>
-            <a:headEnd/>
-            <a:tailEnd/>
-          </a:ln>
-          <a:extLst>
-            <a:ext uri="{909E8E84-426E-40DD-AFC4-6F175D3DCCD1}">
-              <a14:hiddenFill xmlns:a14="http://schemas.microsoft.com/office/drawing/2010/main">
-                <a:solidFill>
-                  <a:schemeClr val="accent1"/>
-                </a:solidFill>
-              </a14:hiddenFill>
-            </a:ext>
-          </a:extLst>
         </p:spPr>
       </p:pic>
       <p:pic>
         <p:nvPicPr>
-          <p:cNvPr id="8" name="Picture 11"/>
+          <p:cNvPr id="14" name="Picture 13"/>
           <p:cNvPicPr>
-            <a:picLocks noChangeAspect="1" noChangeArrowheads="1"/>
+            <a:picLocks noChangeAspect="1"/>
           </p:cNvPicPr>
           <p:nvPr/>
         </p:nvPicPr>
@@ -15327,37 +15695,78 @@
               </a:ext>
             </a:extLst>
           </a:blip>
-          <a:srcRect/>
           <a:stretch>
             <a:fillRect/>
           </a:stretch>
         </p:blipFill>
-        <p:spPr bwMode="auto">
+        <p:spPr>
           <a:xfrm>
-            <a:off x="2397072" y="4427647"/>
-            <a:ext cx="4933950" cy="2333625"/>
+            <a:off x="826310" y="3422278"/>
+            <a:ext cx="3705742" cy="2324425"/>
           </a:xfrm>
           <a:prstGeom prst="rect">
             <a:avLst/>
           </a:prstGeom>
-          <a:noFill/>
-          <a:ln w="9525">
-            <a:solidFill>
-              <a:schemeClr val="accent1"/>
-            </a:solidFill>
-            <a:miter lim="800000"/>
-            <a:headEnd/>
-            <a:tailEnd/>
-          </a:ln>
-          <a:extLst>
-            <a:ext uri="{909E8E84-426E-40DD-AFC4-6F175D3DCCD1}">
-              <a14:hiddenFill xmlns:a14="http://schemas.microsoft.com/office/drawing/2010/main">
-                <a:solidFill>
-                  <a:schemeClr val="accent1"/>
-                </a:solidFill>
-              </a14:hiddenFill>
-            </a:ext>
-          </a:extLst>
+        </p:spPr>
+      </p:pic>
+      <p:pic>
+        <p:nvPicPr>
+          <p:cNvPr id="16" name="Picture 15"/>
+          <p:cNvPicPr>
+            <a:picLocks noChangeAspect="1"/>
+          </p:cNvPicPr>
+          <p:nvPr/>
+        </p:nvPicPr>
+        <p:blipFill>
+          <a:blip r:embed="rId5">
+            <a:extLst>
+              <a:ext uri="{28A0092B-C50C-407E-A947-70E740481C1C}">
+                <a14:useLocalDpi xmlns:a14="http://schemas.microsoft.com/office/drawing/2010/main" val="0"/>
+              </a:ext>
+            </a:extLst>
+          </a:blip>
+          <a:stretch>
+            <a:fillRect/>
+          </a:stretch>
+        </p:blipFill>
+        <p:spPr>
+          <a:xfrm>
+            <a:off x="5799238" y="4584490"/>
+            <a:ext cx="2181530" cy="1009791"/>
+          </a:xfrm>
+          <a:prstGeom prst="rect">
+            <a:avLst/>
+          </a:prstGeom>
+        </p:spPr>
+      </p:pic>
+      <p:pic>
+        <p:nvPicPr>
+          <p:cNvPr id="17" name="Picture 16"/>
+          <p:cNvPicPr>
+            <a:picLocks noChangeAspect="1"/>
+          </p:cNvPicPr>
+          <p:nvPr/>
+        </p:nvPicPr>
+        <p:blipFill>
+          <a:blip r:embed="rId6">
+            <a:extLst>
+              <a:ext uri="{28A0092B-C50C-407E-A947-70E740481C1C}">
+                <a14:useLocalDpi xmlns:a14="http://schemas.microsoft.com/office/drawing/2010/main" val="0"/>
+              </a:ext>
+            </a:extLst>
+          </a:blip>
+          <a:stretch>
+            <a:fillRect/>
+          </a:stretch>
+        </p:blipFill>
+        <p:spPr>
+          <a:xfrm>
+            <a:off x="5799238" y="1685478"/>
+            <a:ext cx="3181794" cy="1190791"/>
+          </a:xfrm>
+          <a:prstGeom prst="rect">
+            <a:avLst/>
+          </a:prstGeom>
         </p:spPr>
       </p:pic>
     </p:spTree>
@@ -15471,33 +15880,434 @@
                       </p:childTnLst>
                     </p:cTn>
                   </p:par>
+                </p:childTnLst>
+              </p:cTn>
+              <p:prevCondLst>
+                <p:cond evt="onPrev" delay="0">
+                  <p:tgtEl>
+                    <p:sldTgt/>
+                  </p:tgtEl>
+                </p:cond>
+              </p:prevCondLst>
+              <p:nextCondLst>
+                <p:cond evt="onNext" delay="0">
+                  <p:tgtEl>
+                    <p:sldTgt/>
+                  </p:tgtEl>
+                </p:cond>
+              </p:nextCondLst>
+            </p:seq>
+          </p:childTnLst>
+        </p:cTn>
+      </p:par>
+    </p:tnLst>
+    <p:bldLst>
+      <p:bldP spid="5" grpId="0" animBg="1"/>
+      <p:bldP spid="6" grpId="0"/>
+    </p:bldLst>
+  </p:timing>
+</p:sld>
+</file>
+
+<file path=ppt/slides/slide31.xml><?xml version="1.0" encoding="utf-8"?>
+<p:sld xmlns:a="http://schemas.openxmlformats.org/drawingml/2006/main" xmlns:r="http://schemas.openxmlformats.org/officeDocument/2006/relationships" xmlns:p="http://schemas.openxmlformats.org/presentationml/2006/main">
+  <p:cSld>
+    <p:spTree>
+      <p:nvGrpSpPr>
+        <p:cNvPr id="1" name=""/>
+        <p:cNvGrpSpPr/>
+        <p:nvPr/>
+      </p:nvGrpSpPr>
+      <p:grpSpPr>
+        <a:xfrm>
+          <a:off x="0" y="0"/>
+          <a:ext cx="0" cy="0"/>
+          <a:chOff x="0" y="0"/>
+          <a:chExt cx="0" cy="0"/>
+        </a:xfrm>
+      </p:grpSpPr>
+      <p:sp>
+        <p:nvSpPr>
+          <p:cNvPr id="2" name="Title 1"/>
+          <p:cNvSpPr>
+            <a:spLocks noGrp="1"/>
+          </p:cNvSpPr>
+          <p:nvPr>
+            <p:ph type="title"/>
+          </p:nvPr>
+        </p:nvSpPr>
+        <p:spPr>
+          <a:xfrm>
+            <a:off x="893285" y="221906"/>
+            <a:ext cx="7049877" cy="956899"/>
+          </a:xfrm>
+        </p:spPr>
+        <p:txBody>
+          <a:bodyPr>
+            <a:normAutofit/>
+          </a:bodyPr>
+          <a:lstStyle/>
+          <a:p>
+            <a:r>
+              <a:rPr lang="en-GB" sz="3600" b="1" dirty="0">
+                <a:solidFill>
+                  <a:schemeClr val="accent2"/>
+                </a:solidFill>
+                <a:cs typeface="Arial" pitchFamily="34" charset="0"/>
+              </a:rPr>
+              <a:t>Smart pointers - </a:t>
+            </a:r>
+            <a:r>
+              <a:rPr lang="en-GB" sz="3600" b="1" dirty="0" err="1">
+                <a:solidFill>
+                  <a:schemeClr val="accent2"/>
+                </a:solidFill>
+                <a:cs typeface="Arial" pitchFamily="34" charset="0"/>
+              </a:rPr>
+              <a:t>unique_ptr</a:t>
+            </a:r>
+            <a:r>
+              <a:rPr lang="en-GB" sz="3600" b="1" dirty="0">
+                <a:solidFill>
+                  <a:schemeClr val="accent2"/>
+                </a:solidFill>
+                <a:cs typeface="Arial" pitchFamily="34" charset="0"/>
+              </a:rPr>
+              <a:t> (cont.)</a:t>
+            </a:r>
+            <a:endParaRPr lang="en-US" sz="3600" dirty="0">
+              <a:solidFill>
+                <a:schemeClr val="accent2"/>
+              </a:solidFill>
+            </a:endParaRPr>
+          </a:p>
+        </p:txBody>
+      </p:sp>
+      <p:sp>
+        <p:nvSpPr>
+          <p:cNvPr id="3" name="Content Placeholder 2"/>
+          <p:cNvSpPr>
+            <a:spLocks noGrp="1"/>
+          </p:cNvSpPr>
+          <p:nvPr>
+            <p:ph idx="1"/>
+          </p:nvPr>
+        </p:nvSpPr>
+        <p:spPr>
+          <a:xfrm>
+            <a:off x="838200" y="1145754"/>
+            <a:ext cx="10515600" cy="5031209"/>
+          </a:xfrm>
+        </p:spPr>
+        <p:txBody>
+          <a:bodyPr/>
+          <a:lstStyle/>
+          <a:p>
+            <a:r>
+              <a:rPr lang="en-US" dirty="0" smtClean="0"/>
+              <a:t>Solution</a:t>
+            </a:r>
+            <a:r>
+              <a:rPr lang="en-US" dirty="0"/>
+              <a:t>:</a:t>
+            </a:r>
+          </a:p>
+          <a:p>
+            <a:endParaRPr lang="en-US" dirty="0" smtClean="0"/>
+          </a:p>
+          <a:p>
+            <a:pPr marL="0" indent="0">
+              <a:buNone/>
+            </a:pPr>
+            <a:endParaRPr lang="en-US" dirty="0" smtClean="0"/>
+          </a:p>
+          <a:p>
+            <a:r>
+              <a:rPr lang="en-US" dirty="0"/>
+              <a:t>Or:</a:t>
+            </a:r>
+          </a:p>
+          <a:p>
+            <a:endParaRPr lang="en-US" dirty="0"/>
+          </a:p>
+          <a:p>
+            <a:endParaRPr lang="en-US" dirty="0" smtClean="0"/>
+          </a:p>
+          <a:p>
+            <a:endParaRPr lang="en-US" dirty="0"/>
+          </a:p>
+          <a:p>
+            <a:endParaRPr lang="en-US" dirty="0"/>
+          </a:p>
+        </p:txBody>
+      </p:sp>
+      <p:sp>
+        <p:nvSpPr>
+          <p:cNvPr id="5" name="Right Arrow 4"/>
+          <p:cNvSpPr/>
+          <p:nvPr/>
+        </p:nvSpPr>
+        <p:spPr>
+          <a:xfrm>
+            <a:off x="6400456" y="1975409"/>
+            <a:ext cx="432048" cy="216024"/>
+          </a:xfrm>
+          <a:prstGeom prst="rightArrow">
+            <a:avLst/>
+          </a:prstGeom>
+        </p:spPr>
+        <p:style>
+          <a:lnRef idx="2">
+            <a:schemeClr val="accent1">
+              <a:shade val="50000"/>
+            </a:schemeClr>
+          </a:lnRef>
+          <a:fillRef idx="1">
+            <a:schemeClr val="accent1"/>
+          </a:fillRef>
+          <a:effectRef idx="0">
+            <a:schemeClr val="accent1"/>
+          </a:effectRef>
+          <a:fontRef idx="minor">
+            <a:schemeClr val="lt1"/>
+          </a:fontRef>
+        </p:style>
+        <p:txBody>
+          <a:bodyPr rtlCol="0" anchor="ctr"/>
+          <a:lstStyle/>
+          <a:p>
+            <a:pPr algn="ctr"/>
+            <a:endParaRPr lang="en-US"/>
+          </a:p>
+        </p:txBody>
+      </p:sp>
+      <p:pic>
+        <p:nvPicPr>
+          <p:cNvPr id="8" name="Picture 11"/>
+          <p:cNvPicPr>
+            <a:picLocks noChangeAspect="1" noChangeArrowheads="1"/>
+          </p:cNvPicPr>
+          <p:nvPr/>
+        </p:nvPicPr>
+        <p:blipFill>
+          <a:blip r:embed="rId3">
+            <a:extLst>
+              <a:ext uri="{28A0092B-C50C-407E-A947-70E740481C1C}">
+                <a14:useLocalDpi xmlns:a14="http://schemas.microsoft.com/office/drawing/2010/main" val="0"/>
+              </a:ext>
+            </a:extLst>
+          </a:blip>
+          <a:srcRect/>
+          <a:stretch>
+            <a:fillRect/>
+          </a:stretch>
+        </p:blipFill>
+        <p:spPr bwMode="auto">
+          <a:xfrm>
+            <a:off x="2118891" y="3579133"/>
+            <a:ext cx="4933950" cy="2333625"/>
+          </a:xfrm>
+          <a:prstGeom prst="rect">
+            <a:avLst/>
+          </a:prstGeom>
+          <a:noFill/>
+          <a:ln w="9525">
+            <a:solidFill>
+              <a:schemeClr val="accent1"/>
+            </a:solidFill>
+            <a:miter lim="800000"/>
+            <a:headEnd/>
+            <a:tailEnd/>
+          </a:ln>
+          <a:extLst>
+            <a:ext uri="{909E8E84-426E-40DD-AFC4-6F175D3DCCD1}">
+              <a14:hiddenFill xmlns:a14="http://schemas.microsoft.com/office/drawing/2010/main">
+                <a:solidFill>
+                  <a:schemeClr val="accent1"/>
+                </a:solidFill>
+              </a14:hiddenFill>
+            </a:ext>
+          </a:extLst>
+        </p:spPr>
+      </p:pic>
+      <p:pic>
+        <p:nvPicPr>
+          <p:cNvPr id="12" name="Picture 11"/>
+          <p:cNvPicPr>
+            <a:picLocks noChangeAspect="1"/>
+          </p:cNvPicPr>
+          <p:nvPr/>
+        </p:nvPicPr>
+        <p:blipFill>
+          <a:blip r:embed="rId4">
+            <a:extLst>
+              <a:ext uri="{28A0092B-C50C-407E-A947-70E740481C1C}">
+                <a14:useLocalDpi xmlns:a14="http://schemas.microsoft.com/office/drawing/2010/main" val="0"/>
+              </a:ext>
+            </a:extLst>
+          </a:blip>
+          <a:stretch>
+            <a:fillRect/>
+          </a:stretch>
+        </p:blipFill>
+        <p:spPr>
+          <a:xfrm>
+            <a:off x="8266201" y="1576195"/>
+            <a:ext cx="2391109" cy="1105054"/>
+          </a:xfrm>
+          <a:prstGeom prst="rect">
+            <a:avLst/>
+          </a:prstGeom>
+        </p:spPr>
+      </p:pic>
+      <p:pic>
+        <p:nvPicPr>
+          <p:cNvPr id="14" name="Picture 13"/>
+          <p:cNvPicPr>
+            <a:picLocks noChangeAspect="1"/>
+          </p:cNvPicPr>
+          <p:nvPr/>
+        </p:nvPicPr>
+        <p:blipFill>
+          <a:blip r:embed="rId5">
+            <a:extLst>
+              <a:ext uri="{28A0092B-C50C-407E-A947-70E740481C1C}">
+                <a14:useLocalDpi xmlns:a14="http://schemas.microsoft.com/office/drawing/2010/main" val="0"/>
+              </a:ext>
+            </a:extLst>
+          </a:blip>
+          <a:stretch>
+            <a:fillRect/>
+          </a:stretch>
+        </p:blipFill>
+        <p:spPr>
+          <a:xfrm>
+            <a:off x="2022418" y="1628280"/>
+            <a:ext cx="3829585" cy="1476581"/>
+          </a:xfrm>
+          <a:prstGeom prst="rect">
+            <a:avLst/>
+          </a:prstGeom>
+        </p:spPr>
+      </p:pic>
+      <p:sp>
+        <p:nvSpPr>
+          <p:cNvPr id="15" name="Right Arrow 14"/>
+          <p:cNvSpPr/>
+          <p:nvPr/>
+        </p:nvSpPr>
+        <p:spPr>
+          <a:xfrm>
+            <a:off x="7219045" y="4000677"/>
+            <a:ext cx="432048" cy="216024"/>
+          </a:xfrm>
+          <a:prstGeom prst="rightArrow">
+            <a:avLst/>
+          </a:prstGeom>
+        </p:spPr>
+        <p:style>
+          <a:lnRef idx="2">
+            <a:schemeClr val="accent1">
+              <a:shade val="50000"/>
+            </a:schemeClr>
+          </a:lnRef>
+          <a:fillRef idx="1">
+            <a:schemeClr val="accent1"/>
+          </a:fillRef>
+          <a:effectRef idx="0">
+            <a:schemeClr val="accent1"/>
+          </a:effectRef>
+          <a:fontRef idx="minor">
+            <a:schemeClr val="lt1"/>
+          </a:fontRef>
+        </p:style>
+        <p:txBody>
+          <a:bodyPr rtlCol="0" anchor="ctr"/>
+          <a:lstStyle/>
+          <a:p>
+            <a:pPr algn="ctr"/>
+            <a:endParaRPr lang="en-US"/>
+          </a:p>
+        </p:txBody>
+      </p:sp>
+      <p:pic>
+        <p:nvPicPr>
+          <p:cNvPr id="16" name="Picture 15"/>
+          <p:cNvPicPr>
+            <a:picLocks noChangeAspect="1"/>
+          </p:cNvPicPr>
+          <p:nvPr/>
+        </p:nvPicPr>
+        <p:blipFill>
+          <a:blip r:embed="rId4">
+            <a:extLst>
+              <a:ext uri="{28A0092B-C50C-407E-A947-70E740481C1C}">
+                <a14:useLocalDpi xmlns:a14="http://schemas.microsoft.com/office/drawing/2010/main" val="0"/>
+              </a:ext>
+            </a:extLst>
+          </a:blip>
+          <a:stretch>
+            <a:fillRect/>
+          </a:stretch>
+        </p:blipFill>
+        <p:spPr>
+          <a:xfrm>
+            <a:off x="8266201" y="3640891"/>
+            <a:ext cx="2391109" cy="1105054"/>
+          </a:xfrm>
+          <a:prstGeom prst="rect">
+            <a:avLst/>
+          </a:prstGeom>
+        </p:spPr>
+      </p:pic>
+    </p:spTree>
+    <p:extLst>
+      <p:ext uri="{BB962C8B-B14F-4D97-AF65-F5344CB8AC3E}">
+        <p14:creationId xmlns:p14="http://schemas.microsoft.com/office/powerpoint/2010/main" val="2456600892"/>
+      </p:ext>
+    </p:extLst>
+  </p:cSld>
+  <p:clrMapOvr>
+    <a:masterClrMapping/>
+  </p:clrMapOvr>
+  <p:timing>
+    <p:tnLst>
+      <p:par>
+        <p:cTn id="1" dur="indefinite" restart="never" nodeType="tmRoot">
+          <p:childTnLst>
+            <p:seq concurrent="1" nextAc="seek">
+              <p:cTn id="2" dur="indefinite" nodeType="mainSeq">
+                <p:childTnLst>
                   <p:par>
-                    <p:cTn id="11" fill="hold">
+                    <p:cTn id="3" fill="hold">
                       <p:stCondLst>
                         <p:cond delay="indefinite"/>
+                        <p:cond evt="onBegin" delay="0">
+                          <p:tn val="2"/>
+                        </p:cond>
                       </p:stCondLst>
                       <p:childTnLst>
                         <p:par>
-                          <p:cTn id="12" fill="hold">
+                          <p:cTn id="4" fill="hold">
                             <p:stCondLst>
                               <p:cond delay="0"/>
                             </p:stCondLst>
                             <p:childTnLst>
                               <p:par>
-                                <p:cTn id="13" presetID="1" presetClass="entr" presetSubtype="0" fill="hold" nodeType="clickEffect">
+                                <p:cTn id="5" presetID="1" presetClass="entr" presetSubtype="0" fill="hold" grpId="0" nodeType="withEffect">
                                   <p:stCondLst>
                                     <p:cond delay="0"/>
                                   </p:stCondLst>
                                   <p:childTnLst>
                                     <p:set>
                                       <p:cBhvr>
-                                        <p:cTn id="14" dur="1" fill="hold">
+                                        <p:cTn id="6" dur="1" fill="hold">
                                           <p:stCondLst>
                                             <p:cond delay="0"/>
                                           </p:stCondLst>
                                         </p:cTn>
                                         <p:tgtEl>
-                                          <p:spTgt spid="7"/>
+                                          <p:spTgt spid="5"/>
                                         </p:tgtEl>
                                         <p:attrNameLst>
                                           <p:attrName>style.visibility</p:attrName>
@@ -15511,20 +16321,47 @@
                                 </p:cTn>
                               </p:par>
                               <p:par>
-                                <p:cTn id="15" presetID="1" presetClass="entr" presetSubtype="0" fill="hold" nodeType="withEffect">
+                                <p:cTn id="7" presetID="1" presetClass="entr" presetSubtype="0" fill="hold" nodeType="withEffect">
                                   <p:stCondLst>
                                     <p:cond delay="0"/>
                                   </p:stCondLst>
                                   <p:childTnLst>
                                     <p:set>
                                       <p:cBhvr>
-                                        <p:cTn id="16" dur="1" fill="hold">
+                                        <p:cTn id="8" dur="1" fill="hold">
                                           <p:stCondLst>
                                             <p:cond delay="0"/>
                                           </p:stCondLst>
                                         </p:cTn>
                                         <p:tgtEl>
                                           <p:spTgt spid="8"/>
+                                        </p:tgtEl>
+                                        <p:attrNameLst>
+                                          <p:attrName>style.visibility</p:attrName>
+                                        </p:attrNameLst>
+                                      </p:cBhvr>
+                                      <p:to>
+                                        <p:strVal val="visible"/>
+                                      </p:to>
+                                    </p:set>
+                                  </p:childTnLst>
+                                </p:cTn>
+                              </p:par>
+                              <p:par>
+                                <p:cTn id="9" presetID="1" presetClass="entr" presetSubtype="0" fill="hold" grpId="0" nodeType="withEffect">
+                                  <p:stCondLst>
+                                    <p:cond delay="0"/>
+                                  </p:stCondLst>
+                                  <p:childTnLst>
+                                    <p:set>
+                                      <p:cBhvr>
+                                        <p:cTn id="10" dur="1" fill="hold">
+                                          <p:stCondLst>
+                                            <p:cond delay="0"/>
+                                          </p:stCondLst>
+                                        </p:cTn>
+                                        <p:tgtEl>
+                                          <p:spTgt spid="15"/>
                                         </p:tgtEl>
                                         <p:attrNameLst>
                                           <p:attrName>style.visibility</p:attrName>
@@ -15566,13 +16403,13 @@
     </p:tnLst>
     <p:bldLst>
       <p:bldP spid="5" grpId="0" animBg="1"/>
-      <p:bldP spid="6" grpId="0"/>
+      <p:bldP spid="15" grpId="0" animBg="1"/>
     </p:bldLst>
   </p:timing>
 </p:sld>
 </file>
 
-<file path=ppt/slides/slide31.xml><?xml version="1.0" encoding="utf-8"?>
+<file path=ppt/slides/slide32.xml><?xml version="1.0" encoding="utf-8"?>
 <p:sld xmlns:a="http://schemas.openxmlformats.org/drawingml/2006/main" xmlns:r="http://schemas.openxmlformats.org/officeDocument/2006/relationships" xmlns:p="http://schemas.openxmlformats.org/presentationml/2006/main">
   <p:cSld>
     <p:spTree>
@@ -15908,7 +16745,7 @@
 </p:sld>
 </file>
 
-<file path=ppt/slides/slide32.xml><?xml version="1.0" encoding="utf-8"?>
+<file path=ppt/slides/slide33.xml><?xml version="1.0" encoding="utf-8"?>
 <p:sld xmlns:a="http://schemas.openxmlformats.org/drawingml/2006/main" xmlns:r="http://schemas.openxmlformats.org/officeDocument/2006/relationships" xmlns:p="http://schemas.openxmlformats.org/presentationml/2006/main">
   <p:cSld>
     <p:spTree>
@@ -16261,7 +17098,7 @@
 </p:sld>
 </file>
 
-<file path=ppt/slides/slide33.xml><?xml version="1.0" encoding="utf-8"?>
+<file path=ppt/slides/slide34.xml><?xml version="1.0" encoding="utf-8"?>
 <p:sld xmlns:a="http://schemas.openxmlformats.org/drawingml/2006/main" xmlns:r="http://schemas.openxmlformats.org/officeDocument/2006/relationships" xmlns:p="http://schemas.openxmlformats.org/presentationml/2006/main">
   <p:cSld>
     <p:spTree>
@@ -16524,7 +17361,7 @@
 </p:sld>
 </file>
 
-<file path=ppt/slides/slide34.xml><?xml version="1.0" encoding="utf-8"?>
+<file path=ppt/slides/slide35.xml><?xml version="1.0" encoding="utf-8"?>
 <p:sld xmlns:a="http://schemas.openxmlformats.org/drawingml/2006/main" xmlns:r="http://schemas.openxmlformats.org/officeDocument/2006/relationships" xmlns:p="http://schemas.openxmlformats.org/presentationml/2006/main">
   <p:cSld>
     <p:spTree>
@@ -16867,7 +17704,7 @@
 </p:sld>
 </file>
 
-<file path=ppt/slides/slide35.xml><?xml version="1.0" encoding="utf-8"?>
+<file path=ppt/slides/slide36.xml><?xml version="1.0" encoding="utf-8"?>
 <p:sld xmlns:a="http://schemas.openxmlformats.org/drawingml/2006/main" xmlns:r="http://schemas.openxmlformats.org/officeDocument/2006/relationships" xmlns:p="http://schemas.openxmlformats.org/presentationml/2006/main">
   <p:cSld>
     <p:spTree>
@@ -17251,7 +18088,7 @@
 </p:sld>
 </file>
 
-<file path=ppt/slides/slide36.xml><?xml version="1.0" encoding="utf-8"?>
+<file path=ppt/slides/slide37.xml><?xml version="1.0" encoding="utf-8"?>
 <p:sld xmlns:a="http://schemas.openxmlformats.org/drawingml/2006/main" xmlns:r="http://schemas.openxmlformats.org/officeDocument/2006/relationships" xmlns:p="http://schemas.openxmlformats.org/presentationml/2006/main">
   <p:cSld>
     <p:spTree>
@@ -17600,7 +18437,7 @@
 </p:sld>
 </file>
 
-<file path=ppt/slides/slide37.xml><?xml version="1.0" encoding="utf-8"?>
+<file path=ppt/slides/slide38.xml><?xml version="1.0" encoding="utf-8"?>
 <p:sld xmlns:a="http://schemas.openxmlformats.org/drawingml/2006/main" xmlns:r="http://schemas.openxmlformats.org/officeDocument/2006/relationships" xmlns:p="http://schemas.openxmlformats.org/presentationml/2006/main">
   <p:cSld>
     <p:spTree>
@@ -17844,7 +18681,7 @@
 </p:sld>
 </file>
 
-<file path=ppt/slides/slide38.xml><?xml version="1.0" encoding="utf-8"?>
+<file path=ppt/slides/slide39.xml><?xml version="1.0" encoding="utf-8"?>
 <p:sld xmlns:a="http://schemas.openxmlformats.org/drawingml/2006/main" xmlns:r="http://schemas.openxmlformats.org/officeDocument/2006/relationships" xmlns:p="http://schemas.openxmlformats.org/presentationml/2006/main">
   <p:cSld>
     <p:spTree>
@@ -18433,7 +19270,1461 @@
 </p:sld>
 </file>
 
-<file path=ppt/slides/slide39.xml><?xml version="1.0" encoding="utf-8"?>
+<file path=ppt/slides/slide4.xml><?xml version="1.0" encoding="utf-8"?>
+<p:sld xmlns:a="http://schemas.openxmlformats.org/drawingml/2006/main" xmlns:r="http://schemas.openxmlformats.org/officeDocument/2006/relationships" xmlns:p="http://schemas.openxmlformats.org/presentationml/2006/main">
+  <p:cSld>
+    <p:bg>
+      <p:bgPr>
+        <a:pattFill prst="pct30">
+          <a:fgClr>
+            <a:schemeClr val="accent4">
+              <a:lumMod val="20000"/>
+              <a:lumOff val="80000"/>
+            </a:schemeClr>
+          </a:fgClr>
+          <a:bgClr>
+            <a:schemeClr val="bg1"/>
+          </a:bgClr>
+        </a:pattFill>
+        <a:effectLst/>
+      </p:bgPr>
+    </p:bg>
+    <p:spTree>
+      <p:nvGrpSpPr>
+        <p:cNvPr id="1" name=""/>
+        <p:cNvGrpSpPr/>
+        <p:nvPr/>
+      </p:nvGrpSpPr>
+      <p:grpSpPr>
+        <a:xfrm>
+          <a:off x="0" y="0"/>
+          <a:ext cx="0" cy="0"/>
+          <a:chOff x="0" y="0"/>
+          <a:chExt cx="0" cy="0"/>
+        </a:xfrm>
+      </p:grpSpPr>
+      <p:sp>
+        <p:nvSpPr>
+          <p:cNvPr id="2" name="Title 1"/>
+          <p:cNvSpPr>
+            <a:spLocks noGrp="1"/>
+          </p:cNvSpPr>
+          <p:nvPr>
+            <p:ph type="title"/>
+          </p:nvPr>
+        </p:nvSpPr>
+        <p:spPr>
+          <a:xfrm>
+            <a:off x="866929" y="1437925"/>
+            <a:ext cx="3905367" cy="510598"/>
+          </a:xfrm>
+        </p:spPr>
+        <p:txBody>
+          <a:bodyPr>
+            <a:normAutofit fontScale="90000"/>
+          </a:bodyPr>
+          <a:lstStyle/>
+          <a:p>
+            <a:pPr marL="571500" indent="-571500">
+              <a:buClr>
+                <a:schemeClr val="accent2"/>
+              </a:buClr>
+              <a:buFont typeface="Courier New" panose="02070309020205020404" pitchFamily="49" charset="0"/>
+              <a:buChar char="o"/>
+            </a:pPr>
+            <a:r>
+              <a:rPr lang="en-US" sz="3600" b="1" dirty="0" smtClean="0">
+                <a:solidFill>
+                  <a:schemeClr val="accent2"/>
+                </a:solidFill>
+              </a:rPr>
+              <a:t>New header *.h</a:t>
+            </a:r>
+            <a:endParaRPr lang="en-US" sz="3600" b="1" dirty="0">
+              <a:solidFill>
+                <a:schemeClr val="accent2"/>
+              </a:solidFill>
+            </a:endParaRPr>
+          </a:p>
+        </p:txBody>
+      </p:sp>
+      <p:sp>
+        <p:nvSpPr>
+          <p:cNvPr id="3" name="Content Placeholder 2"/>
+          <p:cNvSpPr>
+            <a:spLocks noGrp="1"/>
+          </p:cNvSpPr>
+          <p:nvPr>
+            <p:ph idx="1"/>
+          </p:nvPr>
+        </p:nvSpPr>
+        <p:spPr>
+          <a:xfrm>
+            <a:off x="852548" y="2253112"/>
+            <a:ext cx="1860933" cy="4351338"/>
+          </a:xfrm>
+        </p:spPr>
+        <p:txBody>
+          <a:bodyPr/>
+          <a:lstStyle/>
+          <a:p>
+            <a:r>
+              <a:rPr lang="en-US" dirty="0" smtClean="0"/>
+              <a:t>C library</a:t>
+            </a:r>
+          </a:p>
+          <a:p>
+            <a:r>
+              <a:rPr lang="en-US" sz="1800" dirty="0" smtClean="0">
+                <a:hlinkClick r:id="rId3"/>
+              </a:rPr>
+              <a:t>&lt;</a:t>
+            </a:r>
+            <a:r>
+              <a:rPr lang="en-US" sz="1800" dirty="0" err="1" smtClean="0">
+                <a:hlinkClick r:id="rId3"/>
+              </a:rPr>
+              <a:t>cstdbool</a:t>
+            </a:r>
+            <a:r>
+              <a:rPr lang="en-US" sz="1800" dirty="0" smtClean="0">
+                <a:hlinkClick r:id="rId3"/>
+              </a:rPr>
+              <a:t>&gt;</a:t>
+            </a:r>
+            <a:endParaRPr lang="en-US" sz="1800" dirty="0" smtClean="0"/>
+          </a:p>
+          <a:p>
+            <a:r>
+              <a:rPr lang="en-US" sz="1800" dirty="0" smtClean="0">
+                <a:hlinkClick r:id="rId4"/>
+              </a:rPr>
+              <a:t>&lt;</a:t>
+            </a:r>
+            <a:r>
+              <a:rPr lang="en-US" sz="1800" dirty="0" err="1" smtClean="0">
+                <a:hlinkClick r:id="rId4"/>
+              </a:rPr>
+              <a:t>cuchar</a:t>
+            </a:r>
+            <a:r>
+              <a:rPr lang="en-US" sz="1800" dirty="0" smtClean="0">
+                <a:hlinkClick r:id="rId4"/>
+              </a:rPr>
+              <a:t>&gt;</a:t>
+            </a:r>
+            <a:endParaRPr lang="en-US" sz="1800" dirty="0" smtClean="0"/>
+          </a:p>
+          <a:p>
+            <a:r>
+              <a:rPr lang="en-US" sz="1800" dirty="0">
+                <a:hlinkClick r:id="rId5"/>
+              </a:rPr>
+              <a:t>&lt;</a:t>
+            </a:r>
+            <a:r>
+              <a:rPr lang="en-US" sz="1800" dirty="0" err="1">
+                <a:hlinkClick r:id="rId5"/>
+              </a:rPr>
+              <a:t>cstdint</a:t>
+            </a:r>
+            <a:r>
+              <a:rPr lang="en-US" sz="1800" dirty="0">
+                <a:hlinkClick r:id="rId5"/>
+              </a:rPr>
+              <a:t>&gt;</a:t>
+            </a:r>
+            <a:endParaRPr lang="en-US" sz="1800" dirty="0"/>
+          </a:p>
+          <a:p>
+            <a:r>
+              <a:rPr lang="en-US" sz="1800" dirty="0">
+                <a:hlinkClick r:id="rId6"/>
+              </a:rPr>
+              <a:t>&lt;</a:t>
+            </a:r>
+            <a:r>
+              <a:rPr lang="en-US" sz="1800" dirty="0" err="1">
+                <a:hlinkClick r:id="rId6"/>
+              </a:rPr>
+              <a:t>cinttypes</a:t>
+            </a:r>
+            <a:r>
+              <a:rPr lang="en-US" sz="1800" dirty="0">
+                <a:hlinkClick r:id="rId6"/>
+              </a:rPr>
+              <a:t>&gt;</a:t>
+            </a:r>
+            <a:endParaRPr lang="en-US" sz="1800" dirty="0"/>
+          </a:p>
+          <a:p>
+            <a:r>
+              <a:rPr lang="en-US" sz="1800" dirty="0" smtClean="0">
+                <a:hlinkClick r:id="rId7"/>
+              </a:rPr>
+              <a:t>&lt;</a:t>
+            </a:r>
+            <a:r>
+              <a:rPr lang="en-US" sz="1800" dirty="0" err="1">
+                <a:hlinkClick r:id="rId7"/>
+              </a:rPr>
+              <a:t>ctgmath</a:t>
+            </a:r>
+            <a:r>
+              <a:rPr lang="en-US" sz="1800" dirty="0" smtClean="0">
+                <a:hlinkClick r:id="rId7"/>
+              </a:rPr>
+              <a:t>&gt;</a:t>
+            </a:r>
+            <a:endParaRPr lang="en-US" sz="1800" dirty="0" smtClean="0"/>
+          </a:p>
+          <a:p>
+            <a:r>
+              <a:rPr lang="en-US" sz="1800" dirty="0" smtClean="0">
+                <a:hlinkClick r:id="rId8"/>
+              </a:rPr>
+              <a:t>&lt;</a:t>
+            </a:r>
+            <a:r>
+              <a:rPr lang="en-US" sz="1800" dirty="0" err="1">
+                <a:hlinkClick r:id="rId8"/>
+              </a:rPr>
+              <a:t>cfenv</a:t>
+            </a:r>
+            <a:r>
+              <a:rPr lang="en-US" sz="1800" dirty="0">
+                <a:hlinkClick r:id="rId8"/>
+              </a:rPr>
+              <a:t>&gt;</a:t>
+            </a:r>
+            <a:endParaRPr lang="en-US" sz="1800" dirty="0"/>
+          </a:p>
+          <a:p>
+            <a:endParaRPr lang="en-US" sz="1800" dirty="0"/>
+          </a:p>
+          <a:p>
+            <a:endParaRPr lang="en-US" sz="1800" dirty="0"/>
+          </a:p>
+          <a:p>
+            <a:endParaRPr lang="en-US" sz="1800" dirty="0" smtClean="0"/>
+          </a:p>
+          <a:p>
+            <a:endParaRPr lang="en-US" sz="1800" dirty="0"/>
+          </a:p>
+        </p:txBody>
+      </p:sp>
+      <p:sp>
+        <p:nvSpPr>
+          <p:cNvPr id="8" name="Content Placeholder 2"/>
+          <p:cNvSpPr txBox="1">
+            <a:spLocks/>
+          </p:cNvSpPr>
+          <p:nvPr/>
+        </p:nvSpPr>
+        <p:spPr>
+          <a:xfrm>
+            <a:off x="3337192" y="2265723"/>
+            <a:ext cx="2347511" cy="2603156"/>
+          </a:xfrm>
+          <a:prstGeom prst="rect">
+            <a:avLst/>
+          </a:prstGeom>
+          <a:ln>
+            <a:noFill/>
+          </a:ln>
+        </p:spPr>
+        <p:txBody>
+          <a:bodyPr vert="horz" lIns="91440" tIns="45720" rIns="91440" bIns="45720" rtlCol="0">
+            <a:normAutofit/>
+          </a:bodyPr>
+          <a:lstStyle>
+            <a:lvl1pPr marL="228600" indent="-228600" algn="l" defTabSz="914400" rtl="0" eaLnBrk="1" latinLnBrk="0" hangingPunct="1">
+              <a:lnSpc>
+                <a:spcPct val="90000"/>
+              </a:lnSpc>
+              <a:spcBef>
+                <a:spcPts val="1000"/>
+              </a:spcBef>
+              <a:buFont typeface="Arial" panose="020B0604020202020204" pitchFamily="34" charset="0"/>
+              <a:buChar char="•"/>
+              <a:defRPr sz="2800" kern="1200">
+                <a:solidFill>
+                  <a:schemeClr val="tx1"/>
+                </a:solidFill>
+                <a:latin typeface="+mn-lt"/>
+                <a:ea typeface="+mn-ea"/>
+                <a:cs typeface="+mn-cs"/>
+              </a:defRPr>
+            </a:lvl1pPr>
+            <a:lvl2pPr marL="685800" indent="-228600" algn="l" defTabSz="914400" rtl="0" eaLnBrk="1" latinLnBrk="0" hangingPunct="1">
+              <a:lnSpc>
+                <a:spcPct val="90000"/>
+              </a:lnSpc>
+              <a:spcBef>
+                <a:spcPts val="500"/>
+              </a:spcBef>
+              <a:buFont typeface="Arial" panose="020B0604020202020204" pitchFamily="34" charset="0"/>
+              <a:buChar char="•"/>
+              <a:defRPr sz="2400" kern="1200">
+                <a:solidFill>
+                  <a:schemeClr val="tx1"/>
+                </a:solidFill>
+                <a:latin typeface="+mn-lt"/>
+                <a:ea typeface="+mn-ea"/>
+                <a:cs typeface="+mn-cs"/>
+              </a:defRPr>
+            </a:lvl2pPr>
+            <a:lvl3pPr marL="1143000" indent="-228600" algn="l" defTabSz="914400" rtl="0" eaLnBrk="1" latinLnBrk="0" hangingPunct="1">
+              <a:lnSpc>
+                <a:spcPct val="90000"/>
+              </a:lnSpc>
+              <a:spcBef>
+                <a:spcPts val="500"/>
+              </a:spcBef>
+              <a:buFont typeface="Arial" panose="020B0604020202020204" pitchFamily="34" charset="0"/>
+              <a:buChar char="•"/>
+              <a:defRPr sz="2000" kern="1200">
+                <a:solidFill>
+                  <a:schemeClr val="tx1"/>
+                </a:solidFill>
+                <a:latin typeface="+mn-lt"/>
+                <a:ea typeface="+mn-ea"/>
+                <a:cs typeface="+mn-cs"/>
+              </a:defRPr>
+            </a:lvl3pPr>
+            <a:lvl4pPr marL="1600200" indent="-228600" algn="l" defTabSz="914400" rtl="0" eaLnBrk="1" latinLnBrk="0" hangingPunct="1">
+              <a:lnSpc>
+                <a:spcPct val="90000"/>
+              </a:lnSpc>
+              <a:spcBef>
+                <a:spcPts val="500"/>
+              </a:spcBef>
+              <a:buFont typeface="Arial" panose="020B0604020202020204" pitchFamily="34" charset="0"/>
+              <a:buChar char="•"/>
+              <a:defRPr sz="1800" kern="1200">
+                <a:solidFill>
+                  <a:schemeClr val="tx1"/>
+                </a:solidFill>
+                <a:latin typeface="+mn-lt"/>
+                <a:ea typeface="+mn-ea"/>
+                <a:cs typeface="+mn-cs"/>
+              </a:defRPr>
+            </a:lvl4pPr>
+            <a:lvl5pPr marL="2057400" indent="-228600" algn="l" defTabSz="914400" rtl="0" eaLnBrk="1" latinLnBrk="0" hangingPunct="1">
+              <a:lnSpc>
+                <a:spcPct val="90000"/>
+              </a:lnSpc>
+              <a:spcBef>
+                <a:spcPts val="500"/>
+              </a:spcBef>
+              <a:buFont typeface="Arial" panose="020B0604020202020204" pitchFamily="34" charset="0"/>
+              <a:buChar char="•"/>
+              <a:defRPr sz="1800" kern="1200">
+                <a:solidFill>
+                  <a:schemeClr val="tx1"/>
+                </a:solidFill>
+                <a:latin typeface="+mn-lt"/>
+                <a:ea typeface="+mn-ea"/>
+                <a:cs typeface="+mn-cs"/>
+              </a:defRPr>
+            </a:lvl5pPr>
+            <a:lvl6pPr marL="2514600" indent="-228600" algn="l" defTabSz="914400" rtl="0" eaLnBrk="1" latinLnBrk="0" hangingPunct="1">
+              <a:lnSpc>
+                <a:spcPct val="90000"/>
+              </a:lnSpc>
+              <a:spcBef>
+                <a:spcPts val="500"/>
+              </a:spcBef>
+              <a:buFont typeface="Arial" panose="020B0604020202020204" pitchFamily="34" charset="0"/>
+              <a:buChar char="•"/>
+              <a:defRPr sz="1800" kern="1200">
+                <a:solidFill>
+                  <a:schemeClr val="tx1"/>
+                </a:solidFill>
+                <a:latin typeface="+mn-lt"/>
+                <a:ea typeface="+mn-ea"/>
+                <a:cs typeface="+mn-cs"/>
+              </a:defRPr>
+            </a:lvl6pPr>
+            <a:lvl7pPr marL="2971800" indent="-228600" algn="l" defTabSz="914400" rtl="0" eaLnBrk="1" latinLnBrk="0" hangingPunct="1">
+              <a:lnSpc>
+                <a:spcPct val="90000"/>
+              </a:lnSpc>
+              <a:spcBef>
+                <a:spcPts val="500"/>
+              </a:spcBef>
+              <a:buFont typeface="Arial" panose="020B0604020202020204" pitchFamily="34" charset="0"/>
+              <a:buChar char="•"/>
+              <a:defRPr sz="1800" kern="1200">
+                <a:solidFill>
+                  <a:schemeClr val="tx1"/>
+                </a:solidFill>
+                <a:latin typeface="+mn-lt"/>
+                <a:ea typeface="+mn-ea"/>
+                <a:cs typeface="+mn-cs"/>
+              </a:defRPr>
+            </a:lvl7pPr>
+            <a:lvl8pPr marL="3429000" indent="-228600" algn="l" defTabSz="914400" rtl="0" eaLnBrk="1" latinLnBrk="0" hangingPunct="1">
+              <a:lnSpc>
+                <a:spcPct val="90000"/>
+              </a:lnSpc>
+              <a:spcBef>
+                <a:spcPts val="500"/>
+              </a:spcBef>
+              <a:buFont typeface="Arial" panose="020B0604020202020204" pitchFamily="34" charset="0"/>
+              <a:buChar char="•"/>
+              <a:defRPr sz="1800" kern="1200">
+                <a:solidFill>
+                  <a:schemeClr val="tx1"/>
+                </a:solidFill>
+                <a:latin typeface="+mn-lt"/>
+                <a:ea typeface="+mn-ea"/>
+                <a:cs typeface="+mn-cs"/>
+              </a:defRPr>
+            </a:lvl8pPr>
+            <a:lvl9pPr marL="3886200" indent="-228600" algn="l" defTabSz="914400" rtl="0" eaLnBrk="1" latinLnBrk="0" hangingPunct="1">
+              <a:lnSpc>
+                <a:spcPct val="90000"/>
+              </a:lnSpc>
+              <a:spcBef>
+                <a:spcPts val="500"/>
+              </a:spcBef>
+              <a:buFont typeface="Arial" panose="020B0604020202020204" pitchFamily="34" charset="0"/>
+              <a:buChar char="•"/>
+              <a:defRPr sz="1800" kern="1200">
+                <a:solidFill>
+                  <a:schemeClr val="tx1"/>
+                </a:solidFill>
+                <a:latin typeface="+mn-lt"/>
+                <a:ea typeface="+mn-ea"/>
+                <a:cs typeface="+mn-cs"/>
+              </a:defRPr>
+            </a:lvl9pPr>
+          </a:lstStyle>
+          <a:p>
+            <a:r>
+              <a:rPr lang="en-US" dirty="0" smtClean="0"/>
+              <a:t>Containers</a:t>
+            </a:r>
+          </a:p>
+          <a:p>
+            <a:r>
+              <a:rPr lang="en-US" sz="1800" dirty="0" smtClean="0">
+                <a:hlinkClick r:id="rId9"/>
+              </a:rPr>
+              <a:t>&lt;array&gt;</a:t>
+            </a:r>
+            <a:endParaRPr lang="en-US" sz="1800" dirty="0" smtClean="0"/>
+          </a:p>
+          <a:p>
+            <a:r>
+              <a:rPr lang="en-US" sz="1800" dirty="0" smtClean="0">
+                <a:hlinkClick r:id="rId10"/>
+              </a:rPr>
+              <a:t>&lt;</a:t>
+            </a:r>
+            <a:r>
+              <a:rPr lang="en-US" sz="1800" dirty="0" err="1" smtClean="0">
+                <a:hlinkClick r:id="rId10"/>
+              </a:rPr>
+              <a:t>forward_list</a:t>
+            </a:r>
+            <a:r>
+              <a:rPr lang="en-US" sz="1800" dirty="0" smtClean="0">
+                <a:hlinkClick r:id="rId10"/>
+              </a:rPr>
+              <a:t>&gt;</a:t>
+            </a:r>
+            <a:endParaRPr lang="en-US" sz="1800" dirty="0" smtClean="0"/>
+          </a:p>
+          <a:p>
+            <a:r>
+              <a:rPr lang="en-US" sz="1800" dirty="0" smtClean="0">
+                <a:hlinkClick r:id="rId11"/>
+              </a:rPr>
+              <a:t>&lt;</a:t>
+            </a:r>
+            <a:r>
+              <a:rPr lang="en-US" sz="1800" dirty="0" err="1" smtClean="0">
+                <a:hlinkClick r:id="rId11"/>
+              </a:rPr>
+              <a:t>unordered_map</a:t>
+            </a:r>
+            <a:r>
+              <a:rPr lang="en-US" sz="1800" dirty="0" smtClean="0">
+                <a:hlinkClick r:id="rId11"/>
+              </a:rPr>
+              <a:t>&gt;</a:t>
+            </a:r>
+            <a:endParaRPr lang="en-US" sz="1800" dirty="0" smtClean="0"/>
+          </a:p>
+          <a:p>
+            <a:r>
+              <a:rPr lang="en-US" sz="1800" dirty="0" smtClean="0">
+                <a:hlinkClick r:id="rId12"/>
+              </a:rPr>
+              <a:t>&lt;</a:t>
+            </a:r>
+            <a:r>
+              <a:rPr lang="en-US" sz="1800" dirty="0" err="1" smtClean="0">
+                <a:hlinkClick r:id="rId12"/>
+              </a:rPr>
+              <a:t>unordered_set</a:t>
+            </a:r>
+            <a:r>
+              <a:rPr lang="en-US" sz="1800" dirty="0" smtClean="0">
+                <a:hlinkClick r:id="rId12"/>
+              </a:rPr>
+              <a:t>&gt;</a:t>
+            </a:r>
+            <a:endParaRPr lang="en-US" sz="1800" dirty="0" smtClean="0"/>
+          </a:p>
+          <a:p>
+            <a:pPr marL="0" indent="0">
+              <a:buNone/>
+            </a:pPr>
+            <a:endParaRPr lang="en-US" sz="1800" dirty="0"/>
+          </a:p>
+        </p:txBody>
+      </p:sp>
+      <p:sp>
+        <p:nvSpPr>
+          <p:cNvPr id="9" name="Content Placeholder 2"/>
+          <p:cNvSpPr txBox="1">
+            <a:spLocks/>
+          </p:cNvSpPr>
+          <p:nvPr/>
+        </p:nvSpPr>
+        <p:spPr>
+          <a:xfrm>
+            <a:off x="5699054" y="2265723"/>
+            <a:ext cx="2754217" cy="2603156"/>
+          </a:xfrm>
+          <a:prstGeom prst="rect">
+            <a:avLst/>
+          </a:prstGeom>
+          <a:ln>
+            <a:noFill/>
+          </a:ln>
+        </p:spPr>
+        <p:txBody>
+          <a:bodyPr vert="horz" lIns="91440" tIns="45720" rIns="91440" bIns="45720" rtlCol="0">
+            <a:normAutofit/>
+          </a:bodyPr>
+          <a:lstStyle>
+            <a:lvl1pPr marL="228600" indent="-228600" algn="l" defTabSz="914400" rtl="0" eaLnBrk="1" latinLnBrk="0" hangingPunct="1">
+              <a:lnSpc>
+                <a:spcPct val="90000"/>
+              </a:lnSpc>
+              <a:spcBef>
+                <a:spcPts val="1000"/>
+              </a:spcBef>
+              <a:buFont typeface="Arial" panose="020B0604020202020204" pitchFamily="34" charset="0"/>
+              <a:buChar char="•"/>
+              <a:defRPr sz="2800" kern="1200">
+                <a:solidFill>
+                  <a:schemeClr val="tx1"/>
+                </a:solidFill>
+                <a:latin typeface="+mn-lt"/>
+                <a:ea typeface="+mn-ea"/>
+                <a:cs typeface="+mn-cs"/>
+              </a:defRPr>
+            </a:lvl1pPr>
+            <a:lvl2pPr marL="685800" indent="-228600" algn="l" defTabSz="914400" rtl="0" eaLnBrk="1" latinLnBrk="0" hangingPunct="1">
+              <a:lnSpc>
+                <a:spcPct val="90000"/>
+              </a:lnSpc>
+              <a:spcBef>
+                <a:spcPts val="500"/>
+              </a:spcBef>
+              <a:buFont typeface="Arial" panose="020B0604020202020204" pitchFamily="34" charset="0"/>
+              <a:buChar char="•"/>
+              <a:defRPr sz="2400" kern="1200">
+                <a:solidFill>
+                  <a:schemeClr val="tx1"/>
+                </a:solidFill>
+                <a:latin typeface="+mn-lt"/>
+                <a:ea typeface="+mn-ea"/>
+                <a:cs typeface="+mn-cs"/>
+              </a:defRPr>
+            </a:lvl2pPr>
+            <a:lvl3pPr marL="1143000" indent="-228600" algn="l" defTabSz="914400" rtl="0" eaLnBrk="1" latinLnBrk="0" hangingPunct="1">
+              <a:lnSpc>
+                <a:spcPct val="90000"/>
+              </a:lnSpc>
+              <a:spcBef>
+                <a:spcPts val="500"/>
+              </a:spcBef>
+              <a:buFont typeface="Arial" panose="020B0604020202020204" pitchFamily="34" charset="0"/>
+              <a:buChar char="•"/>
+              <a:defRPr sz="2000" kern="1200">
+                <a:solidFill>
+                  <a:schemeClr val="tx1"/>
+                </a:solidFill>
+                <a:latin typeface="+mn-lt"/>
+                <a:ea typeface="+mn-ea"/>
+                <a:cs typeface="+mn-cs"/>
+              </a:defRPr>
+            </a:lvl3pPr>
+            <a:lvl4pPr marL="1600200" indent="-228600" algn="l" defTabSz="914400" rtl="0" eaLnBrk="1" latinLnBrk="0" hangingPunct="1">
+              <a:lnSpc>
+                <a:spcPct val="90000"/>
+              </a:lnSpc>
+              <a:spcBef>
+                <a:spcPts val="500"/>
+              </a:spcBef>
+              <a:buFont typeface="Arial" panose="020B0604020202020204" pitchFamily="34" charset="0"/>
+              <a:buChar char="•"/>
+              <a:defRPr sz="1800" kern="1200">
+                <a:solidFill>
+                  <a:schemeClr val="tx1"/>
+                </a:solidFill>
+                <a:latin typeface="+mn-lt"/>
+                <a:ea typeface="+mn-ea"/>
+                <a:cs typeface="+mn-cs"/>
+              </a:defRPr>
+            </a:lvl4pPr>
+            <a:lvl5pPr marL="2057400" indent="-228600" algn="l" defTabSz="914400" rtl="0" eaLnBrk="1" latinLnBrk="0" hangingPunct="1">
+              <a:lnSpc>
+                <a:spcPct val="90000"/>
+              </a:lnSpc>
+              <a:spcBef>
+                <a:spcPts val="500"/>
+              </a:spcBef>
+              <a:buFont typeface="Arial" panose="020B0604020202020204" pitchFamily="34" charset="0"/>
+              <a:buChar char="•"/>
+              <a:defRPr sz="1800" kern="1200">
+                <a:solidFill>
+                  <a:schemeClr val="tx1"/>
+                </a:solidFill>
+                <a:latin typeface="+mn-lt"/>
+                <a:ea typeface="+mn-ea"/>
+                <a:cs typeface="+mn-cs"/>
+              </a:defRPr>
+            </a:lvl5pPr>
+            <a:lvl6pPr marL="2514600" indent="-228600" algn="l" defTabSz="914400" rtl="0" eaLnBrk="1" latinLnBrk="0" hangingPunct="1">
+              <a:lnSpc>
+                <a:spcPct val="90000"/>
+              </a:lnSpc>
+              <a:spcBef>
+                <a:spcPts val="500"/>
+              </a:spcBef>
+              <a:buFont typeface="Arial" panose="020B0604020202020204" pitchFamily="34" charset="0"/>
+              <a:buChar char="•"/>
+              <a:defRPr sz="1800" kern="1200">
+                <a:solidFill>
+                  <a:schemeClr val="tx1"/>
+                </a:solidFill>
+                <a:latin typeface="+mn-lt"/>
+                <a:ea typeface="+mn-ea"/>
+                <a:cs typeface="+mn-cs"/>
+              </a:defRPr>
+            </a:lvl6pPr>
+            <a:lvl7pPr marL="2971800" indent="-228600" algn="l" defTabSz="914400" rtl="0" eaLnBrk="1" latinLnBrk="0" hangingPunct="1">
+              <a:lnSpc>
+                <a:spcPct val="90000"/>
+              </a:lnSpc>
+              <a:spcBef>
+                <a:spcPts val="500"/>
+              </a:spcBef>
+              <a:buFont typeface="Arial" panose="020B0604020202020204" pitchFamily="34" charset="0"/>
+              <a:buChar char="•"/>
+              <a:defRPr sz="1800" kern="1200">
+                <a:solidFill>
+                  <a:schemeClr val="tx1"/>
+                </a:solidFill>
+                <a:latin typeface="+mn-lt"/>
+                <a:ea typeface="+mn-ea"/>
+                <a:cs typeface="+mn-cs"/>
+              </a:defRPr>
+            </a:lvl7pPr>
+            <a:lvl8pPr marL="3429000" indent="-228600" algn="l" defTabSz="914400" rtl="0" eaLnBrk="1" latinLnBrk="0" hangingPunct="1">
+              <a:lnSpc>
+                <a:spcPct val="90000"/>
+              </a:lnSpc>
+              <a:spcBef>
+                <a:spcPts val="500"/>
+              </a:spcBef>
+              <a:buFont typeface="Arial" panose="020B0604020202020204" pitchFamily="34" charset="0"/>
+              <a:buChar char="•"/>
+              <a:defRPr sz="1800" kern="1200">
+                <a:solidFill>
+                  <a:schemeClr val="tx1"/>
+                </a:solidFill>
+                <a:latin typeface="+mn-lt"/>
+                <a:ea typeface="+mn-ea"/>
+                <a:cs typeface="+mn-cs"/>
+              </a:defRPr>
+            </a:lvl8pPr>
+            <a:lvl9pPr marL="3886200" indent="-228600" algn="l" defTabSz="914400" rtl="0" eaLnBrk="1" latinLnBrk="0" hangingPunct="1">
+              <a:lnSpc>
+                <a:spcPct val="90000"/>
+              </a:lnSpc>
+              <a:spcBef>
+                <a:spcPts val="500"/>
+              </a:spcBef>
+              <a:buFont typeface="Arial" panose="020B0604020202020204" pitchFamily="34" charset="0"/>
+              <a:buChar char="•"/>
+              <a:defRPr sz="1800" kern="1200">
+                <a:solidFill>
+                  <a:schemeClr val="tx1"/>
+                </a:solidFill>
+                <a:latin typeface="+mn-lt"/>
+                <a:ea typeface="+mn-ea"/>
+                <a:cs typeface="+mn-cs"/>
+              </a:defRPr>
+            </a:lvl9pPr>
+          </a:lstStyle>
+          <a:p>
+            <a:r>
+              <a:rPr lang="en-US" dirty="0" smtClean="0"/>
+              <a:t>Multi-</a:t>
+            </a:r>
+            <a:r>
+              <a:rPr lang="en-US" dirty="0" err="1" smtClean="0"/>
+              <a:t>theading</a:t>
+            </a:r>
+            <a:endParaRPr lang="en-US" dirty="0" smtClean="0"/>
+          </a:p>
+          <a:p>
+            <a:r>
+              <a:rPr lang="en-US" sz="1800" b="1" dirty="0" smtClean="0">
+                <a:hlinkClick r:id="rId13"/>
+              </a:rPr>
+              <a:t>&lt;</a:t>
+            </a:r>
+            <a:r>
+              <a:rPr lang="en-US" sz="1800" b="1" dirty="0" err="1" smtClean="0">
+                <a:hlinkClick r:id="rId13"/>
+              </a:rPr>
+              <a:t>automic</a:t>
+            </a:r>
+            <a:r>
+              <a:rPr lang="en-US" sz="1800" b="1" dirty="0" smtClean="0">
+                <a:hlinkClick r:id="rId13"/>
+              </a:rPr>
+              <a:t>&gt;</a:t>
+            </a:r>
+            <a:endParaRPr lang="en-US" sz="1800" b="1" dirty="0" smtClean="0"/>
+          </a:p>
+          <a:p>
+            <a:r>
+              <a:rPr lang="en-US" sz="1800" b="1" dirty="0" smtClean="0">
+                <a:hlinkClick r:id="rId14"/>
+              </a:rPr>
+              <a:t>&lt;</a:t>
+            </a:r>
+            <a:r>
+              <a:rPr lang="en-US" sz="1800" b="1" dirty="0" err="1" smtClean="0">
+                <a:hlinkClick r:id="rId14"/>
+              </a:rPr>
+              <a:t>condition_variable</a:t>
+            </a:r>
+            <a:r>
+              <a:rPr lang="en-US" sz="1800" b="1" dirty="0" smtClean="0">
+                <a:hlinkClick r:id="rId14"/>
+              </a:rPr>
+              <a:t>&gt;</a:t>
+            </a:r>
+            <a:endParaRPr lang="en-US" sz="1800" b="1" dirty="0" smtClean="0"/>
+          </a:p>
+          <a:p>
+            <a:r>
+              <a:rPr lang="en-US" sz="1800" b="1" dirty="0" smtClean="0">
+                <a:hlinkClick r:id="rId15"/>
+              </a:rPr>
+              <a:t>&lt;future&gt;</a:t>
+            </a:r>
+            <a:endParaRPr lang="en-US" sz="1800" b="1" dirty="0" smtClean="0"/>
+          </a:p>
+          <a:p>
+            <a:r>
+              <a:rPr lang="en-US" sz="1800" b="1" dirty="0" smtClean="0">
+                <a:hlinkClick r:id="rId16"/>
+              </a:rPr>
+              <a:t>&lt;</a:t>
+            </a:r>
+            <a:r>
+              <a:rPr lang="en-US" sz="1800" b="1" dirty="0" err="1" smtClean="0">
+                <a:hlinkClick r:id="rId16"/>
+              </a:rPr>
+              <a:t>mutex</a:t>
+            </a:r>
+            <a:r>
+              <a:rPr lang="en-US" sz="1800" b="1" dirty="0" smtClean="0">
+                <a:hlinkClick r:id="rId16"/>
+              </a:rPr>
+              <a:t>&gt;</a:t>
+            </a:r>
+            <a:endParaRPr lang="en-US" sz="1800" b="1" dirty="0" smtClean="0"/>
+          </a:p>
+          <a:p>
+            <a:r>
+              <a:rPr lang="en-US" sz="1800" b="1" dirty="0" smtClean="0">
+                <a:hlinkClick r:id="rId17"/>
+              </a:rPr>
+              <a:t>&lt;thread&gt;</a:t>
+            </a:r>
+            <a:endParaRPr lang="en-US" sz="1800" b="1" dirty="0" smtClean="0"/>
+          </a:p>
+          <a:p>
+            <a:pPr marL="0" indent="0">
+              <a:buNone/>
+            </a:pPr>
+            <a:endParaRPr lang="en-US" sz="1800" dirty="0"/>
+          </a:p>
+        </p:txBody>
+      </p:sp>
+      <p:sp>
+        <p:nvSpPr>
+          <p:cNvPr id="10" name="Content Placeholder 2"/>
+          <p:cNvSpPr txBox="1">
+            <a:spLocks/>
+          </p:cNvSpPr>
+          <p:nvPr/>
+        </p:nvSpPr>
+        <p:spPr>
+          <a:xfrm>
+            <a:off x="8687693" y="2282414"/>
+            <a:ext cx="2347511" cy="3792977"/>
+          </a:xfrm>
+          <a:prstGeom prst="rect">
+            <a:avLst/>
+          </a:prstGeom>
+        </p:spPr>
+        <p:txBody>
+          <a:bodyPr vert="horz" lIns="91440" tIns="45720" rIns="91440" bIns="45720" rtlCol="0">
+            <a:normAutofit fontScale="92500" lnSpcReduction="10000"/>
+          </a:bodyPr>
+          <a:lstStyle>
+            <a:lvl1pPr marL="228600" indent="-228600" algn="l" defTabSz="914400" rtl="0" eaLnBrk="1" latinLnBrk="0" hangingPunct="1">
+              <a:lnSpc>
+                <a:spcPct val="90000"/>
+              </a:lnSpc>
+              <a:spcBef>
+                <a:spcPts val="1000"/>
+              </a:spcBef>
+              <a:buFont typeface="Arial" panose="020B0604020202020204" pitchFamily="34" charset="0"/>
+              <a:buChar char="•"/>
+              <a:defRPr sz="2800" kern="1200">
+                <a:solidFill>
+                  <a:schemeClr val="tx1"/>
+                </a:solidFill>
+                <a:latin typeface="+mn-lt"/>
+                <a:ea typeface="+mn-ea"/>
+                <a:cs typeface="+mn-cs"/>
+              </a:defRPr>
+            </a:lvl1pPr>
+            <a:lvl2pPr marL="685800" indent="-228600" algn="l" defTabSz="914400" rtl="0" eaLnBrk="1" latinLnBrk="0" hangingPunct="1">
+              <a:lnSpc>
+                <a:spcPct val="90000"/>
+              </a:lnSpc>
+              <a:spcBef>
+                <a:spcPts val="500"/>
+              </a:spcBef>
+              <a:buFont typeface="Arial" panose="020B0604020202020204" pitchFamily="34" charset="0"/>
+              <a:buChar char="•"/>
+              <a:defRPr sz="2400" kern="1200">
+                <a:solidFill>
+                  <a:schemeClr val="tx1"/>
+                </a:solidFill>
+                <a:latin typeface="+mn-lt"/>
+                <a:ea typeface="+mn-ea"/>
+                <a:cs typeface="+mn-cs"/>
+              </a:defRPr>
+            </a:lvl2pPr>
+            <a:lvl3pPr marL="1143000" indent="-228600" algn="l" defTabSz="914400" rtl="0" eaLnBrk="1" latinLnBrk="0" hangingPunct="1">
+              <a:lnSpc>
+                <a:spcPct val="90000"/>
+              </a:lnSpc>
+              <a:spcBef>
+                <a:spcPts val="500"/>
+              </a:spcBef>
+              <a:buFont typeface="Arial" panose="020B0604020202020204" pitchFamily="34" charset="0"/>
+              <a:buChar char="•"/>
+              <a:defRPr sz="2000" kern="1200">
+                <a:solidFill>
+                  <a:schemeClr val="tx1"/>
+                </a:solidFill>
+                <a:latin typeface="+mn-lt"/>
+                <a:ea typeface="+mn-ea"/>
+                <a:cs typeface="+mn-cs"/>
+              </a:defRPr>
+            </a:lvl3pPr>
+            <a:lvl4pPr marL="1600200" indent="-228600" algn="l" defTabSz="914400" rtl="0" eaLnBrk="1" latinLnBrk="0" hangingPunct="1">
+              <a:lnSpc>
+                <a:spcPct val="90000"/>
+              </a:lnSpc>
+              <a:spcBef>
+                <a:spcPts val="500"/>
+              </a:spcBef>
+              <a:buFont typeface="Arial" panose="020B0604020202020204" pitchFamily="34" charset="0"/>
+              <a:buChar char="•"/>
+              <a:defRPr sz="1800" kern="1200">
+                <a:solidFill>
+                  <a:schemeClr val="tx1"/>
+                </a:solidFill>
+                <a:latin typeface="+mn-lt"/>
+                <a:ea typeface="+mn-ea"/>
+                <a:cs typeface="+mn-cs"/>
+              </a:defRPr>
+            </a:lvl4pPr>
+            <a:lvl5pPr marL="2057400" indent="-228600" algn="l" defTabSz="914400" rtl="0" eaLnBrk="1" latinLnBrk="0" hangingPunct="1">
+              <a:lnSpc>
+                <a:spcPct val="90000"/>
+              </a:lnSpc>
+              <a:spcBef>
+                <a:spcPts val="500"/>
+              </a:spcBef>
+              <a:buFont typeface="Arial" panose="020B0604020202020204" pitchFamily="34" charset="0"/>
+              <a:buChar char="•"/>
+              <a:defRPr sz="1800" kern="1200">
+                <a:solidFill>
+                  <a:schemeClr val="tx1"/>
+                </a:solidFill>
+                <a:latin typeface="+mn-lt"/>
+                <a:ea typeface="+mn-ea"/>
+                <a:cs typeface="+mn-cs"/>
+              </a:defRPr>
+            </a:lvl5pPr>
+            <a:lvl6pPr marL="2514600" indent="-228600" algn="l" defTabSz="914400" rtl="0" eaLnBrk="1" latinLnBrk="0" hangingPunct="1">
+              <a:lnSpc>
+                <a:spcPct val="90000"/>
+              </a:lnSpc>
+              <a:spcBef>
+                <a:spcPts val="500"/>
+              </a:spcBef>
+              <a:buFont typeface="Arial" panose="020B0604020202020204" pitchFamily="34" charset="0"/>
+              <a:buChar char="•"/>
+              <a:defRPr sz="1800" kern="1200">
+                <a:solidFill>
+                  <a:schemeClr val="tx1"/>
+                </a:solidFill>
+                <a:latin typeface="+mn-lt"/>
+                <a:ea typeface="+mn-ea"/>
+                <a:cs typeface="+mn-cs"/>
+              </a:defRPr>
+            </a:lvl6pPr>
+            <a:lvl7pPr marL="2971800" indent="-228600" algn="l" defTabSz="914400" rtl="0" eaLnBrk="1" latinLnBrk="0" hangingPunct="1">
+              <a:lnSpc>
+                <a:spcPct val="90000"/>
+              </a:lnSpc>
+              <a:spcBef>
+                <a:spcPts val="500"/>
+              </a:spcBef>
+              <a:buFont typeface="Arial" panose="020B0604020202020204" pitchFamily="34" charset="0"/>
+              <a:buChar char="•"/>
+              <a:defRPr sz="1800" kern="1200">
+                <a:solidFill>
+                  <a:schemeClr val="tx1"/>
+                </a:solidFill>
+                <a:latin typeface="+mn-lt"/>
+                <a:ea typeface="+mn-ea"/>
+                <a:cs typeface="+mn-cs"/>
+              </a:defRPr>
+            </a:lvl7pPr>
+            <a:lvl8pPr marL="3429000" indent="-228600" algn="l" defTabSz="914400" rtl="0" eaLnBrk="1" latinLnBrk="0" hangingPunct="1">
+              <a:lnSpc>
+                <a:spcPct val="90000"/>
+              </a:lnSpc>
+              <a:spcBef>
+                <a:spcPts val="500"/>
+              </a:spcBef>
+              <a:buFont typeface="Arial" panose="020B0604020202020204" pitchFamily="34" charset="0"/>
+              <a:buChar char="•"/>
+              <a:defRPr sz="1800" kern="1200">
+                <a:solidFill>
+                  <a:schemeClr val="tx1"/>
+                </a:solidFill>
+                <a:latin typeface="+mn-lt"/>
+                <a:ea typeface="+mn-ea"/>
+                <a:cs typeface="+mn-cs"/>
+              </a:defRPr>
+            </a:lvl8pPr>
+            <a:lvl9pPr marL="3886200" indent="-228600" algn="l" defTabSz="914400" rtl="0" eaLnBrk="1" latinLnBrk="0" hangingPunct="1">
+              <a:lnSpc>
+                <a:spcPct val="90000"/>
+              </a:lnSpc>
+              <a:spcBef>
+                <a:spcPts val="500"/>
+              </a:spcBef>
+              <a:buFont typeface="Arial" panose="020B0604020202020204" pitchFamily="34" charset="0"/>
+              <a:buChar char="•"/>
+              <a:defRPr sz="1800" kern="1200">
+                <a:solidFill>
+                  <a:schemeClr val="tx1"/>
+                </a:solidFill>
+                <a:latin typeface="+mn-lt"/>
+                <a:ea typeface="+mn-ea"/>
+                <a:cs typeface="+mn-cs"/>
+              </a:defRPr>
+            </a:lvl9pPr>
+          </a:lstStyle>
+          <a:p>
+            <a:r>
+              <a:rPr lang="en-US" dirty="0" smtClean="0"/>
+              <a:t>Other</a:t>
+            </a:r>
+          </a:p>
+          <a:p>
+            <a:r>
+              <a:rPr lang="en-US" sz="1800" b="1" dirty="0" smtClean="0">
+                <a:hlinkClick r:id="rId18"/>
+              </a:rPr>
+              <a:t>&lt;</a:t>
+            </a:r>
+            <a:r>
+              <a:rPr lang="en-US" sz="1800" b="1" dirty="0" err="1" smtClean="0">
+                <a:hlinkClick r:id="rId18"/>
+              </a:rPr>
+              <a:t>chrono</a:t>
+            </a:r>
+            <a:r>
+              <a:rPr lang="en-US" sz="1800" b="1" dirty="0" smtClean="0">
+                <a:hlinkClick r:id="rId18"/>
+              </a:rPr>
+              <a:t>&gt;</a:t>
+            </a:r>
+            <a:endParaRPr lang="en-US" sz="1800" b="1" dirty="0" smtClean="0"/>
+          </a:p>
+          <a:p>
+            <a:r>
+              <a:rPr lang="en-US" sz="1800" dirty="0" smtClean="0">
+                <a:hlinkClick r:id="rId19"/>
+              </a:rPr>
+              <a:t>&lt;</a:t>
+            </a:r>
+            <a:r>
+              <a:rPr lang="en-US" sz="1800" dirty="0" err="1" smtClean="0">
+                <a:hlinkClick r:id="rId19"/>
+              </a:rPr>
+              <a:t>codecvt</a:t>
+            </a:r>
+            <a:r>
+              <a:rPr lang="en-US" sz="1800" dirty="0" smtClean="0">
+                <a:hlinkClick r:id="rId19"/>
+              </a:rPr>
+              <a:t>&gt;</a:t>
+            </a:r>
+            <a:endParaRPr lang="en-US" sz="1800" dirty="0" smtClean="0"/>
+          </a:p>
+          <a:p>
+            <a:r>
+              <a:rPr lang="en-US" sz="1800" b="1" dirty="0" smtClean="0">
+                <a:hlinkClick r:id="rId20"/>
+              </a:rPr>
+              <a:t>&lt;</a:t>
+            </a:r>
+            <a:r>
+              <a:rPr lang="en-US" sz="1800" b="1" dirty="0" err="1" smtClean="0">
+                <a:hlinkClick r:id="rId20"/>
+              </a:rPr>
+              <a:t>initializer_list</a:t>
+            </a:r>
+            <a:r>
+              <a:rPr lang="en-US" sz="1800" b="1" dirty="0" smtClean="0">
+                <a:hlinkClick r:id="rId20"/>
+              </a:rPr>
+              <a:t>&gt;</a:t>
+            </a:r>
+            <a:endParaRPr lang="en-US" sz="1800" b="1" dirty="0" smtClean="0"/>
+          </a:p>
+          <a:p>
+            <a:r>
+              <a:rPr lang="en-US" sz="1800" dirty="0">
+                <a:hlinkClick r:id="rId21"/>
+              </a:rPr>
+              <a:t>&lt;random&gt;</a:t>
+            </a:r>
+            <a:endParaRPr lang="en-US" sz="1800" dirty="0" smtClean="0"/>
+          </a:p>
+          <a:p>
+            <a:r>
+              <a:rPr lang="en-US" sz="1800" dirty="0" smtClean="0">
+                <a:hlinkClick r:id="rId22"/>
+              </a:rPr>
+              <a:t>&lt;ratio&gt;</a:t>
+            </a:r>
+            <a:endParaRPr lang="en-US" sz="1800" dirty="0" smtClean="0"/>
+          </a:p>
+          <a:p>
+            <a:r>
+              <a:rPr lang="en-US" sz="1800" b="1" dirty="0" smtClean="0">
+                <a:hlinkClick r:id="rId23"/>
+              </a:rPr>
+              <a:t>&lt;regex&gt;</a:t>
+            </a:r>
+            <a:endParaRPr lang="en-US" sz="1800" b="1" dirty="0" smtClean="0"/>
+          </a:p>
+          <a:p>
+            <a:r>
+              <a:rPr lang="en-US" sz="1800" b="1" dirty="0" smtClean="0">
+                <a:hlinkClick r:id="rId24"/>
+              </a:rPr>
+              <a:t>&lt;</a:t>
+            </a:r>
+            <a:r>
+              <a:rPr lang="en-US" sz="1800" b="1" dirty="0">
+                <a:hlinkClick r:id="rId24"/>
+              </a:rPr>
+              <a:t>tuple</a:t>
+            </a:r>
+            <a:r>
+              <a:rPr lang="en-US" sz="1800" b="1" dirty="0" smtClean="0">
+                <a:hlinkClick r:id="rId24"/>
+              </a:rPr>
+              <a:t>&gt;</a:t>
+            </a:r>
+            <a:endParaRPr lang="en-US" sz="1800" b="1" dirty="0" smtClean="0"/>
+          </a:p>
+          <a:p>
+            <a:r>
+              <a:rPr lang="en-US" sz="1800" dirty="0">
+                <a:hlinkClick r:id="rId24"/>
+              </a:rPr>
+              <a:t>&lt;</a:t>
+            </a:r>
+            <a:r>
+              <a:rPr lang="en-US" sz="1800" dirty="0" err="1">
+                <a:hlinkClick r:id="rId24"/>
+              </a:rPr>
+              <a:t>system_error</a:t>
+            </a:r>
+            <a:r>
+              <a:rPr lang="en-US" sz="1800" dirty="0">
+                <a:hlinkClick r:id="rId24"/>
+              </a:rPr>
+              <a:t>&gt;</a:t>
+            </a:r>
+            <a:endParaRPr lang="en-US" sz="1800" dirty="0" smtClean="0"/>
+          </a:p>
+          <a:p>
+            <a:r>
+              <a:rPr lang="en-US" sz="1800" dirty="0" smtClean="0">
+                <a:hlinkClick r:id="rId25"/>
+              </a:rPr>
+              <a:t>&lt;</a:t>
+            </a:r>
+            <a:r>
+              <a:rPr lang="en-US" sz="1800" dirty="0" err="1" smtClean="0">
+                <a:hlinkClick r:id="rId25"/>
+              </a:rPr>
+              <a:t>typeindex</a:t>
+            </a:r>
+            <a:r>
+              <a:rPr lang="en-US" sz="1800" dirty="0" smtClean="0">
+                <a:hlinkClick r:id="rId25"/>
+              </a:rPr>
+              <a:t>&gt;</a:t>
+            </a:r>
+            <a:endParaRPr lang="en-US" sz="1800" dirty="0" smtClean="0"/>
+          </a:p>
+          <a:p>
+            <a:r>
+              <a:rPr lang="en-US" sz="1800" dirty="0" smtClean="0">
+                <a:hlinkClick r:id="rId26"/>
+              </a:rPr>
+              <a:t>&lt;</a:t>
+            </a:r>
+            <a:r>
+              <a:rPr lang="en-US" sz="1800" dirty="0" err="1" smtClean="0">
+                <a:hlinkClick r:id="rId26"/>
+              </a:rPr>
+              <a:t>type_traits</a:t>
+            </a:r>
+            <a:r>
+              <a:rPr lang="en-US" sz="1800" dirty="0" smtClean="0">
+                <a:hlinkClick r:id="rId26"/>
+              </a:rPr>
+              <a:t>&gt;</a:t>
+            </a:r>
+            <a:endParaRPr lang="en-US" sz="1800" dirty="0" smtClean="0"/>
+          </a:p>
+          <a:p>
+            <a:endParaRPr lang="en-US" sz="1800" dirty="0" smtClean="0"/>
+          </a:p>
+          <a:p>
+            <a:pPr marL="0" indent="0">
+              <a:buNone/>
+            </a:pPr>
+            <a:endParaRPr lang="en-US" sz="1800" dirty="0"/>
+          </a:p>
+        </p:txBody>
+      </p:sp>
+      <p:sp>
+        <p:nvSpPr>
+          <p:cNvPr id="4" name="TextBox 3"/>
+          <p:cNvSpPr txBox="1"/>
+          <p:nvPr/>
+        </p:nvSpPr>
+        <p:spPr>
+          <a:xfrm>
+            <a:off x="733425" y="5428906"/>
+            <a:ext cx="10390398" cy="1200329"/>
+          </a:xfrm>
+          <a:prstGeom prst="rect">
+            <a:avLst/>
+          </a:prstGeom>
+          <a:noFill/>
+        </p:spPr>
+        <p:txBody>
+          <a:bodyPr wrap="square" rtlCol="0">
+            <a:spAutoFit/>
+          </a:bodyPr>
+          <a:lstStyle/>
+          <a:p>
+            <a:r>
+              <a:rPr lang="en-US" b="1" dirty="0">
+                <a:solidFill>
+                  <a:srgbClr val="FF0000"/>
+                </a:solidFill>
+                <a:latin typeface="+mj-lt"/>
+              </a:rPr>
+              <a:t>Note: there are </a:t>
+            </a:r>
+            <a:r>
+              <a:rPr lang="en-US" b="1" dirty="0" smtClean="0">
+                <a:solidFill>
+                  <a:srgbClr val="FF0000"/>
+                </a:solidFill>
+                <a:latin typeface="+mj-lt"/>
+              </a:rPr>
+              <a:t>lots of little upgrade </a:t>
+            </a:r>
+            <a:r>
+              <a:rPr lang="en-US" b="1" dirty="0">
+                <a:solidFill>
+                  <a:srgbClr val="FF0000"/>
+                </a:solidFill>
+                <a:latin typeface="+mj-lt"/>
+              </a:rPr>
+              <a:t>to other </a:t>
+            </a:r>
+            <a:r>
+              <a:rPr lang="en-US" b="1" dirty="0" smtClean="0">
+                <a:solidFill>
+                  <a:srgbClr val="FF0000"/>
+                </a:solidFill>
+                <a:latin typeface="+mj-lt"/>
+              </a:rPr>
+              <a:t>headers such as </a:t>
+            </a:r>
+          </a:p>
+          <a:p>
+            <a:r>
+              <a:rPr lang="en-US" dirty="0" smtClean="0">
+                <a:latin typeface="+mj-lt"/>
+              </a:rPr>
+              <a:t>&lt;</a:t>
+            </a:r>
+            <a:r>
+              <a:rPr lang="en-US" dirty="0" err="1">
+                <a:latin typeface="+mj-lt"/>
+              </a:rPr>
+              <a:t>cstdlib</a:t>
+            </a:r>
+            <a:r>
+              <a:rPr lang="en-US" dirty="0" smtClean="0">
+                <a:latin typeface="+mj-lt"/>
+              </a:rPr>
+              <a:t>&gt;,</a:t>
+            </a:r>
+            <a:r>
+              <a:rPr lang="en-US" dirty="0">
+                <a:latin typeface="+mj-lt"/>
+              </a:rPr>
+              <a:t> &lt;</a:t>
+            </a:r>
+            <a:r>
+              <a:rPr lang="en-US" dirty="0" err="1">
+                <a:latin typeface="+mj-lt"/>
+              </a:rPr>
+              <a:t>cwchar</a:t>
+            </a:r>
+            <a:r>
+              <a:rPr lang="en-US" dirty="0">
+                <a:latin typeface="+mj-lt"/>
+              </a:rPr>
+              <a:t>&gt;, </a:t>
+            </a:r>
+            <a:endParaRPr lang="en-US" dirty="0" smtClean="0">
+              <a:latin typeface="+mj-lt"/>
+            </a:endParaRPr>
+          </a:p>
+          <a:p>
+            <a:r>
+              <a:rPr lang="en-US" dirty="0" smtClean="0">
+                <a:latin typeface="+mj-lt"/>
+              </a:rPr>
+              <a:t>&lt;</a:t>
+            </a:r>
+            <a:r>
+              <a:rPr lang="en-US" dirty="0" err="1">
+                <a:latin typeface="+mj-lt"/>
+              </a:rPr>
+              <a:t>deque</a:t>
+            </a:r>
+            <a:r>
+              <a:rPr lang="en-US" dirty="0">
+                <a:latin typeface="+mj-lt"/>
+              </a:rPr>
+              <a:t>&gt;, &lt;list&gt;, &lt;map</a:t>
+            </a:r>
+            <a:r>
+              <a:rPr lang="en-US" dirty="0" smtClean="0">
+                <a:latin typeface="+mj-lt"/>
+              </a:rPr>
+              <a:t>&gt;,&lt;</a:t>
+            </a:r>
+            <a:r>
+              <a:rPr lang="en-US" dirty="0">
+                <a:latin typeface="+mj-lt"/>
+              </a:rPr>
+              <a:t>queue&gt;, &lt;set&gt;, &lt;stack&gt;, &lt;vector</a:t>
+            </a:r>
+            <a:r>
+              <a:rPr lang="en-US" dirty="0" smtClean="0">
+                <a:latin typeface="+mj-lt"/>
+              </a:rPr>
+              <a:t>&gt;</a:t>
+            </a:r>
+          </a:p>
+          <a:p>
+            <a:r>
+              <a:rPr lang="en-US" dirty="0">
+                <a:latin typeface="+mj-lt"/>
+              </a:rPr>
+              <a:t>&lt;algorithm&gt;, &lt;</a:t>
+            </a:r>
+            <a:r>
+              <a:rPr lang="en-US" dirty="0" err="1">
+                <a:latin typeface="+mj-lt"/>
+              </a:rPr>
+              <a:t>bitset</a:t>
+            </a:r>
+            <a:r>
+              <a:rPr lang="en-US" dirty="0">
+                <a:latin typeface="+mj-lt"/>
+              </a:rPr>
+              <a:t>&gt;, &lt;complex&gt;, &lt;exception&gt;, &lt;functional</a:t>
+            </a:r>
+            <a:r>
+              <a:rPr lang="en-US" dirty="0" smtClean="0">
+                <a:latin typeface="+mj-lt"/>
+              </a:rPr>
+              <a:t>&gt;,</a:t>
+            </a:r>
+            <a:r>
+              <a:rPr lang="en-US" dirty="0">
+                <a:latin typeface="+mj-lt"/>
+              </a:rPr>
+              <a:t> </a:t>
+            </a:r>
+            <a:r>
+              <a:rPr lang="en-US" b="1" dirty="0">
+                <a:latin typeface="+mj-lt"/>
+              </a:rPr>
+              <a:t>&lt;memory</a:t>
+            </a:r>
+            <a:r>
+              <a:rPr lang="en-US" b="1" dirty="0" smtClean="0">
+                <a:latin typeface="+mj-lt"/>
+              </a:rPr>
+              <a:t>&gt;</a:t>
+            </a:r>
+            <a:r>
+              <a:rPr lang="en-US" dirty="0" smtClean="0">
+                <a:latin typeface="+mj-lt"/>
+              </a:rPr>
+              <a:t>,</a:t>
+            </a:r>
+            <a:r>
+              <a:rPr lang="en-US" dirty="0"/>
+              <a:t> &lt;string</a:t>
+            </a:r>
+            <a:r>
+              <a:rPr lang="en-US" dirty="0" smtClean="0"/>
+              <a:t>&gt;,</a:t>
+            </a:r>
+            <a:r>
+              <a:rPr lang="en-US" dirty="0"/>
+              <a:t> &lt;utility</a:t>
+            </a:r>
+            <a:r>
+              <a:rPr lang="en-US" dirty="0" smtClean="0"/>
+              <a:t>&gt;</a:t>
+            </a:r>
+            <a:endParaRPr lang="en-US" dirty="0"/>
+          </a:p>
+        </p:txBody>
+      </p:sp>
+      <p:sp>
+        <p:nvSpPr>
+          <p:cNvPr id="5" name="TextBox 4"/>
+          <p:cNvSpPr txBox="1"/>
+          <p:nvPr/>
+        </p:nvSpPr>
+        <p:spPr>
+          <a:xfrm>
+            <a:off x="838200" y="245059"/>
+            <a:ext cx="9768840" cy="1477328"/>
+          </a:xfrm>
+          <a:prstGeom prst="rect">
+            <a:avLst/>
+          </a:prstGeom>
+          <a:noFill/>
+        </p:spPr>
+        <p:txBody>
+          <a:bodyPr wrap="square" rtlCol="0">
+            <a:spAutoFit/>
+          </a:bodyPr>
+          <a:lstStyle/>
+          <a:p>
+            <a:r>
+              <a:rPr lang="en-US" sz="3600" b="1" dirty="0" smtClean="0">
+                <a:solidFill>
+                  <a:schemeClr val="accent2"/>
+                </a:solidFill>
+                <a:latin typeface="+mj-lt"/>
+              </a:rPr>
+              <a:t>II. Brief </a:t>
+            </a:r>
+            <a:r>
+              <a:rPr lang="en-US" sz="3600" b="1" dirty="0">
+                <a:solidFill>
+                  <a:schemeClr val="accent2"/>
+                </a:solidFill>
+                <a:latin typeface="+mj-lt"/>
+              </a:rPr>
+              <a:t>of new features in C++ 11 in comparing with C++98</a:t>
+            </a:r>
+          </a:p>
+          <a:p>
+            <a:endParaRPr lang="en-US" dirty="0"/>
+          </a:p>
+        </p:txBody>
+      </p:sp>
+    </p:spTree>
+    <p:extLst>
+      <p:ext uri="{BB962C8B-B14F-4D97-AF65-F5344CB8AC3E}">
+        <p14:creationId xmlns:p14="http://schemas.microsoft.com/office/powerpoint/2010/main" val="2684118986"/>
+      </p:ext>
+    </p:extLst>
+  </p:cSld>
+  <p:clrMapOvr>
+    <a:masterClrMapping/>
+  </p:clrMapOvr>
+  <p:timing>
+    <p:tnLst>
+      <p:par>
+        <p:cTn id="1" dur="indefinite" restart="never" nodeType="tmRoot"/>
+      </p:par>
+    </p:tnLst>
+  </p:timing>
+</p:sld>
+</file>
+
+<file path=ppt/slides/slide40.xml><?xml version="1.0" encoding="utf-8"?>
 <p:sld xmlns:a="http://schemas.openxmlformats.org/drawingml/2006/main" xmlns:r="http://schemas.openxmlformats.org/officeDocument/2006/relationships" xmlns:p="http://schemas.openxmlformats.org/presentationml/2006/main">
   <p:cSld>
     <p:spTree>
@@ -18653,1461 +20944,7 @@
 </p:sld>
 </file>
 
-<file path=ppt/slides/slide4.xml><?xml version="1.0" encoding="utf-8"?>
-<p:sld xmlns:a="http://schemas.openxmlformats.org/drawingml/2006/main" xmlns:r="http://schemas.openxmlformats.org/officeDocument/2006/relationships" xmlns:p="http://schemas.openxmlformats.org/presentationml/2006/main">
-  <p:cSld>
-    <p:bg>
-      <p:bgPr>
-        <a:pattFill prst="pct30">
-          <a:fgClr>
-            <a:schemeClr val="accent4">
-              <a:lumMod val="20000"/>
-              <a:lumOff val="80000"/>
-            </a:schemeClr>
-          </a:fgClr>
-          <a:bgClr>
-            <a:schemeClr val="bg1"/>
-          </a:bgClr>
-        </a:pattFill>
-        <a:effectLst/>
-      </p:bgPr>
-    </p:bg>
-    <p:spTree>
-      <p:nvGrpSpPr>
-        <p:cNvPr id="1" name=""/>
-        <p:cNvGrpSpPr/>
-        <p:nvPr/>
-      </p:nvGrpSpPr>
-      <p:grpSpPr>
-        <a:xfrm>
-          <a:off x="0" y="0"/>
-          <a:ext cx="0" cy="0"/>
-          <a:chOff x="0" y="0"/>
-          <a:chExt cx="0" cy="0"/>
-        </a:xfrm>
-      </p:grpSpPr>
-      <p:sp>
-        <p:nvSpPr>
-          <p:cNvPr id="2" name="Title 1"/>
-          <p:cNvSpPr>
-            <a:spLocks noGrp="1"/>
-          </p:cNvSpPr>
-          <p:nvPr>
-            <p:ph type="title"/>
-          </p:nvPr>
-        </p:nvSpPr>
-        <p:spPr>
-          <a:xfrm>
-            <a:off x="866929" y="1437925"/>
-            <a:ext cx="3905367" cy="510598"/>
-          </a:xfrm>
-        </p:spPr>
-        <p:txBody>
-          <a:bodyPr>
-            <a:normAutofit fontScale="90000"/>
-          </a:bodyPr>
-          <a:lstStyle/>
-          <a:p>
-            <a:pPr marL="571500" indent="-571500">
-              <a:buClr>
-                <a:schemeClr val="accent2"/>
-              </a:buClr>
-              <a:buFont typeface="Courier New" panose="02070309020205020404" pitchFamily="49" charset="0"/>
-              <a:buChar char="o"/>
-            </a:pPr>
-            <a:r>
-              <a:rPr lang="en-US" sz="3600" b="1" dirty="0" smtClean="0">
-                <a:solidFill>
-                  <a:schemeClr val="accent2"/>
-                </a:solidFill>
-              </a:rPr>
-              <a:t>New header *.h</a:t>
-            </a:r>
-            <a:endParaRPr lang="en-US" sz="3600" b="1" dirty="0">
-              <a:solidFill>
-                <a:schemeClr val="accent2"/>
-              </a:solidFill>
-            </a:endParaRPr>
-          </a:p>
-        </p:txBody>
-      </p:sp>
-      <p:sp>
-        <p:nvSpPr>
-          <p:cNvPr id="3" name="Content Placeholder 2"/>
-          <p:cNvSpPr>
-            <a:spLocks noGrp="1"/>
-          </p:cNvSpPr>
-          <p:nvPr>
-            <p:ph idx="1"/>
-          </p:nvPr>
-        </p:nvSpPr>
-        <p:spPr>
-          <a:xfrm>
-            <a:off x="852548" y="2253112"/>
-            <a:ext cx="1860933" cy="4351338"/>
-          </a:xfrm>
-        </p:spPr>
-        <p:txBody>
-          <a:bodyPr/>
-          <a:lstStyle/>
-          <a:p>
-            <a:r>
-              <a:rPr lang="en-US" dirty="0" smtClean="0"/>
-              <a:t>C library</a:t>
-            </a:r>
-          </a:p>
-          <a:p>
-            <a:r>
-              <a:rPr lang="en-US" sz="1800" dirty="0" smtClean="0">
-                <a:hlinkClick r:id="rId3"/>
-              </a:rPr>
-              <a:t>&lt;</a:t>
-            </a:r>
-            <a:r>
-              <a:rPr lang="en-US" sz="1800" dirty="0" err="1" smtClean="0">
-                <a:hlinkClick r:id="rId3"/>
-              </a:rPr>
-              <a:t>cstdbool</a:t>
-            </a:r>
-            <a:r>
-              <a:rPr lang="en-US" sz="1800" dirty="0" smtClean="0">
-                <a:hlinkClick r:id="rId3"/>
-              </a:rPr>
-              <a:t>&gt;</a:t>
-            </a:r>
-            <a:endParaRPr lang="en-US" sz="1800" dirty="0" smtClean="0"/>
-          </a:p>
-          <a:p>
-            <a:r>
-              <a:rPr lang="en-US" sz="1800" dirty="0" smtClean="0">
-                <a:hlinkClick r:id="rId4"/>
-              </a:rPr>
-              <a:t>&lt;</a:t>
-            </a:r>
-            <a:r>
-              <a:rPr lang="en-US" sz="1800" dirty="0" err="1" smtClean="0">
-                <a:hlinkClick r:id="rId4"/>
-              </a:rPr>
-              <a:t>cuchar</a:t>
-            </a:r>
-            <a:r>
-              <a:rPr lang="en-US" sz="1800" dirty="0" smtClean="0">
-                <a:hlinkClick r:id="rId4"/>
-              </a:rPr>
-              <a:t>&gt;</a:t>
-            </a:r>
-            <a:endParaRPr lang="en-US" sz="1800" dirty="0" smtClean="0"/>
-          </a:p>
-          <a:p>
-            <a:r>
-              <a:rPr lang="en-US" sz="1800" dirty="0">
-                <a:hlinkClick r:id="rId5"/>
-              </a:rPr>
-              <a:t>&lt;</a:t>
-            </a:r>
-            <a:r>
-              <a:rPr lang="en-US" sz="1800" dirty="0" err="1">
-                <a:hlinkClick r:id="rId5"/>
-              </a:rPr>
-              <a:t>cstdint</a:t>
-            </a:r>
-            <a:r>
-              <a:rPr lang="en-US" sz="1800" dirty="0">
-                <a:hlinkClick r:id="rId5"/>
-              </a:rPr>
-              <a:t>&gt;</a:t>
-            </a:r>
-            <a:endParaRPr lang="en-US" sz="1800" dirty="0"/>
-          </a:p>
-          <a:p>
-            <a:r>
-              <a:rPr lang="en-US" sz="1800" dirty="0">
-                <a:hlinkClick r:id="rId6"/>
-              </a:rPr>
-              <a:t>&lt;</a:t>
-            </a:r>
-            <a:r>
-              <a:rPr lang="en-US" sz="1800" dirty="0" err="1">
-                <a:hlinkClick r:id="rId6"/>
-              </a:rPr>
-              <a:t>cinttypes</a:t>
-            </a:r>
-            <a:r>
-              <a:rPr lang="en-US" sz="1800" dirty="0">
-                <a:hlinkClick r:id="rId6"/>
-              </a:rPr>
-              <a:t>&gt;</a:t>
-            </a:r>
-            <a:endParaRPr lang="en-US" sz="1800" dirty="0"/>
-          </a:p>
-          <a:p>
-            <a:r>
-              <a:rPr lang="en-US" sz="1800" dirty="0" smtClean="0">
-                <a:hlinkClick r:id="rId7"/>
-              </a:rPr>
-              <a:t>&lt;</a:t>
-            </a:r>
-            <a:r>
-              <a:rPr lang="en-US" sz="1800" dirty="0" err="1">
-                <a:hlinkClick r:id="rId7"/>
-              </a:rPr>
-              <a:t>ctgmath</a:t>
-            </a:r>
-            <a:r>
-              <a:rPr lang="en-US" sz="1800" dirty="0" smtClean="0">
-                <a:hlinkClick r:id="rId7"/>
-              </a:rPr>
-              <a:t>&gt;</a:t>
-            </a:r>
-            <a:endParaRPr lang="en-US" sz="1800" dirty="0" smtClean="0"/>
-          </a:p>
-          <a:p>
-            <a:r>
-              <a:rPr lang="en-US" sz="1800" dirty="0" smtClean="0">
-                <a:hlinkClick r:id="rId8"/>
-              </a:rPr>
-              <a:t>&lt;</a:t>
-            </a:r>
-            <a:r>
-              <a:rPr lang="en-US" sz="1800" dirty="0" err="1">
-                <a:hlinkClick r:id="rId8"/>
-              </a:rPr>
-              <a:t>cfenv</a:t>
-            </a:r>
-            <a:r>
-              <a:rPr lang="en-US" sz="1800" dirty="0">
-                <a:hlinkClick r:id="rId8"/>
-              </a:rPr>
-              <a:t>&gt;</a:t>
-            </a:r>
-            <a:endParaRPr lang="en-US" sz="1800" dirty="0"/>
-          </a:p>
-          <a:p>
-            <a:endParaRPr lang="en-US" sz="1800" dirty="0"/>
-          </a:p>
-          <a:p>
-            <a:endParaRPr lang="en-US" sz="1800" dirty="0"/>
-          </a:p>
-          <a:p>
-            <a:endParaRPr lang="en-US" sz="1800" dirty="0" smtClean="0"/>
-          </a:p>
-          <a:p>
-            <a:endParaRPr lang="en-US" sz="1800" dirty="0"/>
-          </a:p>
-        </p:txBody>
-      </p:sp>
-      <p:sp>
-        <p:nvSpPr>
-          <p:cNvPr id="8" name="Content Placeholder 2"/>
-          <p:cNvSpPr txBox="1">
-            <a:spLocks/>
-          </p:cNvSpPr>
-          <p:nvPr/>
-        </p:nvSpPr>
-        <p:spPr>
-          <a:xfrm>
-            <a:off x="3337192" y="2265723"/>
-            <a:ext cx="2347511" cy="2603156"/>
-          </a:xfrm>
-          <a:prstGeom prst="rect">
-            <a:avLst/>
-          </a:prstGeom>
-          <a:ln>
-            <a:noFill/>
-          </a:ln>
-        </p:spPr>
-        <p:txBody>
-          <a:bodyPr vert="horz" lIns="91440" tIns="45720" rIns="91440" bIns="45720" rtlCol="0">
-            <a:normAutofit/>
-          </a:bodyPr>
-          <a:lstStyle>
-            <a:lvl1pPr marL="228600" indent="-228600" algn="l" defTabSz="914400" rtl="0" eaLnBrk="1" latinLnBrk="0" hangingPunct="1">
-              <a:lnSpc>
-                <a:spcPct val="90000"/>
-              </a:lnSpc>
-              <a:spcBef>
-                <a:spcPts val="1000"/>
-              </a:spcBef>
-              <a:buFont typeface="Arial" panose="020B0604020202020204" pitchFamily="34" charset="0"/>
-              <a:buChar char="•"/>
-              <a:defRPr sz="2800" kern="1200">
-                <a:solidFill>
-                  <a:schemeClr val="tx1"/>
-                </a:solidFill>
-                <a:latin typeface="+mn-lt"/>
-                <a:ea typeface="+mn-ea"/>
-                <a:cs typeface="+mn-cs"/>
-              </a:defRPr>
-            </a:lvl1pPr>
-            <a:lvl2pPr marL="685800" indent="-228600" algn="l" defTabSz="914400" rtl="0" eaLnBrk="1" latinLnBrk="0" hangingPunct="1">
-              <a:lnSpc>
-                <a:spcPct val="90000"/>
-              </a:lnSpc>
-              <a:spcBef>
-                <a:spcPts val="500"/>
-              </a:spcBef>
-              <a:buFont typeface="Arial" panose="020B0604020202020204" pitchFamily="34" charset="0"/>
-              <a:buChar char="•"/>
-              <a:defRPr sz="2400" kern="1200">
-                <a:solidFill>
-                  <a:schemeClr val="tx1"/>
-                </a:solidFill>
-                <a:latin typeface="+mn-lt"/>
-                <a:ea typeface="+mn-ea"/>
-                <a:cs typeface="+mn-cs"/>
-              </a:defRPr>
-            </a:lvl2pPr>
-            <a:lvl3pPr marL="1143000" indent="-228600" algn="l" defTabSz="914400" rtl="0" eaLnBrk="1" latinLnBrk="0" hangingPunct="1">
-              <a:lnSpc>
-                <a:spcPct val="90000"/>
-              </a:lnSpc>
-              <a:spcBef>
-                <a:spcPts val="500"/>
-              </a:spcBef>
-              <a:buFont typeface="Arial" panose="020B0604020202020204" pitchFamily="34" charset="0"/>
-              <a:buChar char="•"/>
-              <a:defRPr sz="2000" kern="1200">
-                <a:solidFill>
-                  <a:schemeClr val="tx1"/>
-                </a:solidFill>
-                <a:latin typeface="+mn-lt"/>
-                <a:ea typeface="+mn-ea"/>
-                <a:cs typeface="+mn-cs"/>
-              </a:defRPr>
-            </a:lvl3pPr>
-            <a:lvl4pPr marL="1600200" indent="-228600" algn="l" defTabSz="914400" rtl="0" eaLnBrk="1" latinLnBrk="0" hangingPunct="1">
-              <a:lnSpc>
-                <a:spcPct val="90000"/>
-              </a:lnSpc>
-              <a:spcBef>
-                <a:spcPts val="500"/>
-              </a:spcBef>
-              <a:buFont typeface="Arial" panose="020B0604020202020204" pitchFamily="34" charset="0"/>
-              <a:buChar char="•"/>
-              <a:defRPr sz="1800" kern="1200">
-                <a:solidFill>
-                  <a:schemeClr val="tx1"/>
-                </a:solidFill>
-                <a:latin typeface="+mn-lt"/>
-                <a:ea typeface="+mn-ea"/>
-                <a:cs typeface="+mn-cs"/>
-              </a:defRPr>
-            </a:lvl4pPr>
-            <a:lvl5pPr marL="2057400" indent="-228600" algn="l" defTabSz="914400" rtl="0" eaLnBrk="1" latinLnBrk="0" hangingPunct="1">
-              <a:lnSpc>
-                <a:spcPct val="90000"/>
-              </a:lnSpc>
-              <a:spcBef>
-                <a:spcPts val="500"/>
-              </a:spcBef>
-              <a:buFont typeface="Arial" panose="020B0604020202020204" pitchFamily="34" charset="0"/>
-              <a:buChar char="•"/>
-              <a:defRPr sz="1800" kern="1200">
-                <a:solidFill>
-                  <a:schemeClr val="tx1"/>
-                </a:solidFill>
-                <a:latin typeface="+mn-lt"/>
-                <a:ea typeface="+mn-ea"/>
-                <a:cs typeface="+mn-cs"/>
-              </a:defRPr>
-            </a:lvl5pPr>
-            <a:lvl6pPr marL="2514600" indent="-228600" algn="l" defTabSz="914400" rtl="0" eaLnBrk="1" latinLnBrk="0" hangingPunct="1">
-              <a:lnSpc>
-                <a:spcPct val="90000"/>
-              </a:lnSpc>
-              <a:spcBef>
-                <a:spcPts val="500"/>
-              </a:spcBef>
-              <a:buFont typeface="Arial" panose="020B0604020202020204" pitchFamily="34" charset="0"/>
-              <a:buChar char="•"/>
-              <a:defRPr sz="1800" kern="1200">
-                <a:solidFill>
-                  <a:schemeClr val="tx1"/>
-                </a:solidFill>
-                <a:latin typeface="+mn-lt"/>
-                <a:ea typeface="+mn-ea"/>
-                <a:cs typeface="+mn-cs"/>
-              </a:defRPr>
-            </a:lvl6pPr>
-            <a:lvl7pPr marL="2971800" indent="-228600" algn="l" defTabSz="914400" rtl="0" eaLnBrk="1" latinLnBrk="0" hangingPunct="1">
-              <a:lnSpc>
-                <a:spcPct val="90000"/>
-              </a:lnSpc>
-              <a:spcBef>
-                <a:spcPts val="500"/>
-              </a:spcBef>
-              <a:buFont typeface="Arial" panose="020B0604020202020204" pitchFamily="34" charset="0"/>
-              <a:buChar char="•"/>
-              <a:defRPr sz="1800" kern="1200">
-                <a:solidFill>
-                  <a:schemeClr val="tx1"/>
-                </a:solidFill>
-                <a:latin typeface="+mn-lt"/>
-                <a:ea typeface="+mn-ea"/>
-                <a:cs typeface="+mn-cs"/>
-              </a:defRPr>
-            </a:lvl7pPr>
-            <a:lvl8pPr marL="3429000" indent="-228600" algn="l" defTabSz="914400" rtl="0" eaLnBrk="1" latinLnBrk="0" hangingPunct="1">
-              <a:lnSpc>
-                <a:spcPct val="90000"/>
-              </a:lnSpc>
-              <a:spcBef>
-                <a:spcPts val="500"/>
-              </a:spcBef>
-              <a:buFont typeface="Arial" panose="020B0604020202020204" pitchFamily="34" charset="0"/>
-              <a:buChar char="•"/>
-              <a:defRPr sz="1800" kern="1200">
-                <a:solidFill>
-                  <a:schemeClr val="tx1"/>
-                </a:solidFill>
-                <a:latin typeface="+mn-lt"/>
-                <a:ea typeface="+mn-ea"/>
-                <a:cs typeface="+mn-cs"/>
-              </a:defRPr>
-            </a:lvl8pPr>
-            <a:lvl9pPr marL="3886200" indent="-228600" algn="l" defTabSz="914400" rtl="0" eaLnBrk="1" latinLnBrk="0" hangingPunct="1">
-              <a:lnSpc>
-                <a:spcPct val="90000"/>
-              </a:lnSpc>
-              <a:spcBef>
-                <a:spcPts val="500"/>
-              </a:spcBef>
-              <a:buFont typeface="Arial" panose="020B0604020202020204" pitchFamily="34" charset="0"/>
-              <a:buChar char="•"/>
-              <a:defRPr sz="1800" kern="1200">
-                <a:solidFill>
-                  <a:schemeClr val="tx1"/>
-                </a:solidFill>
-                <a:latin typeface="+mn-lt"/>
-                <a:ea typeface="+mn-ea"/>
-                <a:cs typeface="+mn-cs"/>
-              </a:defRPr>
-            </a:lvl9pPr>
-          </a:lstStyle>
-          <a:p>
-            <a:r>
-              <a:rPr lang="en-US" dirty="0" smtClean="0"/>
-              <a:t>Containers</a:t>
-            </a:r>
-          </a:p>
-          <a:p>
-            <a:r>
-              <a:rPr lang="en-US" sz="1800" dirty="0" smtClean="0">
-                <a:hlinkClick r:id="rId9"/>
-              </a:rPr>
-              <a:t>&lt;array&gt;</a:t>
-            </a:r>
-            <a:endParaRPr lang="en-US" sz="1800" dirty="0" smtClean="0"/>
-          </a:p>
-          <a:p>
-            <a:r>
-              <a:rPr lang="en-US" sz="1800" dirty="0" smtClean="0">
-                <a:hlinkClick r:id="rId10"/>
-              </a:rPr>
-              <a:t>&lt;</a:t>
-            </a:r>
-            <a:r>
-              <a:rPr lang="en-US" sz="1800" dirty="0" err="1" smtClean="0">
-                <a:hlinkClick r:id="rId10"/>
-              </a:rPr>
-              <a:t>forward_list</a:t>
-            </a:r>
-            <a:r>
-              <a:rPr lang="en-US" sz="1800" dirty="0" smtClean="0">
-                <a:hlinkClick r:id="rId10"/>
-              </a:rPr>
-              <a:t>&gt;</a:t>
-            </a:r>
-            <a:endParaRPr lang="en-US" sz="1800" dirty="0" smtClean="0"/>
-          </a:p>
-          <a:p>
-            <a:r>
-              <a:rPr lang="en-US" sz="1800" dirty="0" smtClean="0">
-                <a:hlinkClick r:id="rId11"/>
-              </a:rPr>
-              <a:t>&lt;</a:t>
-            </a:r>
-            <a:r>
-              <a:rPr lang="en-US" sz="1800" dirty="0" err="1" smtClean="0">
-                <a:hlinkClick r:id="rId11"/>
-              </a:rPr>
-              <a:t>unordered_map</a:t>
-            </a:r>
-            <a:r>
-              <a:rPr lang="en-US" sz="1800" dirty="0" smtClean="0">
-                <a:hlinkClick r:id="rId11"/>
-              </a:rPr>
-              <a:t>&gt;</a:t>
-            </a:r>
-            <a:endParaRPr lang="en-US" sz="1800" dirty="0" smtClean="0"/>
-          </a:p>
-          <a:p>
-            <a:r>
-              <a:rPr lang="en-US" sz="1800" dirty="0" smtClean="0">
-                <a:hlinkClick r:id="rId12"/>
-              </a:rPr>
-              <a:t>&lt;</a:t>
-            </a:r>
-            <a:r>
-              <a:rPr lang="en-US" sz="1800" dirty="0" err="1" smtClean="0">
-                <a:hlinkClick r:id="rId12"/>
-              </a:rPr>
-              <a:t>unordered_set</a:t>
-            </a:r>
-            <a:r>
-              <a:rPr lang="en-US" sz="1800" dirty="0" smtClean="0">
-                <a:hlinkClick r:id="rId12"/>
-              </a:rPr>
-              <a:t>&gt;</a:t>
-            </a:r>
-            <a:endParaRPr lang="en-US" sz="1800" dirty="0" smtClean="0"/>
-          </a:p>
-          <a:p>
-            <a:pPr marL="0" indent="0">
-              <a:buNone/>
-            </a:pPr>
-            <a:endParaRPr lang="en-US" sz="1800" dirty="0"/>
-          </a:p>
-        </p:txBody>
-      </p:sp>
-      <p:sp>
-        <p:nvSpPr>
-          <p:cNvPr id="9" name="Content Placeholder 2"/>
-          <p:cNvSpPr txBox="1">
-            <a:spLocks/>
-          </p:cNvSpPr>
-          <p:nvPr/>
-        </p:nvSpPr>
-        <p:spPr>
-          <a:xfrm>
-            <a:off x="5699054" y="2265723"/>
-            <a:ext cx="2754217" cy="2603156"/>
-          </a:xfrm>
-          <a:prstGeom prst="rect">
-            <a:avLst/>
-          </a:prstGeom>
-          <a:ln>
-            <a:noFill/>
-          </a:ln>
-        </p:spPr>
-        <p:txBody>
-          <a:bodyPr vert="horz" lIns="91440" tIns="45720" rIns="91440" bIns="45720" rtlCol="0">
-            <a:normAutofit/>
-          </a:bodyPr>
-          <a:lstStyle>
-            <a:lvl1pPr marL="228600" indent="-228600" algn="l" defTabSz="914400" rtl="0" eaLnBrk="1" latinLnBrk="0" hangingPunct="1">
-              <a:lnSpc>
-                <a:spcPct val="90000"/>
-              </a:lnSpc>
-              <a:spcBef>
-                <a:spcPts val="1000"/>
-              </a:spcBef>
-              <a:buFont typeface="Arial" panose="020B0604020202020204" pitchFamily="34" charset="0"/>
-              <a:buChar char="•"/>
-              <a:defRPr sz="2800" kern="1200">
-                <a:solidFill>
-                  <a:schemeClr val="tx1"/>
-                </a:solidFill>
-                <a:latin typeface="+mn-lt"/>
-                <a:ea typeface="+mn-ea"/>
-                <a:cs typeface="+mn-cs"/>
-              </a:defRPr>
-            </a:lvl1pPr>
-            <a:lvl2pPr marL="685800" indent="-228600" algn="l" defTabSz="914400" rtl="0" eaLnBrk="1" latinLnBrk="0" hangingPunct="1">
-              <a:lnSpc>
-                <a:spcPct val="90000"/>
-              </a:lnSpc>
-              <a:spcBef>
-                <a:spcPts val="500"/>
-              </a:spcBef>
-              <a:buFont typeface="Arial" panose="020B0604020202020204" pitchFamily="34" charset="0"/>
-              <a:buChar char="•"/>
-              <a:defRPr sz="2400" kern="1200">
-                <a:solidFill>
-                  <a:schemeClr val="tx1"/>
-                </a:solidFill>
-                <a:latin typeface="+mn-lt"/>
-                <a:ea typeface="+mn-ea"/>
-                <a:cs typeface="+mn-cs"/>
-              </a:defRPr>
-            </a:lvl2pPr>
-            <a:lvl3pPr marL="1143000" indent="-228600" algn="l" defTabSz="914400" rtl="0" eaLnBrk="1" latinLnBrk="0" hangingPunct="1">
-              <a:lnSpc>
-                <a:spcPct val="90000"/>
-              </a:lnSpc>
-              <a:spcBef>
-                <a:spcPts val="500"/>
-              </a:spcBef>
-              <a:buFont typeface="Arial" panose="020B0604020202020204" pitchFamily="34" charset="0"/>
-              <a:buChar char="•"/>
-              <a:defRPr sz="2000" kern="1200">
-                <a:solidFill>
-                  <a:schemeClr val="tx1"/>
-                </a:solidFill>
-                <a:latin typeface="+mn-lt"/>
-                <a:ea typeface="+mn-ea"/>
-                <a:cs typeface="+mn-cs"/>
-              </a:defRPr>
-            </a:lvl3pPr>
-            <a:lvl4pPr marL="1600200" indent="-228600" algn="l" defTabSz="914400" rtl="0" eaLnBrk="1" latinLnBrk="0" hangingPunct="1">
-              <a:lnSpc>
-                <a:spcPct val="90000"/>
-              </a:lnSpc>
-              <a:spcBef>
-                <a:spcPts val="500"/>
-              </a:spcBef>
-              <a:buFont typeface="Arial" panose="020B0604020202020204" pitchFamily="34" charset="0"/>
-              <a:buChar char="•"/>
-              <a:defRPr sz="1800" kern="1200">
-                <a:solidFill>
-                  <a:schemeClr val="tx1"/>
-                </a:solidFill>
-                <a:latin typeface="+mn-lt"/>
-                <a:ea typeface="+mn-ea"/>
-                <a:cs typeface="+mn-cs"/>
-              </a:defRPr>
-            </a:lvl4pPr>
-            <a:lvl5pPr marL="2057400" indent="-228600" algn="l" defTabSz="914400" rtl="0" eaLnBrk="1" latinLnBrk="0" hangingPunct="1">
-              <a:lnSpc>
-                <a:spcPct val="90000"/>
-              </a:lnSpc>
-              <a:spcBef>
-                <a:spcPts val="500"/>
-              </a:spcBef>
-              <a:buFont typeface="Arial" panose="020B0604020202020204" pitchFamily="34" charset="0"/>
-              <a:buChar char="•"/>
-              <a:defRPr sz="1800" kern="1200">
-                <a:solidFill>
-                  <a:schemeClr val="tx1"/>
-                </a:solidFill>
-                <a:latin typeface="+mn-lt"/>
-                <a:ea typeface="+mn-ea"/>
-                <a:cs typeface="+mn-cs"/>
-              </a:defRPr>
-            </a:lvl5pPr>
-            <a:lvl6pPr marL="2514600" indent="-228600" algn="l" defTabSz="914400" rtl="0" eaLnBrk="1" latinLnBrk="0" hangingPunct="1">
-              <a:lnSpc>
-                <a:spcPct val="90000"/>
-              </a:lnSpc>
-              <a:spcBef>
-                <a:spcPts val="500"/>
-              </a:spcBef>
-              <a:buFont typeface="Arial" panose="020B0604020202020204" pitchFamily="34" charset="0"/>
-              <a:buChar char="•"/>
-              <a:defRPr sz="1800" kern="1200">
-                <a:solidFill>
-                  <a:schemeClr val="tx1"/>
-                </a:solidFill>
-                <a:latin typeface="+mn-lt"/>
-                <a:ea typeface="+mn-ea"/>
-                <a:cs typeface="+mn-cs"/>
-              </a:defRPr>
-            </a:lvl6pPr>
-            <a:lvl7pPr marL="2971800" indent="-228600" algn="l" defTabSz="914400" rtl="0" eaLnBrk="1" latinLnBrk="0" hangingPunct="1">
-              <a:lnSpc>
-                <a:spcPct val="90000"/>
-              </a:lnSpc>
-              <a:spcBef>
-                <a:spcPts val="500"/>
-              </a:spcBef>
-              <a:buFont typeface="Arial" panose="020B0604020202020204" pitchFamily="34" charset="0"/>
-              <a:buChar char="•"/>
-              <a:defRPr sz="1800" kern="1200">
-                <a:solidFill>
-                  <a:schemeClr val="tx1"/>
-                </a:solidFill>
-                <a:latin typeface="+mn-lt"/>
-                <a:ea typeface="+mn-ea"/>
-                <a:cs typeface="+mn-cs"/>
-              </a:defRPr>
-            </a:lvl7pPr>
-            <a:lvl8pPr marL="3429000" indent="-228600" algn="l" defTabSz="914400" rtl="0" eaLnBrk="1" latinLnBrk="0" hangingPunct="1">
-              <a:lnSpc>
-                <a:spcPct val="90000"/>
-              </a:lnSpc>
-              <a:spcBef>
-                <a:spcPts val="500"/>
-              </a:spcBef>
-              <a:buFont typeface="Arial" panose="020B0604020202020204" pitchFamily="34" charset="0"/>
-              <a:buChar char="•"/>
-              <a:defRPr sz="1800" kern="1200">
-                <a:solidFill>
-                  <a:schemeClr val="tx1"/>
-                </a:solidFill>
-                <a:latin typeface="+mn-lt"/>
-                <a:ea typeface="+mn-ea"/>
-                <a:cs typeface="+mn-cs"/>
-              </a:defRPr>
-            </a:lvl8pPr>
-            <a:lvl9pPr marL="3886200" indent="-228600" algn="l" defTabSz="914400" rtl="0" eaLnBrk="1" latinLnBrk="0" hangingPunct="1">
-              <a:lnSpc>
-                <a:spcPct val="90000"/>
-              </a:lnSpc>
-              <a:spcBef>
-                <a:spcPts val="500"/>
-              </a:spcBef>
-              <a:buFont typeface="Arial" panose="020B0604020202020204" pitchFamily="34" charset="0"/>
-              <a:buChar char="•"/>
-              <a:defRPr sz="1800" kern="1200">
-                <a:solidFill>
-                  <a:schemeClr val="tx1"/>
-                </a:solidFill>
-                <a:latin typeface="+mn-lt"/>
-                <a:ea typeface="+mn-ea"/>
-                <a:cs typeface="+mn-cs"/>
-              </a:defRPr>
-            </a:lvl9pPr>
-          </a:lstStyle>
-          <a:p>
-            <a:r>
-              <a:rPr lang="en-US" dirty="0" smtClean="0"/>
-              <a:t>Multi-</a:t>
-            </a:r>
-            <a:r>
-              <a:rPr lang="en-US" dirty="0" err="1" smtClean="0"/>
-              <a:t>theading</a:t>
-            </a:r>
-            <a:endParaRPr lang="en-US" dirty="0" smtClean="0"/>
-          </a:p>
-          <a:p>
-            <a:r>
-              <a:rPr lang="en-US" sz="1800" b="1" dirty="0" smtClean="0">
-                <a:hlinkClick r:id="rId13"/>
-              </a:rPr>
-              <a:t>&lt;</a:t>
-            </a:r>
-            <a:r>
-              <a:rPr lang="en-US" sz="1800" b="1" dirty="0" err="1" smtClean="0">
-                <a:hlinkClick r:id="rId13"/>
-              </a:rPr>
-              <a:t>automic</a:t>
-            </a:r>
-            <a:r>
-              <a:rPr lang="en-US" sz="1800" b="1" dirty="0" smtClean="0">
-                <a:hlinkClick r:id="rId13"/>
-              </a:rPr>
-              <a:t>&gt;</a:t>
-            </a:r>
-            <a:endParaRPr lang="en-US" sz="1800" b="1" dirty="0" smtClean="0"/>
-          </a:p>
-          <a:p>
-            <a:r>
-              <a:rPr lang="en-US" sz="1800" b="1" dirty="0" smtClean="0">
-                <a:hlinkClick r:id="rId14"/>
-              </a:rPr>
-              <a:t>&lt;</a:t>
-            </a:r>
-            <a:r>
-              <a:rPr lang="en-US" sz="1800" b="1" dirty="0" err="1" smtClean="0">
-                <a:hlinkClick r:id="rId14"/>
-              </a:rPr>
-              <a:t>condition_variable</a:t>
-            </a:r>
-            <a:r>
-              <a:rPr lang="en-US" sz="1800" b="1" dirty="0" smtClean="0">
-                <a:hlinkClick r:id="rId14"/>
-              </a:rPr>
-              <a:t>&gt;</a:t>
-            </a:r>
-            <a:endParaRPr lang="en-US" sz="1800" b="1" dirty="0" smtClean="0"/>
-          </a:p>
-          <a:p>
-            <a:r>
-              <a:rPr lang="en-US" sz="1800" b="1" dirty="0" smtClean="0">
-                <a:hlinkClick r:id="rId15"/>
-              </a:rPr>
-              <a:t>&lt;future&gt;</a:t>
-            </a:r>
-            <a:endParaRPr lang="en-US" sz="1800" b="1" dirty="0" smtClean="0"/>
-          </a:p>
-          <a:p>
-            <a:r>
-              <a:rPr lang="en-US" sz="1800" b="1" dirty="0" smtClean="0">
-                <a:hlinkClick r:id="rId16"/>
-              </a:rPr>
-              <a:t>&lt;</a:t>
-            </a:r>
-            <a:r>
-              <a:rPr lang="en-US" sz="1800" b="1" dirty="0" err="1" smtClean="0">
-                <a:hlinkClick r:id="rId16"/>
-              </a:rPr>
-              <a:t>mutex</a:t>
-            </a:r>
-            <a:r>
-              <a:rPr lang="en-US" sz="1800" b="1" dirty="0" smtClean="0">
-                <a:hlinkClick r:id="rId16"/>
-              </a:rPr>
-              <a:t>&gt;</a:t>
-            </a:r>
-            <a:endParaRPr lang="en-US" sz="1800" b="1" dirty="0" smtClean="0"/>
-          </a:p>
-          <a:p>
-            <a:r>
-              <a:rPr lang="en-US" sz="1800" b="1" dirty="0" smtClean="0">
-                <a:hlinkClick r:id="rId17"/>
-              </a:rPr>
-              <a:t>&lt;thread&gt;</a:t>
-            </a:r>
-            <a:endParaRPr lang="en-US" sz="1800" b="1" dirty="0" smtClean="0"/>
-          </a:p>
-          <a:p>
-            <a:pPr marL="0" indent="0">
-              <a:buNone/>
-            </a:pPr>
-            <a:endParaRPr lang="en-US" sz="1800" dirty="0"/>
-          </a:p>
-        </p:txBody>
-      </p:sp>
-      <p:sp>
-        <p:nvSpPr>
-          <p:cNvPr id="10" name="Content Placeholder 2"/>
-          <p:cNvSpPr txBox="1">
-            <a:spLocks/>
-          </p:cNvSpPr>
-          <p:nvPr/>
-        </p:nvSpPr>
-        <p:spPr>
-          <a:xfrm>
-            <a:off x="8687693" y="2282414"/>
-            <a:ext cx="2347511" cy="3792977"/>
-          </a:xfrm>
-          <a:prstGeom prst="rect">
-            <a:avLst/>
-          </a:prstGeom>
-        </p:spPr>
-        <p:txBody>
-          <a:bodyPr vert="horz" lIns="91440" tIns="45720" rIns="91440" bIns="45720" rtlCol="0">
-            <a:normAutofit fontScale="92500" lnSpcReduction="10000"/>
-          </a:bodyPr>
-          <a:lstStyle>
-            <a:lvl1pPr marL="228600" indent="-228600" algn="l" defTabSz="914400" rtl="0" eaLnBrk="1" latinLnBrk="0" hangingPunct="1">
-              <a:lnSpc>
-                <a:spcPct val="90000"/>
-              </a:lnSpc>
-              <a:spcBef>
-                <a:spcPts val="1000"/>
-              </a:spcBef>
-              <a:buFont typeface="Arial" panose="020B0604020202020204" pitchFamily="34" charset="0"/>
-              <a:buChar char="•"/>
-              <a:defRPr sz="2800" kern="1200">
-                <a:solidFill>
-                  <a:schemeClr val="tx1"/>
-                </a:solidFill>
-                <a:latin typeface="+mn-lt"/>
-                <a:ea typeface="+mn-ea"/>
-                <a:cs typeface="+mn-cs"/>
-              </a:defRPr>
-            </a:lvl1pPr>
-            <a:lvl2pPr marL="685800" indent="-228600" algn="l" defTabSz="914400" rtl="0" eaLnBrk="1" latinLnBrk="0" hangingPunct="1">
-              <a:lnSpc>
-                <a:spcPct val="90000"/>
-              </a:lnSpc>
-              <a:spcBef>
-                <a:spcPts val="500"/>
-              </a:spcBef>
-              <a:buFont typeface="Arial" panose="020B0604020202020204" pitchFamily="34" charset="0"/>
-              <a:buChar char="•"/>
-              <a:defRPr sz="2400" kern="1200">
-                <a:solidFill>
-                  <a:schemeClr val="tx1"/>
-                </a:solidFill>
-                <a:latin typeface="+mn-lt"/>
-                <a:ea typeface="+mn-ea"/>
-                <a:cs typeface="+mn-cs"/>
-              </a:defRPr>
-            </a:lvl2pPr>
-            <a:lvl3pPr marL="1143000" indent="-228600" algn="l" defTabSz="914400" rtl="0" eaLnBrk="1" latinLnBrk="0" hangingPunct="1">
-              <a:lnSpc>
-                <a:spcPct val="90000"/>
-              </a:lnSpc>
-              <a:spcBef>
-                <a:spcPts val="500"/>
-              </a:spcBef>
-              <a:buFont typeface="Arial" panose="020B0604020202020204" pitchFamily="34" charset="0"/>
-              <a:buChar char="•"/>
-              <a:defRPr sz="2000" kern="1200">
-                <a:solidFill>
-                  <a:schemeClr val="tx1"/>
-                </a:solidFill>
-                <a:latin typeface="+mn-lt"/>
-                <a:ea typeface="+mn-ea"/>
-                <a:cs typeface="+mn-cs"/>
-              </a:defRPr>
-            </a:lvl3pPr>
-            <a:lvl4pPr marL="1600200" indent="-228600" algn="l" defTabSz="914400" rtl="0" eaLnBrk="1" latinLnBrk="0" hangingPunct="1">
-              <a:lnSpc>
-                <a:spcPct val="90000"/>
-              </a:lnSpc>
-              <a:spcBef>
-                <a:spcPts val="500"/>
-              </a:spcBef>
-              <a:buFont typeface="Arial" panose="020B0604020202020204" pitchFamily="34" charset="0"/>
-              <a:buChar char="•"/>
-              <a:defRPr sz="1800" kern="1200">
-                <a:solidFill>
-                  <a:schemeClr val="tx1"/>
-                </a:solidFill>
-                <a:latin typeface="+mn-lt"/>
-                <a:ea typeface="+mn-ea"/>
-                <a:cs typeface="+mn-cs"/>
-              </a:defRPr>
-            </a:lvl4pPr>
-            <a:lvl5pPr marL="2057400" indent="-228600" algn="l" defTabSz="914400" rtl="0" eaLnBrk="1" latinLnBrk="0" hangingPunct="1">
-              <a:lnSpc>
-                <a:spcPct val="90000"/>
-              </a:lnSpc>
-              <a:spcBef>
-                <a:spcPts val="500"/>
-              </a:spcBef>
-              <a:buFont typeface="Arial" panose="020B0604020202020204" pitchFamily="34" charset="0"/>
-              <a:buChar char="•"/>
-              <a:defRPr sz="1800" kern="1200">
-                <a:solidFill>
-                  <a:schemeClr val="tx1"/>
-                </a:solidFill>
-                <a:latin typeface="+mn-lt"/>
-                <a:ea typeface="+mn-ea"/>
-                <a:cs typeface="+mn-cs"/>
-              </a:defRPr>
-            </a:lvl5pPr>
-            <a:lvl6pPr marL="2514600" indent="-228600" algn="l" defTabSz="914400" rtl="0" eaLnBrk="1" latinLnBrk="0" hangingPunct="1">
-              <a:lnSpc>
-                <a:spcPct val="90000"/>
-              </a:lnSpc>
-              <a:spcBef>
-                <a:spcPts val="500"/>
-              </a:spcBef>
-              <a:buFont typeface="Arial" panose="020B0604020202020204" pitchFamily="34" charset="0"/>
-              <a:buChar char="•"/>
-              <a:defRPr sz="1800" kern="1200">
-                <a:solidFill>
-                  <a:schemeClr val="tx1"/>
-                </a:solidFill>
-                <a:latin typeface="+mn-lt"/>
-                <a:ea typeface="+mn-ea"/>
-                <a:cs typeface="+mn-cs"/>
-              </a:defRPr>
-            </a:lvl6pPr>
-            <a:lvl7pPr marL="2971800" indent="-228600" algn="l" defTabSz="914400" rtl="0" eaLnBrk="1" latinLnBrk="0" hangingPunct="1">
-              <a:lnSpc>
-                <a:spcPct val="90000"/>
-              </a:lnSpc>
-              <a:spcBef>
-                <a:spcPts val="500"/>
-              </a:spcBef>
-              <a:buFont typeface="Arial" panose="020B0604020202020204" pitchFamily="34" charset="0"/>
-              <a:buChar char="•"/>
-              <a:defRPr sz="1800" kern="1200">
-                <a:solidFill>
-                  <a:schemeClr val="tx1"/>
-                </a:solidFill>
-                <a:latin typeface="+mn-lt"/>
-                <a:ea typeface="+mn-ea"/>
-                <a:cs typeface="+mn-cs"/>
-              </a:defRPr>
-            </a:lvl7pPr>
-            <a:lvl8pPr marL="3429000" indent="-228600" algn="l" defTabSz="914400" rtl="0" eaLnBrk="1" latinLnBrk="0" hangingPunct="1">
-              <a:lnSpc>
-                <a:spcPct val="90000"/>
-              </a:lnSpc>
-              <a:spcBef>
-                <a:spcPts val="500"/>
-              </a:spcBef>
-              <a:buFont typeface="Arial" panose="020B0604020202020204" pitchFamily="34" charset="0"/>
-              <a:buChar char="•"/>
-              <a:defRPr sz="1800" kern="1200">
-                <a:solidFill>
-                  <a:schemeClr val="tx1"/>
-                </a:solidFill>
-                <a:latin typeface="+mn-lt"/>
-                <a:ea typeface="+mn-ea"/>
-                <a:cs typeface="+mn-cs"/>
-              </a:defRPr>
-            </a:lvl8pPr>
-            <a:lvl9pPr marL="3886200" indent="-228600" algn="l" defTabSz="914400" rtl="0" eaLnBrk="1" latinLnBrk="0" hangingPunct="1">
-              <a:lnSpc>
-                <a:spcPct val="90000"/>
-              </a:lnSpc>
-              <a:spcBef>
-                <a:spcPts val="500"/>
-              </a:spcBef>
-              <a:buFont typeface="Arial" panose="020B0604020202020204" pitchFamily="34" charset="0"/>
-              <a:buChar char="•"/>
-              <a:defRPr sz="1800" kern="1200">
-                <a:solidFill>
-                  <a:schemeClr val="tx1"/>
-                </a:solidFill>
-                <a:latin typeface="+mn-lt"/>
-                <a:ea typeface="+mn-ea"/>
-                <a:cs typeface="+mn-cs"/>
-              </a:defRPr>
-            </a:lvl9pPr>
-          </a:lstStyle>
-          <a:p>
-            <a:r>
-              <a:rPr lang="en-US" dirty="0" smtClean="0"/>
-              <a:t>Other</a:t>
-            </a:r>
-          </a:p>
-          <a:p>
-            <a:r>
-              <a:rPr lang="en-US" sz="1800" b="1" dirty="0" smtClean="0">
-                <a:hlinkClick r:id="rId18"/>
-              </a:rPr>
-              <a:t>&lt;</a:t>
-            </a:r>
-            <a:r>
-              <a:rPr lang="en-US" sz="1800" b="1" dirty="0" err="1" smtClean="0">
-                <a:hlinkClick r:id="rId18"/>
-              </a:rPr>
-              <a:t>chrono</a:t>
-            </a:r>
-            <a:r>
-              <a:rPr lang="en-US" sz="1800" b="1" dirty="0" smtClean="0">
-                <a:hlinkClick r:id="rId18"/>
-              </a:rPr>
-              <a:t>&gt;</a:t>
-            </a:r>
-            <a:endParaRPr lang="en-US" sz="1800" b="1" dirty="0" smtClean="0"/>
-          </a:p>
-          <a:p>
-            <a:r>
-              <a:rPr lang="en-US" sz="1800" dirty="0" smtClean="0">
-                <a:hlinkClick r:id="rId19"/>
-              </a:rPr>
-              <a:t>&lt;</a:t>
-            </a:r>
-            <a:r>
-              <a:rPr lang="en-US" sz="1800" dirty="0" err="1" smtClean="0">
-                <a:hlinkClick r:id="rId19"/>
-              </a:rPr>
-              <a:t>codecvt</a:t>
-            </a:r>
-            <a:r>
-              <a:rPr lang="en-US" sz="1800" dirty="0" smtClean="0">
-                <a:hlinkClick r:id="rId19"/>
-              </a:rPr>
-              <a:t>&gt;</a:t>
-            </a:r>
-            <a:endParaRPr lang="en-US" sz="1800" dirty="0" smtClean="0"/>
-          </a:p>
-          <a:p>
-            <a:r>
-              <a:rPr lang="en-US" sz="1800" b="1" dirty="0" smtClean="0">
-                <a:hlinkClick r:id="rId20"/>
-              </a:rPr>
-              <a:t>&lt;</a:t>
-            </a:r>
-            <a:r>
-              <a:rPr lang="en-US" sz="1800" b="1" dirty="0" err="1" smtClean="0">
-                <a:hlinkClick r:id="rId20"/>
-              </a:rPr>
-              <a:t>initializer_list</a:t>
-            </a:r>
-            <a:r>
-              <a:rPr lang="en-US" sz="1800" b="1" dirty="0" smtClean="0">
-                <a:hlinkClick r:id="rId20"/>
-              </a:rPr>
-              <a:t>&gt;</a:t>
-            </a:r>
-            <a:endParaRPr lang="en-US" sz="1800" b="1" dirty="0" smtClean="0"/>
-          </a:p>
-          <a:p>
-            <a:r>
-              <a:rPr lang="en-US" sz="1800" dirty="0">
-                <a:hlinkClick r:id="rId21"/>
-              </a:rPr>
-              <a:t>&lt;random&gt;</a:t>
-            </a:r>
-            <a:endParaRPr lang="en-US" sz="1800" dirty="0" smtClean="0"/>
-          </a:p>
-          <a:p>
-            <a:r>
-              <a:rPr lang="en-US" sz="1800" dirty="0" smtClean="0">
-                <a:hlinkClick r:id="rId22"/>
-              </a:rPr>
-              <a:t>&lt;ratio&gt;</a:t>
-            </a:r>
-            <a:endParaRPr lang="en-US" sz="1800" dirty="0" smtClean="0"/>
-          </a:p>
-          <a:p>
-            <a:r>
-              <a:rPr lang="en-US" sz="1800" b="1" dirty="0" smtClean="0">
-                <a:hlinkClick r:id="rId23"/>
-              </a:rPr>
-              <a:t>&lt;regex&gt;</a:t>
-            </a:r>
-            <a:endParaRPr lang="en-US" sz="1800" b="1" dirty="0" smtClean="0"/>
-          </a:p>
-          <a:p>
-            <a:r>
-              <a:rPr lang="en-US" sz="1800" b="1" dirty="0" smtClean="0">
-                <a:hlinkClick r:id="rId24"/>
-              </a:rPr>
-              <a:t>&lt;</a:t>
-            </a:r>
-            <a:r>
-              <a:rPr lang="en-US" sz="1800" b="1" dirty="0">
-                <a:hlinkClick r:id="rId24"/>
-              </a:rPr>
-              <a:t>tuple</a:t>
-            </a:r>
-            <a:r>
-              <a:rPr lang="en-US" sz="1800" b="1" dirty="0" smtClean="0">
-                <a:hlinkClick r:id="rId24"/>
-              </a:rPr>
-              <a:t>&gt;</a:t>
-            </a:r>
-            <a:endParaRPr lang="en-US" sz="1800" b="1" dirty="0" smtClean="0"/>
-          </a:p>
-          <a:p>
-            <a:r>
-              <a:rPr lang="en-US" sz="1800" dirty="0">
-                <a:hlinkClick r:id="rId24"/>
-              </a:rPr>
-              <a:t>&lt;</a:t>
-            </a:r>
-            <a:r>
-              <a:rPr lang="en-US" sz="1800" dirty="0" err="1">
-                <a:hlinkClick r:id="rId24"/>
-              </a:rPr>
-              <a:t>system_error</a:t>
-            </a:r>
-            <a:r>
-              <a:rPr lang="en-US" sz="1800" dirty="0">
-                <a:hlinkClick r:id="rId24"/>
-              </a:rPr>
-              <a:t>&gt;</a:t>
-            </a:r>
-            <a:endParaRPr lang="en-US" sz="1800" dirty="0" smtClean="0"/>
-          </a:p>
-          <a:p>
-            <a:r>
-              <a:rPr lang="en-US" sz="1800" dirty="0" smtClean="0">
-                <a:hlinkClick r:id="rId25"/>
-              </a:rPr>
-              <a:t>&lt;</a:t>
-            </a:r>
-            <a:r>
-              <a:rPr lang="en-US" sz="1800" dirty="0" err="1" smtClean="0">
-                <a:hlinkClick r:id="rId25"/>
-              </a:rPr>
-              <a:t>typeindex</a:t>
-            </a:r>
-            <a:r>
-              <a:rPr lang="en-US" sz="1800" dirty="0" smtClean="0">
-                <a:hlinkClick r:id="rId25"/>
-              </a:rPr>
-              <a:t>&gt;</a:t>
-            </a:r>
-            <a:endParaRPr lang="en-US" sz="1800" dirty="0" smtClean="0"/>
-          </a:p>
-          <a:p>
-            <a:r>
-              <a:rPr lang="en-US" sz="1800" dirty="0" smtClean="0">
-                <a:hlinkClick r:id="rId26"/>
-              </a:rPr>
-              <a:t>&lt;</a:t>
-            </a:r>
-            <a:r>
-              <a:rPr lang="en-US" sz="1800" dirty="0" err="1" smtClean="0">
-                <a:hlinkClick r:id="rId26"/>
-              </a:rPr>
-              <a:t>type_traits</a:t>
-            </a:r>
-            <a:r>
-              <a:rPr lang="en-US" sz="1800" dirty="0" smtClean="0">
-                <a:hlinkClick r:id="rId26"/>
-              </a:rPr>
-              <a:t>&gt;</a:t>
-            </a:r>
-            <a:endParaRPr lang="en-US" sz="1800" dirty="0" smtClean="0"/>
-          </a:p>
-          <a:p>
-            <a:endParaRPr lang="en-US" sz="1800" dirty="0" smtClean="0"/>
-          </a:p>
-          <a:p>
-            <a:pPr marL="0" indent="0">
-              <a:buNone/>
-            </a:pPr>
-            <a:endParaRPr lang="en-US" sz="1800" dirty="0"/>
-          </a:p>
-        </p:txBody>
-      </p:sp>
-      <p:sp>
-        <p:nvSpPr>
-          <p:cNvPr id="4" name="TextBox 3"/>
-          <p:cNvSpPr txBox="1"/>
-          <p:nvPr/>
-        </p:nvSpPr>
-        <p:spPr>
-          <a:xfrm>
-            <a:off x="733425" y="5428906"/>
-            <a:ext cx="10390398" cy="1200329"/>
-          </a:xfrm>
-          <a:prstGeom prst="rect">
-            <a:avLst/>
-          </a:prstGeom>
-          <a:noFill/>
-        </p:spPr>
-        <p:txBody>
-          <a:bodyPr wrap="square" rtlCol="0">
-            <a:spAutoFit/>
-          </a:bodyPr>
-          <a:lstStyle/>
-          <a:p>
-            <a:r>
-              <a:rPr lang="en-US" b="1" dirty="0">
-                <a:solidFill>
-                  <a:srgbClr val="FF0000"/>
-                </a:solidFill>
-                <a:latin typeface="+mj-lt"/>
-              </a:rPr>
-              <a:t>Note: there are </a:t>
-            </a:r>
-            <a:r>
-              <a:rPr lang="en-US" b="1" dirty="0" smtClean="0">
-                <a:solidFill>
-                  <a:srgbClr val="FF0000"/>
-                </a:solidFill>
-                <a:latin typeface="+mj-lt"/>
-              </a:rPr>
-              <a:t>lots of little upgrade </a:t>
-            </a:r>
-            <a:r>
-              <a:rPr lang="en-US" b="1" dirty="0">
-                <a:solidFill>
-                  <a:srgbClr val="FF0000"/>
-                </a:solidFill>
-                <a:latin typeface="+mj-lt"/>
-              </a:rPr>
-              <a:t>to other </a:t>
-            </a:r>
-            <a:r>
-              <a:rPr lang="en-US" b="1" dirty="0" smtClean="0">
-                <a:solidFill>
-                  <a:srgbClr val="FF0000"/>
-                </a:solidFill>
-                <a:latin typeface="+mj-lt"/>
-              </a:rPr>
-              <a:t>headers such as </a:t>
-            </a:r>
-          </a:p>
-          <a:p>
-            <a:r>
-              <a:rPr lang="en-US" dirty="0" smtClean="0">
-                <a:latin typeface="+mj-lt"/>
-              </a:rPr>
-              <a:t>&lt;</a:t>
-            </a:r>
-            <a:r>
-              <a:rPr lang="en-US" dirty="0" err="1">
-                <a:latin typeface="+mj-lt"/>
-              </a:rPr>
-              <a:t>cstdlib</a:t>
-            </a:r>
-            <a:r>
-              <a:rPr lang="en-US" dirty="0" smtClean="0">
-                <a:latin typeface="+mj-lt"/>
-              </a:rPr>
-              <a:t>&gt;,</a:t>
-            </a:r>
-            <a:r>
-              <a:rPr lang="en-US" dirty="0">
-                <a:latin typeface="+mj-lt"/>
-              </a:rPr>
-              <a:t> &lt;</a:t>
-            </a:r>
-            <a:r>
-              <a:rPr lang="en-US" dirty="0" err="1">
-                <a:latin typeface="+mj-lt"/>
-              </a:rPr>
-              <a:t>cwchar</a:t>
-            </a:r>
-            <a:r>
-              <a:rPr lang="en-US" dirty="0">
-                <a:latin typeface="+mj-lt"/>
-              </a:rPr>
-              <a:t>&gt;, </a:t>
-            </a:r>
-            <a:endParaRPr lang="en-US" dirty="0" smtClean="0">
-              <a:latin typeface="+mj-lt"/>
-            </a:endParaRPr>
-          </a:p>
-          <a:p>
-            <a:r>
-              <a:rPr lang="en-US" dirty="0" smtClean="0">
-                <a:latin typeface="+mj-lt"/>
-              </a:rPr>
-              <a:t>&lt;</a:t>
-            </a:r>
-            <a:r>
-              <a:rPr lang="en-US" dirty="0" err="1">
-                <a:latin typeface="+mj-lt"/>
-              </a:rPr>
-              <a:t>deque</a:t>
-            </a:r>
-            <a:r>
-              <a:rPr lang="en-US" dirty="0">
-                <a:latin typeface="+mj-lt"/>
-              </a:rPr>
-              <a:t>&gt;, &lt;list&gt;, &lt;map</a:t>
-            </a:r>
-            <a:r>
-              <a:rPr lang="en-US" dirty="0" smtClean="0">
-                <a:latin typeface="+mj-lt"/>
-              </a:rPr>
-              <a:t>&gt;,&lt;</a:t>
-            </a:r>
-            <a:r>
-              <a:rPr lang="en-US" dirty="0">
-                <a:latin typeface="+mj-lt"/>
-              </a:rPr>
-              <a:t>queue&gt;, &lt;set&gt;, &lt;stack&gt;, &lt;vector</a:t>
-            </a:r>
-            <a:r>
-              <a:rPr lang="en-US" dirty="0" smtClean="0">
-                <a:latin typeface="+mj-lt"/>
-              </a:rPr>
-              <a:t>&gt;</a:t>
-            </a:r>
-          </a:p>
-          <a:p>
-            <a:r>
-              <a:rPr lang="en-US" dirty="0">
-                <a:latin typeface="+mj-lt"/>
-              </a:rPr>
-              <a:t>&lt;algorithm&gt;, &lt;</a:t>
-            </a:r>
-            <a:r>
-              <a:rPr lang="en-US" dirty="0" err="1">
-                <a:latin typeface="+mj-lt"/>
-              </a:rPr>
-              <a:t>bitset</a:t>
-            </a:r>
-            <a:r>
-              <a:rPr lang="en-US" dirty="0">
-                <a:latin typeface="+mj-lt"/>
-              </a:rPr>
-              <a:t>&gt;, &lt;complex&gt;, &lt;exception&gt;, &lt;functional</a:t>
-            </a:r>
-            <a:r>
-              <a:rPr lang="en-US" dirty="0" smtClean="0">
-                <a:latin typeface="+mj-lt"/>
-              </a:rPr>
-              <a:t>&gt;,</a:t>
-            </a:r>
-            <a:r>
-              <a:rPr lang="en-US" dirty="0">
-                <a:latin typeface="+mj-lt"/>
-              </a:rPr>
-              <a:t> </a:t>
-            </a:r>
-            <a:r>
-              <a:rPr lang="en-US" b="1" dirty="0">
-                <a:latin typeface="+mj-lt"/>
-              </a:rPr>
-              <a:t>&lt;memory</a:t>
-            </a:r>
-            <a:r>
-              <a:rPr lang="en-US" b="1" dirty="0" smtClean="0">
-                <a:latin typeface="+mj-lt"/>
-              </a:rPr>
-              <a:t>&gt;</a:t>
-            </a:r>
-            <a:r>
-              <a:rPr lang="en-US" dirty="0" smtClean="0">
-                <a:latin typeface="+mj-lt"/>
-              </a:rPr>
-              <a:t>,</a:t>
-            </a:r>
-            <a:r>
-              <a:rPr lang="en-US" dirty="0"/>
-              <a:t> &lt;string</a:t>
-            </a:r>
-            <a:r>
-              <a:rPr lang="en-US" dirty="0" smtClean="0"/>
-              <a:t>&gt;,</a:t>
-            </a:r>
-            <a:r>
-              <a:rPr lang="en-US" dirty="0"/>
-              <a:t> &lt;utility</a:t>
-            </a:r>
-            <a:r>
-              <a:rPr lang="en-US" dirty="0" smtClean="0"/>
-              <a:t>&gt;</a:t>
-            </a:r>
-            <a:endParaRPr lang="en-US" dirty="0"/>
-          </a:p>
-        </p:txBody>
-      </p:sp>
-      <p:sp>
-        <p:nvSpPr>
-          <p:cNvPr id="5" name="TextBox 4"/>
-          <p:cNvSpPr txBox="1"/>
-          <p:nvPr/>
-        </p:nvSpPr>
-        <p:spPr>
-          <a:xfrm>
-            <a:off x="838200" y="245059"/>
-            <a:ext cx="9768840" cy="1477328"/>
-          </a:xfrm>
-          <a:prstGeom prst="rect">
-            <a:avLst/>
-          </a:prstGeom>
-          <a:noFill/>
-        </p:spPr>
-        <p:txBody>
-          <a:bodyPr wrap="square" rtlCol="0">
-            <a:spAutoFit/>
-          </a:bodyPr>
-          <a:lstStyle/>
-          <a:p>
-            <a:r>
-              <a:rPr lang="en-US" sz="3600" b="1" dirty="0" smtClean="0">
-                <a:solidFill>
-                  <a:schemeClr val="accent2"/>
-                </a:solidFill>
-                <a:latin typeface="+mj-lt"/>
-              </a:rPr>
-              <a:t>II. Brief </a:t>
-            </a:r>
-            <a:r>
-              <a:rPr lang="en-US" sz="3600" b="1" dirty="0">
-                <a:solidFill>
-                  <a:schemeClr val="accent2"/>
-                </a:solidFill>
-                <a:latin typeface="+mj-lt"/>
-              </a:rPr>
-              <a:t>of new features in C++ 11 in comparing with C++98</a:t>
-            </a:r>
-          </a:p>
-          <a:p>
-            <a:endParaRPr lang="en-US" dirty="0"/>
-          </a:p>
-        </p:txBody>
-      </p:sp>
-    </p:spTree>
-    <p:extLst>
-      <p:ext uri="{BB962C8B-B14F-4D97-AF65-F5344CB8AC3E}">
-        <p14:creationId xmlns:p14="http://schemas.microsoft.com/office/powerpoint/2010/main" val="2684118986"/>
-      </p:ext>
-    </p:extLst>
-  </p:cSld>
-  <p:clrMapOvr>
-    <a:masterClrMapping/>
-  </p:clrMapOvr>
-  <p:timing>
-    <p:tnLst>
-      <p:par>
-        <p:cTn id="1" dur="indefinite" restart="never" nodeType="tmRoot"/>
-      </p:par>
-    </p:tnLst>
-  </p:timing>
-</p:sld>
-</file>
-
-<file path=ppt/slides/slide40.xml><?xml version="1.0" encoding="utf-8"?>
+<file path=ppt/slides/slide41.xml><?xml version="1.0" encoding="utf-8"?>
 <p:sld xmlns:a="http://schemas.openxmlformats.org/drawingml/2006/main" xmlns:r="http://schemas.openxmlformats.org/officeDocument/2006/relationships" xmlns:p="http://schemas.openxmlformats.org/presentationml/2006/main">
   <p:cSld>
     <p:spTree>
@@ -20207,15 +21044,7 @@
                   <a:srgbClr val="00B050"/>
                 </a:solidFill>
               </a:rPr>
-              <a:t>x </a:t>
-            </a:r>
-            <a:r>
-              <a:rPr lang="en-US" sz="4000" dirty="0" smtClean="0">
-                <a:solidFill>
-                  <a:srgbClr val="00B050"/>
-                </a:solidFill>
-              </a:rPr>
-              <a:t>= 0</a:t>
+              <a:t>x = 0</a:t>
             </a:r>
             <a:endParaRPr lang="en-US" sz="4000" dirty="0">
               <a:solidFill>
@@ -20419,7 +21248,7 @@
 </p:sld>
 </file>
 
-<file path=ppt/slides/slide41.xml><?xml version="1.0" encoding="utf-8"?>
+<file path=ppt/slides/slide42.xml><?xml version="1.0" encoding="utf-8"?>
 <p:sld xmlns:a="http://schemas.openxmlformats.org/drawingml/2006/main" xmlns:r="http://schemas.openxmlformats.org/officeDocument/2006/relationships" xmlns:p="http://schemas.openxmlformats.org/presentationml/2006/main">
   <p:cSld>
     <p:spTree>
@@ -20690,7 +21519,7 @@
 </p:sld>
 </file>
 
-<file path=ppt/slides/slide42.xml><?xml version="1.0" encoding="utf-8"?>
+<file path=ppt/slides/slide43.xml><?xml version="1.0" encoding="utf-8"?>
 <p:sld xmlns:a="http://schemas.openxmlformats.org/drawingml/2006/main" xmlns:r="http://schemas.openxmlformats.org/officeDocument/2006/relationships" xmlns:p="http://schemas.openxmlformats.org/presentationml/2006/main">
   <p:cSld>
     <p:spTree>
@@ -20868,7 +21697,7 @@
 </p:sld>
 </file>
 
-<file path=ppt/slides/slide43.xml><?xml version="1.0" encoding="utf-8"?>
+<file path=ppt/slides/slide44.xml><?xml version="1.0" encoding="utf-8"?>
 <p:sld xmlns:a="http://schemas.openxmlformats.org/drawingml/2006/main" xmlns:r="http://schemas.openxmlformats.org/officeDocument/2006/relationships" xmlns:p="http://schemas.openxmlformats.org/presentationml/2006/main">
   <p:cSld>
     <p:spTree>
@@ -20967,7 +21796,7 @@
 </p:sld>
 </file>
 
-<file path=ppt/slides/slide44.xml><?xml version="1.0" encoding="utf-8"?>
+<file path=ppt/slides/slide45.xml><?xml version="1.0" encoding="utf-8"?>
 <p:sld xmlns:a="http://schemas.openxmlformats.org/drawingml/2006/main" xmlns:r="http://schemas.openxmlformats.org/officeDocument/2006/relationships" xmlns:p="http://schemas.openxmlformats.org/presentationml/2006/main">
   <p:cSld>
     <p:spTree>
@@ -21309,7 +22138,7 @@
 </p:sld>
 </file>
 
-<file path=ppt/slides/slide45.xml><?xml version="1.0" encoding="utf-8"?>
+<file path=ppt/slides/slide46.xml><?xml version="1.0" encoding="utf-8"?>
 <p:sld xmlns:a="http://schemas.openxmlformats.org/drawingml/2006/main" xmlns:r="http://schemas.openxmlformats.org/officeDocument/2006/relationships" xmlns:p="http://schemas.openxmlformats.org/presentationml/2006/main">
   <p:cSld>
     <p:spTree>
@@ -21838,7 +22667,7 @@
 </p:sld>
 </file>
 
-<file path=ppt/slides/slide46.xml><?xml version="1.0" encoding="utf-8"?>
+<file path=ppt/slides/slide47.xml><?xml version="1.0" encoding="utf-8"?>
 <p:sld xmlns:a="http://schemas.openxmlformats.org/drawingml/2006/main" xmlns:r="http://schemas.openxmlformats.org/officeDocument/2006/relationships" xmlns:p="http://schemas.openxmlformats.org/presentationml/2006/main">
   <p:cSld>
     <p:spTree>
@@ -22004,7 +22833,7 @@
 </p:sld>
 </file>
 
-<file path=ppt/slides/slide47.xml><?xml version="1.0" encoding="utf-8"?>
+<file path=ppt/slides/slide48.xml><?xml version="1.0" encoding="utf-8"?>
 <p:sld xmlns:a="http://schemas.openxmlformats.org/drawingml/2006/main" xmlns:r="http://schemas.openxmlformats.org/officeDocument/2006/relationships" xmlns:p="http://schemas.openxmlformats.org/presentationml/2006/main">
   <p:cSld>
     <p:spTree>
@@ -22129,7 +22958,7 @@
 </p:sld>
 </file>
 
-<file path=ppt/slides/slide48.xml><?xml version="1.0" encoding="utf-8"?>
+<file path=ppt/slides/slide49.xml><?xml version="1.0" encoding="utf-8"?>
 <p:sld xmlns:a="http://schemas.openxmlformats.org/drawingml/2006/main" xmlns:r="http://schemas.openxmlformats.org/officeDocument/2006/relationships" xmlns:p="http://schemas.openxmlformats.org/presentationml/2006/main">
   <p:cSld>
     <p:spTree>
@@ -22305,79 +23134,6 @@
     <p:extLst>
       <p:ext uri="{BB962C8B-B14F-4D97-AF65-F5344CB8AC3E}">
         <p14:creationId xmlns:p14="http://schemas.microsoft.com/office/powerpoint/2010/main" val="2148107815"/>
-      </p:ext>
-    </p:extLst>
-  </p:cSld>
-  <p:clrMapOvr>
-    <a:masterClrMapping/>
-  </p:clrMapOvr>
-</p:sld>
-</file>
-
-<file path=ppt/slides/slide49.xml><?xml version="1.0" encoding="utf-8"?>
-<p:sld xmlns:a="http://schemas.openxmlformats.org/drawingml/2006/main" xmlns:r="http://schemas.openxmlformats.org/officeDocument/2006/relationships" xmlns:p="http://schemas.openxmlformats.org/presentationml/2006/main">
-  <p:cSld>
-    <p:spTree>
-      <p:nvGrpSpPr>
-        <p:cNvPr id="1" name=""/>
-        <p:cNvGrpSpPr/>
-        <p:nvPr/>
-      </p:nvGrpSpPr>
-      <p:grpSpPr>
-        <a:xfrm>
-          <a:off x="0" y="0"/>
-          <a:ext cx="0" cy="0"/>
-          <a:chOff x="0" y="0"/>
-          <a:chExt cx="0" cy="0"/>
-        </a:xfrm>
-      </p:grpSpPr>
-      <p:sp>
-        <p:nvSpPr>
-          <p:cNvPr id="3" name="Content Placeholder 2"/>
-          <p:cNvSpPr>
-            <a:spLocks noGrp="1"/>
-          </p:cNvSpPr>
-          <p:nvPr>
-            <p:ph idx="1"/>
-          </p:nvPr>
-        </p:nvSpPr>
-        <p:spPr>
-          <a:xfrm>
-            <a:off x="2971800" y="2504051"/>
-            <a:ext cx="5552768" cy="1487846"/>
-          </a:xfrm>
-        </p:spPr>
-        <p:txBody>
-          <a:bodyPr>
-            <a:normAutofit/>
-          </a:bodyPr>
-          <a:lstStyle/>
-          <a:p>
-            <a:pPr marL="0" indent="0">
-              <a:buNone/>
-            </a:pPr>
-            <a:r>
-              <a:rPr lang="en-US" sz="9600" dirty="0" smtClean="0">
-                <a:solidFill>
-                  <a:schemeClr val="accent2"/>
-                </a:solidFill>
-                <a:latin typeface="+mj-lt"/>
-              </a:rPr>
-              <a:t>Thank you</a:t>
-            </a:r>
-            <a:endParaRPr lang="en-US" sz="9600" dirty="0">
-              <a:solidFill>
-                <a:schemeClr val="accent2"/>
-              </a:solidFill>
-              <a:latin typeface="+mj-lt"/>
-            </a:endParaRPr>
-          </a:p>
-        </p:txBody>
-      </p:sp>
-    </p:spTree>
-    <p:extLst>
-      <p:ext uri="{BB962C8B-B14F-4D97-AF65-F5344CB8AC3E}">
-        <p14:creationId xmlns:p14="http://schemas.microsoft.com/office/powerpoint/2010/main" val="927782877"/>
       </p:ext>
     </p:extLst>
   </p:cSld>
@@ -22819,6 +23575,79 @@
       </p:par>
     </p:tnLst>
   </p:timing>
+</p:sld>
+</file>
+
+<file path=ppt/slides/slide50.xml><?xml version="1.0" encoding="utf-8"?>
+<p:sld xmlns:a="http://schemas.openxmlformats.org/drawingml/2006/main" xmlns:r="http://schemas.openxmlformats.org/officeDocument/2006/relationships" xmlns:p="http://schemas.openxmlformats.org/presentationml/2006/main">
+  <p:cSld>
+    <p:spTree>
+      <p:nvGrpSpPr>
+        <p:cNvPr id="1" name=""/>
+        <p:cNvGrpSpPr/>
+        <p:nvPr/>
+      </p:nvGrpSpPr>
+      <p:grpSpPr>
+        <a:xfrm>
+          <a:off x="0" y="0"/>
+          <a:ext cx="0" cy="0"/>
+          <a:chOff x="0" y="0"/>
+          <a:chExt cx="0" cy="0"/>
+        </a:xfrm>
+      </p:grpSpPr>
+      <p:sp>
+        <p:nvSpPr>
+          <p:cNvPr id="3" name="Content Placeholder 2"/>
+          <p:cNvSpPr>
+            <a:spLocks noGrp="1"/>
+          </p:cNvSpPr>
+          <p:nvPr>
+            <p:ph idx="1"/>
+          </p:nvPr>
+        </p:nvSpPr>
+        <p:spPr>
+          <a:xfrm>
+            <a:off x="2971800" y="2504051"/>
+            <a:ext cx="5552768" cy="1487846"/>
+          </a:xfrm>
+        </p:spPr>
+        <p:txBody>
+          <a:bodyPr>
+            <a:normAutofit/>
+          </a:bodyPr>
+          <a:lstStyle/>
+          <a:p>
+            <a:pPr marL="0" indent="0">
+              <a:buNone/>
+            </a:pPr>
+            <a:r>
+              <a:rPr lang="en-US" sz="9600" dirty="0" smtClean="0">
+                <a:solidFill>
+                  <a:schemeClr val="accent2"/>
+                </a:solidFill>
+                <a:latin typeface="+mj-lt"/>
+              </a:rPr>
+              <a:t>Thank you</a:t>
+            </a:r>
+            <a:endParaRPr lang="en-US" sz="9600" dirty="0">
+              <a:solidFill>
+                <a:schemeClr val="accent2"/>
+              </a:solidFill>
+              <a:latin typeface="+mj-lt"/>
+            </a:endParaRPr>
+          </a:p>
+        </p:txBody>
+      </p:sp>
+    </p:spTree>
+    <p:extLst>
+      <p:ext uri="{BB962C8B-B14F-4D97-AF65-F5344CB8AC3E}">
+        <p14:creationId xmlns:p14="http://schemas.microsoft.com/office/powerpoint/2010/main" val="927782877"/>
+      </p:ext>
+    </p:extLst>
+  </p:cSld>
+  <p:clrMapOvr>
+    <a:masterClrMapping/>
+  </p:clrMapOvr>
 </p:sld>
 </file>
 
@@ -26859,7 +27688,7 @@
   <a:extraClrSchemeLst/>
   <a:extLst>
     <a:ext uri="{05A4C25C-085E-4340-85A3-A5531E510DB2}">
-      <thm15:themeFamily xmlns:thm15="http://schemas.microsoft.com/office/thememl/2012/main" name="Office Theme" id="{62F939B6-93AF-4DB8-9C6B-D6C7DFDC589F}" vid="{4A3C46E8-61CC-4603-A589-7422A47A8E4A}"/>
+      <thm15:themeFamily xmlns:thm15="http://schemas.microsoft.com/office/thememl/2012/main" xmlns="" name="Office Theme" id="{62F939B6-93AF-4DB8-9C6B-D6C7DFDC589F}" vid="{4A3C46E8-61CC-4603-A589-7422A47A8E4A}"/>
     </a:ext>
   </a:extLst>
 </a:theme>
@@ -27120,7 +27949,7 @@
   <a:extraClrSchemeLst/>
   <a:extLst>
     <a:ext uri="{05A4C25C-085E-4340-85A3-A5531E510DB2}">
-      <thm15:themeFamily xmlns:thm15="http://schemas.microsoft.com/office/thememl/2012/main" name="Office Theme" id="{62F939B6-93AF-4DB8-9C6B-D6C7DFDC589F}" vid="{4A3C46E8-61CC-4603-A589-7422A47A8E4A}"/>
+      <thm15:themeFamily xmlns:thm15="http://schemas.microsoft.com/office/thememl/2012/main" xmlns="" name="Office Theme" id="{62F939B6-93AF-4DB8-9C6B-D6C7DFDC589F}" vid="{4A3C46E8-61CC-4603-A589-7422A47A8E4A}"/>
     </a:ext>
   </a:extLst>
 </a:theme>

--- a/Training/LG_Training_C++11.pptx
+++ b/Training/LG_Training_C++11.pptx
@@ -158,7 +158,7 @@
   </p:defaultTextStyle>
   <p:extLst>
     <p:ext uri="{EFAFB233-063F-42B5-8137-9DF3F51BA10A}">
-      <p15:sldGuideLst xmlns:p15="http://schemas.microsoft.com/office/powerpoint/2012/main" xmlns="">
+      <p15:sldGuideLst xmlns:p15="http://schemas.microsoft.com/office/powerpoint/2012/main">
         <p15:guide id="1" orient="horz" pos="2160">
           <p15:clr>
             <a:srgbClr val="A4A3A4"/>
@@ -172,7 +172,7 @@
       </p15:sldGuideLst>
     </p:ext>
     <p:ext uri="{2D200454-40CA-4A62-9FC3-DE9A4176ACB9}">
-      <p15:notesGuideLst xmlns:p15="http://schemas.microsoft.com/office/powerpoint/2012/main" xmlns=""/>
+      <p15:notesGuideLst xmlns:p15="http://schemas.microsoft.com/office/powerpoint/2012/main"/>
     </p:ext>
   </p:extLst>
 </p:presentation>
@@ -260,7 +260,7 @@
           <a:p>
             <a:fld id="{8CED4065-FBD2-40E7-8D05-BB12B661EDC2}" type="datetimeFigureOut">
               <a:rPr lang="en-US" smtClean="0"/>
-              <a:t>11/29/2018</a:t>
+              <a:t>11/30/2018</a:t>
             </a:fld>
             <a:endParaRPr lang="en-US"/>
           </a:p>
@@ -3234,7 +3234,7 @@
           <a:p>
             <a:fld id="{A35A536D-C9E9-4036-ACC9-B934A19DE91F}" type="datetimeFigureOut">
               <a:rPr lang="en-US" smtClean="0"/>
-              <a:t>11/29/2018</a:t>
+              <a:t>11/30/2018</a:t>
             </a:fld>
             <a:endParaRPr lang="en-US"/>
           </a:p>
@@ -3404,7 +3404,7 @@
           <a:p>
             <a:fld id="{A35A536D-C9E9-4036-ACC9-B934A19DE91F}" type="datetimeFigureOut">
               <a:rPr lang="en-US" smtClean="0"/>
-              <a:t>11/29/2018</a:t>
+              <a:t>11/30/2018</a:t>
             </a:fld>
             <a:endParaRPr lang="en-US"/>
           </a:p>
@@ -3584,7 +3584,7 @@
           <a:p>
             <a:fld id="{A35A536D-C9E9-4036-ACC9-B934A19DE91F}" type="datetimeFigureOut">
               <a:rPr lang="en-US" smtClean="0"/>
-              <a:t>11/29/2018</a:t>
+              <a:t>11/30/2018</a:t>
             </a:fld>
             <a:endParaRPr lang="en-US"/>
           </a:p>
@@ -3754,7 +3754,7 @@
           <a:p>
             <a:fld id="{A35A536D-C9E9-4036-ACC9-B934A19DE91F}" type="datetimeFigureOut">
               <a:rPr lang="en-US" smtClean="0"/>
-              <a:t>11/29/2018</a:t>
+              <a:t>11/30/2018</a:t>
             </a:fld>
             <a:endParaRPr lang="en-US"/>
           </a:p>
@@ -4000,7 +4000,7 @@
           <a:p>
             <a:fld id="{A35A536D-C9E9-4036-ACC9-B934A19DE91F}" type="datetimeFigureOut">
               <a:rPr lang="en-US" smtClean="0"/>
-              <a:t>11/29/2018</a:t>
+              <a:t>11/30/2018</a:t>
             </a:fld>
             <a:endParaRPr lang="en-US"/>
           </a:p>
@@ -4232,7 +4232,7 @@
           <a:p>
             <a:fld id="{A35A536D-C9E9-4036-ACC9-B934A19DE91F}" type="datetimeFigureOut">
               <a:rPr lang="en-US" smtClean="0"/>
-              <a:t>11/29/2018</a:t>
+              <a:t>11/30/2018</a:t>
             </a:fld>
             <a:endParaRPr lang="en-US"/>
           </a:p>
@@ -4599,7 +4599,7 @@
           <a:p>
             <a:fld id="{A35A536D-C9E9-4036-ACC9-B934A19DE91F}" type="datetimeFigureOut">
               <a:rPr lang="en-US" smtClean="0"/>
-              <a:t>11/29/2018</a:t>
+              <a:t>11/30/2018</a:t>
             </a:fld>
             <a:endParaRPr lang="en-US"/>
           </a:p>
@@ -4717,7 +4717,7 @@
           <a:p>
             <a:fld id="{A35A536D-C9E9-4036-ACC9-B934A19DE91F}" type="datetimeFigureOut">
               <a:rPr lang="en-US" smtClean="0"/>
-              <a:t>11/29/2018</a:t>
+              <a:t>11/30/2018</a:t>
             </a:fld>
             <a:endParaRPr lang="en-US"/>
           </a:p>
@@ -4812,7 +4812,7 @@
           <a:p>
             <a:fld id="{A35A536D-C9E9-4036-ACC9-B934A19DE91F}" type="datetimeFigureOut">
               <a:rPr lang="en-US" smtClean="0"/>
-              <a:t>11/29/2018</a:t>
+              <a:t>11/30/2018</a:t>
             </a:fld>
             <a:endParaRPr lang="en-US"/>
           </a:p>
@@ -5089,7 +5089,7 @@
           <a:p>
             <a:fld id="{A35A536D-C9E9-4036-ACC9-B934A19DE91F}" type="datetimeFigureOut">
               <a:rPr lang="en-US" smtClean="0"/>
-              <a:t>11/29/2018</a:t>
+              <a:t>11/30/2018</a:t>
             </a:fld>
             <a:endParaRPr lang="en-US"/>
           </a:p>
@@ -5342,7 +5342,7 @@
           <a:p>
             <a:fld id="{A35A536D-C9E9-4036-ACC9-B934A19DE91F}" type="datetimeFigureOut">
               <a:rPr lang="en-US" smtClean="0"/>
-              <a:t>11/29/2018</a:t>
+              <a:t>11/30/2018</a:t>
             </a:fld>
             <a:endParaRPr lang="en-US"/>
           </a:p>
@@ -5566,7 +5566,7 @@
           <a:p>
             <a:fld id="{A35A536D-C9E9-4036-ACC9-B934A19DE91F}" type="datetimeFigureOut">
               <a:rPr lang="en-US" smtClean="0"/>
-              <a:t>11/29/2018</a:t>
+              <a:t>11/30/2018</a:t>
             </a:fld>
             <a:endParaRPr lang="en-US"/>
           </a:p>
@@ -21677,6 +21677,359 @@
           </a:prstGeom>
         </p:spPr>
       </p:pic>
+      <p:sp>
+        <p:nvSpPr>
+          <p:cNvPr id="6" name="TextBox 5"/>
+          <p:cNvSpPr txBox="1"/>
+          <p:nvPr/>
+        </p:nvSpPr>
+        <p:spPr>
+          <a:xfrm>
+            <a:off x="5120278" y="3105510"/>
+            <a:ext cx="503664" cy="307777"/>
+          </a:xfrm>
+          <a:prstGeom prst="rect">
+            <a:avLst/>
+          </a:prstGeom>
+          <a:noFill/>
+        </p:spPr>
+        <p:txBody>
+          <a:bodyPr wrap="none" rtlCol="0">
+            <a:spAutoFit/>
+          </a:bodyPr>
+          <a:lstStyle/>
+          <a:p>
+            <a:r>
+              <a:rPr lang="en-US" sz="1400" dirty="0" smtClean="0">
+                <a:solidFill>
+                  <a:srgbClr val="FF0000"/>
+                </a:solidFill>
+              </a:rPr>
+              <a:t>lock</a:t>
+            </a:r>
+            <a:endParaRPr lang="en-US" sz="1400" dirty="0">
+              <a:solidFill>
+                <a:srgbClr val="FF0000"/>
+              </a:solidFill>
+            </a:endParaRPr>
+          </a:p>
+        </p:txBody>
+      </p:sp>
+      <p:sp>
+        <p:nvSpPr>
+          <p:cNvPr id="7" name="TextBox 6"/>
+          <p:cNvSpPr txBox="1"/>
+          <p:nvPr/>
+        </p:nvSpPr>
+        <p:spPr>
+          <a:xfrm>
+            <a:off x="5118179" y="3413287"/>
+            <a:ext cx="702436" cy="307777"/>
+          </a:xfrm>
+          <a:prstGeom prst="rect">
+            <a:avLst/>
+          </a:prstGeom>
+          <a:noFill/>
+        </p:spPr>
+        <p:txBody>
+          <a:bodyPr wrap="none" rtlCol="0">
+            <a:spAutoFit/>
+          </a:bodyPr>
+          <a:lstStyle/>
+          <a:p>
+            <a:r>
+              <a:rPr lang="en-US" sz="1400" dirty="0" smtClean="0">
+                <a:solidFill>
+                  <a:srgbClr val="FF0000"/>
+                </a:solidFill>
+              </a:rPr>
+              <a:t>unlock</a:t>
+            </a:r>
+            <a:endParaRPr lang="en-US" sz="1400" dirty="0">
+              <a:solidFill>
+                <a:srgbClr val="FF0000"/>
+              </a:solidFill>
+            </a:endParaRPr>
+          </a:p>
+        </p:txBody>
+      </p:sp>
+      <p:sp>
+        <p:nvSpPr>
+          <p:cNvPr id="8" name="TextBox 7"/>
+          <p:cNvSpPr txBox="1"/>
+          <p:nvPr/>
+        </p:nvSpPr>
+        <p:spPr>
+          <a:xfrm>
+            <a:off x="5118179" y="4341056"/>
+            <a:ext cx="702436" cy="307777"/>
+          </a:xfrm>
+          <a:prstGeom prst="rect">
+            <a:avLst/>
+          </a:prstGeom>
+          <a:noFill/>
+        </p:spPr>
+        <p:txBody>
+          <a:bodyPr wrap="none" rtlCol="0">
+            <a:spAutoFit/>
+          </a:bodyPr>
+          <a:lstStyle/>
+          <a:p>
+            <a:r>
+              <a:rPr lang="en-US" sz="1400" dirty="0" smtClean="0">
+                <a:solidFill>
+                  <a:srgbClr val="FF0000"/>
+                </a:solidFill>
+              </a:rPr>
+              <a:t>unlock</a:t>
+            </a:r>
+            <a:endParaRPr lang="en-US" sz="1400" dirty="0">
+              <a:solidFill>
+                <a:srgbClr val="FF0000"/>
+              </a:solidFill>
+            </a:endParaRPr>
+          </a:p>
+        </p:txBody>
+      </p:sp>
+      <p:sp>
+        <p:nvSpPr>
+          <p:cNvPr id="9" name="TextBox 8"/>
+          <p:cNvSpPr txBox="1"/>
+          <p:nvPr/>
+        </p:nvSpPr>
+        <p:spPr>
+          <a:xfrm>
+            <a:off x="5120278" y="3954116"/>
+            <a:ext cx="503664" cy="307777"/>
+          </a:xfrm>
+          <a:prstGeom prst="rect">
+            <a:avLst/>
+          </a:prstGeom>
+          <a:noFill/>
+        </p:spPr>
+        <p:txBody>
+          <a:bodyPr wrap="none" rtlCol="0">
+            <a:spAutoFit/>
+          </a:bodyPr>
+          <a:lstStyle/>
+          <a:p>
+            <a:r>
+              <a:rPr lang="en-US" sz="1400" dirty="0" smtClean="0">
+                <a:solidFill>
+                  <a:srgbClr val="FF0000"/>
+                </a:solidFill>
+              </a:rPr>
+              <a:t>lock</a:t>
+            </a:r>
+            <a:endParaRPr lang="en-US" sz="1400" dirty="0">
+              <a:solidFill>
+                <a:srgbClr val="FF0000"/>
+              </a:solidFill>
+            </a:endParaRPr>
+          </a:p>
+        </p:txBody>
+      </p:sp>
+      <p:cxnSp>
+        <p:nvCxnSpPr>
+          <p:cNvPr id="11" name="Straight Arrow Connector 10"/>
+          <p:cNvCxnSpPr>
+            <a:stCxn id="6" idx="1"/>
+          </p:cNvCxnSpPr>
+          <p:nvPr/>
+        </p:nvCxnSpPr>
+        <p:spPr>
+          <a:xfrm flipH="1">
+            <a:off x="4787660" y="3259399"/>
+            <a:ext cx="332618" cy="61771"/>
+          </a:xfrm>
+          <a:prstGeom prst="straightConnector1">
+            <a:avLst/>
+          </a:prstGeom>
+          <a:ln>
+            <a:tailEnd type="triangle"/>
+          </a:ln>
+        </p:spPr>
+        <p:style>
+          <a:lnRef idx="1">
+            <a:schemeClr val="accent1"/>
+          </a:lnRef>
+          <a:fillRef idx="0">
+            <a:schemeClr val="accent1"/>
+          </a:fillRef>
+          <a:effectRef idx="0">
+            <a:schemeClr val="accent1"/>
+          </a:effectRef>
+          <a:fontRef idx="minor">
+            <a:schemeClr val="tx1"/>
+          </a:fontRef>
+        </p:style>
+      </p:cxnSp>
+      <p:cxnSp>
+        <p:nvCxnSpPr>
+          <p:cNvPr id="13" name="Straight Arrow Connector 12"/>
+          <p:cNvCxnSpPr/>
+          <p:nvPr/>
+        </p:nvCxnSpPr>
+        <p:spPr>
+          <a:xfrm flipH="1" flipV="1">
+            <a:off x="3881887" y="3505404"/>
+            <a:ext cx="1236292" cy="1"/>
+          </a:xfrm>
+          <a:prstGeom prst="straightConnector1">
+            <a:avLst/>
+          </a:prstGeom>
+          <a:ln>
+            <a:tailEnd type="triangle"/>
+          </a:ln>
+        </p:spPr>
+        <p:style>
+          <a:lnRef idx="1">
+            <a:schemeClr val="accent1"/>
+          </a:lnRef>
+          <a:fillRef idx="0">
+            <a:schemeClr val="accent1"/>
+          </a:fillRef>
+          <a:effectRef idx="0">
+            <a:schemeClr val="accent1"/>
+          </a:effectRef>
+          <a:fontRef idx="minor">
+            <a:schemeClr val="tx1"/>
+          </a:fontRef>
+        </p:style>
+      </p:cxnSp>
+      <p:cxnSp>
+        <p:nvCxnSpPr>
+          <p:cNvPr id="15" name="Straight Arrow Connector 14"/>
+          <p:cNvCxnSpPr>
+            <a:stCxn id="9" idx="1"/>
+          </p:cNvCxnSpPr>
+          <p:nvPr/>
+        </p:nvCxnSpPr>
+        <p:spPr>
+          <a:xfrm flipH="1" flipV="1">
+            <a:off x="3865115" y="3645507"/>
+            <a:ext cx="1255163" cy="462498"/>
+          </a:xfrm>
+          <a:prstGeom prst="straightConnector1">
+            <a:avLst/>
+          </a:prstGeom>
+          <a:ln>
+            <a:tailEnd type="triangle"/>
+          </a:ln>
+        </p:spPr>
+        <p:style>
+          <a:lnRef idx="1">
+            <a:schemeClr val="accent1"/>
+          </a:lnRef>
+          <a:fillRef idx="0">
+            <a:schemeClr val="accent1"/>
+          </a:fillRef>
+          <a:effectRef idx="0">
+            <a:schemeClr val="accent1"/>
+          </a:effectRef>
+          <a:fontRef idx="minor">
+            <a:schemeClr val="tx1"/>
+          </a:fontRef>
+        </p:style>
+      </p:cxnSp>
+      <p:cxnSp>
+        <p:nvCxnSpPr>
+          <p:cNvPr id="17" name="Straight Arrow Connector 16"/>
+          <p:cNvCxnSpPr/>
+          <p:nvPr/>
+        </p:nvCxnSpPr>
+        <p:spPr>
+          <a:xfrm flipH="1" flipV="1">
+            <a:off x="1169448" y="4261893"/>
+            <a:ext cx="3856326" cy="273699"/>
+          </a:xfrm>
+          <a:prstGeom prst="straightConnector1">
+            <a:avLst/>
+          </a:prstGeom>
+          <a:ln>
+            <a:tailEnd type="triangle"/>
+          </a:ln>
+        </p:spPr>
+        <p:style>
+          <a:lnRef idx="1">
+            <a:schemeClr val="accent1"/>
+          </a:lnRef>
+          <a:fillRef idx="0">
+            <a:schemeClr val="accent1"/>
+          </a:fillRef>
+          <a:effectRef idx="0">
+            <a:schemeClr val="accent1"/>
+          </a:effectRef>
+          <a:fontRef idx="minor">
+            <a:schemeClr val="tx1"/>
+          </a:fontRef>
+        </p:style>
+      </p:cxnSp>
+      <p:sp>
+        <p:nvSpPr>
+          <p:cNvPr id="20" name="TextBox 19"/>
+          <p:cNvSpPr txBox="1"/>
+          <p:nvPr/>
+        </p:nvSpPr>
+        <p:spPr>
+          <a:xfrm>
+            <a:off x="5150540" y="3670533"/>
+            <a:ext cx="612668" cy="307777"/>
+          </a:xfrm>
+          <a:prstGeom prst="rect">
+            <a:avLst/>
+          </a:prstGeom>
+          <a:noFill/>
+        </p:spPr>
+        <p:txBody>
+          <a:bodyPr wrap="none" rtlCol="0">
+            <a:spAutoFit/>
+          </a:bodyPr>
+          <a:lstStyle/>
+          <a:p>
+            <a:r>
+              <a:rPr lang="en-US" sz="1400" dirty="0" smtClean="0"/>
+              <a:t>notify</a:t>
+            </a:r>
+            <a:endParaRPr lang="en-US" sz="1400" dirty="0"/>
+          </a:p>
+        </p:txBody>
+      </p:sp>
+      <p:cxnSp>
+        <p:nvCxnSpPr>
+          <p:cNvPr id="22" name="Straight Arrow Connector 21"/>
+          <p:cNvCxnSpPr>
+            <a:stCxn id="20" idx="1"/>
+          </p:cNvCxnSpPr>
+          <p:nvPr/>
+        </p:nvCxnSpPr>
+        <p:spPr>
+          <a:xfrm flipH="1" flipV="1">
+            <a:off x="3865115" y="3567175"/>
+            <a:ext cx="1285425" cy="257247"/>
+          </a:xfrm>
+          <a:prstGeom prst="straightConnector1">
+            <a:avLst/>
+          </a:prstGeom>
+          <a:ln>
+            <a:tailEnd type="triangle"/>
+          </a:ln>
+        </p:spPr>
+        <p:style>
+          <a:lnRef idx="1">
+            <a:schemeClr val="accent1"/>
+          </a:lnRef>
+          <a:fillRef idx="0">
+            <a:schemeClr val="accent1"/>
+          </a:fillRef>
+          <a:effectRef idx="0">
+            <a:schemeClr val="accent1"/>
+          </a:effectRef>
+          <a:fontRef idx="minor">
+            <a:schemeClr val="tx1"/>
+          </a:fontRef>
+        </p:style>
+      </p:cxnSp>
     </p:spTree>
     <p:extLst>
       <p:ext uri="{BB962C8B-B14F-4D97-AF65-F5344CB8AC3E}">
@@ -27688,7 +28041,7 @@
   <a:extraClrSchemeLst/>
   <a:extLst>
     <a:ext uri="{05A4C25C-085E-4340-85A3-A5531E510DB2}">
-      <thm15:themeFamily xmlns:thm15="http://schemas.microsoft.com/office/thememl/2012/main" xmlns="" name="Office Theme" id="{62F939B6-93AF-4DB8-9C6B-D6C7DFDC589F}" vid="{4A3C46E8-61CC-4603-A589-7422A47A8E4A}"/>
+      <thm15:themeFamily xmlns:thm15="http://schemas.microsoft.com/office/thememl/2012/main" name="Office Theme" id="{62F939B6-93AF-4DB8-9C6B-D6C7DFDC589F}" vid="{4A3C46E8-61CC-4603-A589-7422A47A8E4A}"/>
     </a:ext>
   </a:extLst>
 </a:theme>
@@ -27949,7 +28302,7 @@
   <a:extraClrSchemeLst/>
   <a:extLst>
     <a:ext uri="{05A4C25C-085E-4340-85A3-A5531E510DB2}">
-      <thm15:themeFamily xmlns:thm15="http://schemas.microsoft.com/office/thememl/2012/main" xmlns="" name="Office Theme" id="{62F939B6-93AF-4DB8-9C6B-D6C7DFDC589F}" vid="{4A3C46E8-61CC-4603-A589-7422A47A8E4A}"/>
+      <thm15:themeFamily xmlns:thm15="http://schemas.microsoft.com/office/thememl/2012/main" name="Office Theme" id="{62F939B6-93AF-4DB8-9C6B-D6C7DFDC589F}" vid="{4A3C46E8-61CC-4603-A589-7422A47A8E4A}"/>
     </a:ext>
   </a:extLst>
 </a:theme>
